--- a/1장/20164091-송희령-7주차 과제1.pptx
+++ b/1장/20164091-송희령-7주차 과제1.pptx
@@ -6,12 +6,15 @@
   </p:sldMasterIdLst>
   <p:sldIdLst>
     <p:sldId id="257" r:id="rId2"/>
-    <p:sldId id="306" r:id="rId3"/>
-    <p:sldId id="352" r:id="rId4"/>
-    <p:sldId id="353" r:id="rId5"/>
-    <p:sldId id="354" r:id="rId6"/>
-    <p:sldId id="355" r:id="rId7"/>
-    <p:sldId id="258" r:id="rId8"/>
+    <p:sldId id="356" r:id="rId3"/>
+    <p:sldId id="306" r:id="rId4"/>
+    <p:sldId id="352" r:id="rId5"/>
+    <p:sldId id="353" r:id="rId6"/>
+    <p:sldId id="354" r:id="rId7"/>
+    <p:sldId id="355" r:id="rId8"/>
+    <p:sldId id="357" r:id="rId9"/>
+    <p:sldId id="358" r:id="rId10"/>
+    <p:sldId id="258" r:id="rId11"/>
   </p:sldIdLst>
   <p:sldSz cx="12192000" cy="6858000"/>
   <p:notesSz cx="6858000" cy="9144000"/>
@@ -4124,6 +4127,227 @@
 </p:sld>
 </file>
 
+<file path=ppt/slides/slide10.xml><?xml version="1.0" encoding="utf-8"?>
+<p:sld xmlns:a="http://schemas.openxmlformats.org/drawingml/2006/main" xmlns:r="http://schemas.openxmlformats.org/officeDocument/2006/relationships" xmlns:p="http://schemas.openxmlformats.org/presentationml/2006/main">
+  <p:cSld>
+    <p:spTree>
+      <p:nvGrpSpPr>
+        <p:cNvPr id="1" name=""/>
+        <p:cNvGrpSpPr/>
+        <p:nvPr/>
+      </p:nvGrpSpPr>
+      <p:grpSpPr>
+        <a:xfrm>
+          <a:off x="0" y="0"/>
+          <a:ext cx="0" cy="0"/>
+          <a:chOff x="0" y="0"/>
+          <a:chExt cx="0" cy="0"/>
+        </a:xfrm>
+      </p:grpSpPr>
+      <p:sp>
+        <p:nvSpPr>
+          <p:cNvPr id="105" name="직사각형 104">
+            <a:extLst>
+              <a:ext uri="{FF2B5EF4-FFF2-40B4-BE49-F238E27FC236}">
+                <a16:creationId xmlns:a16="http://schemas.microsoft.com/office/drawing/2014/main" id="{92F4E01E-679C-4D6B-8449-8DB2AF7B7D34}"/>
+              </a:ext>
+            </a:extLst>
+          </p:cNvPr>
+          <p:cNvSpPr/>
+          <p:nvPr/>
+        </p:nvSpPr>
+        <p:spPr>
+          <a:xfrm>
+            <a:off x="3739117" y="3003678"/>
+            <a:ext cx="4713765" cy="1032077"/>
+          </a:xfrm>
+          <a:prstGeom prst="rect">
+            <a:avLst/>
+          </a:prstGeom>
+        </p:spPr>
+        <p:txBody>
+          <a:bodyPr wrap="square">
+            <a:spAutoFit/>
+          </a:bodyPr>
+          <a:lstStyle/>
+          <a:p>
+            <a:pPr algn="ctr" latinLnBrk="0">
+              <a:lnSpc>
+                <a:spcPct val="150000"/>
+              </a:lnSpc>
+              <a:defRPr/>
+            </a:pPr>
+            <a:r>
+              <a:rPr lang="ko-KR" altLang="en-US" sz="3200" b="1" i="1" kern="0">
+                <a:solidFill>
+                  <a:srgbClr val="FF7876"/>
+                </a:solidFill>
+              </a:rPr>
+              <a:t>감사합니다</a:t>
+            </a:r>
+            <a:r>
+              <a:rPr lang="en-US" altLang="ko-KR" sz="3200" b="1" i="1" kern="0">
+                <a:solidFill>
+                  <a:prstClr val="black">
+                    <a:lumMod val="75000"/>
+                    <a:lumOff val="25000"/>
+                  </a:prstClr>
+                </a:solidFill>
+              </a:rPr>
+              <a:t> </a:t>
+            </a:r>
+            <a:endParaRPr lang="en-US" altLang="ko-KR" sz="3200" b="1" i="1" kern="0" dirty="0">
+              <a:solidFill>
+                <a:prstClr val="black">
+                  <a:lumMod val="75000"/>
+                  <a:lumOff val="25000"/>
+                </a:prstClr>
+              </a:solidFill>
+            </a:endParaRPr>
+          </a:p>
+          <a:p>
+            <a:pPr algn="ctr" latinLnBrk="0">
+              <a:lnSpc>
+                <a:spcPct val="150000"/>
+              </a:lnSpc>
+              <a:defRPr/>
+            </a:pPr>
+            <a:r>
+              <a:rPr lang="en-US" altLang="ko-KR" sz="900" kern="0">
+                <a:solidFill>
+                  <a:prstClr val="black">
+                    <a:lumMod val="75000"/>
+                    <a:lumOff val="25000"/>
+                  </a:prstClr>
+                </a:solidFill>
+              </a:rPr>
+              <a:t>20164091 </a:t>
+            </a:r>
+            <a:r>
+              <a:rPr lang="ko-KR" altLang="en-US" sz="900" kern="0">
+                <a:solidFill>
+                  <a:prstClr val="black">
+                    <a:lumMod val="75000"/>
+                    <a:lumOff val="25000"/>
+                  </a:prstClr>
+                </a:solidFill>
+              </a:rPr>
+              <a:t>송희령</a:t>
+            </a:r>
+            <a:endParaRPr lang="en-US" altLang="ko-KR" sz="900" kern="0" dirty="0">
+              <a:solidFill>
+                <a:prstClr val="black">
+                  <a:lumMod val="75000"/>
+                  <a:lumOff val="25000"/>
+                </a:prstClr>
+              </a:solidFill>
+            </a:endParaRPr>
+          </a:p>
+        </p:txBody>
+      </p:sp>
+      <p:cxnSp>
+        <p:nvCxnSpPr>
+          <p:cNvPr id="25" name="직선 연결선 24">
+            <a:extLst>
+              <a:ext uri="{FF2B5EF4-FFF2-40B4-BE49-F238E27FC236}">
+                <a16:creationId xmlns:a16="http://schemas.microsoft.com/office/drawing/2014/main" id="{5C950320-1D5A-4C58-BB46-CEBCD7EA92EE}"/>
+              </a:ext>
+            </a:extLst>
+          </p:cNvPr>
+          <p:cNvCxnSpPr>
+            <a:cxnSpLocks/>
+          </p:cNvCxnSpPr>
+          <p:nvPr/>
+        </p:nvCxnSpPr>
+        <p:spPr>
+          <a:xfrm flipV="1">
+            <a:off x="859926" y="3518678"/>
+            <a:ext cx="3747936" cy="519"/>
+          </a:xfrm>
+          <a:prstGeom prst="line">
+            <a:avLst/>
+          </a:prstGeom>
+          <a:ln w="6350">
+            <a:solidFill>
+              <a:srgbClr val="FF7876"/>
+            </a:solidFill>
+            <a:prstDash val="sysDash"/>
+            <a:tailEnd type="oval"/>
+          </a:ln>
+        </p:spPr>
+        <p:style>
+          <a:lnRef idx="1">
+            <a:schemeClr val="accent1"/>
+          </a:lnRef>
+          <a:fillRef idx="0">
+            <a:schemeClr val="accent1"/>
+          </a:fillRef>
+          <a:effectRef idx="0">
+            <a:schemeClr val="accent1"/>
+          </a:effectRef>
+          <a:fontRef idx="minor">
+            <a:schemeClr val="tx1"/>
+          </a:fontRef>
+        </p:style>
+      </p:cxnSp>
+      <p:cxnSp>
+        <p:nvCxnSpPr>
+          <p:cNvPr id="26" name="직선 연결선 25">
+            <a:extLst>
+              <a:ext uri="{FF2B5EF4-FFF2-40B4-BE49-F238E27FC236}">
+                <a16:creationId xmlns:a16="http://schemas.microsoft.com/office/drawing/2014/main" id="{4BADCF3C-651C-44CD-8DEE-E875CC3C1444}"/>
+              </a:ext>
+            </a:extLst>
+          </p:cNvPr>
+          <p:cNvCxnSpPr>
+            <a:cxnSpLocks/>
+          </p:cNvCxnSpPr>
+          <p:nvPr/>
+        </p:nvCxnSpPr>
+        <p:spPr>
+          <a:xfrm flipH="1">
+            <a:off x="7584140" y="3519196"/>
+            <a:ext cx="3688436" cy="0"/>
+          </a:xfrm>
+          <a:prstGeom prst="line">
+            <a:avLst/>
+          </a:prstGeom>
+          <a:ln w="6350">
+            <a:solidFill>
+              <a:srgbClr val="FF7876"/>
+            </a:solidFill>
+            <a:prstDash val="sysDash"/>
+            <a:tailEnd type="oval"/>
+          </a:ln>
+        </p:spPr>
+        <p:style>
+          <a:lnRef idx="1">
+            <a:schemeClr val="accent1"/>
+          </a:lnRef>
+          <a:fillRef idx="0">
+            <a:schemeClr val="accent1"/>
+          </a:fillRef>
+          <a:effectRef idx="0">
+            <a:schemeClr val="accent1"/>
+          </a:effectRef>
+          <a:fontRef idx="minor">
+            <a:schemeClr val="tx1"/>
+          </a:fontRef>
+        </p:style>
+      </p:cxnSp>
+    </p:spTree>
+    <p:extLst>
+      <p:ext uri="{BB962C8B-B14F-4D97-AF65-F5344CB8AC3E}">
+        <p14:creationId xmlns:p14="http://schemas.microsoft.com/office/powerpoint/2010/main" val="1066393970"/>
+      </p:ext>
+    </p:extLst>
+  </p:cSld>
+  <p:clrMapOvr>
+    <a:masterClrMapping/>
+  </p:clrMapOvr>
+</p:sld>
+</file>
+
 <file path=ppt/slides/slide2.xml><?xml version="1.0" encoding="utf-8"?>
 <p:sld xmlns:a="http://schemas.openxmlformats.org/drawingml/2006/main" xmlns:r="http://schemas.openxmlformats.org/officeDocument/2006/relationships" xmlns:p="http://schemas.openxmlformats.org/presentationml/2006/main">
   <p:cSld>
@@ -4180,7 +4404,7 @@
                   <a:srgbClr val="FF7876"/>
                 </a:solidFill>
               </a:rPr>
-              <a:t>ex1</a:t>
+              <a:t>info</a:t>
             </a:r>
           </a:p>
         </p:txBody>
@@ -4310,23 +4534,7 @@
                   <a:srgbClr val="FF7876"/>
                 </a:solidFill>
               </a:rPr>
-              <a:t>예제 </a:t>
-            </a:r>
-            <a:r>
-              <a:rPr lang="en-US" altLang="ko-KR" sz="1100" i="1" dirty="0">
-                <a:solidFill>
-                  <a:srgbClr val="FF7876"/>
-                </a:solidFill>
-              </a:rPr>
-              <a:t>1</a:t>
-            </a:r>
-            <a:r>
-              <a:rPr lang="ko-KR" altLang="en-US" sz="1100" i="1" dirty="0">
-                <a:solidFill>
-                  <a:srgbClr val="FF7876"/>
-                </a:solidFill>
-              </a:rPr>
-              <a:t> 분석</a:t>
+              <a:t>시스템 환경</a:t>
             </a:r>
             <a:endParaRPr lang="en-US" altLang="ko-KR" sz="1100" i="1" dirty="0">
               <a:solidFill>
@@ -4341,7 +4549,7 @@
           <p:cNvPr id="20" name="TextBox 19">
             <a:extLst>
               <a:ext uri="{FF2B5EF4-FFF2-40B4-BE49-F238E27FC236}">
-                <a16:creationId xmlns:a16="http://schemas.microsoft.com/office/drawing/2014/main" id="{1A551814-E43F-4480-A7D4-49969B0636C8}"/>
+                <a16:creationId xmlns:a16="http://schemas.microsoft.com/office/drawing/2014/main" id="{7346996B-E8B3-9945-BBB2-B9FD8374E2A7}"/>
               </a:ext>
             </a:extLst>
           </p:cNvPr>
@@ -4350,15 +4558,17 @@
         </p:nvSpPr>
         <p:spPr>
           <a:xfrm>
-            <a:off x="5590623" y="2112393"/>
-            <a:ext cx="6125027" cy="430887"/>
+            <a:off x="2975637" y="4890431"/>
+            <a:ext cx="6125027" cy="769441"/>
           </a:xfrm>
           <a:prstGeom prst="rect">
             <a:avLst/>
           </a:prstGeom>
           <a:noFill/>
           <a:ln w="12700">
-            <a:noFill/>
+            <a:solidFill>
+              <a:srgbClr val="FF7876"/>
+            </a:solidFill>
           </a:ln>
         </p:spPr>
         <p:txBody>
@@ -4367,63 +4577,81 @@
           </a:bodyPr>
           <a:lstStyle/>
           <a:p>
-            <a:r>
-              <a:rPr lang="en-US" altLang="ko-KR" sz="1100" dirty="0"/>
-              <a:t>Address</a:t>
-            </a:r>
-            <a:r>
-              <a:rPr lang="ko-KR" altLang="en-US" sz="1100" dirty="0"/>
-              <a:t>라는 </a:t>
+            <a:pPr algn="ctr"/>
+            <a:r>
+              <a:rPr lang="ko-KR" altLang="en-US" sz="1100" dirty="0"/>
+              <a:t>본 과제의 시스템 작동 환경은 다음과 같습니다</a:t>
+            </a:r>
+            <a:r>
+              <a:rPr lang="en-US" altLang="ko-KR" sz="1100" dirty="0"/>
+              <a:t>.</a:t>
+            </a:r>
+          </a:p>
+          <a:p>
+            <a:pPr algn="ctr"/>
+            <a:r>
+              <a:rPr lang="en-US" altLang="ko-KR" sz="1100" dirty="0"/>
+              <a:t>m1</a:t>
+            </a:r>
+            <a:r>
+              <a:rPr lang="ko-KR" altLang="en-US" sz="1100" dirty="0"/>
+              <a:t>맥북의 </a:t>
+            </a:r>
+            <a:r>
+              <a:rPr lang="en-US" altLang="ko-KR" sz="1100" dirty="0"/>
+              <a:t>macOS </a:t>
             </a:r>
             <a:r>
               <a:rPr lang="ko-KR" altLang="en-US" sz="1100" dirty="0" err="1"/>
-              <a:t>주소정보를</a:t>
-            </a:r>
-            <a:r>
-              <a:rPr lang="ko-KR" altLang="en-US" sz="1100" dirty="0"/>
-              <a:t> 저장할 수 있는 클래스객체를 생성합니다</a:t>
-            </a:r>
-            <a:r>
-              <a:rPr lang="en-US" altLang="ko-KR" sz="1100" dirty="0"/>
-              <a:t>.</a:t>
-            </a:r>
-          </a:p>
-          <a:p>
-            <a:r>
-              <a:rPr lang="ko-KR" altLang="en-US" sz="1100" dirty="0"/>
-              <a:t>각각 이름과 주소</a:t>
-            </a:r>
-            <a:r>
-              <a:rPr lang="en-US" altLang="ko-KR" sz="1100" dirty="0"/>
-              <a:t>,</a:t>
-            </a:r>
-            <a:r>
-              <a:rPr lang="ko-KR" altLang="en-US" sz="1100" dirty="0"/>
-              <a:t> 도시</a:t>
-            </a:r>
-            <a:r>
-              <a:rPr lang="en-US" altLang="ko-KR" sz="1100" dirty="0"/>
-              <a:t>,</a:t>
-            </a:r>
-            <a:r>
-              <a:rPr lang="ko-KR" altLang="en-US" sz="1100" dirty="0"/>
-              <a:t> 주</a:t>
-            </a:r>
-            <a:r>
-              <a:rPr lang="en-US" altLang="ko-KR" sz="1100" dirty="0"/>
-              <a:t>,</a:t>
-            </a:r>
-            <a:r>
-              <a:rPr lang="ko-KR" altLang="en-US" sz="1100" dirty="0"/>
-              <a:t> 우편번호를 </a:t>
-            </a:r>
-            <a:r>
-              <a:rPr lang="en-US" altLang="ko-KR" sz="1100" dirty="0"/>
-              <a:t>string</a:t>
-            </a:r>
-            <a:r>
-              <a:rPr lang="ko-KR" altLang="en-US" sz="1100" dirty="0"/>
-              <a:t>형식으로 저장하게 합니다</a:t>
+              <a:t>빅서상에서</a:t>
+            </a:r>
+            <a:r>
+              <a:rPr lang="ko-KR" altLang="en-US" sz="1100" dirty="0"/>
+              <a:t> 실행되었으며</a:t>
+            </a:r>
+            <a:endParaRPr lang="en-US" altLang="ko-KR" sz="1100" dirty="0"/>
+          </a:p>
+          <a:p>
+            <a:pPr algn="ctr"/>
+            <a:r>
+              <a:rPr lang="en-US" altLang="ko-KR" sz="1100" dirty="0" err="1"/>
+              <a:t>vsCode</a:t>
+            </a:r>
+            <a:r>
+              <a:rPr lang="ko-KR" altLang="en-US" sz="1100" dirty="0" err="1"/>
+              <a:t>를</a:t>
+            </a:r>
+            <a:r>
+              <a:rPr lang="ko-KR" altLang="en-US" sz="1100" dirty="0"/>
+              <a:t> 이용하여 </a:t>
+            </a:r>
+            <a:r>
+              <a:rPr lang="ko-KR" altLang="en-US" sz="1100" dirty="0" err="1"/>
+              <a:t>코드작성을</a:t>
+            </a:r>
+            <a:r>
+              <a:rPr lang="ko-KR" altLang="en-US" sz="1100" dirty="0"/>
+              <a:t> 하였고</a:t>
+            </a:r>
+            <a:endParaRPr lang="en-US" altLang="ko-KR" sz="1100" dirty="0"/>
+          </a:p>
+          <a:p>
+            <a:pPr algn="ctr"/>
+            <a:r>
+              <a:rPr lang="ko-KR" altLang="en-US" sz="1100" dirty="0" err="1"/>
+              <a:t>파이썬은</a:t>
+            </a:r>
+            <a:r>
+              <a:rPr lang="ko-KR" altLang="en-US" sz="1100" dirty="0"/>
+              <a:t> </a:t>
+            </a:r>
+            <a:r>
+              <a:rPr lang="en-US" altLang="ko-KR" sz="1100" dirty="0"/>
+              <a:t>3.9.1</a:t>
+            </a:r>
+            <a:r>
+              <a:rPr lang="ko-KR" altLang="en-US" sz="1100" dirty="0"/>
+              <a:t>버전을 사용하였습니다</a:t>
             </a:r>
             <a:r>
               <a:rPr lang="en-US" altLang="ko-KR" sz="1100" dirty="0"/>
@@ -4434,10 +4662,10 @@
       </p:sp>
       <p:pic>
         <p:nvPicPr>
-          <p:cNvPr id="2" name="그림 1">
-            <a:extLst>
-              <a:ext uri="{FF2B5EF4-FFF2-40B4-BE49-F238E27FC236}">
-                <a16:creationId xmlns:a16="http://schemas.microsoft.com/office/drawing/2014/main" id="{F888B97A-89EF-9D45-B111-E2890095BFF4}"/>
+          <p:cNvPr id="3" name="그림 2">
+            <a:extLst>
+              <a:ext uri="{FF2B5EF4-FFF2-40B4-BE49-F238E27FC236}">
+                <a16:creationId xmlns:a16="http://schemas.microsoft.com/office/drawing/2014/main" id="{144CB0D1-42BA-2240-B286-D7B2DD7C8DD3}"/>
               </a:ext>
             </a:extLst>
           </p:cNvPr>
@@ -4454,20 +4682,50 @@
         </p:blipFill>
         <p:spPr>
           <a:xfrm>
-            <a:off x="1960939" y="1583554"/>
-            <a:ext cx="3206518" cy="4873607"/>
+            <a:off x="2568779" y="3951684"/>
+            <a:ext cx="3864024" cy="298352"/>
           </a:xfrm>
           <a:prstGeom prst="rect">
             <a:avLst/>
           </a:prstGeom>
         </p:spPr>
       </p:pic>
-      <p:sp>
-        <p:nvSpPr>
-          <p:cNvPr id="5" name="오른쪽 중괄호[R] 4">
-            <a:extLst>
-              <a:ext uri="{FF2B5EF4-FFF2-40B4-BE49-F238E27FC236}">
-                <a16:creationId xmlns:a16="http://schemas.microsoft.com/office/drawing/2014/main" id="{91D13AD9-A799-2B44-A9BF-5D9D23BB9F5B}"/>
+      <p:pic>
+        <p:nvPicPr>
+          <p:cNvPr id="4" name="그림 3">
+            <a:extLst>
+              <a:ext uri="{FF2B5EF4-FFF2-40B4-BE49-F238E27FC236}">
+                <a16:creationId xmlns:a16="http://schemas.microsoft.com/office/drawing/2014/main" id="{BA0DD2A0-C582-9C45-941A-3F0334089110}"/>
+              </a:ext>
+            </a:extLst>
+          </p:cNvPr>
+          <p:cNvPicPr>
+            <a:picLocks noChangeAspect="1"/>
+          </p:cNvPicPr>
+          <p:nvPr/>
+        </p:nvPicPr>
+        <p:blipFill>
+          <a:blip r:embed="rId3"/>
+          <a:stretch>
+            <a:fillRect/>
+          </a:stretch>
+        </p:blipFill>
+        <p:spPr>
+          <a:xfrm>
+            <a:off x="2206108" y="1459710"/>
+            <a:ext cx="4373659" cy="2329123"/>
+          </a:xfrm>
+          <a:prstGeom prst="rect">
+            <a:avLst/>
+          </a:prstGeom>
+        </p:spPr>
+      </p:pic>
+      <p:sp>
+        <p:nvSpPr>
+          <p:cNvPr id="5" name="직사각형 4">
+            <a:extLst>
+              <a:ext uri="{FF2B5EF4-FFF2-40B4-BE49-F238E27FC236}">
+                <a16:creationId xmlns:a16="http://schemas.microsoft.com/office/drawing/2014/main" id="{CDC756F0-A65D-2A45-B4A6-4D2EF551B97F}"/>
               </a:ext>
             </a:extLst>
           </p:cNvPr>
@@ -4476,30 +4734,33 @@
         </p:nvSpPr>
         <p:spPr>
           <a:xfrm>
-            <a:off x="3275445" y="1815031"/>
-            <a:ext cx="153749" cy="1035781"/>
-          </a:xfrm>
-          <a:prstGeom prst="rightBrace">
-            <a:avLst/>
-          </a:prstGeom>
-          <a:ln w="12700">
-            <a:solidFill>
-              <a:srgbClr val="FF7876"/>
-            </a:solidFill>
+            <a:off x="4466139" y="2889263"/>
+            <a:ext cx="659958" cy="127221"/>
+          </a:xfrm>
+          <a:prstGeom prst="rect">
+            <a:avLst/>
+          </a:prstGeom>
+          <a:solidFill>
+            <a:srgbClr val="24252C"/>
+          </a:solidFill>
+          <a:ln>
+            <a:noFill/>
           </a:ln>
         </p:spPr>
         <p:style>
-          <a:lnRef idx="1">
-            <a:schemeClr val="accent1"/>
+          <a:lnRef idx="2">
+            <a:schemeClr val="accent1">
+              <a:shade val="50000"/>
+            </a:schemeClr>
           </a:lnRef>
-          <a:fillRef idx="0">
+          <a:fillRef idx="1">
             <a:schemeClr val="accent1"/>
           </a:fillRef>
           <a:effectRef idx="0">
             <a:schemeClr val="accent1"/>
           </a:effectRef>
           <a:fontRef idx="minor">
-            <a:schemeClr val="tx1"/>
+            <a:schemeClr val="lt1"/>
           </a:fontRef>
         </p:style>
         <p:txBody>
@@ -4511,622 +4772,40 @@
           </a:p>
         </p:txBody>
       </p:sp>
-      <p:cxnSp>
-        <p:nvCxnSpPr>
-          <p:cNvPr id="7" name="직선 화살표 연결선 6">
-            <a:extLst>
-              <a:ext uri="{FF2B5EF4-FFF2-40B4-BE49-F238E27FC236}">
-                <a16:creationId xmlns:a16="http://schemas.microsoft.com/office/drawing/2014/main" id="{0C593F90-8762-4346-B78B-AC34C211CD9D}"/>
-              </a:ext>
-            </a:extLst>
-          </p:cNvPr>
-          <p:cNvCxnSpPr/>
-          <p:nvPr/>
-        </p:nvCxnSpPr>
+      <p:pic>
+        <p:nvPicPr>
+          <p:cNvPr id="6" name="그림 5">
+            <a:extLst>
+              <a:ext uri="{FF2B5EF4-FFF2-40B4-BE49-F238E27FC236}">
+                <a16:creationId xmlns:a16="http://schemas.microsoft.com/office/drawing/2014/main" id="{09C2F967-1D91-F44E-A99D-E94BA6929D56}"/>
+              </a:ext>
+            </a:extLst>
+          </p:cNvPr>
+          <p:cNvPicPr>
+            <a:picLocks noChangeAspect="1"/>
+          </p:cNvPicPr>
+          <p:nvPr/>
+        </p:nvPicPr>
+        <p:blipFill>
+          <a:blip r:embed="rId4"/>
+          <a:stretch>
+            <a:fillRect/>
+          </a:stretch>
+        </p:blipFill>
         <p:spPr>
           <a:xfrm>
-            <a:off x="3429194" y="2332921"/>
-            <a:ext cx="2192941" cy="0"/>
-          </a:xfrm>
-          <a:prstGeom prst="straightConnector1">
-            <a:avLst/>
-          </a:prstGeom>
-          <a:ln w="12700">
-            <a:solidFill>
-              <a:srgbClr val="FF7876"/>
-            </a:solidFill>
-            <a:tailEnd type="triangle"/>
-          </a:ln>
-        </p:spPr>
-        <p:style>
-          <a:lnRef idx="1">
-            <a:schemeClr val="accent1"/>
-          </a:lnRef>
-          <a:fillRef idx="0">
-            <a:schemeClr val="accent1"/>
-          </a:fillRef>
-          <a:effectRef idx="0">
-            <a:schemeClr val="accent1"/>
-          </a:effectRef>
-          <a:fontRef idx="minor">
-            <a:schemeClr val="tx1"/>
-          </a:fontRef>
-        </p:style>
-      </p:cxnSp>
-      <p:sp>
-        <p:nvSpPr>
-          <p:cNvPr id="13" name="오른쪽 중괄호[R] 12">
-            <a:extLst>
-              <a:ext uri="{FF2B5EF4-FFF2-40B4-BE49-F238E27FC236}">
-                <a16:creationId xmlns:a16="http://schemas.microsoft.com/office/drawing/2014/main" id="{6D1ED8F3-A3DB-0D4E-8FBD-74EE3ECDC190}"/>
-              </a:ext>
-            </a:extLst>
-          </p:cNvPr>
-          <p:cNvSpPr/>
-          <p:nvPr/>
-        </p:nvSpPr>
-        <p:spPr>
-          <a:xfrm>
-            <a:off x="5013708" y="3629254"/>
-            <a:ext cx="153749" cy="957776"/>
-          </a:xfrm>
-          <a:prstGeom prst="rightBrace">
-            <a:avLst/>
-          </a:prstGeom>
-          <a:ln w="12700">
-            <a:solidFill>
-              <a:srgbClr val="FF7876"/>
-            </a:solidFill>
-          </a:ln>
-        </p:spPr>
-        <p:style>
-          <a:lnRef idx="1">
-            <a:schemeClr val="accent1"/>
-          </a:lnRef>
-          <a:fillRef idx="0">
-            <a:schemeClr val="accent1"/>
-          </a:fillRef>
-          <a:effectRef idx="0">
-            <a:schemeClr val="accent1"/>
-          </a:effectRef>
-          <a:fontRef idx="minor">
-            <a:schemeClr val="tx1"/>
-          </a:fontRef>
-        </p:style>
-        <p:txBody>
-          <a:bodyPr rtlCol="0" anchor="ctr"/>
-          <a:lstStyle/>
-          <a:p>
-            <a:pPr algn="ctr"/>
-            <a:endParaRPr kumimoji="1" lang="ko-Kore-KR" altLang="en-US"/>
-          </a:p>
-        </p:txBody>
-      </p:sp>
-      <p:cxnSp>
-        <p:nvCxnSpPr>
-          <p:cNvPr id="14" name="직선 화살표 연결선 13">
-            <a:extLst>
-              <a:ext uri="{FF2B5EF4-FFF2-40B4-BE49-F238E27FC236}">
-                <a16:creationId xmlns:a16="http://schemas.microsoft.com/office/drawing/2014/main" id="{5905AAE1-B33F-D741-ADED-5BC550065310}"/>
-              </a:ext>
-            </a:extLst>
-          </p:cNvPr>
-          <p:cNvCxnSpPr>
-            <a:cxnSpLocks/>
-          </p:cNvCxnSpPr>
-          <p:nvPr/>
-        </p:nvCxnSpPr>
-        <p:spPr>
-          <a:xfrm>
-            <a:off x="5167457" y="4115338"/>
-            <a:ext cx="772167" cy="0"/>
-          </a:xfrm>
-          <a:prstGeom prst="straightConnector1">
-            <a:avLst/>
-          </a:prstGeom>
-          <a:ln w="12700">
-            <a:solidFill>
-              <a:srgbClr val="FF7876"/>
-            </a:solidFill>
-            <a:tailEnd type="triangle"/>
-          </a:ln>
-        </p:spPr>
-        <p:style>
-          <a:lnRef idx="1">
-            <a:schemeClr val="accent1"/>
-          </a:lnRef>
-          <a:fillRef idx="0">
-            <a:schemeClr val="accent1"/>
-          </a:fillRef>
-          <a:effectRef idx="0">
-            <a:schemeClr val="accent1"/>
-          </a:effectRef>
-          <a:fontRef idx="minor">
-            <a:schemeClr val="tx1"/>
-          </a:fontRef>
-        </p:style>
-      </p:cxnSp>
-      <p:sp>
-        <p:nvSpPr>
-          <p:cNvPr id="16" name="TextBox 15">
-            <a:extLst>
-              <a:ext uri="{FF2B5EF4-FFF2-40B4-BE49-F238E27FC236}">
-                <a16:creationId xmlns:a16="http://schemas.microsoft.com/office/drawing/2014/main" id="{86D7CBE8-7CA3-C549-8212-6F8F9B7DA0C4}"/>
-              </a:ext>
-            </a:extLst>
-          </p:cNvPr>
-          <p:cNvSpPr txBox="1"/>
-          <p:nvPr/>
-        </p:nvSpPr>
-        <p:spPr>
-          <a:xfrm>
-            <a:off x="5939624" y="3808060"/>
-            <a:ext cx="6125027" cy="600164"/>
+            <a:off x="6778549" y="1364978"/>
+            <a:ext cx="2085485" cy="2885058"/>
           </a:xfrm>
           <a:prstGeom prst="rect">
             <a:avLst/>
           </a:prstGeom>
-          <a:noFill/>
-          <a:ln w="12700">
-            <a:noFill/>
-          </a:ln>
-        </p:spPr>
-        <p:txBody>
-          <a:bodyPr wrap="square" rtlCol="0">
-            <a:spAutoFit/>
-          </a:bodyPr>
-          <a:lstStyle/>
-          <a:p>
-            <a:r>
-              <a:rPr lang="en-US" altLang="ko-KR" sz="1100" dirty="0"/>
-              <a:t>Address</a:t>
-            </a:r>
-            <a:r>
-              <a:rPr lang="ko-KR" altLang="en-US" sz="1100" dirty="0"/>
-              <a:t> 클래스객체를 사용한 </a:t>
-            </a:r>
-            <a:r>
-              <a:rPr lang="en-US" altLang="ko-KR" sz="1100" dirty="0" err="1"/>
-              <a:t>homeAddress</a:t>
-            </a:r>
-            <a:r>
-              <a:rPr lang="ko-KR" altLang="en-US" sz="1100" dirty="0"/>
-              <a:t> 인스턴스 값을 </a:t>
-            </a:r>
-            <a:endParaRPr lang="en-US" altLang="ko-KR" sz="1100" dirty="0"/>
-          </a:p>
-          <a:p>
-            <a:r>
-              <a:rPr lang="ko-KR" altLang="en-US" sz="1100" dirty="0"/>
-              <a:t>지정해주는 코드입니다</a:t>
-            </a:r>
-            <a:r>
-              <a:rPr lang="en-US" altLang="ko-KR" sz="1100" dirty="0"/>
-              <a:t>.</a:t>
-            </a:r>
-          </a:p>
-          <a:p>
-            <a:r>
-              <a:rPr lang="ko-KR" altLang="en-US" sz="1100" dirty="0"/>
-              <a:t>각 클래스 내의 </a:t>
-            </a:r>
-            <a:r>
-              <a:rPr lang="ko-KR" altLang="en-US" sz="1100" dirty="0" err="1"/>
-              <a:t>속성항목에</a:t>
-            </a:r>
-            <a:r>
-              <a:rPr lang="ko-KR" altLang="en-US" sz="1100" dirty="0"/>
-              <a:t> 맞게 입력해줍니다</a:t>
-            </a:r>
-            <a:r>
-              <a:rPr lang="en-US" altLang="ko-KR" sz="1100" dirty="0"/>
-              <a:t>.</a:t>
-            </a:r>
-          </a:p>
-        </p:txBody>
-      </p:sp>
-      <p:cxnSp>
-        <p:nvCxnSpPr>
-          <p:cNvPr id="17" name="직선 화살표 연결선 16">
-            <a:extLst>
-              <a:ext uri="{FF2B5EF4-FFF2-40B4-BE49-F238E27FC236}">
-                <a16:creationId xmlns:a16="http://schemas.microsoft.com/office/drawing/2014/main" id="{75A55D4E-15D9-FA42-B35E-1D362DCBC576}"/>
-              </a:ext>
-            </a:extLst>
-          </p:cNvPr>
-          <p:cNvCxnSpPr>
-            <a:cxnSpLocks/>
-          </p:cNvCxnSpPr>
-          <p:nvPr/>
-        </p:nvCxnSpPr>
-        <p:spPr>
-          <a:xfrm>
-            <a:off x="3665986" y="3289728"/>
-            <a:ext cx="1780658" cy="0"/>
-          </a:xfrm>
-          <a:prstGeom prst="straightConnector1">
-            <a:avLst/>
-          </a:prstGeom>
-          <a:ln w="12700">
-            <a:solidFill>
-              <a:srgbClr val="FF7876"/>
-            </a:solidFill>
-            <a:tailEnd type="triangle"/>
-          </a:ln>
-        </p:spPr>
-        <p:style>
-          <a:lnRef idx="1">
-            <a:schemeClr val="accent1"/>
-          </a:lnRef>
-          <a:fillRef idx="0">
-            <a:schemeClr val="accent1"/>
-          </a:fillRef>
-          <a:effectRef idx="0">
-            <a:schemeClr val="accent1"/>
-          </a:effectRef>
-          <a:fontRef idx="minor">
-            <a:schemeClr val="tx1"/>
-          </a:fontRef>
-        </p:style>
-      </p:cxnSp>
-      <p:sp>
-        <p:nvSpPr>
-          <p:cNvPr id="19" name="TextBox 18">
-            <a:extLst>
-              <a:ext uri="{FF2B5EF4-FFF2-40B4-BE49-F238E27FC236}">
-                <a16:creationId xmlns:a16="http://schemas.microsoft.com/office/drawing/2014/main" id="{38467D6F-9B0C-1445-A5B2-128DAF40BB60}"/>
-              </a:ext>
-            </a:extLst>
-          </p:cNvPr>
-          <p:cNvSpPr txBox="1"/>
-          <p:nvPr/>
-        </p:nvSpPr>
-        <p:spPr>
-          <a:xfrm>
-            <a:off x="5446644" y="3079828"/>
-            <a:ext cx="6125027" cy="430887"/>
-          </a:xfrm>
-          <a:prstGeom prst="rect">
-            <a:avLst/>
-          </a:prstGeom>
-          <a:noFill/>
-          <a:ln w="12700">
-            <a:noFill/>
-          </a:ln>
-        </p:spPr>
-        <p:txBody>
-          <a:bodyPr wrap="square" rtlCol="0">
-            <a:spAutoFit/>
-          </a:bodyPr>
-          <a:lstStyle/>
-          <a:p>
-            <a:r>
-              <a:rPr lang="en-US" altLang="ko-KR" sz="1100" dirty="0" err="1"/>
-              <a:t>Adress</a:t>
-            </a:r>
-            <a:r>
-              <a:rPr lang="ko-KR" altLang="en-US" sz="1100" dirty="0"/>
-              <a:t>클래스 객체를 사용하는 </a:t>
-            </a:r>
-            <a:r>
-              <a:rPr lang="en-US" altLang="ko-KR" sz="1100" dirty="0" err="1"/>
-              <a:t>homeAddress</a:t>
-            </a:r>
-            <a:r>
-              <a:rPr lang="ko-KR" altLang="en-US" sz="1100" dirty="0"/>
-              <a:t>라는</a:t>
-            </a:r>
-            <a:endParaRPr lang="en-US" altLang="ko-KR" sz="1100" dirty="0"/>
-          </a:p>
-          <a:p>
-            <a:r>
-              <a:rPr lang="ko-KR" altLang="en-US" sz="1100" dirty="0"/>
-              <a:t>인스턴스객체를 생성해줍니다</a:t>
-            </a:r>
-            <a:r>
-              <a:rPr lang="en-US" altLang="ko-KR" sz="1100" dirty="0"/>
-              <a:t>.</a:t>
-            </a:r>
-          </a:p>
-        </p:txBody>
-      </p:sp>
-      <p:sp>
-        <p:nvSpPr>
-          <p:cNvPr id="21" name="오른쪽 중괄호[R] 20">
-            <a:extLst>
-              <a:ext uri="{FF2B5EF4-FFF2-40B4-BE49-F238E27FC236}">
-                <a16:creationId xmlns:a16="http://schemas.microsoft.com/office/drawing/2014/main" id="{179EF831-0591-7242-B798-DAB4FB43BC22}"/>
-              </a:ext>
-            </a:extLst>
-          </p:cNvPr>
-          <p:cNvSpPr/>
-          <p:nvPr/>
-        </p:nvSpPr>
-        <p:spPr>
-          <a:xfrm>
-            <a:off x="5058742" y="5433302"/>
-            <a:ext cx="153749" cy="957776"/>
-          </a:xfrm>
-          <a:prstGeom prst="rightBrace">
-            <a:avLst/>
-          </a:prstGeom>
-          <a:ln w="12700">
-            <a:solidFill>
-              <a:srgbClr val="FF7876"/>
-            </a:solidFill>
-          </a:ln>
-        </p:spPr>
-        <p:style>
-          <a:lnRef idx="1">
-            <a:schemeClr val="accent1"/>
-          </a:lnRef>
-          <a:fillRef idx="0">
-            <a:schemeClr val="accent1"/>
-          </a:fillRef>
-          <a:effectRef idx="0">
-            <a:schemeClr val="accent1"/>
-          </a:effectRef>
-          <a:fontRef idx="minor">
-            <a:schemeClr val="tx1"/>
-          </a:fontRef>
-        </p:style>
-        <p:txBody>
-          <a:bodyPr rtlCol="0" anchor="ctr"/>
-          <a:lstStyle/>
-          <a:p>
-            <a:pPr algn="ctr"/>
-            <a:endParaRPr kumimoji="1" lang="ko-Kore-KR" altLang="en-US"/>
-          </a:p>
-        </p:txBody>
-      </p:sp>
-      <p:cxnSp>
-        <p:nvCxnSpPr>
-          <p:cNvPr id="22" name="직선 화살표 연결선 21">
-            <a:extLst>
-              <a:ext uri="{FF2B5EF4-FFF2-40B4-BE49-F238E27FC236}">
-                <a16:creationId xmlns:a16="http://schemas.microsoft.com/office/drawing/2014/main" id="{B54DDB00-E307-684D-BEC8-5EBC14A6AB08}"/>
-              </a:ext>
-            </a:extLst>
-          </p:cNvPr>
-          <p:cNvCxnSpPr>
-            <a:cxnSpLocks/>
-          </p:cNvCxnSpPr>
-          <p:nvPr/>
-        </p:nvCxnSpPr>
-        <p:spPr>
-          <a:xfrm>
-            <a:off x="5204540" y="5903484"/>
-            <a:ext cx="772167" cy="0"/>
-          </a:xfrm>
-          <a:prstGeom prst="straightConnector1">
-            <a:avLst/>
-          </a:prstGeom>
-          <a:ln w="12700">
-            <a:solidFill>
-              <a:srgbClr val="FF7876"/>
-            </a:solidFill>
-            <a:tailEnd type="triangle"/>
-          </a:ln>
-        </p:spPr>
-        <p:style>
-          <a:lnRef idx="1">
-            <a:schemeClr val="accent1"/>
-          </a:lnRef>
-          <a:fillRef idx="0">
-            <a:schemeClr val="accent1"/>
-          </a:fillRef>
-          <a:effectRef idx="0">
-            <a:schemeClr val="accent1"/>
-          </a:effectRef>
-          <a:fontRef idx="minor">
-            <a:schemeClr val="tx1"/>
-          </a:fontRef>
-        </p:style>
-      </p:cxnSp>
-      <p:sp>
-        <p:nvSpPr>
-          <p:cNvPr id="23" name="TextBox 22">
-            <a:extLst>
-              <a:ext uri="{FF2B5EF4-FFF2-40B4-BE49-F238E27FC236}">
-                <a16:creationId xmlns:a16="http://schemas.microsoft.com/office/drawing/2014/main" id="{2E22145F-7459-1D47-8EC1-02367F1F467D}"/>
-              </a:ext>
-            </a:extLst>
-          </p:cNvPr>
-          <p:cNvSpPr txBox="1"/>
-          <p:nvPr/>
-        </p:nvSpPr>
-        <p:spPr>
-          <a:xfrm>
-            <a:off x="5997565" y="5612108"/>
-            <a:ext cx="6125027" cy="600164"/>
-          </a:xfrm>
-          <a:prstGeom prst="rect">
-            <a:avLst/>
-          </a:prstGeom>
-          <a:noFill/>
-          <a:ln w="12700">
-            <a:noFill/>
-          </a:ln>
-        </p:spPr>
-        <p:txBody>
-          <a:bodyPr wrap="square" rtlCol="0">
-            <a:spAutoFit/>
-          </a:bodyPr>
-          <a:lstStyle/>
-          <a:p>
-            <a:r>
-              <a:rPr lang="ko-KR" altLang="en-US" sz="1100" dirty="0"/>
-              <a:t>역시 같은 방법으로 </a:t>
-            </a:r>
-            <a:r>
-              <a:rPr lang="en-US" altLang="ko-KR" sz="1100" dirty="0" err="1"/>
-              <a:t>vacationHomeAddress</a:t>
-            </a:r>
-            <a:r>
-              <a:rPr lang="en-US" altLang="ko-KR" sz="1100" dirty="0"/>
-              <a:t> </a:t>
-            </a:r>
-            <a:r>
-              <a:rPr lang="ko-KR" altLang="en-US" sz="1100" dirty="0"/>
-              <a:t>인스턴스 객체의</a:t>
-            </a:r>
-            <a:endParaRPr lang="en-US" altLang="ko-KR" sz="1100" dirty="0"/>
-          </a:p>
-          <a:p>
-            <a:r>
-              <a:rPr lang="ko-KR" altLang="en-US" sz="1100" dirty="0" err="1"/>
-              <a:t>속성항목에</a:t>
-            </a:r>
-            <a:r>
-              <a:rPr lang="ko-KR" altLang="en-US" sz="1100" dirty="0"/>
-              <a:t> 맞도록 값을 입력해줍니다</a:t>
-            </a:r>
-            <a:r>
-              <a:rPr lang="en-US" altLang="ko-KR" sz="1100" dirty="0"/>
-              <a:t>.</a:t>
-            </a:r>
-          </a:p>
-          <a:p>
-            <a:r>
-              <a:rPr lang="ko-KR" altLang="en-US" sz="1100" dirty="0"/>
-              <a:t>이전과 다르게 </a:t>
-            </a:r>
-            <a:r>
-              <a:rPr lang="en-US" altLang="ko-KR" sz="1100" dirty="0"/>
-              <a:t>line2</a:t>
-            </a:r>
-            <a:r>
-              <a:rPr lang="ko-KR" altLang="en-US" sz="1100" dirty="0"/>
-              <a:t>속성엔 값을 </a:t>
-            </a:r>
-            <a:r>
-              <a:rPr lang="ko-KR" altLang="en-US" sz="1100" dirty="0" err="1"/>
-              <a:t>지정해주진</a:t>
-            </a:r>
-            <a:r>
-              <a:rPr lang="ko-KR" altLang="en-US" sz="1100" dirty="0"/>
-              <a:t> 않습니다</a:t>
-            </a:r>
-            <a:r>
-              <a:rPr lang="en-US" altLang="ko-KR" sz="1100" dirty="0"/>
-              <a:t>.</a:t>
-            </a:r>
-          </a:p>
-        </p:txBody>
-      </p:sp>
-      <p:cxnSp>
-        <p:nvCxnSpPr>
-          <p:cNvPr id="24" name="직선 화살표 연결선 23">
-            <a:extLst>
-              <a:ext uri="{FF2B5EF4-FFF2-40B4-BE49-F238E27FC236}">
-                <a16:creationId xmlns:a16="http://schemas.microsoft.com/office/drawing/2014/main" id="{F3333897-BEF6-E448-8FC6-DA68913AD92A}"/>
-              </a:ext>
-            </a:extLst>
-          </p:cNvPr>
-          <p:cNvCxnSpPr>
-            <a:cxnSpLocks/>
-          </p:cNvCxnSpPr>
-          <p:nvPr/>
-        </p:nvCxnSpPr>
-        <p:spPr>
-          <a:xfrm>
-            <a:off x="4158966" y="5082774"/>
-            <a:ext cx="1780658" cy="0"/>
-          </a:xfrm>
-          <a:prstGeom prst="straightConnector1">
-            <a:avLst/>
-          </a:prstGeom>
-          <a:ln w="12700">
-            <a:solidFill>
-              <a:srgbClr val="FF7876"/>
-            </a:solidFill>
-            <a:tailEnd type="triangle"/>
-          </a:ln>
-        </p:spPr>
-        <p:style>
-          <a:lnRef idx="1">
-            <a:schemeClr val="accent1"/>
-          </a:lnRef>
-          <a:fillRef idx="0">
-            <a:schemeClr val="accent1"/>
-          </a:fillRef>
-          <a:effectRef idx="0">
-            <a:schemeClr val="accent1"/>
-          </a:effectRef>
-          <a:fontRef idx="minor">
-            <a:schemeClr val="tx1"/>
-          </a:fontRef>
-        </p:style>
-      </p:cxnSp>
-      <p:sp>
-        <p:nvSpPr>
-          <p:cNvPr id="25" name="TextBox 24">
-            <a:extLst>
-              <a:ext uri="{FF2B5EF4-FFF2-40B4-BE49-F238E27FC236}">
-                <a16:creationId xmlns:a16="http://schemas.microsoft.com/office/drawing/2014/main" id="{085BCBE6-7994-2D41-8B43-9E8B0CFBA36A}"/>
-              </a:ext>
-            </a:extLst>
-          </p:cNvPr>
-          <p:cNvSpPr txBox="1"/>
-          <p:nvPr/>
-        </p:nvSpPr>
-        <p:spPr>
-          <a:xfrm>
-            <a:off x="5939624" y="4872874"/>
-            <a:ext cx="6125027" cy="430887"/>
-          </a:xfrm>
-          <a:prstGeom prst="rect">
-            <a:avLst/>
-          </a:prstGeom>
-          <a:noFill/>
-          <a:ln w="12700">
-            <a:noFill/>
-          </a:ln>
-        </p:spPr>
-        <p:txBody>
-          <a:bodyPr wrap="square" rtlCol="0">
-            <a:spAutoFit/>
-          </a:bodyPr>
-          <a:lstStyle/>
-          <a:p>
-            <a:r>
-              <a:rPr lang="ko-KR" altLang="en-US" sz="1100" dirty="0" err="1"/>
-              <a:t>다시한번</a:t>
-            </a:r>
-            <a:r>
-              <a:rPr lang="ko-KR" altLang="en-US" sz="1100" dirty="0"/>
-              <a:t> </a:t>
-            </a:r>
-            <a:r>
-              <a:rPr lang="en-US" altLang="ko-KR" sz="1100" dirty="0"/>
-              <a:t>Address</a:t>
-            </a:r>
-            <a:r>
-              <a:rPr lang="ko-KR" altLang="en-US" sz="1100" dirty="0"/>
-              <a:t>클래스 객체를 사용하는</a:t>
-            </a:r>
-            <a:endParaRPr lang="en-US" altLang="ko-KR" sz="1100" dirty="0"/>
-          </a:p>
-          <a:p>
-            <a:r>
-              <a:rPr lang="en-US" altLang="ko-KR" sz="1100" dirty="0" err="1"/>
-              <a:t>vacationHomeAddress</a:t>
-            </a:r>
-            <a:r>
-              <a:rPr lang="ko-KR" altLang="en-US" sz="1100" dirty="0"/>
-              <a:t>라는 인스턴스 객체를 하나 더 생성해 줍니다</a:t>
-            </a:r>
-            <a:r>
-              <a:rPr lang="en-US" altLang="ko-KR" sz="1100" dirty="0"/>
-              <a:t>.</a:t>
-            </a:r>
-          </a:p>
-        </p:txBody>
-      </p:sp>
+        </p:spPr>
+      </p:pic>
     </p:spTree>
     <p:extLst>
       <p:ext uri="{BB962C8B-B14F-4D97-AF65-F5344CB8AC3E}">
-        <p14:creationId xmlns:p14="http://schemas.microsoft.com/office/powerpoint/2010/main" val="3042631322"/>
+        <p14:creationId xmlns:p14="http://schemas.microsoft.com/office/powerpoint/2010/main" val="1654424795"/>
       </p:ext>
     </p:extLst>
   </p:cSld>
@@ -5153,36 +4832,6 @@
           <a:chExt cx="0" cy="0"/>
         </a:xfrm>
       </p:grpSpPr>
-      <p:pic>
-        <p:nvPicPr>
-          <p:cNvPr id="3" name="그림 2">
-            <a:extLst>
-              <a:ext uri="{FF2B5EF4-FFF2-40B4-BE49-F238E27FC236}">
-                <a16:creationId xmlns:a16="http://schemas.microsoft.com/office/drawing/2014/main" id="{152C3C8A-86C4-6142-A779-6F3A96D9EAEB}"/>
-              </a:ext>
-            </a:extLst>
-          </p:cNvPr>
-          <p:cNvPicPr>
-            <a:picLocks noChangeAspect="1"/>
-          </p:cNvPicPr>
-          <p:nvPr/>
-        </p:nvPicPr>
-        <p:blipFill>
-          <a:blip r:embed="rId2"/>
-          <a:stretch>
-            <a:fillRect/>
-          </a:stretch>
-        </p:blipFill>
-        <p:spPr>
-          <a:xfrm>
-            <a:off x="988504" y="2317041"/>
-            <a:ext cx="4410892" cy="2223917"/>
-          </a:xfrm>
-          <a:prstGeom prst="rect">
-            <a:avLst/>
-          </a:prstGeom>
-        </p:spPr>
-      </p:pic>
       <p:sp>
         <p:nvSpPr>
           <p:cNvPr id="37" name="직사각형 36">
@@ -5380,10 +5029,136 @@
       </p:sp>
       <p:sp>
         <p:nvSpPr>
-          <p:cNvPr id="13" name="오른쪽 중괄호[R] 12">
-            <a:extLst>
-              <a:ext uri="{FF2B5EF4-FFF2-40B4-BE49-F238E27FC236}">
-                <a16:creationId xmlns:a16="http://schemas.microsoft.com/office/drawing/2014/main" id="{6D1ED8F3-A3DB-0D4E-8FBD-74EE3ECDC190}"/>
+          <p:cNvPr id="20" name="TextBox 19">
+            <a:extLst>
+              <a:ext uri="{FF2B5EF4-FFF2-40B4-BE49-F238E27FC236}">
+                <a16:creationId xmlns:a16="http://schemas.microsoft.com/office/drawing/2014/main" id="{1A551814-E43F-4480-A7D4-49969B0636C8}"/>
+              </a:ext>
+            </a:extLst>
+          </p:cNvPr>
+          <p:cNvSpPr txBox="1"/>
+          <p:nvPr/>
+        </p:nvSpPr>
+        <p:spPr>
+          <a:xfrm>
+            <a:off x="5590623" y="2112393"/>
+            <a:ext cx="6125027" cy="430887"/>
+          </a:xfrm>
+          <a:prstGeom prst="rect">
+            <a:avLst/>
+          </a:prstGeom>
+          <a:noFill/>
+          <a:ln w="12700">
+            <a:noFill/>
+          </a:ln>
+        </p:spPr>
+        <p:txBody>
+          <a:bodyPr wrap="square" rtlCol="0">
+            <a:spAutoFit/>
+          </a:bodyPr>
+          <a:lstStyle/>
+          <a:p>
+            <a:r>
+              <a:rPr lang="en-US" altLang="ko-KR" sz="1100" dirty="0"/>
+              <a:t>Address</a:t>
+            </a:r>
+            <a:r>
+              <a:rPr lang="ko-KR" altLang="en-US" sz="1100" dirty="0"/>
+              <a:t>라는 </a:t>
+            </a:r>
+            <a:r>
+              <a:rPr lang="ko-KR" altLang="en-US" sz="1100" dirty="0" err="1"/>
+              <a:t>주소정보를</a:t>
+            </a:r>
+            <a:r>
+              <a:rPr lang="ko-KR" altLang="en-US" sz="1100" dirty="0"/>
+              <a:t> 저장할 수 있는 클래스객체를 생성합니다</a:t>
+            </a:r>
+            <a:r>
+              <a:rPr lang="en-US" altLang="ko-KR" sz="1100" dirty="0"/>
+              <a:t>.</a:t>
+            </a:r>
+          </a:p>
+          <a:p>
+            <a:r>
+              <a:rPr lang="ko-KR" altLang="en-US" sz="1100" dirty="0"/>
+              <a:t>각각 이름과 주소</a:t>
+            </a:r>
+            <a:r>
+              <a:rPr lang="en-US" altLang="ko-KR" sz="1100" dirty="0"/>
+              <a:t>,</a:t>
+            </a:r>
+            <a:r>
+              <a:rPr lang="ko-KR" altLang="en-US" sz="1100" dirty="0"/>
+              <a:t> 도시</a:t>
+            </a:r>
+            <a:r>
+              <a:rPr lang="en-US" altLang="ko-KR" sz="1100" dirty="0"/>
+              <a:t>,</a:t>
+            </a:r>
+            <a:r>
+              <a:rPr lang="ko-KR" altLang="en-US" sz="1100" dirty="0"/>
+              <a:t> 주</a:t>
+            </a:r>
+            <a:r>
+              <a:rPr lang="en-US" altLang="ko-KR" sz="1100" dirty="0"/>
+              <a:t>,</a:t>
+            </a:r>
+            <a:r>
+              <a:rPr lang="ko-KR" altLang="en-US" sz="1100" dirty="0"/>
+              <a:t> 우편번호를 </a:t>
+            </a:r>
+            <a:r>
+              <a:rPr lang="en-US" altLang="ko-KR" sz="1100" dirty="0"/>
+              <a:t>string</a:t>
+            </a:r>
+            <a:r>
+              <a:rPr lang="ko-KR" altLang="en-US" sz="1100" dirty="0"/>
+              <a:t>형식으로 저장하게 합니다</a:t>
+            </a:r>
+            <a:r>
+              <a:rPr lang="en-US" altLang="ko-KR" sz="1100" dirty="0"/>
+              <a:t>.</a:t>
+            </a:r>
+          </a:p>
+        </p:txBody>
+      </p:sp>
+      <p:pic>
+        <p:nvPicPr>
+          <p:cNvPr id="2" name="그림 1">
+            <a:extLst>
+              <a:ext uri="{FF2B5EF4-FFF2-40B4-BE49-F238E27FC236}">
+                <a16:creationId xmlns:a16="http://schemas.microsoft.com/office/drawing/2014/main" id="{F888B97A-89EF-9D45-B111-E2890095BFF4}"/>
+              </a:ext>
+            </a:extLst>
+          </p:cNvPr>
+          <p:cNvPicPr>
+            <a:picLocks noChangeAspect="1"/>
+          </p:cNvPicPr>
+          <p:nvPr/>
+        </p:nvPicPr>
+        <p:blipFill>
+          <a:blip r:embed="rId2"/>
+          <a:stretch>
+            <a:fillRect/>
+          </a:stretch>
+        </p:blipFill>
+        <p:spPr>
+          <a:xfrm>
+            <a:off x="1960939" y="1583554"/>
+            <a:ext cx="3206518" cy="4873607"/>
+          </a:xfrm>
+          <a:prstGeom prst="rect">
+            <a:avLst/>
+          </a:prstGeom>
+        </p:spPr>
+      </p:pic>
+      <p:sp>
+        <p:nvSpPr>
+          <p:cNvPr id="5" name="오른쪽 중괄호[R] 4">
+            <a:extLst>
+              <a:ext uri="{FF2B5EF4-FFF2-40B4-BE49-F238E27FC236}">
+                <a16:creationId xmlns:a16="http://schemas.microsoft.com/office/drawing/2014/main" id="{91D13AD9-A799-2B44-A9BF-5D9D23BB9F5B}"/>
               </a:ext>
             </a:extLst>
           </p:cNvPr>
@@ -5392,8 +5167,8 @@
         </p:nvSpPr>
         <p:spPr>
           <a:xfrm>
-            <a:off x="3040201" y="2983909"/>
-            <a:ext cx="180076" cy="683825"/>
+            <a:off x="3275445" y="1815031"/>
+            <a:ext cx="153749" cy="1035781"/>
           </a:xfrm>
           <a:prstGeom prst="rightBrace">
             <a:avLst/>
@@ -5429,22 +5204,20 @@
       </p:sp>
       <p:cxnSp>
         <p:nvCxnSpPr>
-          <p:cNvPr id="14" name="직선 화살표 연결선 13">
-            <a:extLst>
-              <a:ext uri="{FF2B5EF4-FFF2-40B4-BE49-F238E27FC236}">
-                <a16:creationId xmlns:a16="http://schemas.microsoft.com/office/drawing/2014/main" id="{5905AAE1-B33F-D741-ADED-5BC550065310}"/>
-              </a:ext>
-            </a:extLst>
-          </p:cNvPr>
-          <p:cNvCxnSpPr>
-            <a:cxnSpLocks/>
-          </p:cNvCxnSpPr>
+          <p:cNvPr id="7" name="직선 화살표 연결선 6">
+            <a:extLst>
+              <a:ext uri="{FF2B5EF4-FFF2-40B4-BE49-F238E27FC236}">
+                <a16:creationId xmlns:a16="http://schemas.microsoft.com/office/drawing/2014/main" id="{0C593F90-8762-4346-B78B-AC34C211CD9D}"/>
+              </a:ext>
+            </a:extLst>
+          </p:cNvPr>
+          <p:cNvCxnSpPr/>
           <p:nvPr/>
         </p:nvCxnSpPr>
         <p:spPr>
-          <a:xfrm flipV="1">
-            <a:off x="2503232" y="2687619"/>
-            <a:ext cx="3293269" cy="13337"/>
+          <a:xfrm>
+            <a:off x="3429194" y="2332921"/>
+            <a:ext cx="2192941" cy="0"/>
           </a:xfrm>
           <a:prstGeom prst="straightConnector1">
             <a:avLst/>
@@ -5473,187 +5246,71 @@
       </p:cxnSp>
       <p:sp>
         <p:nvSpPr>
-          <p:cNvPr id="16" name="TextBox 15">
-            <a:extLst>
-              <a:ext uri="{FF2B5EF4-FFF2-40B4-BE49-F238E27FC236}">
-                <a16:creationId xmlns:a16="http://schemas.microsoft.com/office/drawing/2014/main" id="{86D7CBE8-7CA3-C549-8212-6F8F9B7DA0C4}"/>
-              </a:ext>
-            </a:extLst>
-          </p:cNvPr>
-          <p:cNvSpPr txBox="1"/>
+          <p:cNvPr id="13" name="오른쪽 중괄호[R] 12">
+            <a:extLst>
+              <a:ext uri="{FF2B5EF4-FFF2-40B4-BE49-F238E27FC236}">
+                <a16:creationId xmlns:a16="http://schemas.microsoft.com/office/drawing/2014/main" id="{6D1ED8F3-A3DB-0D4E-8FBD-74EE3ECDC190}"/>
+              </a:ext>
+            </a:extLst>
+          </p:cNvPr>
+          <p:cNvSpPr/>
           <p:nvPr/>
         </p:nvSpPr>
         <p:spPr>
           <a:xfrm>
-            <a:off x="5777948" y="2940419"/>
-            <a:ext cx="5791533" cy="938719"/>
-          </a:xfrm>
-          <a:prstGeom prst="rect">
-            <a:avLst/>
-          </a:prstGeom>
-          <a:noFill/>
+            <a:off x="5013708" y="3629254"/>
+            <a:ext cx="153749" cy="957776"/>
+          </a:xfrm>
+          <a:prstGeom prst="rightBrace">
+            <a:avLst/>
+          </a:prstGeom>
           <a:ln w="12700">
-            <a:noFill/>
+            <a:solidFill>
+              <a:srgbClr val="FF7876"/>
+            </a:solidFill>
           </a:ln>
         </p:spPr>
-        <p:txBody>
-          <a:bodyPr wrap="square" rtlCol="0">
-            <a:spAutoFit/>
-          </a:bodyPr>
+        <p:style>
+          <a:lnRef idx="1">
+            <a:schemeClr val="accent1"/>
+          </a:lnRef>
+          <a:fillRef idx="0">
+            <a:schemeClr val="accent1"/>
+          </a:fillRef>
+          <a:effectRef idx="0">
+            <a:schemeClr val="accent1"/>
+          </a:effectRef>
+          <a:fontRef idx="minor">
+            <a:schemeClr val="tx1"/>
+          </a:fontRef>
+        </p:style>
+        <p:txBody>
+          <a:bodyPr rtlCol="0" anchor="ctr"/>
           <a:lstStyle/>
           <a:p>
-            <a:r>
-              <a:rPr lang="en-US" altLang="ko-KR" sz="1100" dirty="0"/>
-              <a:t>if </a:t>
-            </a:r>
-            <a:r>
-              <a:rPr lang="ko-KR" altLang="en-US" sz="1100" dirty="0" err="1"/>
-              <a:t>조건문을</a:t>
-            </a:r>
-            <a:r>
-              <a:rPr lang="ko-KR" altLang="en-US" sz="1100" dirty="0"/>
-              <a:t> 걸어서</a:t>
-            </a:r>
-            <a:endParaRPr lang="en-US" altLang="ko-KR" sz="1100" dirty="0"/>
-          </a:p>
-          <a:p>
-            <a:r>
-              <a:rPr lang="en-US" altLang="ko-KR" sz="1100" dirty="0"/>
-              <a:t>address</a:t>
-            </a:r>
-            <a:r>
-              <a:rPr lang="ko-KR" altLang="en-US" sz="1100" dirty="0"/>
-              <a:t>의 </a:t>
-            </a:r>
-            <a:r>
-              <a:rPr lang="ko-KR" altLang="en-US" sz="1100" dirty="0" err="1"/>
-              <a:t>속성중</a:t>
-            </a:r>
-            <a:r>
-              <a:rPr lang="ko-KR" altLang="en-US" sz="1100" dirty="0"/>
-              <a:t> </a:t>
-            </a:r>
-            <a:r>
-              <a:rPr lang="en-US" altLang="ko-KR" sz="1100" dirty="0"/>
-              <a:t>line1</a:t>
-            </a:r>
-            <a:r>
-              <a:rPr lang="ko-KR" altLang="en-US" sz="1100" dirty="0"/>
-              <a:t> 속성값의 길이가 </a:t>
-            </a:r>
-            <a:r>
-              <a:rPr lang="en-US" altLang="ko-KR" sz="1100" dirty="0"/>
-              <a:t>0</a:t>
-            </a:r>
-            <a:r>
-              <a:rPr lang="ko-KR" altLang="en-US" sz="1100" dirty="0"/>
-              <a:t>보다 </a:t>
-            </a:r>
-            <a:r>
-              <a:rPr lang="ko-KR" altLang="en-US" sz="1100" dirty="0" err="1"/>
-              <a:t>큰경우</a:t>
-            </a:r>
-            <a:r>
-              <a:rPr lang="en-US" altLang="ko-KR" sz="1100" dirty="0"/>
-              <a:t>,</a:t>
-            </a:r>
-          </a:p>
-          <a:p>
-            <a:r>
-              <a:rPr lang="ko-KR" altLang="en-US" sz="1100" dirty="0"/>
-              <a:t>즉 데이터가 있을 경우에 </a:t>
-            </a:r>
-            <a:r>
-              <a:rPr lang="en-US" altLang="ko-KR" sz="1100" dirty="0"/>
-              <a:t>address</a:t>
-            </a:r>
-            <a:r>
-              <a:rPr lang="ko-KR" altLang="en-US" sz="1100" dirty="0"/>
-              <a:t>의 </a:t>
-            </a:r>
-            <a:r>
-              <a:rPr lang="en-US" altLang="ko-KR" sz="1100" dirty="0"/>
-              <a:t>line1</a:t>
-            </a:r>
-            <a:r>
-              <a:rPr lang="ko-KR" altLang="en-US" sz="1100" dirty="0"/>
-              <a:t>속성값을 출력하도록 합니다</a:t>
-            </a:r>
-            <a:r>
-              <a:rPr lang="en-US" altLang="ko-KR" sz="1100" dirty="0"/>
-              <a:t>.</a:t>
-            </a:r>
-          </a:p>
-          <a:p>
-            <a:r>
-              <a:rPr lang="ko-KR" altLang="en-US" sz="1100" dirty="0"/>
-              <a:t>다음 </a:t>
-            </a:r>
-            <a:r>
-              <a:rPr lang="ko-KR" altLang="en-US" sz="1100" dirty="0" err="1"/>
-              <a:t>조건문에선</a:t>
-            </a:r>
-            <a:r>
-              <a:rPr lang="ko-KR" altLang="en-US" sz="1100" dirty="0"/>
-              <a:t> </a:t>
-            </a:r>
-            <a:r>
-              <a:rPr lang="en-US" altLang="ko-KR" sz="1100" dirty="0"/>
-              <a:t>line2</a:t>
-            </a:r>
-            <a:r>
-              <a:rPr lang="ko-KR" altLang="en-US" sz="1100" dirty="0"/>
-              <a:t>의 속성값을 비교하여</a:t>
-            </a:r>
-            <a:endParaRPr lang="en-US" altLang="ko-KR" sz="1100" dirty="0"/>
-          </a:p>
-          <a:p>
-            <a:r>
-              <a:rPr lang="ko-KR" altLang="en-US" sz="1100" dirty="0"/>
-              <a:t>길이가 </a:t>
-            </a:r>
-            <a:r>
-              <a:rPr lang="en-US" altLang="ko-KR" sz="1100" dirty="0"/>
-              <a:t>0</a:t>
-            </a:r>
-            <a:r>
-              <a:rPr lang="ko-KR" altLang="en-US" sz="1100" dirty="0"/>
-              <a:t>보다 큰 경우 </a:t>
-            </a:r>
-            <a:r>
-              <a:rPr lang="ko-KR" altLang="en-US" sz="1100" dirty="0" err="1"/>
-              <a:t>해당값을</a:t>
-            </a:r>
-            <a:r>
-              <a:rPr lang="ko-KR" altLang="en-US" sz="1100" dirty="0"/>
-              <a:t> 출력하도록 합니다</a:t>
-            </a:r>
-            <a:r>
-              <a:rPr lang="en-US" altLang="ko-KR" sz="1100" dirty="0"/>
-              <a:t>.</a:t>
-            </a:r>
+            <a:pPr algn="ctr"/>
+            <a:endParaRPr kumimoji="1" lang="ko-Kore-KR" altLang="en-US"/>
           </a:p>
         </p:txBody>
       </p:sp>
       <p:cxnSp>
         <p:nvCxnSpPr>
-          <p:cNvPr id="17" name="직선 화살표 연결선 16">
-            <a:extLst>
-              <a:ext uri="{FF2B5EF4-FFF2-40B4-BE49-F238E27FC236}">
-                <a16:creationId xmlns:a16="http://schemas.microsoft.com/office/drawing/2014/main" id="{75A55D4E-15D9-FA42-B35E-1D362DCBC576}"/>
+          <p:cNvPr id="14" name="직선 화살표 연결선 13">
+            <a:extLst>
+              <a:ext uri="{FF2B5EF4-FFF2-40B4-BE49-F238E27FC236}">
+                <a16:creationId xmlns:a16="http://schemas.microsoft.com/office/drawing/2014/main" id="{5905AAE1-B33F-D741-ADED-5BC550065310}"/>
               </a:ext>
             </a:extLst>
           </p:cNvPr>
           <p:cNvCxnSpPr>
             <a:cxnSpLocks/>
-            <a:endCxn id="19" idx="1"/>
           </p:cNvCxnSpPr>
           <p:nvPr/>
         </p:nvCxnSpPr>
         <p:spPr>
-          <a:xfrm flipV="1">
-            <a:off x="2667883" y="2337854"/>
-            <a:ext cx="3184001" cy="180002"/>
+          <a:xfrm>
+            <a:off x="5167457" y="4115338"/>
+            <a:ext cx="772167" cy="0"/>
           </a:xfrm>
           <a:prstGeom prst="straightConnector1">
             <a:avLst/>
@@ -5682,10 +5339,10 @@
       </p:cxnSp>
       <p:sp>
         <p:nvSpPr>
-          <p:cNvPr id="19" name="TextBox 18">
-            <a:extLst>
-              <a:ext uri="{FF2B5EF4-FFF2-40B4-BE49-F238E27FC236}">
-                <a16:creationId xmlns:a16="http://schemas.microsoft.com/office/drawing/2014/main" id="{38467D6F-9B0C-1445-A5B2-128DAF40BB60}"/>
+          <p:cNvPr id="16" name="TextBox 15">
+            <a:extLst>
+              <a:ext uri="{FF2B5EF4-FFF2-40B4-BE49-F238E27FC236}">
+                <a16:creationId xmlns:a16="http://schemas.microsoft.com/office/drawing/2014/main" id="{86D7CBE8-7CA3-C549-8212-6F8F9B7DA0C4}"/>
               </a:ext>
             </a:extLst>
           </p:cNvPr>
@@ -5694,8 +5351,8 @@
         </p:nvSpPr>
         <p:spPr>
           <a:xfrm>
-            <a:off x="5851884" y="2207049"/>
-            <a:ext cx="6125027" cy="261610"/>
+            <a:off x="5939624" y="3808060"/>
+            <a:ext cx="6125027" cy="600164"/>
           </a:xfrm>
           <a:prstGeom prst="rect">
             <a:avLst/>
@@ -5717,85 +5374,40 @@
             </a:r>
             <a:r>
               <a:rPr lang="ko-KR" altLang="en-US" sz="1100" dirty="0"/>
-              <a:t>라는 인수를 사용하는</a:t>
-            </a:r>
-            <a:r>
-              <a:rPr lang="en-US" altLang="ko-KR" sz="1100" dirty="0"/>
-              <a:t> </a:t>
+              <a:t> 클래스객체를 사용한 </a:t>
             </a:r>
             <a:r>
               <a:rPr lang="en-US" altLang="ko-KR" sz="1100" dirty="0" err="1"/>
-              <a:t>printAddress</a:t>
-            </a:r>
-            <a:r>
-              <a:rPr lang="ko-KR" altLang="en-US" sz="1100" dirty="0"/>
-              <a:t> 함수를 생성</a:t>
-            </a:r>
-            <a:r>
-              <a:rPr lang="en-US" altLang="ko-KR" sz="1100" dirty="0"/>
-              <a:t>,</a:t>
-            </a:r>
-            <a:r>
-              <a:rPr lang="ko-KR" altLang="en-US" sz="1100" dirty="0"/>
-              <a:t> 정의합니다</a:t>
+              <a:t>homeAddress</a:t>
+            </a:r>
+            <a:r>
+              <a:rPr lang="ko-KR" altLang="en-US" sz="1100" dirty="0"/>
+              <a:t> 인스턴스 값을 </a:t>
+            </a:r>
+            <a:endParaRPr lang="en-US" altLang="ko-KR" sz="1100" dirty="0"/>
+          </a:p>
+          <a:p>
+            <a:r>
+              <a:rPr lang="ko-KR" altLang="en-US" sz="1100" dirty="0"/>
+              <a:t>지정해주는 코드입니다</a:t>
             </a:r>
             <a:r>
               <a:rPr lang="en-US" altLang="ko-KR" sz="1100" dirty="0"/>
               <a:t>.</a:t>
             </a:r>
           </a:p>
-        </p:txBody>
-      </p:sp>
-      <p:sp>
-        <p:nvSpPr>
-          <p:cNvPr id="26" name="TextBox 25">
-            <a:extLst>
-              <a:ext uri="{FF2B5EF4-FFF2-40B4-BE49-F238E27FC236}">
-                <a16:creationId xmlns:a16="http://schemas.microsoft.com/office/drawing/2014/main" id="{A019EADE-BDC9-1D48-BC98-B806BEE5ED60}"/>
-              </a:ext>
-            </a:extLst>
-          </p:cNvPr>
-          <p:cNvSpPr txBox="1"/>
-          <p:nvPr/>
-        </p:nvSpPr>
-        <p:spPr>
-          <a:xfrm>
-            <a:off x="5777948" y="2573734"/>
-            <a:ext cx="6125027" cy="261610"/>
-          </a:xfrm>
-          <a:prstGeom prst="rect">
-            <a:avLst/>
-          </a:prstGeom>
-          <a:noFill/>
-          <a:ln w="12700">
-            <a:noFill/>
-          </a:ln>
-        </p:spPr>
-        <p:txBody>
-          <a:bodyPr wrap="square" rtlCol="0">
-            <a:spAutoFit/>
-          </a:bodyPr>
-          <a:lstStyle/>
-          <a:p>
-            <a:r>
-              <a:rPr lang="ko-KR" altLang="en-US" sz="1100" dirty="0"/>
-              <a:t>함수에서 받아온 </a:t>
-            </a:r>
-            <a:r>
-              <a:rPr lang="en-US" altLang="ko-KR" sz="1100" dirty="0"/>
-              <a:t>address</a:t>
-            </a:r>
-            <a:r>
-              <a:rPr lang="ko-KR" altLang="en-US" sz="1100" dirty="0"/>
-              <a:t> 인수에서 </a:t>
-            </a:r>
-            <a:r>
-              <a:rPr lang="en-US" altLang="ko-KR" sz="1100" dirty="0"/>
-              <a:t>name</a:t>
-            </a:r>
-            <a:r>
-              <a:rPr lang="ko-KR" altLang="en-US" sz="1100" dirty="0"/>
-              <a:t>속성을 출력하도록 합니다</a:t>
+          <a:p>
+            <a:r>
+              <a:rPr lang="ko-KR" altLang="en-US" sz="1100" dirty="0"/>
+              <a:t>각 클래스 내의 </a:t>
+            </a:r>
+            <a:r>
+              <a:rPr lang="ko-KR" altLang="en-US" sz="1100" dirty="0" err="1"/>
+              <a:t>속성항목에</a:t>
+            </a:r>
+            <a:r>
+              <a:rPr lang="ko-KR" altLang="en-US" sz="1100" dirty="0"/>
+              <a:t> 맞게 입력해줍니다</a:t>
             </a:r>
             <a:r>
               <a:rPr lang="en-US" altLang="ko-KR" sz="1100" dirty="0"/>
@@ -5806,10 +5418,10 @@
       </p:sp>
       <p:cxnSp>
         <p:nvCxnSpPr>
-          <p:cNvPr id="27" name="직선 화살표 연결선 26">
-            <a:extLst>
-              <a:ext uri="{FF2B5EF4-FFF2-40B4-BE49-F238E27FC236}">
-                <a16:creationId xmlns:a16="http://schemas.microsoft.com/office/drawing/2014/main" id="{F80FEC10-D755-8141-896B-68F5570F99AD}"/>
+          <p:cNvPr id="17" name="직선 화살표 연결선 16">
+            <a:extLst>
+              <a:ext uri="{FF2B5EF4-FFF2-40B4-BE49-F238E27FC236}">
+                <a16:creationId xmlns:a16="http://schemas.microsoft.com/office/drawing/2014/main" id="{75A55D4E-15D9-FA42-B35E-1D362DCBC576}"/>
               </a:ext>
             </a:extLst>
           </p:cNvPr>
@@ -5819,9 +5431,9 @@
           <p:nvPr/>
         </p:nvCxnSpPr>
         <p:spPr>
-          <a:xfrm flipV="1">
-            <a:off x="3193950" y="3325416"/>
-            <a:ext cx="2602551" cy="1"/>
+          <a:xfrm>
+            <a:off x="3665986" y="3289728"/>
+            <a:ext cx="1780658" cy="0"/>
           </a:xfrm>
           <a:prstGeom prst="straightConnector1">
             <a:avLst/>
@@ -5848,12 +5460,122 @@
           </a:fontRef>
         </p:style>
       </p:cxnSp>
+      <p:sp>
+        <p:nvSpPr>
+          <p:cNvPr id="19" name="TextBox 18">
+            <a:extLst>
+              <a:ext uri="{FF2B5EF4-FFF2-40B4-BE49-F238E27FC236}">
+                <a16:creationId xmlns:a16="http://schemas.microsoft.com/office/drawing/2014/main" id="{38467D6F-9B0C-1445-A5B2-128DAF40BB60}"/>
+              </a:ext>
+            </a:extLst>
+          </p:cNvPr>
+          <p:cNvSpPr txBox="1"/>
+          <p:nvPr/>
+        </p:nvSpPr>
+        <p:spPr>
+          <a:xfrm>
+            <a:off x="5446644" y="3079828"/>
+            <a:ext cx="6125027" cy="430887"/>
+          </a:xfrm>
+          <a:prstGeom prst="rect">
+            <a:avLst/>
+          </a:prstGeom>
+          <a:noFill/>
+          <a:ln w="12700">
+            <a:noFill/>
+          </a:ln>
+        </p:spPr>
+        <p:txBody>
+          <a:bodyPr wrap="square" rtlCol="0">
+            <a:spAutoFit/>
+          </a:bodyPr>
+          <a:lstStyle/>
+          <a:p>
+            <a:r>
+              <a:rPr lang="en-US" altLang="ko-KR" sz="1100" dirty="0" err="1"/>
+              <a:t>Adress</a:t>
+            </a:r>
+            <a:r>
+              <a:rPr lang="ko-KR" altLang="en-US" sz="1100" dirty="0"/>
+              <a:t>클래스 객체를 사용하는 </a:t>
+            </a:r>
+            <a:r>
+              <a:rPr lang="en-US" altLang="ko-KR" sz="1100" dirty="0" err="1"/>
+              <a:t>homeAddress</a:t>
+            </a:r>
+            <a:r>
+              <a:rPr lang="ko-KR" altLang="en-US" sz="1100" dirty="0"/>
+              <a:t>라는</a:t>
+            </a:r>
+            <a:endParaRPr lang="en-US" altLang="ko-KR" sz="1100" dirty="0"/>
+          </a:p>
+          <a:p>
+            <a:r>
+              <a:rPr lang="ko-KR" altLang="en-US" sz="1100" dirty="0"/>
+              <a:t>인스턴스객체를 생성해줍니다</a:t>
+            </a:r>
+            <a:r>
+              <a:rPr lang="en-US" altLang="ko-KR" sz="1100" dirty="0"/>
+              <a:t>.</a:t>
+            </a:r>
+          </a:p>
+        </p:txBody>
+      </p:sp>
+      <p:sp>
+        <p:nvSpPr>
+          <p:cNvPr id="21" name="오른쪽 중괄호[R] 20">
+            <a:extLst>
+              <a:ext uri="{FF2B5EF4-FFF2-40B4-BE49-F238E27FC236}">
+                <a16:creationId xmlns:a16="http://schemas.microsoft.com/office/drawing/2014/main" id="{179EF831-0591-7242-B798-DAB4FB43BC22}"/>
+              </a:ext>
+            </a:extLst>
+          </p:cNvPr>
+          <p:cNvSpPr/>
+          <p:nvPr/>
+        </p:nvSpPr>
+        <p:spPr>
+          <a:xfrm>
+            <a:off x="5058742" y="5433302"/>
+            <a:ext cx="153749" cy="957776"/>
+          </a:xfrm>
+          <a:prstGeom prst="rightBrace">
+            <a:avLst/>
+          </a:prstGeom>
+          <a:ln w="12700">
+            <a:solidFill>
+              <a:srgbClr val="FF7876"/>
+            </a:solidFill>
+          </a:ln>
+        </p:spPr>
+        <p:style>
+          <a:lnRef idx="1">
+            <a:schemeClr val="accent1"/>
+          </a:lnRef>
+          <a:fillRef idx="0">
+            <a:schemeClr val="accent1"/>
+          </a:fillRef>
+          <a:effectRef idx="0">
+            <a:schemeClr val="accent1"/>
+          </a:effectRef>
+          <a:fontRef idx="minor">
+            <a:schemeClr val="tx1"/>
+          </a:fontRef>
+        </p:style>
+        <p:txBody>
+          <a:bodyPr rtlCol="0" anchor="ctr"/>
+          <a:lstStyle/>
+          <a:p>
+            <a:pPr algn="ctr"/>
+            <a:endParaRPr kumimoji="1" lang="ko-Kore-KR" altLang="en-US"/>
+          </a:p>
+        </p:txBody>
+      </p:sp>
       <p:cxnSp>
         <p:nvCxnSpPr>
-          <p:cNvPr id="28" name="직선 화살표 연결선 27">
-            <a:extLst>
-              <a:ext uri="{FF2B5EF4-FFF2-40B4-BE49-F238E27FC236}">
-                <a16:creationId xmlns:a16="http://schemas.microsoft.com/office/drawing/2014/main" id="{AFC7B291-FBBA-1849-A53D-0AF7D57F69BF}"/>
+          <p:cNvPr id="22" name="직선 화살표 연결선 21">
+            <a:extLst>
+              <a:ext uri="{FF2B5EF4-FFF2-40B4-BE49-F238E27FC236}">
+                <a16:creationId xmlns:a16="http://schemas.microsoft.com/office/drawing/2014/main" id="{B54DDB00-E307-684D-BEC8-5EBC14A6AB08}"/>
               </a:ext>
             </a:extLst>
           </p:cNvPr>
@@ -5864,8 +5586,8 @@
         </p:nvCxnSpPr>
         <p:spPr>
           <a:xfrm>
-            <a:off x="5399396" y="3828248"/>
-            <a:ext cx="516374" cy="472771"/>
+            <a:off x="5204540" y="5903484"/>
+            <a:ext cx="772167" cy="0"/>
           </a:xfrm>
           <a:prstGeom prst="straightConnector1">
             <a:avLst/>
@@ -5894,10 +5616,10 @@
       </p:cxnSp>
       <p:sp>
         <p:nvSpPr>
-          <p:cNvPr id="29" name="TextBox 28">
-            <a:extLst>
-              <a:ext uri="{FF2B5EF4-FFF2-40B4-BE49-F238E27FC236}">
-                <a16:creationId xmlns:a16="http://schemas.microsoft.com/office/drawing/2014/main" id="{27BA89C0-5B1C-B74B-8BE4-A082BCE42FA8}"/>
+          <p:cNvPr id="23" name="TextBox 22">
+            <a:extLst>
+              <a:ext uri="{FF2B5EF4-FFF2-40B4-BE49-F238E27FC236}">
+                <a16:creationId xmlns:a16="http://schemas.microsoft.com/office/drawing/2014/main" id="{2E22145F-7459-1D47-8EC1-02367F1F467D}"/>
               </a:ext>
             </a:extLst>
           </p:cNvPr>
@@ -5906,8 +5628,8 @@
         </p:nvSpPr>
         <p:spPr>
           <a:xfrm>
-            <a:off x="5851884" y="4178066"/>
-            <a:ext cx="6125027" cy="261610"/>
+            <a:off x="5997565" y="5612108"/>
+            <a:ext cx="6125027" cy="600164"/>
           </a:xfrm>
           <a:prstGeom prst="rect">
             <a:avLst/>
@@ -5925,99 +5647,82 @@
           <a:p>
             <a:r>
               <a:rPr lang="ko-KR" altLang="en-US" sz="1100" dirty="0"/>
-              <a:t>다음 </a:t>
-            </a:r>
-            <a:r>
-              <a:rPr lang="en-US" altLang="ko-KR" sz="1100" dirty="0"/>
-              <a:t>city,</a:t>
-            </a:r>
-            <a:r>
-              <a:rPr lang="ko-KR" altLang="en-US" sz="1100" dirty="0"/>
+              <a:t>역시 같은 방법으로 </a:t>
+            </a:r>
+            <a:r>
+              <a:rPr lang="en-US" altLang="ko-KR" sz="1100" dirty="0" err="1"/>
+              <a:t>vacationHomeAddress</a:t>
+            </a:r>
+            <a:r>
+              <a:rPr lang="en-US" altLang="ko-KR" sz="1100" dirty="0"/>
               <a:t> </a:t>
             </a:r>
             <a:r>
-              <a:rPr lang="en-US" altLang="ko-KR" sz="1100" dirty="0"/>
-              <a:t>state, zip </a:t>
-            </a:r>
-            <a:r>
-              <a:rPr lang="ko-KR" altLang="en-US" sz="1100" dirty="0"/>
-              <a:t>속성값들을 출력하도록 하게 합니다</a:t>
+              <a:rPr lang="ko-KR" altLang="en-US" sz="1100" dirty="0"/>
+              <a:t>인스턴스 객체의</a:t>
+            </a:r>
+            <a:endParaRPr lang="en-US" altLang="ko-KR" sz="1100" dirty="0"/>
+          </a:p>
+          <a:p>
+            <a:r>
+              <a:rPr lang="ko-KR" altLang="en-US" sz="1100" dirty="0" err="1"/>
+              <a:t>속성항목에</a:t>
+            </a:r>
+            <a:r>
+              <a:rPr lang="ko-KR" altLang="en-US" sz="1100" dirty="0"/>
+              <a:t> 맞도록 값을 입력해줍니다</a:t>
             </a:r>
             <a:r>
               <a:rPr lang="en-US" altLang="ko-KR" sz="1100" dirty="0"/>
               <a:t>.</a:t>
             </a:r>
           </a:p>
-        </p:txBody>
-      </p:sp>
-      <p:sp>
-        <p:nvSpPr>
-          <p:cNvPr id="30" name="오른쪽 중괄호[R] 29">
-            <a:extLst>
-              <a:ext uri="{FF2B5EF4-FFF2-40B4-BE49-F238E27FC236}">
-                <a16:creationId xmlns:a16="http://schemas.microsoft.com/office/drawing/2014/main" id="{0BE5CEB5-EBC8-804C-AAB6-2CC24E4CC628}"/>
-              </a:ext>
-            </a:extLst>
-          </p:cNvPr>
-          <p:cNvSpPr/>
-          <p:nvPr/>
-        </p:nvSpPr>
-        <p:spPr>
-          <a:xfrm>
-            <a:off x="3130239" y="4064634"/>
-            <a:ext cx="180076" cy="419520"/>
-          </a:xfrm>
-          <a:prstGeom prst="rightBrace">
-            <a:avLst/>
-          </a:prstGeom>
-          <a:ln w="12700">
-            <a:solidFill>
-              <a:srgbClr val="FF7876"/>
-            </a:solidFill>
-          </a:ln>
-        </p:spPr>
-        <p:style>
-          <a:lnRef idx="1">
-            <a:schemeClr val="accent1"/>
-          </a:lnRef>
-          <a:fillRef idx="0">
-            <a:schemeClr val="accent1"/>
-          </a:fillRef>
-          <a:effectRef idx="0">
-            <a:schemeClr val="accent1"/>
-          </a:effectRef>
-          <a:fontRef idx="minor">
-            <a:schemeClr val="tx1"/>
-          </a:fontRef>
-        </p:style>
-        <p:txBody>
-          <a:bodyPr rtlCol="0" anchor="ctr"/>
-          <a:lstStyle/>
-          <a:p>
-            <a:pPr algn="ctr"/>
-            <a:endParaRPr kumimoji="1" lang="ko-Kore-KR" altLang="en-US"/>
+          <a:p>
+            <a:r>
+              <a:rPr lang="ko-KR" altLang="en-US" sz="1100" dirty="0"/>
+              <a:t>이전과 다르게 </a:t>
+            </a:r>
+            <a:r>
+              <a:rPr lang="en-US" altLang="ko-KR" sz="1100" dirty="0"/>
+              <a:t>line2</a:t>
+            </a:r>
+            <a:r>
+              <a:rPr lang="ko-KR" altLang="en-US" sz="1100" dirty="0"/>
+              <a:t>속성엔 값을 </a:t>
+            </a:r>
+            <a:r>
+              <a:rPr lang="ko-KR" altLang="en-US" sz="1100" dirty="0" err="1"/>
+              <a:t>지정해주진</a:t>
+            </a:r>
+            <a:r>
+              <a:rPr lang="ko-KR" altLang="en-US" sz="1100" dirty="0"/>
+              <a:t> 않습니다</a:t>
+            </a:r>
+            <a:r>
+              <a:rPr lang="en-US" altLang="ko-KR" sz="1100" dirty="0"/>
+              <a:t>.</a:t>
+            </a:r>
           </a:p>
         </p:txBody>
       </p:sp>
       <p:cxnSp>
         <p:nvCxnSpPr>
-          <p:cNvPr id="31" name="직선 화살표 연결선 30">
-            <a:extLst>
-              <a:ext uri="{FF2B5EF4-FFF2-40B4-BE49-F238E27FC236}">
-                <a16:creationId xmlns:a16="http://schemas.microsoft.com/office/drawing/2014/main" id="{B5870BC9-9220-854A-B030-FBBD2FDF4A03}"/>
+          <p:cNvPr id="24" name="직선 화살표 연결선 23">
+            <a:extLst>
+              <a:ext uri="{FF2B5EF4-FFF2-40B4-BE49-F238E27FC236}">
+                <a16:creationId xmlns:a16="http://schemas.microsoft.com/office/drawing/2014/main" id="{F3333897-BEF6-E448-8FC6-DA68913AD92A}"/>
               </a:ext>
             </a:extLst>
           </p:cNvPr>
           <p:cNvCxnSpPr>
             <a:cxnSpLocks/>
-            <a:endCxn id="35" idx="1"/>
           </p:cNvCxnSpPr>
           <p:nvPr/>
         </p:nvCxnSpPr>
         <p:spPr>
           <a:xfrm>
-            <a:off x="3302364" y="4272086"/>
-            <a:ext cx="2160643" cy="574978"/>
+            <a:off x="4158966" y="5082774"/>
+            <a:ext cx="1780658" cy="0"/>
           </a:xfrm>
           <a:prstGeom prst="straightConnector1">
             <a:avLst/>
@@ -6046,10 +5751,10 @@
       </p:cxnSp>
       <p:sp>
         <p:nvSpPr>
-          <p:cNvPr id="35" name="TextBox 34">
-            <a:extLst>
-              <a:ext uri="{FF2B5EF4-FFF2-40B4-BE49-F238E27FC236}">
-                <a16:creationId xmlns:a16="http://schemas.microsoft.com/office/drawing/2014/main" id="{A19EBB60-5884-9A4C-A995-AF223254B6CB}"/>
+          <p:cNvPr id="25" name="TextBox 24">
+            <a:extLst>
+              <a:ext uri="{FF2B5EF4-FFF2-40B4-BE49-F238E27FC236}">
+                <a16:creationId xmlns:a16="http://schemas.microsoft.com/office/drawing/2014/main" id="{085BCBE6-7994-2D41-8B43-9E8B0CFBA36A}"/>
               </a:ext>
             </a:extLst>
           </p:cNvPr>
@@ -6058,8 +5763,8 @@
         </p:nvSpPr>
         <p:spPr>
           <a:xfrm>
-            <a:off x="5463007" y="4462343"/>
-            <a:ext cx="6125027" cy="769441"/>
+            <a:off x="5939624" y="4872874"/>
+            <a:ext cx="6125027" cy="430887"/>
           </a:xfrm>
           <a:prstGeom prst="rect">
             <a:avLst/>
@@ -6076,64 +5781,31 @@
           <a:lstStyle/>
           <a:p>
             <a:r>
-              <a:rPr lang="en-US" altLang="ko-KR" sz="1100" dirty="0" err="1"/>
-              <a:t>printAddress</a:t>
-            </a:r>
-            <a:r>
-              <a:rPr lang="ko-KR" altLang="en-US" sz="1100" dirty="0"/>
-              <a:t>함수를 사용합니다</a:t>
-            </a:r>
-            <a:r>
-              <a:rPr lang="en-US" altLang="ko-KR" sz="1100" dirty="0"/>
-              <a:t>.</a:t>
-            </a:r>
-          </a:p>
-          <a:p>
-            <a:r>
-              <a:rPr lang="ko-KR" altLang="en-US" sz="1100" dirty="0"/>
-              <a:t>이전에 생성했던</a:t>
-            </a:r>
-            <a:r>
-              <a:rPr lang="en-US" altLang="ko-KR" sz="1100" dirty="0"/>
-              <a:t> Address</a:t>
-            </a:r>
-            <a:r>
-              <a:rPr lang="ko-KR" altLang="en-US" sz="1100" dirty="0"/>
-              <a:t>클래스의 인스턴스인</a:t>
+              <a:rPr lang="ko-KR" altLang="en-US" sz="1100" dirty="0" err="1"/>
+              <a:t>다시한번</a:t>
+            </a:r>
+            <a:r>
+              <a:rPr lang="ko-KR" altLang="en-US" sz="1100" dirty="0"/>
+              <a:t> </a:t>
+            </a:r>
+            <a:r>
+              <a:rPr lang="en-US" altLang="ko-KR" sz="1100" dirty="0"/>
+              <a:t>Address</a:t>
+            </a:r>
+            <a:r>
+              <a:rPr lang="ko-KR" altLang="en-US" sz="1100" dirty="0"/>
+              <a:t>클래스 객체를 사용하는</a:t>
             </a:r>
             <a:endParaRPr lang="en-US" altLang="ko-KR" sz="1100" dirty="0"/>
           </a:p>
           <a:p>
-            <a:r>
-              <a:rPr lang="en-US" altLang="ko-KR" sz="1100" dirty="0" err="1"/>
-              <a:t>homeAdress</a:t>
-            </a:r>
-            <a:r>
-              <a:rPr lang="en-US" altLang="ko-KR" sz="1100" dirty="0"/>
-              <a:t>,</a:t>
-            </a:r>
-            <a:r>
-              <a:rPr lang="ko-KR" altLang="en-US" sz="1100" dirty="0"/>
-              <a:t> </a:t>
-            </a:r>
             <a:r>
               <a:rPr lang="en-US" altLang="ko-KR" sz="1100" dirty="0" err="1"/>
               <a:t>vacationHomeAddress</a:t>
             </a:r>
             <a:r>
-              <a:rPr lang="ko-KR" altLang="en-US" sz="1100" dirty="0" err="1"/>
-              <a:t>를</a:t>
-            </a:r>
-            <a:r>
-              <a:rPr lang="ko-KR" altLang="en-US" sz="1100" dirty="0"/>
-              <a:t> 인수로 삽입하여</a:t>
-            </a:r>
-            <a:endParaRPr lang="en-US" altLang="ko-KR" sz="1100" dirty="0"/>
-          </a:p>
-          <a:p>
-            <a:r>
-              <a:rPr lang="ko-KR" altLang="en-US" sz="1100" dirty="0"/>
-              <a:t>함수를 실행하게 합니다</a:t>
+              <a:rPr lang="ko-KR" altLang="en-US" sz="1100" dirty="0"/>
+              <a:t>라는 인스턴스 객체를 하나 더 생성해 줍니다</a:t>
             </a:r>
             <a:r>
               <a:rPr lang="en-US" altLang="ko-KR" sz="1100" dirty="0"/>
@@ -6145,7 +5817,7 @@
     </p:spTree>
     <p:extLst>
       <p:ext uri="{BB962C8B-B14F-4D97-AF65-F5344CB8AC3E}">
-        <p14:creationId xmlns:p14="http://schemas.microsoft.com/office/powerpoint/2010/main" val="803682836"/>
+        <p14:creationId xmlns:p14="http://schemas.microsoft.com/office/powerpoint/2010/main" val="3042631322"/>
       </p:ext>
     </p:extLst>
   </p:cSld>
@@ -6174,10 +5846,10 @@
       </p:grpSpPr>
       <p:pic>
         <p:nvPicPr>
-          <p:cNvPr id="2" name="그림 1">
-            <a:extLst>
-              <a:ext uri="{FF2B5EF4-FFF2-40B4-BE49-F238E27FC236}">
-                <a16:creationId xmlns:a16="http://schemas.microsoft.com/office/drawing/2014/main" id="{135C2F72-06E6-A347-82F1-DBAF9C45A016}"/>
+          <p:cNvPr id="3" name="그림 2">
+            <a:extLst>
+              <a:ext uri="{FF2B5EF4-FFF2-40B4-BE49-F238E27FC236}">
+                <a16:creationId xmlns:a16="http://schemas.microsoft.com/office/drawing/2014/main" id="{152C3C8A-86C4-6142-A779-6F3A96D9EAEB}"/>
               </a:ext>
             </a:extLst>
           </p:cNvPr>
@@ -6194,8 +5866,8 @@
         </p:blipFill>
         <p:spPr>
           <a:xfrm>
-            <a:off x="1658940" y="2193455"/>
-            <a:ext cx="8874117" cy="1658140"/>
+            <a:off x="988504" y="2317041"/>
+            <a:ext cx="4410892" cy="2223917"/>
           </a:xfrm>
           <a:prstGeom prst="rect">
             <a:avLst/>
@@ -6399,85 +6071,737 @@
       </p:sp>
       <p:sp>
         <p:nvSpPr>
-          <p:cNvPr id="29" name="TextBox 28">
-            <a:extLst>
-              <a:ext uri="{FF2B5EF4-FFF2-40B4-BE49-F238E27FC236}">
-                <a16:creationId xmlns:a16="http://schemas.microsoft.com/office/drawing/2014/main" id="{27BA89C0-5B1C-B74B-8BE4-A082BCE42FA8}"/>
-              </a:ext>
-            </a:extLst>
-          </p:cNvPr>
-          <p:cNvSpPr txBox="1"/>
+          <p:cNvPr id="13" name="오른쪽 중괄호[R] 12">
+            <a:extLst>
+              <a:ext uri="{FF2B5EF4-FFF2-40B4-BE49-F238E27FC236}">
+                <a16:creationId xmlns:a16="http://schemas.microsoft.com/office/drawing/2014/main" id="{6D1ED8F3-A3DB-0D4E-8FBD-74EE3ECDC190}"/>
+              </a:ext>
+            </a:extLst>
+          </p:cNvPr>
+          <p:cNvSpPr/>
           <p:nvPr/>
         </p:nvSpPr>
         <p:spPr>
           <a:xfrm>
-            <a:off x="3033484" y="4350958"/>
-            <a:ext cx="6125027" cy="938719"/>
-          </a:xfrm>
-          <a:prstGeom prst="rect">
-            <a:avLst/>
-          </a:prstGeom>
-          <a:noFill/>
+            <a:off x="3040201" y="2983909"/>
+            <a:ext cx="180076" cy="683825"/>
+          </a:xfrm>
+          <a:prstGeom prst="rightBrace">
+            <a:avLst/>
+          </a:prstGeom>
           <a:ln w="12700">
             <a:solidFill>
               <a:srgbClr val="FF7876"/>
             </a:solidFill>
           </a:ln>
         </p:spPr>
+        <p:style>
+          <a:lnRef idx="1">
+            <a:schemeClr val="accent1"/>
+          </a:lnRef>
+          <a:fillRef idx="0">
+            <a:schemeClr val="accent1"/>
+          </a:fillRef>
+          <a:effectRef idx="0">
+            <a:schemeClr val="accent1"/>
+          </a:effectRef>
+          <a:fontRef idx="minor">
+            <a:schemeClr val="tx1"/>
+          </a:fontRef>
+        </p:style>
+        <p:txBody>
+          <a:bodyPr rtlCol="0" anchor="ctr"/>
+          <a:lstStyle/>
+          <a:p>
+            <a:pPr algn="ctr"/>
+            <a:endParaRPr kumimoji="1" lang="ko-Kore-KR" altLang="en-US"/>
+          </a:p>
+        </p:txBody>
+      </p:sp>
+      <p:cxnSp>
+        <p:nvCxnSpPr>
+          <p:cNvPr id="14" name="직선 화살표 연결선 13">
+            <a:extLst>
+              <a:ext uri="{FF2B5EF4-FFF2-40B4-BE49-F238E27FC236}">
+                <a16:creationId xmlns:a16="http://schemas.microsoft.com/office/drawing/2014/main" id="{5905AAE1-B33F-D741-ADED-5BC550065310}"/>
+              </a:ext>
+            </a:extLst>
+          </p:cNvPr>
+          <p:cNvCxnSpPr>
+            <a:cxnSpLocks/>
+          </p:cNvCxnSpPr>
+          <p:nvPr/>
+        </p:nvCxnSpPr>
+        <p:spPr>
+          <a:xfrm flipV="1">
+            <a:off x="2503232" y="2687619"/>
+            <a:ext cx="3293269" cy="13337"/>
+          </a:xfrm>
+          <a:prstGeom prst="straightConnector1">
+            <a:avLst/>
+          </a:prstGeom>
+          <a:ln w="12700">
+            <a:solidFill>
+              <a:srgbClr val="FF7876"/>
+            </a:solidFill>
+            <a:tailEnd type="triangle"/>
+          </a:ln>
+        </p:spPr>
+        <p:style>
+          <a:lnRef idx="1">
+            <a:schemeClr val="accent1"/>
+          </a:lnRef>
+          <a:fillRef idx="0">
+            <a:schemeClr val="accent1"/>
+          </a:fillRef>
+          <a:effectRef idx="0">
+            <a:schemeClr val="accent1"/>
+          </a:effectRef>
+          <a:fontRef idx="minor">
+            <a:schemeClr val="tx1"/>
+          </a:fontRef>
+        </p:style>
+      </p:cxnSp>
+      <p:sp>
+        <p:nvSpPr>
+          <p:cNvPr id="16" name="TextBox 15">
+            <a:extLst>
+              <a:ext uri="{FF2B5EF4-FFF2-40B4-BE49-F238E27FC236}">
+                <a16:creationId xmlns:a16="http://schemas.microsoft.com/office/drawing/2014/main" id="{86D7CBE8-7CA3-C549-8212-6F8F9B7DA0C4}"/>
+              </a:ext>
+            </a:extLst>
+          </p:cNvPr>
+          <p:cNvSpPr txBox="1"/>
+          <p:nvPr/>
+        </p:nvSpPr>
+        <p:spPr>
+          <a:xfrm>
+            <a:off x="5777948" y="2940419"/>
+            <a:ext cx="5791533" cy="938719"/>
+          </a:xfrm>
+          <a:prstGeom prst="rect">
+            <a:avLst/>
+          </a:prstGeom>
+          <a:noFill/>
+          <a:ln w="12700">
+            <a:noFill/>
+          </a:ln>
+        </p:spPr>
         <p:txBody>
           <a:bodyPr wrap="square" rtlCol="0">
             <a:spAutoFit/>
           </a:bodyPr>
           <a:lstStyle/>
           <a:p>
+            <a:r>
+              <a:rPr lang="en-US" altLang="ko-KR" sz="1100" dirty="0"/>
+              <a:t>if </a:t>
+            </a:r>
+            <a:r>
+              <a:rPr lang="ko-KR" altLang="en-US" sz="1100" dirty="0" err="1"/>
+              <a:t>조건문을</a:t>
+            </a:r>
+            <a:r>
+              <a:rPr lang="ko-KR" altLang="en-US" sz="1100" dirty="0"/>
+              <a:t> 걸어서</a:t>
+            </a:r>
+            <a:endParaRPr lang="en-US" altLang="ko-KR" sz="1100" dirty="0"/>
+          </a:p>
+          <a:p>
+            <a:r>
+              <a:rPr lang="en-US" altLang="ko-KR" sz="1100" dirty="0"/>
+              <a:t>address</a:t>
+            </a:r>
+            <a:r>
+              <a:rPr lang="ko-KR" altLang="en-US" sz="1100" dirty="0"/>
+              <a:t>의 </a:t>
+            </a:r>
+            <a:r>
+              <a:rPr lang="ko-KR" altLang="en-US" sz="1100" dirty="0" err="1"/>
+              <a:t>속성중</a:t>
+            </a:r>
+            <a:r>
+              <a:rPr lang="ko-KR" altLang="en-US" sz="1100" dirty="0"/>
+              <a:t> </a:t>
+            </a:r>
+            <a:r>
+              <a:rPr lang="en-US" altLang="ko-KR" sz="1100" dirty="0"/>
+              <a:t>line1</a:t>
+            </a:r>
+            <a:r>
+              <a:rPr lang="ko-KR" altLang="en-US" sz="1100" dirty="0"/>
+              <a:t> 속성값의 길이가 </a:t>
+            </a:r>
+            <a:r>
+              <a:rPr lang="en-US" altLang="ko-KR" sz="1100" dirty="0"/>
+              <a:t>0</a:t>
+            </a:r>
+            <a:r>
+              <a:rPr lang="ko-KR" altLang="en-US" sz="1100" dirty="0"/>
+              <a:t>보다 </a:t>
+            </a:r>
+            <a:r>
+              <a:rPr lang="ko-KR" altLang="en-US" sz="1100" dirty="0" err="1"/>
+              <a:t>큰경우</a:t>
+            </a:r>
+            <a:r>
+              <a:rPr lang="en-US" altLang="ko-KR" sz="1100" dirty="0"/>
+              <a:t>,</a:t>
+            </a:r>
+          </a:p>
+          <a:p>
+            <a:r>
+              <a:rPr lang="ko-KR" altLang="en-US" sz="1100" dirty="0"/>
+              <a:t>즉 데이터가 있을 경우에 </a:t>
+            </a:r>
+            <a:r>
+              <a:rPr lang="en-US" altLang="ko-KR" sz="1100" dirty="0"/>
+              <a:t>address</a:t>
+            </a:r>
+            <a:r>
+              <a:rPr lang="ko-KR" altLang="en-US" sz="1100" dirty="0"/>
+              <a:t>의 </a:t>
+            </a:r>
+            <a:r>
+              <a:rPr lang="en-US" altLang="ko-KR" sz="1100" dirty="0"/>
+              <a:t>line1</a:t>
+            </a:r>
+            <a:r>
+              <a:rPr lang="ko-KR" altLang="en-US" sz="1100" dirty="0"/>
+              <a:t>속성값을 출력하도록 합니다</a:t>
+            </a:r>
+            <a:r>
+              <a:rPr lang="en-US" altLang="ko-KR" sz="1100" dirty="0"/>
+              <a:t>.</a:t>
+            </a:r>
+          </a:p>
+          <a:p>
+            <a:r>
+              <a:rPr lang="ko-KR" altLang="en-US" sz="1100" dirty="0"/>
+              <a:t>다음 </a:t>
+            </a:r>
+            <a:r>
+              <a:rPr lang="ko-KR" altLang="en-US" sz="1100" dirty="0" err="1"/>
+              <a:t>조건문에선</a:t>
+            </a:r>
+            <a:r>
+              <a:rPr lang="ko-KR" altLang="en-US" sz="1100" dirty="0"/>
+              <a:t> </a:t>
+            </a:r>
+            <a:r>
+              <a:rPr lang="en-US" altLang="ko-KR" sz="1100" dirty="0"/>
+              <a:t>line2</a:t>
+            </a:r>
+            <a:r>
+              <a:rPr lang="ko-KR" altLang="en-US" sz="1100" dirty="0"/>
+              <a:t>의 속성값을 비교하여</a:t>
+            </a:r>
+            <a:endParaRPr lang="en-US" altLang="ko-KR" sz="1100" dirty="0"/>
+          </a:p>
+          <a:p>
+            <a:r>
+              <a:rPr lang="ko-KR" altLang="en-US" sz="1100" dirty="0"/>
+              <a:t>길이가 </a:t>
+            </a:r>
+            <a:r>
+              <a:rPr lang="en-US" altLang="ko-KR" sz="1100" dirty="0"/>
+              <a:t>0</a:t>
+            </a:r>
+            <a:r>
+              <a:rPr lang="ko-KR" altLang="en-US" sz="1100" dirty="0"/>
+              <a:t>보다 큰 경우 </a:t>
+            </a:r>
+            <a:r>
+              <a:rPr lang="ko-KR" altLang="en-US" sz="1100" dirty="0" err="1"/>
+              <a:t>해당값을</a:t>
+            </a:r>
+            <a:r>
+              <a:rPr lang="ko-KR" altLang="en-US" sz="1100" dirty="0"/>
+              <a:t> 출력하도록 합니다</a:t>
+            </a:r>
+            <a:r>
+              <a:rPr lang="en-US" altLang="ko-KR" sz="1100" dirty="0"/>
+              <a:t>.</a:t>
+            </a:r>
+          </a:p>
+        </p:txBody>
+      </p:sp>
+      <p:cxnSp>
+        <p:nvCxnSpPr>
+          <p:cNvPr id="17" name="직선 화살표 연결선 16">
+            <a:extLst>
+              <a:ext uri="{FF2B5EF4-FFF2-40B4-BE49-F238E27FC236}">
+                <a16:creationId xmlns:a16="http://schemas.microsoft.com/office/drawing/2014/main" id="{75A55D4E-15D9-FA42-B35E-1D362DCBC576}"/>
+              </a:ext>
+            </a:extLst>
+          </p:cNvPr>
+          <p:cNvCxnSpPr>
+            <a:cxnSpLocks/>
+            <a:endCxn id="19" idx="1"/>
+          </p:cNvCxnSpPr>
+          <p:nvPr/>
+        </p:nvCxnSpPr>
+        <p:spPr>
+          <a:xfrm flipV="1">
+            <a:off x="2667883" y="2337854"/>
+            <a:ext cx="3184001" cy="180002"/>
+          </a:xfrm>
+          <a:prstGeom prst="straightConnector1">
+            <a:avLst/>
+          </a:prstGeom>
+          <a:ln w="12700">
+            <a:solidFill>
+              <a:srgbClr val="FF7876"/>
+            </a:solidFill>
+            <a:tailEnd type="triangle"/>
+          </a:ln>
+        </p:spPr>
+        <p:style>
+          <a:lnRef idx="1">
+            <a:schemeClr val="accent1"/>
+          </a:lnRef>
+          <a:fillRef idx="0">
+            <a:schemeClr val="accent1"/>
+          </a:fillRef>
+          <a:effectRef idx="0">
+            <a:schemeClr val="accent1"/>
+          </a:effectRef>
+          <a:fontRef idx="minor">
+            <a:schemeClr val="tx1"/>
+          </a:fontRef>
+        </p:style>
+      </p:cxnSp>
+      <p:sp>
+        <p:nvSpPr>
+          <p:cNvPr id="19" name="TextBox 18">
+            <a:extLst>
+              <a:ext uri="{FF2B5EF4-FFF2-40B4-BE49-F238E27FC236}">
+                <a16:creationId xmlns:a16="http://schemas.microsoft.com/office/drawing/2014/main" id="{38467D6F-9B0C-1445-A5B2-128DAF40BB60}"/>
+              </a:ext>
+            </a:extLst>
+          </p:cNvPr>
+          <p:cNvSpPr txBox="1"/>
+          <p:nvPr/>
+        </p:nvSpPr>
+        <p:spPr>
+          <a:xfrm>
+            <a:off x="5851884" y="2207049"/>
+            <a:ext cx="6125027" cy="261610"/>
+          </a:xfrm>
+          <a:prstGeom prst="rect">
+            <a:avLst/>
+          </a:prstGeom>
+          <a:noFill/>
+          <a:ln w="12700">
+            <a:noFill/>
+          </a:ln>
+        </p:spPr>
+        <p:txBody>
+          <a:bodyPr wrap="square" rtlCol="0">
+            <a:spAutoFit/>
+          </a:bodyPr>
+          <a:lstStyle/>
+          <a:p>
+            <a:r>
+              <a:rPr lang="en-US" altLang="ko-KR" sz="1100" dirty="0"/>
+              <a:t>address</a:t>
+            </a:r>
+            <a:r>
+              <a:rPr lang="ko-KR" altLang="en-US" sz="1100" dirty="0"/>
+              <a:t>라는 인수를 사용하는</a:t>
+            </a:r>
+            <a:r>
+              <a:rPr lang="en-US" altLang="ko-KR" sz="1100" dirty="0"/>
+              <a:t> </a:t>
+            </a:r>
+            <a:r>
+              <a:rPr lang="en-US" altLang="ko-KR" sz="1100" dirty="0" err="1"/>
+              <a:t>printAddress</a:t>
+            </a:r>
+            <a:r>
+              <a:rPr lang="ko-KR" altLang="en-US" sz="1100" dirty="0"/>
+              <a:t> 함수를 생성</a:t>
+            </a:r>
+            <a:r>
+              <a:rPr lang="en-US" altLang="ko-KR" sz="1100" dirty="0"/>
+              <a:t>,</a:t>
+            </a:r>
+            <a:r>
+              <a:rPr lang="ko-KR" altLang="en-US" sz="1100" dirty="0"/>
+              <a:t> 정의합니다</a:t>
+            </a:r>
+            <a:r>
+              <a:rPr lang="en-US" altLang="ko-KR" sz="1100" dirty="0"/>
+              <a:t>.</a:t>
+            </a:r>
+          </a:p>
+        </p:txBody>
+      </p:sp>
+      <p:sp>
+        <p:nvSpPr>
+          <p:cNvPr id="26" name="TextBox 25">
+            <a:extLst>
+              <a:ext uri="{FF2B5EF4-FFF2-40B4-BE49-F238E27FC236}">
+                <a16:creationId xmlns:a16="http://schemas.microsoft.com/office/drawing/2014/main" id="{A019EADE-BDC9-1D48-BC98-B806BEE5ED60}"/>
+              </a:ext>
+            </a:extLst>
+          </p:cNvPr>
+          <p:cNvSpPr txBox="1"/>
+          <p:nvPr/>
+        </p:nvSpPr>
+        <p:spPr>
+          <a:xfrm>
+            <a:off x="5777948" y="2573734"/>
+            <a:ext cx="6125027" cy="261610"/>
+          </a:xfrm>
+          <a:prstGeom prst="rect">
+            <a:avLst/>
+          </a:prstGeom>
+          <a:noFill/>
+          <a:ln w="12700">
+            <a:noFill/>
+          </a:ln>
+        </p:spPr>
+        <p:txBody>
+          <a:bodyPr wrap="square" rtlCol="0">
+            <a:spAutoFit/>
+          </a:bodyPr>
+          <a:lstStyle/>
+          <a:p>
+            <a:r>
+              <a:rPr lang="ko-KR" altLang="en-US" sz="1100" dirty="0"/>
+              <a:t>함수에서 받아온 </a:t>
+            </a:r>
+            <a:r>
+              <a:rPr lang="en-US" altLang="ko-KR" sz="1100" dirty="0"/>
+              <a:t>address</a:t>
+            </a:r>
+            <a:r>
+              <a:rPr lang="ko-KR" altLang="en-US" sz="1100" dirty="0"/>
+              <a:t> 인수에서 </a:t>
+            </a:r>
+            <a:r>
+              <a:rPr lang="en-US" altLang="ko-KR" sz="1100" dirty="0"/>
+              <a:t>name</a:t>
+            </a:r>
+            <a:r>
+              <a:rPr lang="ko-KR" altLang="en-US" sz="1100" dirty="0"/>
+              <a:t>속성을 출력하도록 합니다</a:t>
+            </a:r>
+            <a:r>
+              <a:rPr lang="en-US" altLang="ko-KR" sz="1100" dirty="0"/>
+              <a:t>.</a:t>
+            </a:r>
+          </a:p>
+        </p:txBody>
+      </p:sp>
+      <p:cxnSp>
+        <p:nvCxnSpPr>
+          <p:cNvPr id="27" name="직선 화살표 연결선 26">
+            <a:extLst>
+              <a:ext uri="{FF2B5EF4-FFF2-40B4-BE49-F238E27FC236}">
+                <a16:creationId xmlns:a16="http://schemas.microsoft.com/office/drawing/2014/main" id="{F80FEC10-D755-8141-896B-68F5570F99AD}"/>
+              </a:ext>
+            </a:extLst>
+          </p:cNvPr>
+          <p:cNvCxnSpPr>
+            <a:cxnSpLocks/>
+          </p:cNvCxnSpPr>
+          <p:nvPr/>
+        </p:nvCxnSpPr>
+        <p:spPr>
+          <a:xfrm flipV="1">
+            <a:off x="3193950" y="3325416"/>
+            <a:ext cx="2602551" cy="1"/>
+          </a:xfrm>
+          <a:prstGeom prst="straightConnector1">
+            <a:avLst/>
+          </a:prstGeom>
+          <a:ln w="12700">
+            <a:solidFill>
+              <a:srgbClr val="FF7876"/>
+            </a:solidFill>
+            <a:tailEnd type="triangle"/>
+          </a:ln>
+        </p:spPr>
+        <p:style>
+          <a:lnRef idx="1">
+            <a:schemeClr val="accent1"/>
+          </a:lnRef>
+          <a:fillRef idx="0">
+            <a:schemeClr val="accent1"/>
+          </a:fillRef>
+          <a:effectRef idx="0">
+            <a:schemeClr val="accent1"/>
+          </a:effectRef>
+          <a:fontRef idx="minor">
+            <a:schemeClr val="tx1"/>
+          </a:fontRef>
+        </p:style>
+      </p:cxnSp>
+      <p:cxnSp>
+        <p:nvCxnSpPr>
+          <p:cNvPr id="28" name="직선 화살표 연결선 27">
+            <a:extLst>
+              <a:ext uri="{FF2B5EF4-FFF2-40B4-BE49-F238E27FC236}">
+                <a16:creationId xmlns:a16="http://schemas.microsoft.com/office/drawing/2014/main" id="{AFC7B291-FBBA-1849-A53D-0AF7D57F69BF}"/>
+              </a:ext>
+            </a:extLst>
+          </p:cNvPr>
+          <p:cNvCxnSpPr>
+            <a:cxnSpLocks/>
+          </p:cNvCxnSpPr>
+          <p:nvPr/>
+        </p:nvCxnSpPr>
+        <p:spPr>
+          <a:xfrm>
+            <a:off x="5399396" y="3828248"/>
+            <a:ext cx="516374" cy="472771"/>
+          </a:xfrm>
+          <a:prstGeom prst="straightConnector1">
+            <a:avLst/>
+          </a:prstGeom>
+          <a:ln w="12700">
+            <a:solidFill>
+              <a:srgbClr val="FF7876"/>
+            </a:solidFill>
+            <a:tailEnd type="triangle"/>
+          </a:ln>
+        </p:spPr>
+        <p:style>
+          <a:lnRef idx="1">
+            <a:schemeClr val="accent1"/>
+          </a:lnRef>
+          <a:fillRef idx="0">
+            <a:schemeClr val="accent1"/>
+          </a:fillRef>
+          <a:effectRef idx="0">
+            <a:schemeClr val="accent1"/>
+          </a:effectRef>
+          <a:fontRef idx="minor">
+            <a:schemeClr val="tx1"/>
+          </a:fontRef>
+        </p:style>
+      </p:cxnSp>
+      <p:sp>
+        <p:nvSpPr>
+          <p:cNvPr id="29" name="TextBox 28">
+            <a:extLst>
+              <a:ext uri="{FF2B5EF4-FFF2-40B4-BE49-F238E27FC236}">
+                <a16:creationId xmlns:a16="http://schemas.microsoft.com/office/drawing/2014/main" id="{27BA89C0-5B1C-B74B-8BE4-A082BCE42FA8}"/>
+              </a:ext>
+            </a:extLst>
+          </p:cNvPr>
+          <p:cNvSpPr txBox="1"/>
+          <p:nvPr/>
+        </p:nvSpPr>
+        <p:spPr>
+          <a:xfrm>
+            <a:off x="5851884" y="4178066"/>
+            <a:ext cx="6125027" cy="261610"/>
+          </a:xfrm>
+          <a:prstGeom prst="rect">
+            <a:avLst/>
+          </a:prstGeom>
+          <a:noFill/>
+          <a:ln w="12700">
+            <a:noFill/>
+          </a:ln>
+        </p:spPr>
+        <p:txBody>
+          <a:bodyPr wrap="square" rtlCol="0">
+            <a:spAutoFit/>
+          </a:bodyPr>
+          <a:lstStyle/>
+          <a:p>
+            <a:r>
+              <a:rPr lang="ko-KR" altLang="en-US" sz="1100" dirty="0"/>
+              <a:t>다음 </a:t>
+            </a:r>
+            <a:r>
+              <a:rPr lang="en-US" altLang="ko-KR" sz="1100" dirty="0"/>
+              <a:t>city,</a:t>
+            </a:r>
+            <a:r>
+              <a:rPr lang="ko-KR" altLang="en-US" sz="1100" dirty="0"/>
+              <a:t> </a:t>
+            </a:r>
+            <a:r>
+              <a:rPr lang="en-US" altLang="ko-KR" sz="1100" dirty="0"/>
+              <a:t>state, zip </a:t>
+            </a:r>
+            <a:r>
+              <a:rPr lang="ko-KR" altLang="en-US" sz="1100" dirty="0"/>
+              <a:t>속성값들을 출력하도록 하게 합니다</a:t>
+            </a:r>
+            <a:r>
+              <a:rPr lang="en-US" altLang="ko-KR" sz="1100" dirty="0"/>
+              <a:t>.</a:t>
+            </a:r>
+          </a:p>
+        </p:txBody>
+      </p:sp>
+      <p:sp>
+        <p:nvSpPr>
+          <p:cNvPr id="30" name="오른쪽 중괄호[R] 29">
+            <a:extLst>
+              <a:ext uri="{FF2B5EF4-FFF2-40B4-BE49-F238E27FC236}">
+                <a16:creationId xmlns:a16="http://schemas.microsoft.com/office/drawing/2014/main" id="{0BE5CEB5-EBC8-804C-AAB6-2CC24E4CC628}"/>
+              </a:ext>
+            </a:extLst>
+          </p:cNvPr>
+          <p:cNvSpPr/>
+          <p:nvPr/>
+        </p:nvSpPr>
+        <p:spPr>
+          <a:xfrm>
+            <a:off x="3130239" y="4064634"/>
+            <a:ext cx="180076" cy="419520"/>
+          </a:xfrm>
+          <a:prstGeom prst="rightBrace">
+            <a:avLst/>
+          </a:prstGeom>
+          <a:ln w="12700">
+            <a:solidFill>
+              <a:srgbClr val="FF7876"/>
+            </a:solidFill>
+          </a:ln>
+        </p:spPr>
+        <p:style>
+          <a:lnRef idx="1">
+            <a:schemeClr val="accent1"/>
+          </a:lnRef>
+          <a:fillRef idx="0">
+            <a:schemeClr val="accent1"/>
+          </a:fillRef>
+          <a:effectRef idx="0">
+            <a:schemeClr val="accent1"/>
+          </a:effectRef>
+          <a:fontRef idx="minor">
+            <a:schemeClr val="tx1"/>
+          </a:fontRef>
+        </p:style>
+        <p:txBody>
+          <a:bodyPr rtlCol="0" anchor="ctr"/>
+          <a:lstStyle/>
+          <a:p>
             <a:pPr algn="ctr"/>
-            <a:r>
-              <a:rPr lang="ko-KR" altLang="en-US" sz="1100" dirty="0"/>
-              <a:t>출력된 모습을 보면 </a:t>
-            </a:r>
-            <a:r>
-              <a:rPr lang="en-US" altLang="ko-KR" sz="1100" dirty="0"/>
-              <a:t>print()</a:t>
-            </a:r>
-            <a:r>
-              <a:rPr lang="ko-KR" altLang="en-US" sz="1100" dirty="0"/>
-              <a:t>된 부분을 기준으로</a:t>
+            <a:endParaRPr kumimoji="1" lang="ko-Kore-KR" altLang="en-US"/>
+          </a:p>
+        </p:txBody>
+      </p:sp>
+      <p:cxnSp>
+        <p:nvCxnSpPr>
+          <p:cNvPr id="31" name="직선 화살표 연결선 30">
+            <a:extLst>
+              <a:ext uri="{FF2B5EF4-FFF2-40B4-BE49-F238E27FC236}">
+                <a16:creationId xmlns:a16="http://schemas.microsoft.com/office/drawing/2014/main" id="{B5870BC9-9220-854A-B030-FBBD2FDF4A03}"/>
+              </a:ext>
+            </a:extLst>
+          </p:cNvPr>
+          <p:cNvCxnSpPr>
+            <a:cxnSpLocks/>
+            <a:endCxn id="35" idx="1"/>
+          </p:cNvCxnSpPr>
+          <p:nvPr/>
+        </p:nvCxnSpPr>
+        <p:spPr>
+          <a:xfrm>
+            <a:off x="3302364" y="4272086"/>
+            <a:ext cx="2160643" cy="574978"/>
+          </a:xfrm>
+          <a:prstGeom prst="straightConnector1">
+            <a:avLst/>
+          </a:prstGeom>
+          <a:ln w="12700">
+            <a:solidFill>
+              <a:srgbClr val="FF7876"/>
+            </a:solidFill>
+            <a:tailEnd type="triangle"/>
+          </a:ln>
+        </p:spPr>
+        <p:style>
+          <a:lnRef idx="1">
+            <a:schemeClr val="accent1"/>
+          </a:lnRef>
+          <a:fillRef idx="0">
+            <a:schemeClr val="accent1"/>
+          </a:fillRef>
+          <a:effectRef idx="0">
+            <a:schemeClr val="accent1"/>
+          </a:effectRef>
+          <a:fontRef idx="minor">
+            <a:schemeClr val="tx1"/>
+          </a:fontRef>
+        </p:style>
+      </p:cxnSp>
+      <p:sp>
+        <p:nvSpPr>
+          <p:cNvPr id="35" name="TextBox 34">
+            <a:extLst>
+              <a:ext uri="{FF2B5EF4-FFF2-40B4-BE49-F238E27FC236}">
+                <a16:creationId xmlns:a16="http://schemas.microsoft.com/office/drawing/2014/main" id="{A19EBB60-5884-9A4C-A995-AF223254B6CB}"/>
+              </a:ext>
+            </a:extLst>
+          </p:cNvPr>
+          <p:cNvSpPr txBox="1"/>
+          <p:nvPr/>
+        </p:nvSpPr>
+        <p:spPr>
+          <a:xfrm>
+            <a:off x="5463007" y="4462343"/>
+            <a:ext cx="6125027" cy="769441"/>
+          </a:xfrm>
+          <a:prstGeom prst="rect">
+            <a:avLst/>
+          </a:prstGeom>
+          <a:noFill/>
+          <a:ln w="12700">
+            <a:noFill/>
+          </a:ln>
+        </p:spPr>
+        <p:txBody>
+          <a:bodyPr wrap="square" rtlCol="0">
+            <a:spAutoFit/>
+          </a:bodyPr>
+          <a:lstStyle/>
+          <a:p>
+            <a:r>
+              <a:rPr lang="en-US" altLang="ko-KR" sz="1100" dirty="0" err="1"/>
+              <a:t>printAddress</a:t>
+            </a:r>
+            <a:r>
+              <a:rPr lang="ko-KR" altLang="en-US" sz="1100" dirty="0"/>
+              <a:t>함수를 사용합니다</a:t>
+            </a:r>
+            <a:r>
+              <a:rPr lang="en-US" altLang="ko-KR" sz="1100" dirty="0"/>
+              <a:t>.</a:t>
+            </a:r>
+          </a:p>
+          <a:p>
+            <a:r>
+              <a:rPr lang="ko-KR" altLang="en-US" sz="1100" dirty="0"/>
+              <a:t>이전에 생성했던</a:t>
+            </a:r>
+            <a:r>
+              <a:rPr lang="en-US" altLang="ko-KR" sz="1100" dirty="0"/>
+              <a:t> Address</a:t>
+            </a:r>
+            <a:r>
+              <a:rPr lang="ko-KR" altLang="en-US" sz="1100" dirty="0"/>
+              <a:t>클래스의 인스턴스인</a:t>
             </a:r>
             <a:endParaRPr lang="en-US" altLang="ko-KR" sz="1100" dirty="0"/>
           </a:p>
           <a:p>
-            <a:pPr algn="ctr"/>
-            <a:r>
-              <a:rPr lang="ko-KR" altLang="en-US" sz="1100" dirty="0" err="1"/>
-              <a:t>윗쪽엔</a:t>
-            </a:r>
-            <a:r>
-              <a:rPr lang="ko-KR" altLang="en-US" sz="1100" dirty="0"/>
-              <a:t> </a:t>
-            </a:r>
             <a:r>
               <a:rPr lang="en-US" altLang="ko-KR" sz="1100" dirty="0" err="1"/>
               <a:t>homeAdress</a:t>
             </a:r>
             <a:r>
-              <a:rPr lang="ko-KR" altLang="en-US" sz="1100" dirty="0"/>
-              <a:t>가 정상적으로 </a:t>
-            </a:r>
-            <a:r>
-              <a:rPr lang="ko-KR" altLang="en-US" sz="1100" dirty="0" err="1"/>
-              <a:t>출력된것이</a:t>
-            </a:r>
-            <a:r>
-              <a:rPr lang="ko-KR" altLang="en-US" sz="1100" dirty="0"/>
-              <a:t> 보이고</a:t>
-            </a:r>
-            <a:endParaRPr lang="en-US" altLang="ko-KR" sz="1100" dirty="0"/>
-          </a:p>
-          <a:p>
-            <a:pPr algn="ctr"/>
-            <a:r>
-              <a:rPr lang="ko-KR" altLang="en-US" sz="1100" dirty="0" err="1"/>
-              <a:t>아랫쪽엔</a:t>
+              <a:rPr lang="en-US" altLang="ko-KR" sz="1100" dirty="0"/>
+              <a:t>,</a:t>
             </a:r>
             <a:r>
               <a:rPr lang="ko-KR" altLang="en-US" sz="1100" dirty="0"/>
@@ -6488,75 +6812,19 @@
               <a:t>vacationHomeAddress</a:t>
             </a:r>
             <a:r>
-              <a:rPr lang="ko-KR" altLang="en-US" sz="1100" dirty="0"/>
-              <a:t>가 정상적으로 </a:t>
-            </a:r>
-            <a:r>
               <a:rPr lang="ko-KR" altLang="en-US" sz="1100" dirty="0" err="1"/>
-              <a:t>출력된것이</a:t>
-            </a:r>
-            <a:r>
-              <a:rPr lang="ko-KR" altLang="en-US" sz="1100" dirty="0"/>
-              <a:t> 보입니다</a:t>
-            </a:r>
-            <a:r>
-              <a:rPr lang="en-US" altLang="ko-KR" sz="1100" dirty="0"/>
-              <a:t>.</a:t>
-            </a:r>
-          </a:p>
-          <a:p>
-            <a:pPr algn="ctr"/>
-            <a:r>
-              <a:rPr lang="en-US" altLang="ko-KR" sz="1100" dirty="0"/>
-              <a:t>if </a:t>
-            </a:r>
-            <a:r>
-              <a:rPr lang="ko-KR" altLang="en-US" sz="1100" dirty="0"/>
-              <a:t>분기로</a:t>
-            </a:r>
-            <a:r>
-              <a:rPr lang="en-US" altLang="ko-KR" sz="1100" dirty="0"/>
-              <a:t> </a:t>
-            </a:r>
-            <a:r>
-              <a:rPr lang="en-US" altLang="ko-KR" sz="1100" dirty="0" err="1"/>
-              <a:t>vacationHomeAddress</a:t>
-            </a:r>
-            <a:r>
-              <a:rPr lang="ko-KR" altLang="en-US" sz="1100" dirty="0"/>
-              <a:t>에선 </a:t>
-            </a:r>
-            <a:r>
-              <a:rPr lang="en-US" altLang="ko-KR" sz="1100" dirty="0"/>
-              <a:t>line2</a:t>
-            </a:r>
-            <a:r>
-              <a:rPr lang="ko-KR" altLang="en-US" sz="1100" dirty="0"/>
-              <a:t> 데이터의 길이가 </a:t>
-            </a:r>
-            <a:r>
-              <a:rPr lang="en-US" altLang="ko-KR" sz="1100" dirty="0"/>
-              <a:t>0</a:t>
-            </a:r>
-            <a:r>
-              <a:rPr lang="ko-KR" altLang="en-US" sz="1100" dirty="0"/>
-              <a:t> 이하이기 때문에</a:t>
+              <a:t>를</a:t>
+            </a:r>
+            <a:r>
+              <a:rPr lang="ko-KR" altLang="en-US" sz="1100" dirty="0"/>
+              <a:t> 인수로 삽입하여</a:t>
             </a:r>
             <a:endParaRPr lang="en-US" altLang="ko-KR" sz="1100" dirty="0"/>
           </a:p>
           <a:p>
-            <a:pPr algn="ctr"/>
-            <a:r>
-              <a:rPr lang="ko-KR" altLang="en-US" sz="1100" dirty="0"/>
-              <a:t>무시하고 정상 </a:t>
-            </a:r>
-            <a:r>
-              <a:rPr lang="ko-KR" altLang="en-US" sz="1100" dirty="0" err="1"/>
-              <a:t>출력된것을</a:t>
-            </a:r>
-            <a:r>
-              <a:rPr lang="ko-KR" altLang="en-US" sz="1100" dirty="0"/>
-              <a:t> 볼 수 있습니다</a:t>
+            <a:r>
+              <a:rPr lang="ko-KR" altLang="en-US" sz="1100" dirty="0"/>
+              <a:t>함수를 실행하게 합니다</a:t>
             </a:r>
             <a:r>
               <a:rPr lang="en-US" altLang="ko-KR" sz="1100" dirty="0"/>
@@ -6568,7 +6836,7 @@
     </p:spTree>
     <p:extLst>
       <p:ext uri="{BB962C8B-B14F-4D97-AF65-F5344CB8AC3E}">
-        <p14:creationId xmlns:p14="http://schemas.microsoft.com/office/powerpoint/2010/main" val="1501618868"/>
+        <p14:creationId xmlns:p14="http://schemas.microsoft.com/office/powerpoint/2010/main" val="803682836"/>
       </p:ext>
     </p:extLst>
   </p:cSld>
@@ -6595,6 +6863,36 @@
           <a:chExt cx="0" cy="0"/>
         </a:xfrm>
       </p:grpSpPr>
+      <p:pic>
+        <p:nvPicPr>
+          <p:cNvPr id="2" name="그림 1">
+            <a:extLst>
+              <a:ext uri="{FF2B5EF4-FFF2-40B4-BE49-F238E27FC236}">
+                <a16:creationId xmlns:a16="http://schemas.microsoft.com/office/drawing/2014/main" id="{135C2F72-06E6-A347-82F1-DBAF9C45A016}"/>
+              </a:ext>
+            </a:extLst>
+          </p:cNvPr>
+          <p:cNvPicPr>
+            <a:picLocks noChangeAspect="1"/>
+          </p:cNvPicPr>
+          <p:nvPr/>
+        </p:nvPicPr>
+        <p:blipFill>
+          <a:blip r:embed="rId2"/>
+          <a:stretch>
+            <a:fillRect/>
+          </a:stretch>
+        </p:blipFill>
+        <p:spPr>
+          <a:xfrm>
+            <a:off x="1658940" y="2193455"/>
+            <a:ext cx="8874117" cy="1658140"/>
+          </a:xfrm>
+          <a:prstGeom prst="rect">
+            <a:avLst/>
+          </a:prstGeom>
+        </p:spPr>
+      </p:pic>
       <p:sp>
         <p:nvSpPr>
           <p:cNvPr id="37" name="직사각형 36">
@@ -6634,7 +6932,7 @@
                   <a:srgbClr val="FF7876"/>
                 </a:solidFill>
               </a:rPr>
-              <a:t>ex2</a:t>
+              <a:t>ex1</a:t>
             </a:r>
           </a:p>
         </p:txBody>
@@ -6772,7 +7070,7 @@
                   <a:srgbClr val="FF7876"/>
                 </a:solidFill>
               </a:rPr>
-              <a:t>2</a:t>
+              <a:t>1</a:t>
             </a:r>
             <a:r>
               <a:rPr lang="ko-KR" altLang="en-US" sz="1100" i="1" dirty="0">
@@ -6790,123 +7088,107 @@
           </a:p>
         </p:txBody>
       </p:sp>
-      <p:pic>
-        <p:nvPicPr>
-          <p:cNvPr id="3" name="그림 2">
-            <a:extLst>
-              <a:ext uri="{FF2B5EF4-FFF2-40B4-BE49-F238E27FC236}">
-                <a16:creationId xmlns:a16="http://schemas.microsoft.com/office/drawing/2014/main" id="{2DD702F8-B19D-CF46-B86D-1CDCFE4E45D6}"/>
-              </a:ext>
-            </a:extLst>
-          </p:cNvPr>
-          <p:cNvPicPr>
-            <a:picLocks noChangeAspect="1"/>
-          </p:cNvPicPr>
-          <p:nvPr/>
-        </p:nvPicPr>
-        <p:blipFill>
-          <a:blip r:embed="rId2"/>
-          <a:stretch>
-            <a:fillRect/>
-          </a:stretch>
-        </p:blipFill>
+      <p:sp>
+        <p:nvSpPr>
+          <p:cNvPr id="29" name="TextBox 28">
+            <a:extLst>
+              <a:ext uri="{FF2B5EF4-FFF2-40B4-BE49-F238E27FC236}">
+                <a16:creationId xmlns:a16="http://schemas.microsoft.com/office/drawing/2014/main" id="{27BA89C0-5B1C-B74B-8BE4-A082BCE42FA8}"/>
+              </a:ext>
+            </a:extLst>
+          </p:cNvPr>
+          <p:cNvSpPr txBox="1"/>
+          <p:nvPr/>
+        </p:nvSpPr>
         <p:spPr>
           <a:xfrm>
-            <a:off x="1048262" y="1583554"/>
-            <a:ext cx="3770008" cy="4871359"/>
+            <a:off x="3033484" y="4350958"/>
+            <a:ext cx="6125027" cy="938719"/>
           </a:xfrm>
           <a:prstGeom prst="rect">
             <a:avLst/>
           </a:prstGeom>
-        </p:spPr>
-      </p:pic>
-      <p:sp>
-        <p:nvSpPr>
-          <p:cNvPr id="9" name="오른쪽 중괄호[R] 8">
-            <a:extLst>
-              <a:ext uri="{FF2B5EF4-FFF2-40B4-BE49-F238E27FC236}">
-                <a16:creationId xmlns:a16="http://schemas.microsoft.com/office/drawing/2014/main" id="{CFA794E8-B530-3740-B6F4-AA0E844C63AC}"/>
-              </a:ext>
-            </a:extLst>
-          </p:cNvPr>
-          <p:cNvSpPr/>
-          <p:nvPr/>
-        </p:nvSpPr>
-        <p:spPr>
-          <a:xfrm>
-            <a:off x="4638194" y="1905750"/>
-            <a:ext cx="180076" cy="1743898"/>
-          </a:xfrm>
-          <a:prstGeom prst="rightBrace">
-            <a:avLst/>
-          </a:prstGeom>
+          <a:noFill/>
           <a:ln w="12700">
             <a:solidFill>
               <a:srgbClr val="FF7876"/>
             </a:solidFill>
           </a:ln>
         </p:spPr>
-        <p:style>
-          <a:lnRef idx="1">
-            <a:schemeClr val="accent1"/>
-          </a:lnRef>
-          <a:fillRef idx="0">
-            <a:schemeClr val="accent1"/>
-          </a:fillRef>
-          <a:effectRef idx="0">
-            <a:schemeClr val="accent1"/>
-          </a:effectRef>
-          <a:fontRef idx="minor">
-            <a:schemeClr val="tx1"/>
-          </a:fontRef>
-        </p:style>
-        <p:txBody>
-          <a:bodyPr rtlCol="0" anchor="ctr"/>
-          <a:lstStyle/>
-          <a:p>
-            <a:pPr algn="ctr"/>
-            <a:endParaRPr kumimoji="1" lang="ko-Kore-KR" altLang="en-US"/>
-          </a:p>
-        </p:txBody>
-      </p:sp>
-      <p:sp>
-        <p:nvSpPr>
-          <p:cNvPr id="10" name="TextBox 9">
-            <a:extLst>
-              <a:ext uri="{FF2B5EF4-FFF2-40B4-BE49-F238E27FC236}">
-                <a16:creationId xmlns:a16="http://schemas.microsoft.com/office/drawing/2014/main" id="{1C630D50-DF65-CD40-8192-276139E5CE34}"/>
-              </a:ext>
-            </a:extLst>
-          </p:cNvPr>
-          <p:cNvSpPr txBox="1"/>
-          <p:nvPr/>
-        </p:nvSpPr>
-        <p:spPr>
-          <a:xfrm>
-            <a:off x="5772648" y="2321004"/>
-            <a:ext cx="5791533" cy="769441"/>
-          </a:xfrm>
-          <a:prstGeom prst="rect">
-            <a:avLst/>
-          </a:prstGeom>
-          <a:noFill/>
-          <a:ln w="12700">
-            <a:noFill/>
-          </a:ln>
-        </p:spPr>
         <p:txBody>
           <a:bodyPr wrap="square" rtlCol="0">
             <a:spAutoFit/>
           </a:bodyPr>
           <a:lstStyle/>
           <a:p>
-            <a:r>
-              <a:rPr lang="en-US" altLang="ko-KR" sz="1100" dirty="0"/>
-              <a:t>Dog</a:t>
-            </a:r>
-            <a:r>
-              <a:rPr lang="ko-KR" altLang="en-US" sz="1100" dirty="0"/>
-              <a:t>라는 클래스객체를 생성합니다</a:t>
+            <a:pPr algn="ctr"/>
+            <a:r>
+              <a:rPr lang="ko-KR" altLang="en-US" sz="1100" dirty="0"/>
+              <a:t>출력된 모습을 보면 </a:t>
+            </a:r>
+            <a:r>
+              <a:rPr lang="en-US" altLang="ko-KR" sz="1100" dirty="0"/>
+              <a:t>print()</a:t>
+            </a:r>
+            <a:r>
+              <a:rPr lang="ko-KR" altLang="en-US" sz="1100" dirty="0"/>
+              <a:t>된 부분을 기준으로</a:t>
+            </a:r>
+            <a:endParaRPr lang="en-US" altLang="ko-KR" sz="1100" dirty="0"/>
+          </a:p>
+          <a:p>
+            <a:pPr algn="ctr"/>
+            <a:r>
+              <a:rPr lang="ko-KR" altLang="en-US" sz="1100" dirty="0" err="1"/>
+              <a:t>윗쪽엔</a:t>
+            </a:r>
+            <a:r>
+              <a:rPr lang="ko-KR" altLang="en-US" sz="1100" dirty="0"/>
+              <a:t> </a:t>
+            </a:r>
+            <a:r>
+              <a:rPr lang="en-US" altLang="ko-KR" sz="1100" dirty="0" err="1"/>
+              <a:t>homeAdress</a:t>
+            </a:r>
+            <a:r>
+              <a:rPr lang="ko-KR" altLang="en-US" sz="1100" dirty="0"/>
+              <a:t>가 정상적으로 </a:t>
+            </a:r>
+            <a:r>
+              <a:rPr lang="ko-KR" altLang="en-US" sz="1100" dirty="0" err="1"/>
+              <a:t>출력된것이</a:t>
+            </a:r>
+            <a:r>
+              <a:rPr lang="ko-KR" altLang="en-US" sz="1100" dirty="0"/>
+              <a:t> 보이고</a:t>
+            </a:r>
+            <a:endParaRPr lang="en-US" altLang="ko-KR" sz="1100" dirty="0"/>
+          </a:p>
+          <a:p>
+            <a:pPr algn="ctr"/>
+            <a:r>
+              <a:rPr lang="ko-KR" altLang="en-US" sz="1100" dirty="0" err="1"/>
+              <a:t>아랫쪽엔</a:t>
+            </a:r>
+            <a:r>
+              <a:rPr lang="ko-KR" altLang="en-US" sz="1100" dirty="0"/>
+              <a:t> </a:t>
+            </a:r>
+            <a:r>
+              <a:rPr lang="en-US" altLang="ko-KR" sz="1100" dirty="0" err="1"/>
+              <a:t>vacationHomeAddress</a:t>
+            </a:r>
+            <a:r>
+              <a:rPr lang="ko-KR" altLang="en-US" sz="1100" dirty="0"/>
+              <a:t>가 정상적으로 </a:t>
+            </a:r>
+            <a:r>
+              <a:rPr lang="ko-KR" altLang="en-US" sz="1100" dirty="0" err="1"/>
+              <a:t>출력된것이</a:t>
+            </a:r>
+            <a:r>
+              <a:rPr lang="ko-KR" altLang="en-US" sz="1100" dirty="0"/>
+              <a:t> 보입니다</a:t>
             </a:r>
             <a:r>
               <a:rPr lang="en-US" altLang="ko-KR" sz="1100" dirty="0"/>
@@ -6914,524 +7196,58 @@
             </a:r>
           </a:p>
           <a:p>
-            <a:r>
-              <a:rPr lang="ko-KR" altLang="en-US" sz="1100" dirty="0"/>
-              <a:t>속성값으로 </a:t>
-            </a:r>
-            <a:r>
-              <a:rPr lang="en-US" altLang="ko-KR" sz="1100" dirty="0"/>
-              <a:t>age, name, weight</a:t>
+            <a:pPr algn="ctr"/>
+            <a:r>
+              <a:rPr lang="en-US" altLang="ko-KR" sz="1100" dirty="0"/>
+              <a:t>if </a:t>
+            </a:r>
+            <a:r>
+              <a:rPr lang="ko-KR" altLang="en-US" sz="1100" dirty="0"/>
+              <a:t>분기로</a:t>
+            </a:r>
+            <a:r>
+              <a:rPr lang="en-US" altLang="ko-KR" sz="1100" dirty="0"/>
+              <a:t> </a:t>
+            </a:r>
+            <a:r>
+              <a:rPr lang="en-US" altLang="ko-KR" sz="1100" dirty="0" err="1"/>
+              <a:t>vacationHomeAddress</a:t>
+            </a:r>
+            <a:r>
+              <a:rPr lang="ko-KR" altLang="en-US" sz="1100" dirty="0"/>
+              <a:t>에선 </a:t>
+            </a:r>
+            <a:r>
+              <a:rPr lang="en-US" altLang="ko-KR" sz="1100" dirty="0"/>
+              <a:t>line2</a:t>
+            </a:r>
+            <a:r>
+              <a:rPr lang="ko-KR" altLang="en-US" sz="1100" dirty="0"/>
+              <a:t> 데이터의 길이가 </a:t>
+            </a:r>
+            <a:r>
+              <a:rPr lang="en-US" altLang="ko-KR" sz="1100" dirty="0"/>
+              <a:t>0</a:t>
+            </a:r>
+            <a:r>
+              <a:rPr lang="ko-KR" altLang="en-US" sz="1100" dirty="0"/>
+              <a:t> 이하이기 때문에</a:t>
+            </a:r>
+            <a:endParaRPr lang="en-US" altLang="ko-KR" sz="1100" dirty="0"/>
+          </a:p>
+          <a:p>
+            <a:pPr algn="ctr"/>
+            <a:r>
+              <a:rPr lang="ko-KR" altLang="en-US" sz="1100" dirty="0"/>
+              <a:t>무시하고 정상 </a:t>
             </a:r>
             <a:r>
               <a:rPr lang="ko-KR" altLang="en-US" sz="1100" dirty="0" err="1"/>
-              <a:t>를</a:t>
-            </a:r>
-            <a:r>
-              <a:rPr lang="ko-KR" altLang="en-US" sz="1100" dirty="0"/>
-              <a:t> 지정하고</a:t>
-            </a:r>
-            <a:endParaRPr lang="en-US" altLang="ko-KR" sz="1100" dirty="0"/>
-          </a:p>
-          <a:p>
-            <a:r>
-              <a:rPr lang="en-US" altLang="ko-KR" sz="1100" dirty="0"/>
-              <a:t>bark</a:t>
-            </a:r>
-            <a:r>
-              <a:rPr lang="ko-KR" altLang="en-US" sz="1100" dirty="0"/>
-              <a:t>라는 자기자신을 인수로 갖는</a:t>
-            </a:r>
-            <a:r>
-              <a:rPr lang="en-US" altLang="ko-KR" sz="1100" dirty="0"/>
-              <a:t>(self)</a:t>
-            </a:r>
-            <a:r>
-              <a:rPr lang="ko-KR" altLang="en-US" sz="1100" dirty="0"/>
-              <a:t> 메서드함수를 생성합니다</a:t>
-            </a:r>
-            <a:r>
-              <a:rPr lang="en-US" altLang="ko-KR" sz="1100" dirty="0"/>
-              <a:t>.</a:t>
-            </a:r>
-          </a:p>
-          <a:p>
-            <a:r>
-              <a:rPr lang="en-US" altLang="ko-KR" sz="1100" dirty="0"/>
-              <a:t>bark</a:t>
-            </a:r>
-            <a:r>
-              <a:rPr lang="ko-KR" altLang="en-US" sz="1100" dirty="0"/>
-              <a:t>함수는 자신의 객체의 속성인 </a:t>
-            </a:r>
-            <a:r>
-              <a:rPr lang="en-US" altLang="ko-KR" sz="1100" dirty="0"/>
-              <a:t>name</a:t>
-            </a:r>
-            <a:r>
-              <a:rPr lang="ko-KR" altLang="en-US" sz="1100" dirty="0" err="1"/>
-              <a:t>과함께</a:t>
-            </a:r>
-            <a:r>
-              <a:rPr lang="ko-KR" altLang="en-US" sz="1100" dirty="0"/>
-              <a:t> </a:t>
-            </a:r>
-            <a:r>
-              <a:rPr lang="ko-KR" altLang="en-US" sz="1100" dirty="0" err="1"/>
-              <a:t>멍멍을</a:t>
-            </a:r>
-            <a:r>
-              <a:rPr lang="ko-KR" altLang="en-US" sz="1100" dirty="0"/>
-              <a:t> 출력하도록 하게합니다</a:t>
-            </a:r>
-            <a:r>
-              <a:rPr lang="en-US" altLang="ko-KR" sz="1100" dirty="0"/>
-              <a:t>.</a:t>
-            </a:r>
-          </a:p>
-        </p:txBody>
-      </p:sp>
-      <p:cxnSp>
-        <p:nvCxnSpPr>
-          <p:cNvPr id="11" name="직선 화살표 연결선 10">
-            <a:extLst>
-              <a:ext uri="{FF2B5EF4-FFF2-40B4-BE49-F238E27FC236}">
-                <a16:creationId xmlns:a16="http://schemas.microsoft.com/office/drawing/2014/main" id="{1C008379-C6B4-0C47-89C0-21C37D1261E9}"/>
-              </a:ext>
-            </a:extLst>
-          </p:cNvPr>
-          <p:cNvCxnSpPr>
-            <a:cxnSpLocks/>
-            <a:endCxn id="10" idx="1"/>
-          </p:cNvCxnSpPr>
-          <p:nvPr/>
-        </p:nvCxnSpPr>
-        <p:spPr>
-          <a:xfrm flipV="1">
-            <a:off x="4818270" y="2705725"/>
-            <a:ext cx="954378" cy="71211"/>
-          </a:xfrm>
-          <a:prstGeom prst="straightConnector1">
-            <a:avLst/>
-          </a:prstGeom>
-          <a:ln w="12700">
-            <a:solidFill>
-              <a:srgbClr val="FF7876"/>
-            </a:solidFill>
-            <a:tailEnd type="triangle"/>
-          </a:ln>
-        </p:spPr>
-        <p:style>
-          <a:lnRef idx="1">
-            <a:schemeClr val="accent1"/>
-          </a:lnRef>
-          <a:fillRef idx="0">
-            <a:schemeClr val="accent1"/>
-          </a:fillRef>
-          <a:effectRef idx="0">
-            <a:schemeClr val="accent1"/>
-          </a:effectRef>
-          <a:fontRef idx="minor">
-            <a:schemeClr val="tx1"/>
-          </a:fontRef>
-        </p:style>
-      </p:cxnSp>
-      <p:sp>
-        <p:nvSpPr>
-          <p:cNvPr id="18" name="오른쪽 중괄호[R] 17">
-            <a:extLst>
-              <a:ext uri="{FF2B5EF4-FFF2-40B4-BE49-F238E27FC236}">
-                <a16:creationId xmlns:a16="http://schemas.microsoft.com/office/drawing/2014/main" id="{C84928A1-B84B-5145-A81D-359C4AAA5C4C}"/>
-              </a:ext>
-            </a:extLst>
-          </p:cNvPr>
-          <p:cNvSpPr/>
-          <p:nvPr/>
-        </p:nvSpPr>
-        <p:spPr>
-          <a:xfrm>
-            <a:off x="3031712" y="3934658"/>
-            <a:ext cx="124955" cy="788417"/>
-          </a:xfrm>
-          <a:prstGeom prst="rightBrace">
-            <a:avLst/>
-          </a:prstGeom>
-          <a:ln w="12700">
-            <a:solidFill>
-              <a:srgbClr val="FF7876"/>
-            </a:solidFill>
-          </a:ln>
-        </p:spPr>
-        <p:style>
-          <a:lnRef idx="1">
-            <a:schemeClr val="accent1"/>
-          </a:lnRef>
-          <a:fillRef idx="0">
-            <a:schemeClr val="accent1"/>
-          </a:fillRef>
-          <a:effectRef idx="0">
-            <a:schemeClr val="accent1"/>
-          </a:effectRef>
-          <a:fontRef idx="minor">
-            <a:schemeClr val="tx1"/>
-          </a:fontRef>
-        </p:style>
-        <p:txBody>
-          <a:bodyPr rtlCol="0" anchor="ctr"/>
-          <a:lstStyle/>
-          <a:p>
-            <a:pPr algn="ctr"/>
-            <a:endParaRPr kumimoji="1" lang="ko-Kore-KR" altLang="en-US"/>
-          </a:p>
-        </p:txBody>
-      </p:sp>
-      <p:cxnSp>
-        <p:nvCxnSpPr>
-          <p:cNvPr id="19" name="직선 화살표 연결선 18">
-            <a:extLst>
-              <a:ext uri="{FF2B5EF4-FFF2-40B4-BE49-F238E27FC236}">
-                <a16:creationId xmlns:a16="http://schemas.microsoft.com/office/drawing/2014/main" id="{D1521789-0353-4546-B773-AC0CD5E2604B}"/>
-              </a:ext>
-            </a:extLst>
-          </p:cNvPr>
-          <p:cNvCxnSpPr>
-            <a:cxnSpLocks/>
-          </p:cNvCxnSpPr>
-          <p:nvPr/>
-        </p:nvCxnSpPr>
-        <p:spPr>
-          <a:xfrm flipV="1">
-            <a:off x="3156667" y="4328866"/>
-            <a:ext cx="1852655" cy="1"/>
-          </a:xfrm>
-          <a:prstGeom prst="straightConnector1">
-            <a:avLst/>
-          </a:prstGeom>
-          <a:ln w="12700">
-            <a:solidFill>
-              <a:srgbClr val="FF7876"/>
-            </a:solidFill>
-            <a:tailEnd type="triangle"/>
-          </a:ln>
-        </p:spPr>
-        <p:style>
-          <a:lnRef idx="1">
-            <a:schemeClr val="accent1"/>
-          </a:lnRef>
-          <a:fillRef idx="0">
-            <a:schemeClr val="accent1"/>
-          </a:fillRef>
-          <a:effectRef idx="0">
-            <a:schemeClr val="accent1"/>
-          </a:effectRef>
-          <a:fontRef idx="minor">
-            <a:schemeClr val="tx1"/>
-          </a:fontRef>
-        </p:style>
-      </p:cxnSp>
-      <p:sp>
-        <p:nvSpPr>
-          <p:cNvPr id="22" name="TextBox 21">
-            <a:extLst>
-              <a:ext uri="{FF2B5EF4-FFF2-40B4-BE49-F238E27FC236}">
-                <a16:creationId xmlns:a16="http://schemas.microsoft.com/office/drawing/2014/main" id="{4F75A290-B032-004D-9E7E-26F7FE6FFE86}"/>
-              </a:ext>
-            </a:extLst>
-          </p:cNvPr>
-          <p:cNvSpPr txBox="1"/>
-          <p:nvPr/>
-        </p:nvSpPr>
-        <p:spPr>
-          <a:xfrm>
-            <a:off x="5009322" y="4113422"/>
-            <a:ext cx="5791533" cy="430887"/>
-          </a:xfrm>
-          <a:prstGeom prst="rect">
-            <a:avLst/>
-          </a:prstGeom>
-          <a:noFill/>
-          <a:ln w="12700">
-            <a:noFill/>
-          </a:ln>
-        </p:spPr>
-        <p:txBody>
-          <a:bodyPr wrap="square" rtlCol="0">
-            <a:spAutoFit/>
-          </a:bodyPr>
-          <a:lstStyle/>
-          <a:p>
-            <a:r>
-              <a:rPr lang="en-US" altLang="ko-KR" sz="1100" dirty="0" err="1"/>
-              <a:t>myDog</a:t>
-            </a:r>
-            <a:r>
-              <a:rPr lang="ko-KR" altLang="en-US" sz="1100" dirty="0"/>
-              <a:t>라는 </a:t>
-            </a:r>
-            <a:r>
-              <a:rPr lang="en-US" altLang="ko-KR" sz="1100" dirty="0"/>
-              <a:t>Dog</a:t>
-            </a:r>
-            <a:r>
-              <a:rPr lang="ko-KR" altLang="en-US" sz="1100" dirty="0"/>
-              <a:t>클래스객체의 인스턴스를 생성해줍니다</a:t>
-            </a:r>
-            <a:r>
-              <a:rPr lang="en-US" altLang="ko-KR" sz="1100" dirty="0"/>
-              <a:t>.</a:t>
-            </a:r>
-          </a:p>
-          <a:p>
-            <a:r>
-              <a:rPr lang="ko-KR" altLang="en-US" sz="1100" dirty="0"/>
-              <a:t>이후 해당 속성값에 맞게 값을 입력해준 모습입니다</a:t>
-            </a:r>
-            <a:r>
-              <a:rPr lang="en-US" altLang="ko-KR" sz="1100" dirty="0"/>
-              <a:t>.</a:t>
-            </a:r>
-          </a:p>
-        </p:txBody>
-      </p:sp>
-      <p:cxnSp>
-        <p:nvCxnSpPr>
-          <p:cNvPr id="23" name="직선 화살표 연결선 22">
-            <a:extLst>
-              <a:ext uri="{FF2B5EF4-FFF2-40B4-BE49-F238E27FC236}">
-                <a16:creationId xmlns:a16="http://schemas.microsoft.com/office/drawing/2014/main" id="{16E70557-0C04-1744-8233-A703C42DA1E9}"/>
-              </a:ext>
-            </a:extLst>
-          </p:cNvPr>
-          <p:cNvCxnSpPr>
-            <a:cxnSpLocks/>
-          </p:cNvCxnSpPr>
-          <p:nvPr/>
-        </p:nvCxnSpPr>
-        <p:spPr>
-          <a:xfrm flipV="1">
-            <a:off x="2386715" y="4920178"/>
-            <a:ext cx="2694168" cy="1"/>
-          </a:xfrm>
-          <a:prstGeom prst="straightConnector1">
-            <a:avLst/>
-          </a:prstGeom>
-          <a:ln w="12700">
-            <a:solidFill>
-              <a:srgbClr val="FF7876"/>
-            </a:solidFill>
-            <a:tailEnd type="triangle"/>
-          </a:ln>
-        </p:spPr>
-        <p:style>
-          <a:lnRef idx="1">
-            <a:schemeClr val="accent1"/>
-          </a:lnRef>
-          <a:fillRef idx="0">
-            <a:schemeClr val="accent1"/>
-          </a:fillRef>
-          <a:effectRef idx="0">
-            <a:schemeClr val="accent1"/>
-          </a:effectRef>
-          <a:fontRef idx="minor">
-            <a:schemeClr val="tx1"/>
-          </a:fontRef>
-        </p:style>
-      </p:cxnSp>
-      <p:sp>
-        <p:nvSpPr>
-          <p:cNvPr id="25" name="TextBox 24">
-            <a:extLst>
-              <a:ext uri="{FF2B5EF4-FFF2-40B4-BE49-F238E27FC236}">
-                <a16:creationId xmlns:a16="http://schemas.microsoft.com/office/drawing/2014/main" id="{26D636DA-2568-E24D-84B2-B96BF692D584}"/>
-              </a:ext>
-            </a:extLst>
-          </p:cNvPr>
-          <p:cNvSpPr txBox="1"/>
-          <p:nvPr/>
-        </p:nvSpPr>
-        <p:spPr>
-          <a:xfrm>
-            <a:off x="5064981" y="4789373"/>
-            <a:ext cx="5791533" cy="261610"/>
-          </a:xfrm>
-          <a:prstGeom prst="rect">
-            <a:avLst/>
-          </a:prstGeom>
-          <a:noFill/>
-          <a:ln w="12700">
-            <a:noFill/>
-          </a:ln>
-        </p:spPr>
-        <p:txBody>
-          <a:bodyPr wrap="square" rtlCol="0">
-            <a:spAutoFit/>
-          </a:bodyPr>
-          <a:lstStyle/>
-          <a:p>
-            <a:r>
-              <a:rPr lang="ko-KR" altLang="en-US" sz="1100" dirty="0"/>
-              <a:t>이후 </a:t>
-            </a:r>
-            <a:r>
-              <a:rPr lang="en-US" altLang="ko-KR" sz="1100" dirty="0"/>
-              <a:t>Dog</a:t>
-            </a:r>
-            <a:r>
-              <a:rPr lang="ko-KR" altLang="en-US" sz="1100" dirty="0"/>
-              <a:t>클래스 객체의 메서드함수인 </a:t>
-            </a:r>
-            <a:r>
-              <a:rPr lang="en-US" altLang="ko-KR" sz="1100" dirty="0"/>
-              <a:t>bark</a:t>
-            </a:r>
-            <a:r>
-              <a:rPr lang="ko-KR" altLang="en-US" sz="1100" dirty="0" err="1"/>
-              <a:t>를</a:t>
-            </a:r>
-            <a:r>
-              <a:rPr lang="ko-KR" altLang="en-US" sz="1100" dirty="0"/>
-              <a:t> 호출해 준 모습입니다</a:t>
-            </a:r>
-            <a:r>
-              <a:rPr lang="en-US" altLang="ko-KR" sz="1100" dirty="0"/>
-              <a:t>.</a:t>
-            </a:r>
-          </a:p>
-        </p:txBody>
-      </p:sp>
-      <p:sp>
-        <p:nvSpPr>
-          <p:cNvPr id="26" name="오른쪽 중괄호[R] 25">
-            <a:extLst>
-              <a:ext uri="{FF2B5EF4-FFF2-40B4-BE49-F238E27FC236}">
-                <a16:creationId xmlns:a16="http://schemas.microsoft.com/office/drawing/2014/main" id="{93B2E407-8D78-A349-BCFD-5B50C0D06F90}"/>
-              </a:ext>
-            </a:extLst>
-          </p:cNvPr>
-          <p:cNvSpPr/>
-          <p:nvPr/>
-        </p:nvSpPr>
-        <p:spPr>
-          <a:xfrm>
-            <a:off x="3227691" y="5269483"/>
-            <a:ext cx="143662" cy="1035895"/>
-          </a:xfrm>
-          <a:prstGeom prst="rightBrace">
-            <a:avLst/>
-          </a:prstGeom>
-          <a:ln w="12700">
-            <a:solidFill>
-              <a:srgbClr val="FF7876"/>
-            </a:solidFill>
-          </a:ln>
-        </p:spPr>
-        <p:style>
-          <a:lnRef idx="1">
-            <a:schemeClr val="accent1"/>
-          </a:lnRef>
-          <a:fillRef idx="0">
-            <a:schemeClr val="accent1"/>
-          </a:fillRef>
-          <a:effectRef idx="0">
-            <a:schemeClr val="accent1"/>
-          </a:effectRef>
-          <a:fontRef idx="minor">
-            <a:schemeClr val="tx1"/>
-          </a:fontRef>
-        </p:style>
-        <p:txBody>
-          <a:bodyPr rtlCol="0" anchor="ctr"/>
-          <a:lstStyle/>
-          <a:p>
-            <a:pPr algn="ctr"/>
-            <a:endParaRPr kumimoji="1" lang="ko-Kore-KR" altLang="en-US"/>
-          </a:p>
-        </p:txBody>
-      </p:sp>
-      <p:cxnSp>
-        <p:nvCxnSpPr>
-          <p:cNvPr id="27" name="직선 화살표 연결선 26">
-            <a:extLst>
-              <a:ext uri="{FF2B5EF4-FFF2-40B4-BE49-F238E27FC236}">
-                <a16:creationId xmlns:a16="http://schemas.microsoft.com/office/drawing/2014/main" id="{5499A8A7-7D1C-224A-BB98-B010EB82F200}"/>
-              </a:ext>
-            </a:extLst>
-          </p:cNvPr>
-          <p:cNvCxnSpPr>
-            <a:cxnSpLocks/>
-          </p:cNvCxnSpPr>
-          <p:nvPr/>
-        </p:nvCxnSpPr>
-        <p:spPr>
-          <a:xfrm flipV="1">
-            <a:off x="3371353" y="5787429"/>
-            <a:ext cx="1852655" cy="1"/>
-          </a:xfrm>
-          <a:prstGeom prst="straightConnector1">
-            <a:avLst/>
-          </a:prstGeom>
-          <a:ln w="12700">
-            <a:solidFill>
-              <a:srgbClr val="FF7876"/>
-            </a:solidFill>
-            <a:tailEnd type="triangle"/>
-          </a:ln>
-        </p:spPr>
-        <p:style>
-          <a:lnRef idx="1">
-            <a:schemeClr val="accent1"/>
-          </a:lnRef>
-          <a:fillRef idx="0">
-            <a:schemeClr val="accent1"/>
-          </a:fillRef>
-          <a:effectRef idx="0">
-            <a:schemeClr val="accent1"/>
-          </a:effectRef>
-          <a:fontRef idx="minor">
-            <a:schemeClr val="tx1"/>
-          </a:fontRef>
-        </p:style>
-      </p:cxnSp>
-      <p:sp>
-        <p:nvSpPr>
-          <p:cNvPr id="28" name="TextBox 27">
-            <a:extLst>
-              <a:ext uri="{FF2B5EF4-FFF2-40B4-BE49-F238E27FC236}">
-                <a16:creationId xmlns:a16="http://schemas.microsoft.com/office/drawing/2014/main" id="{4C22F653-EEA2-4B46-AE4C-63683C31DA45}"/>
-              </a:ext>
-            </a:extLst>
-          </p:cNvPr>
-          <p:cNvSpPr txBox="1"/>
-          <p:nvPr/>
-        </p:nvSpPr>
-        <p:spPr>
-          <a:xfrm>
-            <a:off x="5224008" y="5579401"/>
-            <a:ext cx="5791533" cy="430887"/>
-          </a:xfrm>
-          <a:prstGeom prst="rect">
-            <a:avLst/>
-          </a:prstGeom>
-          <a:noFill/>
-          <a:ln w="12700">
-            <a:noFill/>
-          </a:ln>
-        </p:spPr>
-        <p:txBody>
-          <a:bodyPr wrap="square" rtlCol="0">
-            <a:spAutoFit/>
-          </a:bodyPr>
-          <a:lstStyle/>
-          <a:p>
-            <a:r>
-              <a:rPr lang="ko-KR" altLang="en-US" sz="1100" dirty="0"/>
-              <a:t>같은 방식으로 인스턴스를 생성하고 값을 입력해준 뒤</a:t>
-            </a:r>
-            <a:endParaRPr lang="en-US" altLang="ko-KR" sz="1100" dirty="0"/>
-          </a:p>
-          <a:p>
-            <a:r>
-              <a:rPr lang="ko-KR" altLang="en-US" sz="1100" dirty="0"/>
-              <a:t>메서드함수를 호출해준 모습입니다</a:t>
+              <a:t>출력된것을</a:t>
+            </a:r>
+            <a:r>
+              <a:rPr lang="ko-KR" altLang="en-US" sz="1100" dirty="0"/>
+              <a:t> 볼 수 있습니다</a:t>
             </a:r>
             <a:r>
               <a:rPr lang="en-US" altLang="ko-KR" sz="1100" dirty="0"/>
@@ -7443,7 +7259,7 @@
     </p:spTree>
     <p:extLst>
       <p:ext uri="{BB962C8B-B14F-4D97-AF65-F5344CB8AC3E}">
-        <p14:creationId xmlns:p14="http://schemas.microsoft.com/office/powerpoint/2010/main" val="3200432234"/>
+        <p14:creationId xmlns:p14="http://schemas.microsoft.com/office/powerpoint/2010/main" val="1501618868"/>
       </p:ext>
     </p:extLst>
   </p:cSld>
@@ -7667,10 +7483,10 @@
       </p:sp>
       <p:pic>
         <p:nvPicPr>
-          <p:cNvPr id="2" name="그림 1">
-            <a:extLst>
-              <a:ext uri="{FF2B5EF4-FFF2-40B4-BE49-F238E27FC236}">
-                <a16:creationId xmlns:a16="http://schemas.microsoft.com/office/drawing/2014/main" id="{9F554F45-7F26-9647-85E7-518CFDC3DA87}"/>
+          <p:cNvPr id="3" name="그림 2">
+            <a:extLst>
+              <a:ext uri="{FF2B5EF4-FFF2-40B4-BE49-F238E27FC236}">
+                <a16:creationId xmlns:a16="http://schemas.microsoft.com/office/drawing/2014/main" id="{2DD702F8-B19D-CF46-B86D-1CDCFE4E45D6}"/>
               </a:ext>
             </a:extLst>
           </p:cNvPr>
@@ -7687,8 +7503,8 @@
         </p:blipFill>
         <p:spPr>
           <a:xfrm>
-            <a:off x="5109088" y="2629230"/>
-            <a:ext cx="1889932" cy="676800"/>
+            <a:off x="1048262" y="1583554"/>
+            <a:ext cx="3770008" cy="4871359"/>
           </a:xfrm>
           <a:prstGeom prst="rect">
             <a:avLst/>
@@ -7697,41 +7513,358 @@
       </p:pic>
       <p:sp>
         <p:nvSpPr>
-          <p:cNvPr id="20" name="TextBox 19">
-            <a:extLst>
-              <a:ext uri="{FF2B5EF4-FFF2-40B4-BE49-F238E27FC236}">
-                <a16:creationId xmlns:a16="http://schemas.microsoft.com/office/drawing/2014/main" id="{7346996B-E8B3-9945-BBB2-B9FD8374E2A7}"/>
-              </a:ext>
-            </a:extLst>
-          </p:cNvPr>
-          <p:cNvSpPr txBox="1"/>
+          <p:cNvPr id="9" name="오른쪽 중괄호[R] 8">
+            <a:extLst>
+              <a:ext uri="{FF2B5EF4-FFF2-40B4-BE49-F238E27FC236}">
+                <a16:creationId xmlns:a16="http://schemas.microsoft.com/office/drawing/2014/main" id="{CFA794E8-B530-3740-B6F4-AA0E844C63AC}"/>
+              </a:ext>
+            </a:extLst>
+          </p:cNvPr>
+          <p:cNvSpPr/>
           <p:nvPr/>
         </p:nvSpPr>
         <p:spPr>
           <a:xfrm>
-            <a:off x="3033486" y="3683049"/>
-            <a:ext cx="6125027" cy="769441"/>
-          </a:xfrm>
-          <a:prstGeom prst="rect">
-            <a:avLst/>
-          </a:prstGeom>
-          <a:noFill/>
+            <a:off x="4638194" y="1905750"/>
+            <a:ext cx="180076" cy="1743898"/>
+          </a:xfrm>
+          <a:prstGeom prst="rightBrace">
+            <a:avLst/>
+          </a:prstGeom>
           <a:ln w="12700">
             <a:solidFill>
               <a:srgbClr val="FF7876"/>
             </a:solidFill>
           </a:ln>
         </p:spPr>
+        <p:style>
+          <a:lnRef idx="1">
+            <a:schemeClr val="accent1"/>
+          </a:lnRef>
+          <a:fillRef idx="0">
+            <a:schemeClr val="accent1"/>
+          </a:fillRef>
+          <a:effectRef idx="0">
+            <a:schemeClr val="accent1"/>
+          </a:effectRef>
+          <a:fontRef idx="minor">
+            <a:schemeClr val="tx1"/>
+          </a:fontRef>
+        </p:style>
+        <p:txBody>
+          <a:bodyPr rtlCol="0" anchor="ctr"/>
+          <a:lstStyle/>
+          <a:p>
+            <a:pPr algn="ctr"/>
+            <a:endParaRPr kumimoji="1" lang="ko-Kore-KR" altLang="en-US"/>
+          </a:p>
+        </p:txBody>
+      </p:sp>
+      <p:sp>
+        <p:nvSpPr>
+          <p:cNvPr id="10" name="TextBox 9">
+            <a:extLst>
+              <a:ext uri="{FF2B5EF4-FFF2-40B4-BE49-F238E27FC236}">
+                <a16:creationId xmlns:a16="http://schemas.microsoft.com/office/drawing/2014/main" id="{1C630D50-DF65-CD40-8192-276139E5CE34}"/>
+              </a:ext>
+            </a:extLst>
+          </p:cNvPr>
+          <p:cNvSpPr txBox="1"/>
+          <p:nvPr/>
+        </p:nvSpPr>
+        <p:spPr>
+          <a:xfrm>
+            <a:off x="5772648" y="2321004"/>
+            <a:ext cx="5791533" cy="769441"/>
+          </a:xfrm>
+          <a:prstGeom prst="rect">
+            <a:avLst/>
+          </a:prstGeom>
+          <a:noFill/>
+          <a:ln w="12700">
+            <a:noFill/>
+          </a:ln>
+        </p:spPr>
         <p:txBody>
           <a:bodyPr wrap="square" rtlCol="0">
             <a:spAutoFit/>
           </a:bodyPr>
           <a:lstStyle/>
           <a:p>
+            <a:r>
+              <a:rPr lang="en-US" altLang="ko-KR" sz="1100" dirty="0"/>
+              <a:t>Dog</a:t>
+            </a:r>
+            <a:r>
+              <a:rPr lang="ko-KR" altLang="en-US" sz="1100" dirty="0"/>
+              <a:t>라는 클래스객체를 생성합니다</a:t>
+            </a:r>
+            <a:r>
+              <a:rPr lang="en-US" altLang="ko-KR" sz="1100" dirty="0"/>
+              <a:t>.</a:t>
+            </a:r>
+          </a:p>
+          <a:p>
+            <a:r>
+              <a:rPr lang="ko-KR" altLang="en-US" sz="1100" dirty="0"/>
+              <a:t>속성값으로 </a:t>
+            </a:r>
+            <a:r>
+              <a:rPr lang="en-US" altLang="ko-KR" sz="1100" dirty="0"/>
+              <a:t>age, name, weight</a:t>
+            </a:r>
+            <a:r>
+              <a:rPr lang="ko-KR" altLang="en-US" sz="1100" dirty="0" err="1"/>
+              <a:t>를</a:t>
+            </a:r>
+            <a:r>
+              <a:rPr lang="ko-KR" altLang="en-US" sz="1100" dirty="0"/>
+              <a:t> 지정하고</a:t>
+            </a:r>
+            <a:endParaRPr lang="en-US" altLang="ko-KR" sz="1100" dirty="0"/>
+          </a:p>
+          <a:p>
+            <a:r>
+              <a:rPr lang="en-US" altLang="ko-KR" sz="1100" dirty="0"/>
+              <a:t>bark</a:t>
+            </a:r>
+            <a:r>
+              <a:rPr lang="ko-KR" altLang="en-US" sz="1100" dirty="0"/>
+              <a:t>라는 자기자신을 인수로 갖는</a:t>
+            </a:r>
+            <a:r>
+              <a:rPr lang="en-US" altLang="ko-KR" sz="1100" dirty="0"/>
+              <a:t>(self)</a:t>
+            </a:r>
+            <a:r>
+              <a:rPr lang="ko-KR" altLang="en-US" sz="1100" dirty="0"/>
+              <a:t> 메서드함수를 생성합니다</a:t>
+            </a:r>
+            <a:r>
+              <a:rPr lang="en-US" altLang="ko-KR" sz="1100" dirty="0"/>
+              <a:t>.</a:t>
+            </a:r>
+          </a:p>
+          <a:p>
+            <a:r>
+              <a:rPr lang="en-US" altLang="ko-KR" sz="1100" dirty="0"/>
+              <a:t>bark</a:t>
+            </a:r>
+            <a:r>
+              <a:rPr lang="ko-KR" altLang="en-US" sz="1100" dirty="0"/>
+              <a:t>함수는 자신의 객체의 속성인 </a:t>
+            </a:r>
+            <a:r>
+              <a:rPr lang="en-US" altLang="ko-KR" sz="1100" dirty="0"/>
+              <a:t>name</a:t>
+            </a:r>
+            <a:r>
+              <a:rPr lang="ko-KR" altLang="en-US" sz="1100" dirty="0" err="1"/>
+              <a:t>과함께</a:t>
+            </a:r>
+            <a:r>
+              <a:rPr lang="ko-KR" altLang="en-US" sz="1100" dirty="0"/>
+              <a:t> </a:t>
+            </a:r>
+            <a:r>
+              <a:rPr lang="ko-KR" altLang="en-US" sz="1100" dirty="0" err="1"/>
+              <a:t>멍멍을</a:t>
+            </a:r>
+            <a:r>
+              <a:rPr lang="ko-KR" altLang="en-US" sz="1100" dirty="0"/>
+              <a:t> 출력하도록 하게합니다</a:t>
+            </a:r>
+            <a:r>
+              <a:rPr lang="en-US" altLang="ko-KR" sz="1100" dirty="0"/>
+              <a:t>.</a:t>
+            </a:r>
+          </a:p>
+        </p:txBody>
+      </p:sp>
+      <p:cxnSp>
+        <p:nvCxnSpPr>
+          <p:cNvPr id="11" name="직선 화살표 연결선 10">
+            <a:extLst>
+              <a:ext uri="{FF2B5EF4-FFF2-40B4-BE49-F238E27FC236}">
+                <a16:creationId xmlns:a16="http://schemas.microsoft.com/office/drawing/2014/main" id="{1C008379-C6B4-0C47-89C0-21C37D1261E9}"/>
+              </a:ext>
+            </a:extLst>
+          </p:cNvPr>
+          <p:cNvCxnSpPr>
+            <a:cxnSpLocks/>
+            <a:endCxn id="10" idx="1"/>
+          </p:cNvCxnSpPr>
+          <p:nvPr/>
+        </p:nvCxnSpPr>
+        <p:spPr>
+          <a:xfrm flipV="1">
+            <a:off x="4818270" y="2705725"/>
+            <a:ext cx="954378" cy="71211"/>
+          </a:xfrm>
+          <a:prstGeom prst="straightConnector1">
+            <a:avLst/>
+          </a:prstGeom>
+          <a:ln w="12700">
+            <a:solidFill>
+              <a:srgbClr val="FF7876"/>
+            </a:solidFill>
+            <a:tailEnd type="triangle"/>
+          </a:ln>
+        </p:spPr>
+        <p:style>
+          <a:lnRef idx="1">
+            <a:schemeClr val="accent1"/>
+          </a:lnRef>
+          <a:fillRef idx="0">
+            <a:schemeClr val="accent1"/>
+          </a:fillRef>
+          <a:effectRef idx="0">
+            <a:schemeClr val="accent1"/>
+          </a:effectRef>
+          <a:fontRef idx="minor">
+            <a:schemeClr val="tx1"/>
+          </a:fontRef>
+        </p:style>
+      </p:cxnSp>
+      <p:sp>
+        <p:nvSpPr>
+          <p:cNvPr id="18" name="오른쪽 중괄호[R] 17">
+            <a:extLst>
+              <a:ext uri="{FF2B5EF4-FFF2-40B4-BE49-F238E27FC236}">
+                <a16:creationId xmlns:a16="http://schemas.microsoft.com/office/drawing/2014/main" id="{C84928A1-B84B-5145-A81D-359C4AAA5C4C}"/>
+              </a:ext>
+            </a:extLst>
+          </p:cNvPr>
+          <p:cNvSpPr/>
+          <p:nvPr/>
+        </p:nvSpPr>
+        <p:spPr>
+          <a:xfrm>
+            <a:off x="3031712" y="3934658"/>
+            <a:ext cx="124955" cy="788417"/>
+          </a:xfrm>
+          <a:prstGeom prst="rightBrace">
+            <a:avLst/>
+          </a:prstGeom>
+          <a:ln w="12700">
+            <a:solidFill>
+              <a:srgbClr val="FF7876"/>
+            </a:solidFill>
+          </a:ln>
+        </p:spPr>
+        <p:style>
+          <a:lnRef idx="1">
+            <a:schemeClr val="accent1"/>
+          </a:lnRef>
+          <a:fillRef idx="0">
+            <a:schemeClr val="accent1"/>
+          </a:fillRef>
+          <a:effectRef idx="0">
+            <a:schemeClr val="accent1"/>
+          </a:effectRef>
+          <a:fontRef idx="minor">
+            <a:schemeClr val="tx1"/>
+          </a:fontRef>
+        </p:style>
+        <p:txBody>
+          <a:bodyPr rtlCol="0" anchor="ctr"/>
+          <a:lstStyle/>
+          <a:p>
             <a:pPr algn="ctr"/>
-            <a:r>
-              <a:rPr lang="ko-KR" altLang="en-US" sz="1100" dirty="0"/>
-              <a:t>실행 결과로 나온 모습입니다</a:t>
+            <a:endParaRPr kumimoji="1" lang="ko-Kore-KR" altLang="en-US"/>
+          </a:p>
+        </p:txBody>
+      </p:sp>
+      <p:cxnSp>
+        <p:nvCxnSpPr>
+          <p:cNvPr id="19" name="직선 화살표 연결선 18">
+            <a:extLst>
+              <a:ext uri="{FF2B5EF4-FFF2-40B4-BE49-F238E27FC236}">
+                <a16:creationId xmlns:a16="http://schemas.microsoft.com/office/drawing/2014/main" id="{D1521789-0353-4546-B773-AC0CD5E2604B}"/>
+              </a:ext>
+            </a:extLst>
+          </p:cNvPr>
+          <p:cNvCxnSpPr>
+            <a:cxnSpLocks/>
+          </p:cNvCxnSpPr>
+          <p:nvPr/>
+        </p:nvCxnSpPr>
+        <p:spPr>
+          <a:xfrm flipV="1">
+            <a:off x="3156667" y="4328866"/>
+            <a:ext cx="1852655" cy="1"/>
+          </a:xfrm>
+          <a:prstGeom prst="straightConnector1">
+            <a:avLst/>
+          </a:prstGeom>
+          <a:ln w="12700">
+            <a:solidFill>
+              <a:srgbClr val="FF7876"/>
+            </a:solidFill>
+            <a:tailEnd type="triangle"/>
+          </a:ln>
+        </p:spPr>
+        <p:style>
+          <a:lnRef idx="1">
+            <a:schemeClr val="accent1"/>
+          </a:lnRef>
+          <a:fillRef idx="0">
+            <a:schemeClr val="accent1"/>
+          </a:fillRef>
+          <a:effectRef idx="0">
+            <a:schemeClr val="accent1"/>
+          </a:effectRef>
+          <a:fontRef idx="minor">
+            <a:schemeClr val="tx1"/>
+          </a:fontRef>
+        </p:style>
+      </p:cxnSp>
+      <p:sp>
+        <p:nvSpPr>
+          <p:cNvPr id="22" name="TextBox 21">
+            <a:extLst>
+              <a:ext uri="{FF2B5EF4-FFF2-40B4-BE49-F238E27FC236}">
+                <a16:creationId xmlns:a16="http://schemas.microsoft.com/office/drawing/2014/main" id="{4F75A290-B032-004D-9E7E-26F7FE6FFE86}"/>
+              </a:ext>
+            </a:extLst>
+          </p:cNvPr>
+          <p:cNvSpPr txBox="1"/>
+          <p:nvPr/>
+        </p:nvSpPr>
+        <p:spPr>
+          <a:xfrm>
+            <a:off x="5009322" y="4113422"/>
+            <a:ext cx="5791533" cy="430887"/>
+          </a:xfrm>
+          <a:prstGeom prst="rect">
+            <a:avLst/>
+          </a:prstGeom>
+          <a:noFill/>
+          <a:ln w="12700">
+            <a:noFill/>
+          </a:ln>
+        </p:spPr>
+        <p:txBody>
+          <a:bodyPr wrap="square" rtlCol="0">
+            <a:spAutoFit/>
+          </a:bodyPr>
+          <a:lstStyle/>
+          <a:p>
+            <a:r>
+              <a:rPr lang="en-US" altLang="ko-KR" sz="1100" dirty="0" err="1"/>
+              <a:t>myDog</a:t>
+            </a:r>
+            <a:r>
+              <a:rPr lang="ko-KR" altLang="en-US" sz="1100" dirty="0"/>
+              <a:t>라는 </a:t>
+            </a:r>
+            <a:r>
+              <a:rPr lang="en-US" altLang="ko-KR" sz="1100" dirty="0"/>
+              <a:t>Dog</a:t>
+            </a:r>
+            <a:r>
+              <a:rPr lang="ko-KR" altLang="en-US" sz="1100" dirty="0"/>
+              <a:t>클래스객체의 인스턴스를 생성해줍니다</a:t>
             </a:r>
             <a:r>
               <a:rPr lang="en-US" altLang="ko-KR" sz="1100" dirty="0"/>
@@ -7739,34 +7872,257 @@
             </a:r>
           </a:p>
           <a:p>
+            <a:r>
+              <a:rPr lang="ko-KR" altLang="en-US" sz="1100" dirty="0"/>
+              <a:t>이후 해당 속성값에 맞게 값을 입력해준 모습입니다</a:t>
+            </a:r>
+            <a:r>
+              <a:rPr lang="en-US" altLang="ko-KR" sz="1100" dirty="0"/>
+              <a:t>.</a:t>
+            </a:r>
+          </a:p>
+        </p:txBody>
+      </p:sp>
+      <p:cxnSp>
+        <p:nvCxnSpPr>
+          <p:cNvPr id="23" name="직선 화살표 연결선 22">
+            <a:extLst>
+              <a:ext uri="{FF2B5EF4-FFF2-40B4-BE49-F238E27FC236}">
+                <a16:creationId xmlns:a16="http://schemas.microsoft.com/office/drawing/2014/main" id="{16E70557-0C04-1744-8233-A703C42DA1E9}"/>
+              </a:ext>
+            </a:extLst>
+          </p:cNvPr>
+          <p:cNvCxnSpPr>
+            <a:cxnSpLocks/>
+          </p:cNvCxnSpPr>
+          <p:nvPr/>
+        </p:nvCxnSpPr>
+        <p:spPr>
+          <a:xfrm flipV="1">
+            <a:off x="2386715" y="4920178"/>
+            <a:ext cx="2694168" cy="1"/>
+          </a:xfrm>
+          <a:prstGeom prst="straightConnector1">
+            <a:avLst/>
+          </a:prstGeom>
+          <a:ln w="12700">
+            <a:solidFill>
+              <a:srgbClr val="FF7876"/>
+            </a:solidFill>
+            <a:tailEnd type="triangle"/>
+          </a:ln>
+        </p:spPr>
+        <p:style>
+          <a:lnRef idx="1">
+            <a:schemeClr val="accent1"/>
+          </a:lnRef>
+          <a:fillRef idx="0">
+            <a:schemeClr val="accent1"/>
+          </a:fillRef>
+          <a:effectRef idx="0">
+            <a:schemeClr val="accent1"/>
+          </a:effectRef>
+          <a:fontRef idx="minor">
+            <a:schemeClr val="tx1"/>
+          </a:fontRef>
+        </p:style>
+      </p:cxnSp>
+      <p:sp>
+        <p:nvSpPr>
+          <p:cNvPr id="25" name="TextBox 24">
+            <a:extLst>
+              <a:ext uri="{FF2B5EF4-FFF2-40B4-BE49-F238E27FC236}">
+                <a16:creationId xmlns:a16="http://schemas.microsoft.com/office/drawing/2014/main" id="{26D636DA-2568-E24D-84B2-B96BF692D584}"/>
+              </a:ext>
+            </a:extLst>
+          </p:cNvPr>
+          <p:cNvSpPr txBox="1"/>
+          <p:nvPr/>
+        </p:nvSpPr>
+        <p:spPr>
+          <a:xfrm>
+            <a:off x="5064981" y="4789373"/>
+            <a:ext cx="5791533" cy="261610"/>
+          </a:xfrm>
+          <a:prstGeom prst="rect">
+            <a:avLst/>
+          </a:prstGeom>
+          <a:noFill/>
+          <a:ln w="12700">
+            <a:noFill/>
+          </a:ln>
+        </p:spPr>
+        <p:txBody>
+          <a:bodyPr wrap="square" rtlCol="0">
+            <a:spAutoFit/>
+          </a:bodyPr>
+          <a:lstStyle/>
+          <a:p>
+            <a:r>
+              <a:rPr lang="ko-KR" altLang="en-US" sz="1100" dirty="0"/>
+              <a:t>이후 </a:t>
+            </a:r>
+            <a:r>
+              <a:rPr lang="en-US" altLang="ko-KR" sz="1100" dirty="0"/>
+              <a:t>Dog</a:t>
+            </a:r>
+            <a:r>
+              <a:rPr lang="ko-KR" altLang="en-US" sz="1100" dirty="0"/>
+              <a:t>클래스 객체의 메서드함수인 </a:t>
+            </a:r>
+            <a:r>
+              <a:rPr lang="en-US" altLang="ko-KR" sz="1100" dirty="0"/>
+              <a:t>bark</a:t>
+            </a:r>
+            <a:r>
+              <a:rPr lang="ko-KR" altLang="en-US" sz="1100" dirty="0" err="1"/>
+              <a:t>를</a:t>
+            </a:r>
+            <a:r>
+              <a:rPr lang="ko-KR" altLang="en-US" sz="1100" dirty="0"/>
+              <a:t> 호출해 준 모습입니다</a:t>
+            </a:r>
+            <a:r>
+              <a:rPr lang="en-US" altLang="ko-KR" sz="1100" dirty="0"/>
+              <a:t>.</a:t>
+            </a:r>
+          </a:p>
+        </p:txBody>
+      </p:sp>
+      <p:sp>
+        <p:nvSpPr>
+          <p:cNvPr id="26" name="오른쪽 중괄호[R] 25">
+            <a:extLst>
+              <a:ext uri="{FF2B5EF4-FFF2-40B4-BE49-F238E27FC236}">
+                <a16:creationId xmlns:a16="http://schemas.microsoft.com/office/drawing/2014/main" id="{93B2E407-8D78-A349-BCFD-5B50C0D06F90}"/>
+              </a:ext>
+            </a:extLst>
+          </p:cNvPr>
+          <p:cNvSpPr/>
+          <p:nvPr/>
+        </p:nvSpPr>
+        <p:spPr>
+          <a:xfrm>
+            <a:off x="3227691" y="5269483"/>
+            <a:ext cx="143662" cy="1035895"/>
+          </a:xfrm>
+          <a:prstGeom prst="rightBrace">
+            <a:avLst/>
+          </a:prstGeom>
+          <a:ln w="12700">
+            <a:solidFill>
+              <a:srgbClr val="FF7876"/>
+            </a:solidFill>
+          </a:ln>
+        </p:spPr>
+        <p:style>
+          <a:lnRef idx="1">
+            <a:schemeClr val="accent1"/>
+          </a:lnRef>
+          <a:fillRef idx="0">
+            <a:schemeClr val="accent1"/>
+          </a:fillRef>
+          <a:effectRef idx="0">
+            <a:schemeClr val="accent1"/>
+          </a:effectRef>
+          <a:fontRef idx="minor">
+            <a:schemeClr val="tx1"/>
+          </a:fontRef>
+        </p:style>
+        <p:txBody>
+          <a:bodyPr rtlCol="0" anchor="ctr"/>
+          <a:lstStyle/>
+          <a:p>
             <a:pPr algn="ctr"/>
-            <a:r>
-              <a:rPr lang="ko-KR" altLang="en-US" sz="1100" dirty="0"/>
-              <a:t>메서드 함수를 </a:t>
-            </a:r>
-            <a:r>
-              <a:rPr lang="en-US" altLang="ko-KR" sz="1100" dirty="0"/>
-              <a:t>2</a:t>
-            </a:r>
-            <a:r>
-              <a:rPr lang="ko-KR" altLang="en-US" sz="1100" dirty="0"/>
-              <a:t>번 호출해준 모습 그대로</a:t>
+            <a:endParaRPr kumimoji="1" lang="ko-Kore-KR" altLang="en-US"/>
+          </a:p>
+        </p:txBody>
+      </p:sp>
+      <p:cxnSp>
+        <p:nvCxnSpPr>
+          <p:cNvPr id="27" name="직선 화살표 연결선 26">
+            <a:extLst>
+              <a:ext uri="{FF2B5EF4-FFF2-40B4-BE49-F238E27FC236}">
+                <a16:creationId xmlns:a16="http://schemas.microsoft.com/office/drawing/2014/main" id="{5499A8A7-7D1C-224A-BB98-B010EB82F200}"/>
+              </a:ext>
+            </a:extLst>
+          </p:cNvPr>
+          <p:cNvCxnSpPr>
+            <a:cxnSpLocks/>
+          </p:cNvCxnSpPr>
+          <p:nvPr/>
+        </p:nvCxnSpPr>
+        <p:spPr>
+          <a:xfrm flipV="1">
+            <a:off x="3371353" y="5787429"/>
+            <a:ext cx="1852655" cy="1"/>
+          </a:xfrm>
+          <a:prstGeom prst="straightConnector1">
+            <a:avLst/>
+          </a:prstGeom>
+          <a:ln w="12700">
+            <a:solidFill>
+              <a:srgbClr val="FF7876"/>
+            </a:solidFill>
+            <a:tailEnd type="triangle"/>
+          </a:ln>
+        </p:spPr>
+        <p:style>
+          <a:lnRef idx="1">
+            <a:schemeClr val="accent1"/>
+          </a:lnRef>
+          <a:fillRef idx="0">
+            <a:schemeClr val="accent1"/>
+          </a:fillRef>
+          <a:effectRef idx="0">
+            <a:schemeClr val="accent1"/>
+          </a:effectRef>
+          <a:fontRef idx="minor">
+            <a:schemeClr val="tx1"/>
+          </a:fontRef>
+        </p:style>
+      </p:cxnSp>
+      <p:sp>
+        <p:nvSpPr>
+          <p:cNvPr id="28" name="TextBox 27">
+            <a:extLst>
+              <a:ext uri="{FF2B5EF4-FFF2-40B4-BE49-F238E27FC236}">
+                <a16:creationId xmlns:a16="http://schemas.microsoft.com/office/drawing/2014/main" id="{4C22F653-EEA2-4B46-AE4C-63683C31DA45}"/>
+              </a:ext>
+            </a:extLst>
+          </p:cNvPr>
+          <p:cNvSpPr txBox="1"/>
+          <p:nvPr/>
+        </p:nvSpPr>
+        <p:spPr>
+          <a:xfrm>
+            <a:off x="5224008" y="5579401"/>
+            <a:ext cx="5791533" cy="430887"/>
+          </a:xfrm>
+          <a:prstGeom prst="rect">
+            <a:avLst/>
+          </a:prstGeom>
+          <a:noFill/>
+          <a:ln w="12700">
+            <a:noFill/>
+          </a:ln>
+        </p:spPr>
+        <p:txBody>
+          <a:bodyPr wrap="square" rtlCol="0">
+            <a:spAutoFit/>
+          </a:bodyPr>
+          <a:lstStyle/>
+          <a:p>
+            <a:r>
+              <a:rPr lang="ko-KR" altLang="en-US" sz="1100" dirty="0"/>
+              <a:t>같은 방식으로 인스턴스를 생성하고 값을 입력해준 뒤</a:t>
             </a:r>
             <a:endParaRPr lang="en-US" altLang="ko-KR" sz="1100" dirty="0"/>
           </a:p>
           <a:p>
-            <a:pPr algn="ctr"/>
-            <a:r>
-              <a:rPr lang="ko-KR" altLang="en-US" sz="1100" dirty="0"/>
-              <a:t>각 인스턴스에 맞게</a:t>
-            </a:r>
-            <a:endParaRPr lang="en-US" altLang="ko-KR" sz="1100" dirty="0"/>
-          </a:p>
-          <a:p>
-            <a:pPr algn="ctr"/>
-            <a:r>
-              <a:rPr lang="ko-KR" altLang="en-US" sz="1100" dirty="0"/>
-              <a:t>정상 출력된 모습을 보입니다</a:t>
+            <a:r>
+              <a:rPr lang="ko-KR" altLang="en-US" sz="1100" dirty="0"/>
+              <a:t>메서드함수를 호출해준 모습입니다</a:t>
             </a:r>
             <a:r>
               <a:rPr lang="en-US" altLang="ko-KR" sz="1100" dirty="0"/>
@@ -7778,7 +8134,7 @@
     </p:spTree>
     <p:extLst>
       <p:ext uri="{BB962C8B-B14F-4D97-AF65-F5344CB8AC3E}">
-        <p14:creationId xmlns:p14="http://schemas.microsoft.com/office/powerpoint/2010/main" val="1636420783"/>
+        <p14:creationId xmlns:p14="http://schemas.microsoft.com/office/powerpoint/2010/main" val="3200432234"/>
       </p:ext>
     </p:extLst>
   </p:cSld>
@@ -7807,10 +8163,10 @@
       </p:grpSpPr>
       <p:sp>
         <p:nvSpPr>
-          <p:cNvPr id="105" name="직사각형 104">
-            <a:extLst>
-              <a:ext uri="{FF2B5EF4-FFF2-40B4-BE49-F238E27FC236}">
-                <a16:creationId xmlns:a16="http://schemas.microsoft.com/office/drawing/2014/main" id="{92F4E01E-679C-4D6B-8449-8DB2AF7B7D34}"/>
+          <p:cNvPr id="37" name="직사각형 36">
+            <a:extLst>
+              <a:ext uri="{FF2B5EF4-FFF2-40B4-BE49-F238E27FC236}">
+                <a16:creationId xmlns:a16="http://schemas.microsoft.com/office/drawing/2014/main" id="{3F15C60C-17FE-422D-AFCF-73C75A021362}"/>
               </a:ext>
             </a:extLst>
           </p:cNvPr>
@@ -7819,8 +8175,8 @@
         </p:nvSpPr>
         <p:spPr>
           <a:xfrm>
-            <a:off x="3739117" y="3003678"/>
-            <a:ext cx="4713765" cy="1032077"/>
+            <a:off x="3697172" y="332194"/>
+            <a:ext cx="4713765" cy="735842"/>
           </a:xfrm>
           <a:prstGeom prst="rect">
             <a:avLst/>
@@ -7839,79 +8195,22 @@
               <a:defRPr/>
             </a:pPr>
             <a:r>
-              <a:rPr lang="ko-KR" altLang="en-US" sz="3200" b="1" i="1" kern="0">
+              <a:rPr lang="en-US" altLang="ko-KR" sz="3200" b="1" i="1" kern="0" dirty="0">
                 <a:solidFill>
                   <a:srgbClr val="FF7876"/>
                 </a:solidFill>
               </a:rPr>
-              <a:t>감사합니다</a:t>
-            </a:r>
-            <a:r>
-              <a:rPr lang="en-US" altLang="ko-KR" sz="3200" b="1" i="1" kern="0">
-                <a:solidFill>
-                  <a:prstClr val="black">
-                    <a:lumMod val="75000"/>
-                    <a:lumOff val="25000"/>
-                  </a:prstClr>
-                </a:solidFill>
-              </a:rPr>
-              <a:t> </a:t>
-            </a:r>
-            <a:endParaRPr lang="en-US" altLang="ko-KR" sz="3200" b="1" i="1" kern="0" dirty="0">
-              <a:solidFill>
-                <a:prstClr val="black">
-                  <a:lumMod val="75000"/>
-                  <a:lumOff val="25000"/>
-                </a:prstClr>
-              </a:solidFill>
-            </a:endParaRPr>
-          </a:p>
-          <a:p>
-            <a:pPr algn="ctr" latinLnBrk="0">
-              <a:lnSpc>
-                <a:spcPct val="150000"/>
-              </a:lnSpc>
-              <a:defRPr/>
-            </a:pPr>
-            <a:r>
-              <a:rPr lang="en-US" altLang="ko-KR" sz="900" kern="0">
-                <a:solidFill>
-                  <a:prstClr val="black">
-                    <a:lumMod val="75000"/>
-                    <a:lumOff val="25000"/>
-                  </a:prstClr>
-                </a:solidFill>
-              </a:rPr>
-              <a:t>20164091 </a:t>
-            </a:r>
-            <a:r>
-              <a:rPr lang="ko-KR" altLang="en-US" sz="900" kern="0">
-                <a:solidFill>
-                  <a:prstClr val="black">
-                    <a:lumMod val="75000"/>
-                    <a:lumOff val="25000"/>
-                  </a:prstClr>
-                </a:solidFill>
-              </a:rPr>
-              <a:t>송희령</a:t>
-            </a:r>
-            <a:endParaRPr lang="en-US" altLang="ko-KR" sz="900" kern="0" dirty="0">
-              <a:solidFill>
-                <a:prstClr val="black">
-                  <a:lumMod val="75000"/>
-                  <a:lumOff val="25000"/>
-                </a:prstClr>
-              </a:solidFill>
-            </a:endParaRPr>
+              <a:t>ex2</a:t>
+            </a:r>
           </a:p>
         </p:txBody>
       </p:sp>
       <p:cxnSp>
         <p:nvCxnSpPr>
-          <p:cNvPr id="25" name="직선 연결선 24">
-            <a:extLst>
-              <a:ext uri="{FF2B5EF4-FFF2-40B4-BE49-F238E27FC236}">
-                <a16:creationId xmlns:a16="http://schemas.microsoft.com/office/drawing/2014/main" id="{5C950320-1D5A-4C58-BB46-CEBCD7EA92EE}"/>
+          <p:cNvPr id="38" name="직선 연결선 37">
+            <a:extLst>
+              <a:ext uri="{FF2B5EF4-FFF2-40B4-BE49-F238E27FC236}">
+                <a16:creationId xmlns:a16="http://schemas.microsoft.com/office/drawing/2014/main" id="{940134F4-F272-426A-B50B-8075427DF501}"/>
               </a:ext>
             </a:extLst>
           </p:cNvPr>
@@ -7922,8 +8221,8 @@
         </p:nvCxnSpPr>
         <p:spPr>
           <a:xfrm flipV="1">
-            <a:off x="859926" y="3518678"/>
-            <a:ext cx="3747936" cy="519"/>
+            <a:off x="843148" y="847712"/>
+            <a:ext cx="4769087" cy="1"/>
           </a:xfrm>
           <a:prstGeom prst="line">
             <a:avLst/>
@@ -7953,10 +8252,10 @@
       </p:cxnSp>
       <p:cxnSp>
         <p:nvCxnSpPr>
-          <p:cNvPr id="26" name="직선 연결선 25">
-            <a:extLst>
-              <a:ext uri="{FF2B5EF4-FFF2-40B4-BE49-F238E27FC236}">
-                <a16:creationId xmlns:a16="http://schemas.microsoft.com/office/drawing/2014/main" id="{4BADCF3C-651C-44CD-8DEE-E875CC3C1444}"/>
+          <p:cNvPr id="39" name="직선 연결선 38">
+            <a:extLst>
+              <a:ext uri="{FF2B5EF4-FFF2-40B4-BE49-F238E27FC236}">
+                <a16:creationId xmlns:a16="http://schemas.microsoft.com/office/drawing/2014/main" id="{55EBD739-0979-4546-8E6B-9CA8052FC540}"/>
               </a:ext>
             </a:extLst>
           </p:cNvPr>
@@ -7967,8 +8266,8 @@
         </p:nvCxnSpPr>
         <p:spPr>
           <a:xfrm flipH="1">
-            <a:off x="7584140" y="3519196"/>
-            <a:ext cx="3688436" cy="0"/>
+            <a:off x="6579767" y="847712"/>
+            <a:ext cx="4692810" cy="0"/>
           </a:xfrm>
           <a:prstGeom prst="line">
             <a:avLst/>
@@ -7996,10 +8295,2271 @@
           </a:fontRef>
         </p:style>
       </p:cxnSp>
+      <p:sp>
+        <p:nvSpPr>
+          <p:cNvPr id="8" name="TextBox 7">
+            <a:extLst>
+              <a:ext uri="{FF2B5EF4-FFF2-40B4-BE49-F238E27FC236}">
+                <a16:creationId xmlns:a16="http://schemas.microsoft.com/office/drawing/2014/main" id="{C18154B9-4F65-4277-8C17-63D9702FC25F}"/>
+              </a:ext>
+            </a:extLst>
+          </p:cNvPr>
+          <p:cNvSpPr txBox="1"/>
+          <p:nvPr/>
+        </p:nvSpPr>
+        <p:spPr>
+          <a:xfrm>
+            <a:off x="765146" y="963122"/>
+            <a:ext cx="10507430" cy="261610"/>
+          </a:xfrm>
+          <a:prstGeom prst="rect">
+            <a:avLst/>
+          </a:prstGeom>
+          <a:noFill/>
+        </p:spPr>
+        <p:txBody>
+          <a:bodyPr wrap="square" rtlCol="0">
+            <a:spAutoFit/>
+          </a:bodyPr>
+          <a:lstStyle/>
+          <a:p>
+            <a:pPr algn="ctr"/>
+            <a:r>
+              <a:rPr lang="ko-KR" altLang="en-US" sz="1100" i="1" dirty="0">
+                <a:solidFill>
+                  <a:srgbClr val="FF7876"/>
+                </a:solidFill>
+              </a:rPr>
+              <a:t>예제 </a:t>
+            </a:r>
+            <a:r>
+              <a:rPr lang="en-US" altLang="ko-KR" sz="1100" i="1" dirty="0">
+                <a:solidFill>
+                  <a:srgbClr val="FF7876"/>
+                </a:solidFill>
+              </a:rPr>
+              <a:t>2</a:t>
+            </a:r>
+            <a:r>
+              <a:rPr lang="ko-KR" altLang="en-US" sz="1100" i="1" dirty="0">
+                <a:solidFill>
+                  <a:srgbClr val="FF7876"/>
+                </a:solidFill>
+              </a:rPr>
+              <a:t> 분석</a:t>
+            </a:r>
+            <a:endParaRPr lang="en-US" altLang="ko-KR" sz="1100" i="1" dirty="0">
+              <a:solidFill>
+                <a:srgbClr val="FF7876"/>
+              </a:solidFill>
+            </a:endParaRPr>
+          </a:p>
+        </p:txBody>
+      </p:sp>
+      <p:pic>
+        <p:nvPicPr>
+          <p:cNvPr id="2" name="그림 1">
+            <a:extLst>
+              <a:ext uri="{FF2B5EF4-FFF2-40B4-BE49-F238E27FC236}">
+                <a16:creationId xmlns:a16="http://schemas.microsoft.com/office/drawing/2014/main" id="{9F554F45-7F26-9647-85E7-518CFDC3DA87}"/>
+              </a:ext>
+            </a:extLst>
+          </p:cNvPr>
+          <p:cNvPicPr>
+            <a:picLocks noChangeAspect="1"/>
+          </p:cNvPicPr>
+          <p:nvPr/>
+        </p:nvPicPr>
+        <p:blipFill>
+          <a:blip r:embed="rId2"/>
+          <a:stretch>
+            <a:fillRect/>
+          </a:stretch>
+        </p:blipFill>
+        <p:spPr>
+          <a:xfrm>
+            <a:off x="5109088" y="2629230"/>
+            <a:ext cx="1889932" cy="676800"/>
+          </a:xfrm>
+          <a:prstGeom prst="rect">
+            <a:avLst/>
+          </a:prstGeom>
+        </p:spPr>
+      </p:pic>
+      <p:sp>
+        <p:nvSpPr>
+          <p:cNvPr id="20" name="TextBox 19">
+            <a:extLst>
+              <a:ext uri="{FF2B5EF4-FFF2-40B4-BE49-F238E27FC236}">
+                <a16:creationId xmlns:a16="http://schemas.microsoft.com/office/drawing/2014/main" id="{7346996B-E8B3-9945-BBB2-B9FD8374E2A7}"/>
+              </a:ext>
+            </a:extLst>
+          </p:cNvPr>
+          <p:cNvSpPr txBox="1"/>
+          <p:nvPr/>
+        </p:nvSpPr>
+        <p:spPr>
+          <a:xfrm>
+            <a:off x="3033486" y="3683049"/>
+            <a:ext cx="6125027" cy="769441"/>
+          </a:xfrm>
+          <a:prstGeom prst="rect">
+            <a:avLst/>
+          </a:prstGeom>
+          <a:noFill/>
+          <a:ln w="12700">
+            <a:solidFill>
+              <a:srgbClr val="FF7876"/>
+            </a:solidFill>
+          </a:ln>
+        </p:spPr>
+        <p:txBody>
+          <a:bodyPr wrap="square" rtlCol="0">
+            <a:spAutoFit/>
+          </a:bodyPr>
+          <a:lstStyle/>
+          <a:p>
+            <a:pPr algn="ctr"/>
+            <a:r>
+              <a:rPr lang="ko-KR" altLang="en-US" sz="1100" dirty="0"/>
+              <a:t>실행 결과로 나온 모습입니다</a:t>
+            </a:r>
+            <a:r>
+              <a:rPr lang="en-US" altLang="ko-KR" sz="1100" dirty="0"/>
+              <a:t>.</a:t>
+            </a:r>
+          </a:p>
+          <a:p>
+            <a:pPr algn="ctr"/>
+            <a:r>
+              <a:rPr lang="ko-KR" altLang="en-US" sz="1100" dirty="0"/>
+              <a:t>메서드 함수를 </a:t>
+            </a:r>
+            <a:r>
+              <a:rPr lang="en-US" altLang="ko-KR" sz="1100" dirty="0"/>
+              <a:t>2</a:t>
+            </a:r>
+            <a:r>
+              <a:rPr lang="ko-KR" altLang="en-US" sz="1100" dirty="0"/>
+              <a:t>번 호출해준 모습 그대로</a:t>
+            </a:r>
+            <a:endParaRPr lang="en-US" altLang="ko-KR" sz="1100" dirty="0"/>
+          </a:p>
+          <a:p>
+            <a:pPr algn="ctr"/>
+            <a:r>
+              <a:rPr lang="ko-KR" altLang="en-US" sz="1100" dirty="0"/>
+              <a:t>각 인스턴스에 맞게</a:t>
+            </a:r>
+            <a:endParaRPr lang="en-US" altLang="ko-KR" sz="1100" dirty="0"/>
+          </a:p>
+          <a:p>
+            <a:pPr algn="ctr"/>
+            <a:r>
+              <a:rPr lang="ko-KR" altLang="en-US" sz="1100" dirty="0"/>
+              <a:t>정상 출력된 모습을 보입니다</a:t>
+            </a:r>
+            <a:r>
+              <a:rPr lang="en-US" altLang="ko-KR" sz="1100" dirty="0"/>
+              <a:t>.</a:t>
+            </a:r>
+          </a:p>
+        </p:txBody>
+      </p:sp>
     </p:spTree>
     <p:extLst>
       <p:ext uri="{BB962C8B-B14F-4D97-AF65-F5344CB8AC3E}">
-        <p14:creationId xmlns:p14="http://schemas.microsoft.com/office/powerpoint/2010/main" val="1066393970"/>
+        <p14:creationId xmlns:p14="http://schemas.microsoft.com/office/powerpoint/2010/main" val="1636420783"/>
+      </p:ext>
+    </p:extLst>
+  </p:cSld>
+  <p:clrMapOvr>
+    <a:masterClrMapping/>
+  </p:clrMapOvr>
+</p:sld>
+</file>
+
+<file path=ppt/slides/slide8.xml><?xml version="1.0" encoding="utf-8"?>
+<p:sld xmlns:a="http://schemas.openxmlformats.org/drawingml/2006/main" xmlns:r="http://schemas.openxmlformats.org/officeDocument/2006/relationships" xmlns:p="http://schemas.openxmlformats.org/presentationml/2006/main">
+  <p:cSld>
+    <p:spTree>
+      <p:nvGrpSpPr>
+        <p:cNvPr id="1" name=""/>
+        <p:cNvGrpSpPr/>
+        <p:nvPr/>
+      </p:nvGrpSpPr>
+      <p:grpSpPr>
+        <a:xfrm>
+          <a:off x="0" y="0"/>
+          <a:ext cx="0" cy="0"/>
+          <a:chOff x="0" y="0"/>
+          <a:chExt cx="0" cy="0"/>
+        </a:xfrm>
+      </p:grpSpPr>
+      <p:sp>
+        <p:nvSpPr>
+          <p:cNvPr id="37" name="직사각형 36">
+            <a:extLst>
+              <a:ext uri="{FF2B5EF4-FFF2-40B4-BE49-F238E27FC236}">
+                <a16:creationId xmlns:a16="http://schemas.microsoft.com/office/drawing/2014/main" id="{3F15C60C-17FE-422D-AFCF-73C75A021362}"/>
+              </a:ext>
+            </a:extLst>
+          </p:cNvPr>
+          <p:cNvSpPr/>
+          <p:nvPr/>
+        </p:nvSpPr>
+        <p:spPr>
+          <a:xfrm>
+            <a:off x="3697172" y="332194"/>
+            <a:ext cx="4713765" cy="735842"/>
+          </a:xfrm>
+          <a:prstGeom prst="rect">
+            <a:avLst/>
+          </a:prstGeom>
+        </p:spPr>
+        <p:txBody>
+          <a:bodyPr wrap="square">
+            <a:spAutoFit/>
+          </a:bodyPr>
+          <a:lstStyle/>
+          <a:p>
+            <a:pPr algn="ctr" latinLnBrk="0">
+              <a:lnSpc>
+                <a:spcPct val="150000"/>
+              </a:lnSpc>
+              <a:defRPr/>
+            </a:pPr>
+            <a:r>
+              <a:rPr lang="en-US" altLang="ko-KR" sz="3200" b="1" i="1" kern="0" dirty="0">
+                <a:solidFill>
+                  <a:srgbClr val="FF7876"/>
+                </a:solidFill>
+              </a:rPr>
+              <a:t>ex3</a:t>
+            </a:r>
+          </a:p>
+        </p:txBody>
+      </p:sp>
+      <p:cxnSp>
+        <p:nvCxnSpPr>
+          <p:cNvPr id="38" name="직선 연결선 37">
+            <a:extLst>
+              <a:ext uri="{FF2B5EF4-FFF2-40B4-BE49-F238E27FC236}">
+                <a16:creationId xmlns:a16="http://schemas.microsoft.com/office/drawing/2014/main" id="{940134F4-F272-426A-B50B-8075427DF501}"/>
+              </a:ext>
+            </a:extLst>
+          </p:cNvPr>
+          <p:cNvCxnSpPr>
+            <a:cxnSpLocks/>
+          </p:cNvCxnSpPr>
+          <p:nvPr/>
+        </p:nvCxnSpPr>
+        <p:spPr>
+          <a:xfrm flipV="1">
+            <a:off x="843148" y="847712"/>
+            <a:ext cx="4769087" cy="1"/>
+          </a:xfrm>
+          <a:prstGeom prst="line">
+            <a:avLst/>
+          </a:prstGeom>
+          <a:ln w="6350">
+            <a:solidFill>
+              <a:srgbClr val="FF7876"/>
+            </a:solidFill>
+            <a:prstDash val="sysDash"/>
+            <a:tailEnd type="oval"/>
+          </a:ln>
+        </p:spPr>
+        <p:style>
+          <a:lnRef idx="1">
+            <a:schemeClr val="accent1"/>
+          </a:lnRef>
+          <a:fillRef idx="0">
+            <a:schemeClr val="accent1"/>
+          </a:fillRef>
+          <a:effectRef idx="0">
+            <a:schemeClr val="accent1"/>
+          </a:effectRef>
+          <a:fontRef idx="minor">
+            <a:schemeClr val="tx1"/>
+          </a:fontRef>
+        </p:style>
+      </p:cxnSp>
+      <p:cxnSp>
+        <p:nvCxnSpPr>
+          <p:cNvPr id="39" name="직선 연결선 38">
+            <a:extLst>
+              <a:ext uri="{FF2B5EF4-FFF2-40B4-BE49-F238E27FC236}">
+                <a16:creationId xmlns:a16="http://schemas.microsoft.com/office/drawing/2014/main" id="{55EBD739-0979-4546-8E6B-9CA8052FC540}"/>
+              </a:ext>
+            </a:extLst>
+          </p:cNvPr>
+          <p:cNvCxnSpPr>
+            <a:cxnSpLocks/>
+          </p:cNvCxnSpPr>
+          <p:nvPr/>
+        </p:nvCxnSpPr>
+        <p:spPr>
+          <a:xfrm flipH="1">
+            <a:off x="6579767" y="847712"/>
+            <a:ext cx="4692810" cy="0"/>
+          </a:xfrm>
+          <a:prstGeom prst="line">
+            <a:avLst/>
+          </a:prstGeom>
+          <a:ln w="6350">
+            <a:solidFill>
+              <a:srgbClr val="FF7876"/>
+            </a:solidFill>
+            <a:prstDash val="sysDash"/>
+            <a:tailEnd type="oval"/>
+          </a:ln>
+        </p:spPr>
+        <p:style>
+          <a:lnRef idx="1">
+            <a:schemeClr val="accent1"/>
+          </a:lnRef>
+          <a:fillRef idx="0">
+            <a:schemeClr val="accent1"/>
+          </a:fillRef>
+          <a:effectRef idx="0">
+            <a:schemeClr val="accent1"/>
+          </a:effectRef>
+          <a:fontRef idx="minor">
+            <a:schemeClr val="tx1"/>
+          </a:fontRef>
+        </p:style>
+      </p:cxnSp>
+      <p:sp>
+        <p:nvSpPr>
+          <p:cNvPr id="8" name="TextBox 7">
+            <a:extLst>
+              <a:ext uri="{FF2B5EF4-FFF2-40B4-BE49-F238E27FC236}">
+                <a16:creationId xmlns:a16="http://schemas.microsoft.com/office/drawing/2014/main" id="{C18154B9-4F65-4277-8C17-63D9702FC25F}"/>
+              </a:ext>
+            </a:extLst>
+          </p:cNvPr>
+          <p:cNvSpPr txBox="1"/>
+          <p:nvPr/>
+        </p:nvSpPr>
+        <p:spPr>
+          <a:xfrm>
+            <a:off x="765146" y="963122"/>
+            <a:ext cx="10507430" cy="261610"/>
+          </a:xfrm>
+          <a:prstGeom prst="rect">
+            <a:avLst/>
+          </a:prstGeom>
+          <a:noFill/>
+        </p:spPr>
+        <p:txBody>
+          <a:bodyPr wrap="square" rtlCol="0">
+            <a:spAutoFit/>
+          </a:bodyPr>
+          <a:lstStyle/>
+          <a:p>
+            <a:pPr algn="ctr"/>
+            <a:r>
+              <a:rPr lang="ko-KR" altLang="en-US" sz="1100" i="1" dirty="0">
+                <a:solidFill>
+                  <a:srgbClr val="FF7876"/>
+                </a:solidFill>
+              </a:rPr>
+              <a:t>예제 </a:t>
+            </a:r>
+            <a:r>
+              <a:rPr lang="en-US" altLang="ko-KR" sz="1100" i="1" dirty="0">
+                <a:solidFill>
+                  <a:srgbClr val="FF7876"/>
+                </a:solidFill>
+              </a:rPr>
+              <a:t>3</a:t>
+            </a:r>
+            <a:r>
+              <a:rPr lang="ko-KR" altLang="en-US" sz="1100" i="1" dirty="0">
+                <a:solidFill>
+                  <a:srgbClr val="FF7876"/>
+                </a:solidFill>
+              </a:rPr>
+              <a:t> 분석</a:t>
+            </a:r>
+            <a:endParaRPr lang="en-US" altLang="ko-KR" sz="1100" i="1" dirty="0">
+              <a:solidFill>
+                <a:srgbClr val="FF7876"/>
+              </a:solidFill>
+            </a:endParaRPr>
+          </a:p>
+        </p:txBody>
+      </p:sp>
+      <p:pic>
+        <p:nvPicPr>
+          <p:cNvPr id="4" name="그림 3">
+            <a:extLst>
+              <a:ext uri="{FF2B5EF4-FFF2-40B4-BE49-F238E27FC236}">
+                <a16:creationId xmlns:a16="http://schemas.microsoft.com/office/drawing/2014/main" id="{B619FE08-A8AB-304A-B922-5A3FB5C94199}"/>
+              </a:ext>
+            </a:extLst>
+          </p:cNvPr>
+          <p:cNvPicPr>
+            <a:picLocks noChangeAspect="1"/>
+          </p:cNvPicPr>
+          <p:nvPr/>
+        </p:nvPicPr>
+        <p:blipFill>
+          <a:blip r:embed="rId2"/>
+          <a:stretch>
+            <a:fillRect/>
+          </a:stretch>
+        </p:blipFill>
+        <p:spPr>
+          <a:xfrm>
+            <a:off x="669456" y="2011378"/>
+            <a:ext cx="4718176" cy="3538632"/>
+          </a:xfrm>
+          <a:prstGeom prst="rect">
+            <a:avLst/>
+          </a:prstGeom>
+        </p:spPr>
+      </p:pic>
+      <p:sp>
+        <p:nvSpPr>
+          <p:cNvPr id="10" name="오른쪽 중괄호[R] 9">
+            <a:extLst>
+              <a:ext uri="{FF2B5EF4-FFF2-40B4-BE49-F238E27FC236}">
+                <a16:creationId xmlns:a16="http://schemas.microsoft.com/office/drawing/2014/main" id="{47A13C37-9CE0-F04A-90DF-14D399F65CFE}"/>
+              </a:ext>
+            </a:extLst>
+          </p:cNvPr>
+          <p:cNvSpPr/>
+          <p:nvPr/>
+        </p:nvSpPr>
+        <p:spPr>
+          <a:xfrm>
+            <a:off x="2538731" y="2320543"/>
+            <a:ext cx="124955" cy="788417"/>
+          </a:xfrm>
+          <a:prstGeom prst="rightBrace">
+            <a:avLst/>
+          </a:prstGeom>
+          <a:ln w="12700">
+            <a:solidFill>
+              <a:srgbClr val="FF7876"/>
+            </a:solidFill>
+          </a:ln>
+        </p:spPr>
+        <p:style>
+          <a:lnRef idx="1">
+            <a:schemeClr val="accent1"/>
+          </a:lnRef>
+          <a:fillRef idx="0">
+            <a:schemeClr val="accent1"/>
+          </a:fillRef>
+          <a:effectRef idx="0">
+            <a:schemeClr val="accent1"/>
+          </a:effectRef>
+          <a:fontRef idx="minor">
+            <a:schemeClr val="tx1"/>
+          </a:fontRef>
+        </p:style>
+        <p:txBody>
+          <a:bodyPr rtlCol="0" anchor="ctr"/>
+          <a:lstStyle/>
+          <a:p>
+            <a:pPr algn="ctr"/>
+            <a:endParaRPr kumimoji="1" lang="ko-Kore-KR" altLang="en-US"/>
+          </a:p>
+        </p:txBody>
+      </p:sp>
+      <p:cxnSp>
+        <p:nvCxnSpPr>
+          <p:cNvPr id="11" name="직선 화살표 연결선 10">
+            <a:extLst>
+              <a:ext uri="{FF2B5EF4-FFF2-40B4-BE49-F238E27FC236}">
+                <a16:creationId xmlns:a16="http://schemas.microsoft.com/office/drawing/2014/main" id="{C295C152-C469-614C-AC97-3F54DFACBF68}"/>
+              </a:ext>
+            </a:extLst>
+          </p:cNvPr>
+          <p:cNvCxnSpPr>
+            <a:cxnSpLocks/>
+          </p:cNvCxnSpPr>
+          <p:nvPr/>
+        </p:nvCxnSpPr>
+        <p:spPr>
+          <a:xfrm flipV="1">
+            <a:off x="2663686" y="2714752"/>
+            <a:ext cx="2862471" cy="1"/>
+          </a:xfrm>
+          <a:prstGeom prst="straightConnector1">
+            <a:avLst/>
+          </a:prstGeom>
+          <a:ln w="12700">
+            <a:solidFill>
+              <a:srgbClr val="FF7876"/>
+            </a:solidFill>
+            <a:tailEnd type="triangle"/>
+          </a:ln>
+        </p:spPr>
+        <p:style>
+          <a:lnRef idx="1">
+            <a:schemeClr val="accent1"/>
+          </a:lnRef>
+          <a:fillRef idx="0">
+            <a:schemeClr val="accent1"/>
+          </a:fillRef>
+          <a:effectRef idx="0">
+            <a:schemeClr val="accent1"/>
+          </a:effectRef>
+          <a:fontRef idx="minor">
+            <a:schemeClr val="tx1"/>
+          </a:fontRef>
+        </p:style>
+      </p:cxnSp>
+      <p:sp>
+        <p:nvSpPr>
+          <p:cNvPr id="13" name="TextBox 12">
+            <a:extLst>
+              <a:ext uri="{FF2B5EF4-FFF2-40B4-BE49-F238E27FC236}">
+                <a16:creationId xmlns:a16="http://schemas.microsoft.com/office/drawing/2014/main" id="{8F71B2F2-A31B-8846-B4C7-F29C65C6C685}"/>
+              </a:ext>
+            </a:extLst>
+          </p:cNvPr>
+          <p:cNvSpPr txBox="1"/>
+          <p:nvPr/>
+        </p:nvSpPr>
+        <p:spPr>
+          <a:xfrm>
+            <a:off x="5526157" y="2499307"/>
+            <a:ext cx="6125027" cy="430887"/>
+          </a:xfrm>
+          <a:prstGeom prst="rect">
+            <a:avLst/>
+          </a:prstGeom>
+          <a:noFill/>
+          <a:ln w="12700">
+            <a:noFill/>
+          </a:ln>
+        </p:spPr>
+        <p:txBody>
+          <a:bodyPr wrap="square" rtlCol="0">
+            <a:spAutoFit/>
+          </a:bodyPr>
+          <a:lstStyle/>
+          <a:p>
+            <a:r>
+              <a:rPr lang="en-US" altLang="ko-KR" sz="1100" dirty="0"/>
+              <a:t>Transactions</a:t>
+            </a:r>
+            <a:r>
+              <a:rPr lang="ko-KR" altLang="en-US" sz="1100" dirty="0"/>
+              <a:t>라는 클래스객체를 정의합니다</a:t>
+            </a:r>
+            <a:r>
+              <a:rPr lang="en-US" altLang="ko-KR" sz="1100" dirty="0"/>
+              <a:t>.</a:t>
+            </a:r>
+          </a:p>
+          <a:p>
+            <a:r>
+              <a:rPr lang="ko-KR" altLang="en-US" sz="1100" dirty="0"/>
+              <a:t>해당 클래스의 속성값으로 </a:t>
+            </a:r>
+            <a:r>
+              <a:rPr lang="en-US" altLang="ko-KR" sz="1100" dirty="0"/>
+              <a:t>price, </a:t>
+            </a:r>
+            <a:r>
+              <a:rPr lang="en-US" altLang="ko-KR" sz="1100" dirty="0" err="1"/>
+              <a:t>credit_card</a:t>
+            </a:r>
+            <a:r>
+              <a:rPr lang="en-US" altLang="ko-KR" sz="1100" dirty="0"/>
+              <a:t>, item</a:t>
+            </a:r>
+            <a:r>
+              <a:rPr lang="ko-KR" altLang="en-US" sz="1100" dirty="0"/>
+              <a:t>이 들어갑니다</a:t>
+            </a:r>
+            <a:r>
+              <a:rPr lang="en-US" altLang="ko-KR" sz="1100" dirty="0"/>
+              <a:t>.</a:t>
+            </a:r>
+          </a:p>
+        </p:txBody>
+      </p:sp>
+      <p:sp>
+        <p:nvSpPr>
+          <p:cNvPr id="14" name="오른쪽 중괄호[R] 13">
+            <a:extLst>
+              <a:ext uri="{FF2B5EF4-FFF2-40B4-BE49-F238E27FC236}">
+                <a16:creationId xmlns:a16="http://schemas.microsoft.com/office/drawing/2014/main" id="{39C0F858-B754-B14C-ADA8-D0E21F8F214E}"/>
+              </a:ext>
+            </a:extLst>
+          </p:cNvPr>
+          <p:cNvSpPr/>
+          <p:nvPr/>
+        </p:nvSpPr>
+        <p:spPr>
+          <a:xfrm>
+            <a:off x="3697172" y="3429000"/>
+            <a:ext cx="124955" cy="788417"/>
+          </a:xfrm>
+          <a:prstGeom prst="rightBrace">
+            <a:avLst/>
+          </a:prstGeom>
+          <a:ln w="12700">
+            <a:solidFill>
+              <a:srgbClr val="FF7876"/>
+            </a:solidFill>
+          </a:ln>
+        </p:spPr>
+        <p:style>
+          <a:lnRef idx="1">
+            <a:schemeClr val="accent1"/>
+          </a:lnRef>
+          <a:fillRef idx="0">
+            <a:schemeClr val="accent1"/>
+          </a:fillRef>
+          <a:effectRef idx="0">
+            <a:schemeClr val="accent1"/>
+          </a:effectRef>
+          <a:fontRef idx="minor">
+            <a:schemeClr val="tx1"/>
+          </a:fontRef>
+        </p:style>
+        <p:txBody>
+          <a:bodyPr rtlCol="0" anchor="ctr"/>
+          <a:lstStyle/>
+          <a:p>
+            <a:pPr algn="ctr"/>
+            <a:endParaRPr kumimoji="1" lang="ko-Kore-KR" altLang="en-US"/>
+          </a:p>
+        </p:txBody>
+      </p:sp>
+      <p:cxnSp>
+        <p:nvCxnSpPr>
+          <p:cNvPr id="15" name="직선 화살표 연결선 14">
+            <a:extLst>
+              <a:ext uri="{FF2B5EF4-FFF2-40B4-BE49-F238E27FC236}">
+                <a16:creationId xmlns:a16="http://schemas.microsoft.com/office/drawing/2014/main" id="{592BF13A-31E1-2141-B7BE-D1EC9D912A34}"/>
+              </a:ext>
+            </a:extLst>
+          </p:cNvPr>
+          <p:cNvCxnSpPr>
+            <a:cxnSpLocks/>
+          </p:cNvCxnSpPr>
+          <p:nvPr/>
+        </p:nvCxnSpPr>
+        <p:spPr>
+          <a:xfrm flipV="1">
+            <a:off x="3822127" y="3816935"/>
+            <a:ext cx="1790108" cy="1"/>
+          </a:xfrm>
+          <a:prstGeom prst="straightConnector1">
+            <a:avLst/>
+          </a:prstGeom>
+          <a:ln w="12700">
+            <a:solidFill>
+              <a:srgbClr val="FF7876"/>
+            </a:solidFill>
+            <a:tailEnd type="triangle"/>
+          </a:ln>
+        </p:spPr>
+        <p:style>
+          <a:lnRef idx="1">
+            <a:schemeClr val="accent1"/>
+          </a:lnRef>
+          <a:fillRef idx="0">
+            <a:schemeClr val="accent1"/>
+          </a:fillRef>
+          <a:effectRef idx="0">
+            <a:schemeClr val="accent1"/>
+          </a:effectRef>
+          <a:fontRef idx="minor">
+            <a:schemeClr val="tx1"/>
+          </a:fontRef>
+        </p:style>
+      </p:cxnSp>
+      <p:sp>
+        <p:nvSpPr>
+          <p:cNvPr id="16" name="TextBox 15">
+            <a:extLst>
+              <a:ext uri="{FF2B5EF4-FFF2-40B4-BE49-F238E27FC236}">
+                <a16:creationId xmlns:a16="http://schemas.microsoft.com/office/drawing/2014/main" id="{81B4496B-9F90-CB4F-9E89-540CC3CD93EA}"/>
+              </a:ext>
+            </a:extLst>
+          </p:cNvPr>
+          <p:cNvSpPr txBox="1"/>
+          <p:nvPr/>
+        </p:nvSpPr>
+        <p:spPr>
+          <a:xfrm>
+            <a:off x="5526157" y="3447976"/>
+            <a:ext cx="6125027" cy="769441"/>
+          </a:xfrm>
+          <a:prstGeom prst="rect">
+            <a:avLst/>
+          </a:prstGeom>
+          <a:noFill/>
+          <a:ln w="12700">
+            <a:noFill/>
+          </a:ln>
+        </p:spPr>
+        <p:txBody>
+          <a:bodyPr wrap="square" rtlCol="0">
+            <a:spAutoFit/>
+          </a:bodyPr>
+          <a:lstStyle/>
+          <a:p>
+            <a:r>
+              <a:rPr lang="en-US" altLang="ko-KR" sz="1100" dirty="0"/>
+              <a:t>save</a:t>
+            </a:r>
+            <a:r>
+              <a:rPr lang="ko-KR" altLang="en-US" sz="1100" dirty="0"/>
+              <a:t>라는 자기자신과 </a:t>
+            </a:r>
+            <a:r>
+              <a:rPr lang="en-US" altLang="ko-KR" sz="1100" dirty="0"/>
+              <a:t>cost, card, item</a:t>
+            </a:r>
+            <a:r>
+              <a:rPr lang="ko-KR" altLang="en-US" sz="1100" dirty="0"/>
+              <a:t>이라는 인수를 가지는 메서드함수를 정의합니다</a:t>
+            </a:r>
+            <a:r>
+              <a:rPr lang="en-US" altLang="ko-KR" sz="1100" dirty="0"/>
+              <a:t>.</a:t>
+            </a:r>
+          </a:p>
+          <a:p>
+            <a:r>
+              <a:rPr lang="en-US" altLang="ko-KR" sz="1100" dirty="0"/>
+              <a:t>self.</a:t>
+            </a:r>
+            <a:r>
+              <a:rPr lang="ko-KR" altLang="en-US" sz="1100" dirty="0" err="1"/>
+              <a:t>를</a:t>
+            </a:r>
+            <a:r>
+              <a:rPr lang="ko-KR" altLang="en-US" sz="1100" dirty="0"/>
+              <a:t> 이용하여 </a:t>
+            </a:r>
+            <a:r>
+              <a:rPr lang="ko-KR" altLang="en-US" sz="1100" dirty="0" err="1"/>
+              <a:t>클래스객체</a:t>
+            </a:r>
+            <a:r>
+              <a:rPr lang="ko-KR" altLang="en-US" sz="1100" dirty="0"/>
+              <a:t> 자신의 속성값에 각 인수로 받아온 값들을</a:t>
+            </a:r>
+            <a:endParaRPr lang="en-US" altLang="ko-KR" sz="1100" dirty="0"/>
+          </a:p>
+          <a:p>
+            <a:r>
+              <a:rPr lang="ko-KR" altLang="en-US" sz="1100" dirty="0"/>
+              <a:t>저장하는 역할을 합니다</a:t>
+            </a:r>
+            <a:r>
+              <a:rPr lang="en-US" altLang="ko-KR" sz="1100" dirty="0"/>
+              <a:t>.</a:t>
+            </a:r>
+          </a:p>
+          <a:p>
+            <a:r>
+              <a:rPr lang="ko-KR" altLang="en-US" sz="1100" dirty="0"/>
+              <a:t>이후 </a:t>
+            </a:r>
+            <a:r>
+              <a:rPr lang="en-US" altLang="ko-KR" sz="1100" dirty="0" err="1"/>
+              <a:t>save_file</a:t>
+            </a:r>
+            <a:r>
+              <a:rPr lang="ko-KR" altLang="en-US" sz="1100" dirty="0"/>
+              <a:t>이라는 다른 메서드함수를 호출합니다</a:t>
+            </a:r>
+            <a:r>
+              <a:rPr lang="en-US" altLang="ko-KR" sz="1100" dirty="0"/>
+              <a:t>.</a:t>
+            </a:r>
+          </a:p>
+        </p:txBody>
+      </p:sp>
+      <p:sp>
+        <p:nvSpPr>
+          <p:cNvPr id="18" name="오른쪽 중괄호[R] 17">
+            <a:extLst>
+              <a:ext uri="{FF2B5EF4-FFF2-40B4-BE49-F238E27FC236}">
+                <a16:creationId xmlns:a16="http://schemas.microsoft.com/office/drawing/2014/main" id="{3470AF02-17A7-0446-8424-962C06462B9D}"/>
+              </a:ext>
+            </a:extLst>
+          </p:cNvPr>
+          <p:cNvSpPr/>
+          <p:nvPr/>
+        </p:nvSpPr>
+        <p:spPr>
+          <a:xfrm>
+            <a:off x="5311471" y="4581788"/>
+            <a:ext cx="214686" cy="904611"/>
+          </a:xfrm>
+          <a:prstGeom prst="rightBrace">
+            <a:avLst/>
+          </a:prstGeom>
+          <a:ln w="12700">
+            <a:solidFill>
+              <a:srgbClr val="FF7876"/>
+            </a:solidFill>
+          </a:ln>
+        </p:spPr>
+        <p:style>
+          <a:lnRef idx="1">
+            <a:schemeClr val="accent1"/>
+          </a:lnRef>
+          <a:fillRef idx="0">
+            <a:schemeClr val="accent1"/>
+          </a:fillRef>
+          <a:effectRef idx="0">
+            <a:schemeClr val="accent1"/>
+          </a:effectRef>
+          <a:fontRef idx="minor">
+            <a:schemeClr val="tx1"/>
+          </a:fontRef>
+        </p:style>
+        <p:txBody>
+          <a:bodyPr rtlCol="0" anchor="ctr"/>
+          <a:lstStyle/>
+          <a:p>
+            <a:pPr algn="ctr"/>
+            <a:endParaRPr kumimoji="1" lang="ko-Kore-KR" altLang="en-US"/>
+          </a:p>
+        </p:txBody>
+      </p:sp>
+      <p:cxnSp>
+        <p:nvCxnSpPr>
+          <p:cNvPr id="19" name="직선 화살표 연결선 18">
+            <a:extLst>
+              <a:ext uri="{FF2B5EF4-FFF2-40B4-BE49-F238E27FC236}">
+                <a16:creationId xmlns:a16="http://schemas.microsoft.com/office/drawing/2014/main" id="{7B03E9C2-78CA-E54C-95D9-349F5F113BA0}"/>
+              </a:ext>
+            </a:extLst>
+          </p:cNvPr>
+          <p:cNvCxnSpPr>
+            <a:cxnSpLocks/>
+          </p:cNvCxnSpPr>
+          <p:nvPr/>
+        </p:nvCxnSpPr>
+        <p:spPr>
+          <a:xfrm flipV="1">
+            <a:off x="5418814" y="5034093"/>
+            <a:ext cx="306125" cy="1"/>
+          </a:xfrm>
+          <a:prstGeom prst="straightConnector1">
+            <a:avLst/>
+          </a:prstGeom>
+          <a:ln w="12700">
+            <a:solidFill>
+              <a:srgbClr val="FF7876"/>
+            </a:solidFill>
+            <a:tailEnd type="triangle"/>
+          </a:ln>
+        </p:spPr>
+        <p:style>
+          <a:lnRef idx="1">
+            <a:schemeClr val="accent1"/>
+          </a:lnRef>
+          <a:fillRef idx="0">
+            <a:schemeClr val="accent1"/>
+          </a:fillRef>
+          <a:effectRef idx="0">
+            <a:schemeClr val="accent1"/>
+          </a:effectRef>
+          <a:fontRef idx="minor">
+            <a:schemeClr val="tx1"/>
+          </a:fontRef>
+        </p:style>
+      </p:cxnSp>
+      <p:sp>
+        <p:nvSpPr>
+          <p:cNvPr id="21" name="TextBox 20">
+            <a:extLst>
+              <a:ext uri="{FF2B5EF4-FFF2-40B4-BE49-F238E27FC236}">
+                <a16:creationId xmlns:a16="http://schemas.microsoft.com/office/drawing/2014/main" id="{60C62ACE-2E18-EB42-8B61-05820910695E}"/>
+              </a:ext>
+            </a:extLst>
+          </p:cNvPr>
+          <p:cNvSpPr txBox="1"/>
+          <p:nvPr/>
+        </p:nvSpPr>
+        <p:spPr>
+          <a:xfrm>
+            <a:off x="5724939" y="4448199"/>
+            <a:ext cx="6125027" cy="938719"/>
+          </a:xfrm>
+          <a:prstGeom prst="rect">
+            <a:avLst/>
+          </a:prstGeom>
+          <a:noFill/>
+          <a:ln w="12700">
+            <a:noFill/>
+          </a:ln>
+        </p:spPr>
+        <p:txBody>
+          <a:bodyPr wrap="square" rtlCol="0">
+            <a:spAutoFit/>
+          </a:bodyPr>
+          <a:lstStyle/>
+          <a:p>
+            <a:r>
+              <a:rPr lang="en-US" altLang="ko-KR" sz="1100" dirty="0" err="1"/>
+              <a:t>save_file</a:t>
+            </a:r>
+            <a:r>
+              <a:rPr lang="ko-KR" altLang="en-US" sz="1100" dirty="0"/>
+              <a:t>이라는 자기자신을 인수로 가지는 메서드 함수 입니다</a:t>
+            </a:r>
+            <a:r>
+              <a:rPr lang="en-US" altLang="ko-KR" sz="1100" dirty="0"/>
+              <a:t>.</a:t>
+            </a:r>
+          </a:p>
+          <a:p>
+            <a:r>
+              <a:rPr lang="ko-KR" altLang="en-US" sz="1100" dirty="0"/>
+              <a:t>함수 내에선 </a:t>
+            </a:r>
+            <a:r>
+              <a:rPr lang="en-US" altLang="ko-KR" sz="1100" dirty="0"/>
+              <a:t>open</a:t>
+            </a:r>
+            <a:r>
+              <a:rPr lang="ko-KR" altLang="en-US" sz="1100" dirty="0"/>
+              <a:t>을 이용하여 </a:t>
+            </a:r>
+            <a:r>
+              <a:rPr lang="en-US" altLang="ko-KR" sz="1100" dirty="0" err="1"/>
+              <a:t>transaction.txt</a:t>
+            </a:r>
+            <a:r>
+              <a:rPr lang="ko-KR" altLang="en-US" sz="1100" dirty="0"/>
+              <a:t>파일을 </a:t>
+            </a:r>
+            <a:r>
+              <a:rPr lang="ko-KR" altLang="en-US" sz="1100" dirty="0" err="1"/>
+              <a:t>파일끝</a:t>
+            </a:r>
+            <a:r>
+              <a:rPr lang="ko-KR" altLang="en-US" sz="1100" dirty="0"/>
+              <a:t> 쓰기 모드</a:t>
+            </a:r>
+            <a:r>
+              <a:rPr lang="en-US" altLang="ko-KR" sz="1100" dirty="0"/>
+              <a:t>(a)</a:t>
+            </a:r>
+            <a:r>
+              <a:rPr lang="ko-KR" altLang="en-US" sz="1100" dirty="0"/>
+              <a:t>로 </a:t>
+            </a:r>
+            <a:r>
+              <a:rPr lang="ko-KR" altLang="en-US" sz="1100" dirty="0" err="1"/>
+              <a:t>열게합니다</a:t>
+            </a:r>
+            <a:r>
+              <a:rPr lang="en-US" altLang="ko-KR" sz="1100" dirty="0"/>
+              <a:t>.</a:t>
+            </a:r>
+          </a:p>
+          <a:p>
+            <a:r>
+              <a:rPr lang="ko-KR" altLang="en-US" sz="1100" dirty="0"/>
+              <a:t>이후 </a:t>
+            </a:r>
+            <a:r>
+              <a:rPr lang="en-US" altLang="ko-KR" sz="1100" dirty="0"/>
+              <a:t>write</a:t>
+            </a:r>
+            <a:r>
+              <a:rPr lang="ko-KR" altLang="en-US" sz="1100" dirty="0" err="1"/>
+              <a:t>를</a:t>
+            </a:r>
+            <a:r>
+              <a:rPr lang="ko-KR" altLang="en-US" sz="1100" dirty="0"/>
+              <a:t> 이용하여 해당 파일에 받아온 인수들을 조합하여 </a:t>
+            </a:r>
+            <a:r>
+              <a:rPr lang="en-US" altLang="ko-KR" sz="1100" dirty="0"/>
+              <a:t>string</a:t>
+            </a:r>
+            <a:r>
+              <a:rPr lang="ko-KR" altLang="en-US" sz="1100" dirty="0"/>
+              <a:t>데이터를 쓰게 합니다</a:t>
+            </a:r>
+            <a:r>
+              <a:rPr lang="en-US" altLang="ko-KR" sz="1100" dirty="0"/>
+              <a:t>.</a:t>
+            </a:r>
+          </a:p>
+          <a:p>
+            <a:r>
+              <a:rPr lang="en-US" altLang="ko-KR" sz="1100" dirty="0"/>
+              <a:t>7</a:t>
+            </a:r>
+            <a:r>
+              <a:rPr lang="ko-KR" altLang="en-US" sz="1100" dirty="0"/>
+              <a:t>자의 정수형</a:t>
+            </a:r>
+            <a:r>
+              <a:rPr lang="en-US" altLang="ko-KR" sz="1100" dirty="0"/>
+              <a:t>(07d), 16</a:t>
+            </a:r>
+            <a:r>
+              <a:rPr lang="ko-KR" altLang="en-US" sz="1100" dirty="0"/>
+              <a:t>자의 문자열</a:t>
+            </a:r>
+            <a:r>
+              <a:rPr lang="en-US" altLang="ko-KR" sz="1100" dirty="0"/>
+              <a:t>(16s), </a:t>
+            </a:r>
+            <a:r>
+              <a:rPr lang="ko-KR" altLang="en-US" sz="1100" dirty="0"/>
+              <a:t>다시 </a:t>
+            </a:r>
+            <a:r>
+              <a:rPr lang="en-US" altLang="ko-KR" sz="1100" dirty="0"/>
+              <a:t>16</a:t>
+            </a:r>
+            <a:r>
+              <a:rPr lang="ko-KR" altLang="en-US" sz="1100" dirty="0"/>
+              <a:t>자의 문자열</a:t>
+            </a:r>
+            <a:r>
+              <a:rPr lang="en-US" altLang="ko-KR" sz="1100" dirty="0"/>
+              <a:t>(16s)</a:t>
+            </a:r>
+            <a:r>
+              <a:rPr lang="ko-KR" altLang="en-US" sz="1100" dirty="0"/>
+              <a:t> 형식으로 저장하게 합니다</a:t>
+            </a:r>
+            <a:r>
+              <a:rPr lang="en-US" altLang="ko-KR" sz="1100" dirty="0"/>
+              <a:t>.</a:t>
+            </a:r>
+          </a:p>
+          <a:p>
+            <a:r>
+              <a:rPr lang="ko-KR" altLang="en-US" sz="1100" dirty="0"/>
+              <a:t>파일을 쓰고 난 후 </a:t>
+            </a:r>
+            <a:r>
+              <a:rPr lang="en-US" altLang="ko-KR" sz="1100" dirty="0"/>
+              <a:t>close</a:t>
+            </a:r>
+            <a:r>
+              <a:rPr lang="ko-KR" altLang="en-US" sz="1100" dirty="0" err="1"/>
+              <a:t>를</a:t>
+            </a:r>
+            <a:r>
+              <a:rPr lang="ko-KR" altLang="en-US" sz="1100" dirty="0"/>
+              <a:t> 통하여 파일을 닫게 합니다</a:t>
+            </a:r>
+            <a:r>
+              <a:rPr lang="en-US" altLang="ko-KR" sz="1100" dirty="0"/>
+              <a:t>.</a:t>
+            </a:r>
+          </a:p>
+        </p:txBody>
+      </p:sp>
+      <p:pic>
+        <p:nvPicPr>
+          <p:cNvPr id="1026" name="Picture 2">
+            <a:extLst>
+              <a:ext uri="{FF2B5EF4-FFF2-40B4-BE49-F238E27FC236}">
+                <a16:creationId xmlns:a16="http://schemas.microsoft.com/office/drawing/2014/main" id="{AD861F07-D808-754D-BF69-D0DC77DD3AE2}"/>
+              </a:ext>
+            </a:extLst>
+          </p:cNvPr>
+          <p:cNvPicPr>
+            <a:picLocks noChangeAspect="1" noChangeArrowheads="1"/>
+          </p:cNvPicPr>
+          <p:nvPr/>
+        </p:nvPicPr>
+        <p:blipFill>
+          <a:blip r:embed="rId3">
+            <a:extLst>
+              <a:ext uri="{28A0092B-C50C-407E-A947-70E740481C1C}">
+                <a14:useLocalDpi xmlns:a14="http://schemas.microsoft.com/office/drawing/2010/main" val="0"/>
+              </a:ext>
+            </a:extLst>
+          </a:blip>
+          <a:srcRect/>
+          <a:stretch>
+            <a:fillRect/>
+          </a:stretch>
+        </p:blipFill>
+        <p:spPr bwMode="auto">
+          <a:xfrm>
+            <a:off x="9276905" y="5190052"/>
+            <a:ext cx="2374279" cy="1490401"/>
+          </a:xfrm>
+          <a:prstGeom prst="rect">
+            <a:avLst/>
+          </a:prstGeom>
+          <a:noFill/>
+          <a:extLst>
+            <a:ext uri="{909E8E84-426E-40DD-AFC4-6F175D3DCCD1}">
+              <a14:hiddenFill xmlns:a14="http://schemas.microsoft.com/office/drawing/2010/main">
+                <a:solidFill>
+                  <a:srgbClr val="FFFFFF"/>
+                </a:solidFill>
+              </a14:hiddenFill>
+            </a:ext>
+          </a:extLst>
+        </p:spPr>
+      </p:pic>
+    </p:spTree>
+    <p:extLst>
+      <p:ext uri="{BB962C8B-B14F-4D97-AF65-F5344CB8AC3E}">
+        <p14:creationId xmlns:p14="http://schemas.microsoft.com/office/powerpoint/2010/main" val="2594848743"/>
+      </p:ext>
+    </p:extLst>
+  </p:cSld>
+  <p:clrMapOvr>
+    <a:masterClrMapping/>
+  </p:clrMapOvr>
+</p:sld>
+</file>
+
+<file path=ppt/slides/slide9.xml><?xml version="1.0" encoding="utf-8"?>
+<p:sld xmlns:a="http://schemas.openxmlformats.org/drawingml/2006/main" xmlns:r="http://schemas.openxmlformats.org/officeDocument/2006/relationships" xmlns:p="http://schemas.openxmlformats.org/presentationml/2006/main">
+  <p:cSld>
+    <p:spTree>
+      <p:nvGrpSpPr>
+        <p:cNvPr id="1" name=""/>
+        <p:cNvGrpSpPr/>
+        <p:nvPr/>
+      </p:nvGrpSpPr>
+      <p:grpSpPr>
+        <a:xfrm>
+          <a:off x="0" y="0"/>
+          <a:ext cx="0" cy="0"/>
+          <a:chOff x="0" y="0"/>
+          <a:chExt cx="0" cy="0"/>
+        </a:xfrm>
+      </p:grpSpPr>
+      <p:pic>
+        <p:nvPicPr>
+          <p:cNvPr id="5" name="그림 4">
+            <a:extLst>
+              <a:ext uri="{FF2B5EF4-FFF2-40B4-BE49-F238E27FC236}">
+                <a16:creationId xmlns:a16="http://schemas.microsoft.com/office/drawing/2014/main" id="{332902A0-5EF1-F240-B8A2-8F1D498A3719}"/>
+              </a:ext>
+            </a:extLst>
+          </p:cNvPr>
+          <p:cNvPicPr>
+            <a:picLocks noChangeAspect="1"/>
+          </p:cNvPicPr>
+          <p:nvPr/>
+        </p:nvPicPr>
+        <p:blipFill>
+          <a:blip r:embed="rId2"/>
+          <a:stretch>
+            <a:fillRect/>
+          </a:stretch>
+        </p:blipFill>
+        <p:spPr>
+          <a:xfrm>
+            <a:off x="242974" y="2086901"/>
+            <a:ext cx="5042971" cy="3371811"/>
+          </a:xfrm>
+          <a:prstGeom prst="rect">
+            <a:avLst/>
+          </a:prstGeom>
+        </p:spPr>
+      </p:pic>
+      <p:sp>
+        <p:nvSpPr>
+          <p:cNvPr id="37" name="직사각형 36">
+            <a:extLst>
+              <a:ext uri="{FF2B5EF4-FFF2-40B4-BE49-F238E27FC236}">
+                <a16:creationId xmlns:a16="http://schemas.microsoft.com/office/drawing/2014/main" id="{3F15C60C-17FE-422D-AFCF-73C75A021362}"/>
+              </a:ext>
+            </a:extLst>
+          </p:cNvPr>
+          <p:cNvSpPr/>
+          <p:nvPr/>
+        </p:nvSpPr>
+        <p:spPr>
+          <a:xfrm>
+            <a:off x="3697172" y="332194"/>
+            <a:ext cx="4713765" cy="735842"/>
+          </a:xfrm>
+          <a:prstGeom prst="rect">
+            <a:avLst/>
+          </a:prstGeom>
+        </p:spPr>
+        <p:txBody>
+          <a:bodyPr wrap="square">
+            <a:spAutoFit/>
+          </a:bodyPr>
+          <a:lstStyle/>
+          <a:p>
+            <a:pPr algn="ctr" latinLnBrk="0">
+              <a:lnSpc>
+                <a:spcPct val="150000"/>
+              </a:lnSpc>
+              <a:defRPr/>
+            </a:pPr>
+            <a:r>
+              <a:rPr lang="en-US" altLang="ko-KR" sz="3200" b="1" i="1" kern="0" dirty="0">
+                <a:solidFill>
+                  <a:srgbClr val="FF7876"/>
+                </a:solidFill>
+              </a:rPr>
+              <a:t>ex3</a:t>
+            </a:r>
+          </a:p>
+        </p:txBody>
+      </p:sp>
+      <p:cxnSp>
+        <p:nvCxnSpPr>
+          <p:cNvPr id="38" name="직선 연결선 37">
+            <a:extLst>
+              <a:ext uri="{FF2B5EF4-FFF2-40B4-BE49-F238E27FC236}">
+                <a16:creationId xmlns:a16="http://schemas.microsoft.com/office/drawing/2014/main" id="{940134F4-F272-426A-B50B-8075427DF501}"/>
+              </a:ext>
+            </a:extLst>
+          </p:cNvPr>
+          <p:cNvCxnSpPr>
+            <a:cxnSpLocks/>
+          </p:cNvCxnSpPr>
+          <p:nvPr/>
+        </p:nvCxnSpPr>
+        <p:spPr>
+          <a:xfrm flipV="1">
+            <a:off x="843148" y="847712"/>
+            <a:ext cx="4769087" cy="1"/>
+          </a:xfrm>
+          <a:prstGeom prst="line">
+            <a:avLst/>
+          </a:prstGeom>
+          <a:ln w="6350">
+            <a:solidFill>
+              <a:srgbClr val="FF7876"/>
+            </a:solidFill>
+            <a:prstDash val="sysDash"/>
+            <a:tailEnd type="oval"/>
+          </a:ln>
+        </p:spPr>
+        <p:style>
+          <a:lnRef idx="1">
+            <a:schemeClr val="accent1"/>
+          </a:lnRef>
+          <a:fillRef idx="0">
+            <a:schemeClr val="accent1"/>
+          </a:fillRef>
+          <a:effectRef idx="0">
+            <a:schemeClr val="accent1"/>
+          </a:effectRef>
+          <a:fontRef idx="minor">
+            <a:schemeClr val="tx1"/>
+          </a:fontRef>
+        </p:style>
+      </p:cxnSp>
+      <p:cxnSp>
+        <p:nvCxnSpPr>
+          <p:cNvPr id="39" name="직선 연결선 38">
+            <a:extLst>
+              <a:ext uri="{FF2B5EF4-FFF2-40B4-BE49-F238E27FC236}">
+                <a16:creationId xmlns:a16="http://schemas.microsoft.com/office/drawing/2014/main" id="{55EBD739-0979-4546-8E6B-9CA8052FC540}"/>
+              </a:ext>
+            </a:extLst>
+          </p:cNvPr>
+          <p:cNvCxnSpPr>
+            <a:cxnSpLocks/>
+          </p:cNvCxnSpPr>
+          <p:nvPr/>
+        </p:nvCxnSpPr>
+        <p:spPr>
+          <a:xfrm flipH="1">
+            <a:off x="6579767" y="847712"/>
+            <a:ext cx="4692810" cy="0"/>
+          </a:xfrm>
+          <a:prstGeom prst="line">
+            <a:avLst/>
+          </a:prstGeom>
+          <a:ln w="6350">
+            <a:solidFill>
+              <a:srgbClr val="FF7876"/>
+            </a:solidFill>
+            <a:prstDash val="sysDash"/>
+            <a:tailEnd type="oval"/>
+          </a:ln>
+        </p:spPr>
+        <p:style>
+          <a:lnRef idx="1">
+            <a:schemeClr val="accent1"/>
+          </a:lnRef>
+          <a:fillRef idx="0">
+            <a:schemeClr val="accent1"/>
+          </a:fillRef>
+          <a:effectRef idx="0">
+            <a:schemeClr val="accent1"/>
+          </a:effectRef>
+          <a:fontRef idx="minor">
+            <a:schemeClr val="tx1"/>
+          </a:fontRef>
+        </p:style>
+      </p:cxnSp>
+      <p:sp>
+        <p:nvSpPr>
+          <p:cNvPr id="8" name="TextBox 7">
+            <a:extLst>
+              <a:ext uri="{FF2B5EF4-FFF2-40B4-BE49-F238E27FC236}">
+                <a16:creationId xmlns:a16="http://schemas.microsoft.com/office/drawing/2014/main" id="{C18154B9-4F65-4277-8C17-63D9702FC25F}"/>
+              </a:ext>
+            </a:extLst>
+          </p:cNvPr>
+          <p:cNvSpPr txBox="1"/>
+          <p:nvPr/>
+        </p:nvSpPr>
+        <p:spPr>
+          <a:xfrm>
+            <a:off x="765146" y="963122"/>
+            <a:ext cx="10507430" cy="261610"/>
+          </a:xfrm>
+          <a:prstGeom prst="rect">
+            <a:avLst/>
+          </a:prstGeom>
+          <a:noFill/>
+        </p:spPr>
+        <p:txBody>
+          <a:bodyPr wrap="square" rtlCol="0">
+            <a:spAutoFit/>
+          </a:bodyPr>
+          <a:lstStyle/>
+          <a:p>
+            <a:pPr algn="ctr"/>
+            <a:r>
+              <a:rPr lang="ko-KR" altLang="en-US" sz="1100" i="1" dirty="0">
+                <a:solidFill>
+                  <a:srgbClr val="FF7876"/>
+                </a:solidFill>
+              </a:rPr>
+              <a:t>예제 </a:t>
+            </a:r>
+            <a:r>
+              <a:rPr lang="en-US" altLang="ko-KR" sz="1100" i="1" dirty="0">
+                <a:solidFill>
+                  <a:srgbClr val="FF7876"/>
+                </a:solidFill>
+              </a:rPr>
+              <a:t>3</a:t>
+            </a:r>
+            <a:r>
+              <a:rPr lang="ko-KR" altLang="en-US" sz="1100" i="1" dirty="0">
+                <a:solidFill>
+                  <a:srgbClr val="FF7876"/>
+                </a:solidFill>
+              </a:rPr>
+              <a:t> 분석</a:t>
+            </a:r>
+            <a:endParaRPr lang="en-US" altLang="ko-KR" sz="1100" i="1" dirty="0">
+              <a:solidFill>
+                <a:srgbClr val="FF7876"/>
+              </a:solidFill>
+            </a:endParaRPr>
+          </a:p>
+        </p:txBody>
+      </p:sp>
+      <p:sp>
+        <p:nvSpPr>
+          <p:cNvPr id="10" name="오른쪽 중괄호[R] 9">
+            <a:extLst>
+              <a:ext uri="{FF2B5EF4-FFF2-40B4-BE49-F238E27FC236}">
+                <a16:creationId xmlns:a16="http://schemas.microsoft.com/office/drawing/2014/main" id="{47A13C37-9CE0-F04A-90DF-14D399F65CFE}"/>
+              </a:ext>
+            </a:extLst>
+          </p:cNvPr>
+          <p:cNvSpPr/>
+          <p:nvPr/>
+        </p:nvSpPr>
+        <p:spPr>
+          <a:xfrm>
+            <a:off x="4176700" y="2117925"/>
+            <a:ext cx="117004" cy="547504"/>
+          </a:xfrm>
+          <a:prstGeom prst="rightBrace">
+            <a:avLst/>
+          </a:prstGeom>
+          <a:ln w="12700">
+            <a:solidFill>
+              <a:srgbClr val="FF7876"/>
+            </a:solidFill>
+          </a:ln>
+        </p:spPr>
+        <p:style>
+          <a:lnRef idx="1">
+            <a:schemeClr val="accent1"/>
+          </a:lnRef>
+          <a:fillRef idx="0">
+            <a:schemeClr val="accent1"/>
+          </a:fillRef>
+          <a:effectRef idx="0">
+            <a:schemeClr val="accent1"/>
+          </a:effectRef>
+          <a:fontRef idx="minor">
+            <a:schemeClr val="tx1"/>
+          </a:fontRef>
+        </p:style>
+        <p:txBody>
+          <a:bodyPr rtlCol="0" anchor="ctr"/>
+          <a:lstStyle/>
+          <a:p>
+            <a:pPr algn="ctr"/>
+            <a:endParaRPr kumimoji="1" lang="ko-Kore-KR" altLang="en-US"/>
+          </a:p>
+        </p:txBody>
+      </p:sp>
+      <p:cxnSp>
+        <p:nvCxnSpPr>
+          <p:cNvPr id="11" name="직선 화살표 연결선 10">
+            <a:extLst>
+              <a:ext uri="{FF2B5EF4-FFF2-40B4-BE49-F238E27FC236}">
+                <a16:creationId xmlns:a16="http://schemas.microsoft.com/office/drawing/2014/main" id="{C295C152-C469-614C-AC97-3F54DFACBF68}"/>
+              </a:ext>
+            </a:extLst>
+          </p:cNvPr>
+          <p:cNvCxnSpPr>
+            <a:cxnSpLocks/>
+          </p:cNvCxnSpPr>
+          <p:nvPr/>
+        </p:nvCxnSpPr>
+        <p:spPr>
+          <a:xfrm flipV="1">
+            <a:off x="4293703" y="2393645"/>
+            <a:ext cx="1125111" cy="2"/>
+          </a:xfrm>
+          <a:prstGeom prst="straightConnector1">
+            <a:avLst/>
+          </a:prstGeom>
+          <a:ln w="12700">
+            <a:solidFill>
+              <a:srgbClr val="FF7876"/>
+            </a:solidFill>
+            <a:tailEnd type="triangle"/>
+          </a:ln>
+        </p:spPr>
+        <p:style>
+          <a:lnRef idx="1">
+            <a:schemeClr val="accent1"/>
+          </a:lnRef>
+          <a:fillRef idx="0">
+            <a:schemeClr val="accent1"/>
+          </a:fillRef>
+          <a:effectRef idx="0">
+            <a:schemeClr val="accent1"/>
+          </a:effectRef>
+          <a:fontRef idx="minor">
+            <a:schemeClr val="tx1"/>
+          </a:fontRef>
+        </p:style>
+      </p:cxnSp>
+      <p:sp>
+        <p:nvSpPr>
+          <p:cNvPr id="13" name="TextBox 12">
+            <a:extLst>
+              <a:ext uri="{FF2B5EF4-FFF2-40B4-BE49-F238E27FC236}">
+                <a16:creationId xmlns:a16="http://schemas.microsoft.com/office/drawing/2014/main" id="{8F71B2F2-A31B-8846-B4C7-F29C65C6C685}"/>
+              </a:ext>
+            </a:extLst>
+          </p:cNvPr>
+          <p:cNvSpPr txBox="1"/>
+          <p:nvPr/>
+        </p:nvSpPr>
+        <p:spPr>
+          <a:xfrm>
+            <a:off x="5348423" y="2114588"/>
+            <a:ext cx="6125027" cy="600164"/>
+          </a:xfrm>
+          <a:prstGeom prst="rect">
+            <a:avLst/>
+          </a:prstGeom>
+          <a:noFill/>
+          <a:ln w="12700">
+            <a:noFill/>
+          </a:ln>
+        </p:spPr>
+        <p:txBody>
+          <a:bodyPr wrap="square" rtlCol="0">
+            <a:spAutoFit/>
+          </a:bodyPr>
+          <a:lstStyle/>
+          <a:p>
+            <a:r>
+              <a:rPr lang="ko-KR" altLang="en-US" sz="1100" dirty="0"/>
+              <a:t>아이템메뉴에 해당하는 문자열리스트 </a:t>
+            </a:r>
+            <a:r>
+              <a:rPr lang="en-US" altLang="ko-KR" sz="1100" dirty="0"/>
+              <a:t>item</a:t>
+            </a:r>
+            <a:r>
+              <a:rPr lang="ko-KR" altLang="en-US" sz="1100" dirty="0"/>
+              <a:t>과</a:t>
+            </a:r>
+            <a:endParaRPr lang="en-US" altLang="ko-KR" sz="1100" dirty="0"/>
+          </a:p>
+          <a:p>
+            <a:r>
+              <a:rPr lang="ko-KR" altLang="en-US" sz="1100" dirty="0"/>
+              <a:t>가격을 나타내는 </a:t>
+            </a:r>
+            <a:r>
+              <a:rPr lang="ko-KR" altLang="en-US" sz="1100" dirty="0" err="1"/>
+              <a:t>실수리스트</a:t>
+            </a:r>
+            <a:r>
+              <a:rPr lang="ko-KR" altLang="en-US" sz="1100" dirty="0"/>
+              <a:t> </a:t>
+            </a:r>
+            <a:r>
+              <a:rPr lang="en-US" altLang="ko-KR" sz="1100" dirty="0"/>
+              <a:t>prices,</a:t>
+            </a:r>
+          </a:p>
+          <a:p>
+            <a:r>
+              <a:rPr lang="ko-KR" altLang="en-US" sz="1100" dirty="0"/>
+              <a:t>그리고 </a:t>
+            </a:r>
+            <a:r>
+              <a:rPr lang="en-US" altLang="ko-KR" sz="1100" dirty="0"/>
+              <a:t>while</a:t>
+            </a:r>
+            <a:r>
+              <a:rPr lang="ko-KR" altLang="en-US" sz="1100" dirty="0"/>
+              <a:t>루프의 조건을 담당할 </a:t>
+            </a:r>
+            <a:r>
+              <a:rPr lang="en-US" altLang="ko-KR" sz="1100" dirty="0"/>
+              <a:t>running</a:t>
+            </a:r>
+            <a:r>
+              <a:rPr lang="ko-KR" altLang="en-US" sz="1100" dirty="0"/>
+              <a:t>을 정의합니다</a:t>
+            </a:r>
+            <a:r>
+              <a:rPr lang="en-US" altLang="ko-KR" sz="1100" dirty="0"/>
+              <a:t>.</a:t>
+            </a:r>
+          </a:p>
+        </p:txBody>
+      </p:sp>
+      <p:sp>
+        <p:nvSpPr>
+          <p:cNvPr id="14" name="오른쪽 중괄호[R] 13">
+            <a:extLst>
+              <a:ext uri="{FF2B5EF4-FFF2-40B4-BE49-F238E27FC236}">
+                <a16:creationId xmlns:a16="http://schemas.microsoft.com/office/drawing/2014/main" id="{39C0F858-B754-B14C-ADA8-D0E21F8F214E}"/>
+              </a:ext>
+            </a:extLst>
+          </p:cNvPr>
+          <p:cNvSpPr/>
+          <p:nvPr/>
+        </p:nvSpPr>
+        <p:spPr>
+          <a:xfrm>
+            <a:off x="4114948" y="3023682"/>
+            <a:ext cx="129671" cy="1110996"/>
+          </a:xfrm>
+          <a:prstGeom prst="rightBrace">
+            <a:avLst/>
+          </a:prstGeom>
+          <a:ln w="12700">
+            <a:solidFill>
+              <a:srgbClr val="FF7876"/>
+            </a:solidFill>
+          </a:ln>
+        </p:spPr>
+        <p:style>
+          <a:lnRef idx="1">
+            <a:schemeClr val="accent1"/>
+          </a:lnRef>
+          <a:fillRef idx="0">
+            <a:schemeClr val="accent1"/>
+          </a:fillRef>
+          <a:effectRef idx="0">
+            <a:schemeClr val="accent1"/>
+          </a:effectRef>
+          <a:fontRef idx="minor">
+            <a:schemeClr val="tx1"/>
+          </a:fontRef>
+        </p:style>
+        <p:txBody>
+          <a:bodyPr rtlCol="0" anchor="ctr"/>
+          <a:lstStyle/>
+          <a:p>
+            <a:pPr algn="ctr"/>
+            <a:endParaRPr kumimoji="1" lang="ko-Kore-KR" altLang="en-US"/>
+          </a:p>
+        </p:txBody>
+      </p:sp>
+      <p:cxnSp>
+        <p:nvCxnSpPr>
+          <p:cNvPr id="15" name="직선 화살표 연결선 14">
+            <a:extLst>
+              <a:ext uri="{FF2B5EF4-FFF2-40B4-BE49-F238E27FC236}">
+                <a16:creationId xmlns:a16="http://schemas.microsoft.com/office/drawing/2014/main" id="{592BF13A-31E1-2141-B7BE-D1EC9D912A34}"/>
+              </a:ext>
+            </a:extLst>
+          </p:cNvPr>
+          <p:cNvCxnSpPr>
+            <a:cxnSpLocks/>
+          </p:cNvCxnSpPr>
+          <p:nvPr/>
+        </p:nvCxnSpPr>
+        <p:spPr>
+          <a:xfrm flipV="1">
+            <a:off x="4228753" y="3576526"/>
+            <a:ext cx="1190061" cy="1"/>
+          </a:xfrm>
+          <a:prstGeom prst="straightConnector1">
+            <a:avLst/>
+          </a:prstGeom>
+          <a:ln w="12700">
+            <a:solidFill>
+              <a:srgbClr val="FF7876"/>
+            </a:solidFill>
+            <a:tailEnd type="triangle"/>
+          </a:ln>
+        </p:spPr>
+        <p:style>
+          <a:lnRef idx="1">
+            <a:schemeClr val="accent1"/>
+          </a:lnRef>
+          <a:fillRef idx="0">
+            <a:schemeClr val="accent1"/>
+          </a:fillRef>
+          <a:effectRef idx="0">
+            <a:schemeClr val="accent1"/>
+          </a:effectRef>
+          <a:fontRef idx="minor">
+            <a:schemeClr val="tx1"/>
+          </a:fontRef>
+        </p:style>
+      </p:cxnSp>
+      <p:sp>
+        <p:nvSpPr>
+          <p:cNvPr id="16" name="TextBox 15">
+            <a:extLst>
+              <a:ext uri="{FF2B5EF4-FFF2-40B4-BE49-F238E27FC236}">
+                <a16:creationId xmlns:a16="http://schemas.microsoft.com/office/drawing/2014/main" id="{81B4496B-9F90-CB4F-9E89-540CC3CD93EA}"/>
+              </a:ext>
+            </a:extLst>
+          </p:cNvPr>
+          <p:cNvSpPr txBox="1"/>
+          <p:nvPr/>
+        </p:nvSpPr>
+        <p:spPr>
+          <a:xfrm>
+            <a:off x="5399750" y="3154664"/>
+            <a:ext cx="6125027" cy="1107996"/>
+          </a:xfrm>
+          <a:prstGeom prst="rect">
+            <a:avLst/>
+          </a:prstGeom>
+          <a:noFill/>
+          <a:ln w="12700">
+            <a:noFill/>
+          </a:ln>
+        </p:spPr>
+        <p:txBody>
+          <a:bodyPr wrap="square" rtlCol="0">
+            <a:spAutoFit/>
+          </a:bodyPr>
+          <a:lstStyle/>
+          <a:p>
+            <a:r>
+              <a:rPr lang="ko-KR" altLang="en-US" sz="1100" dirty="0"/>
+              <a:t>옵션</a:t>
+            </a:r>
+            <a:r>
+              <a:rPr lang="en-US" altLang="ko-KR" sz="1100" dirty="0"/>
+              <a:t>(</a:t>
+            </a:r>
+            <a:r>
+              <a:rPr lang="ko-KR" altLang="en-US" sz="1100" dirty="0"/>
+              <a:t>메뉴</a:t>
+            </a:r>
+            <a:r>
+              <a:rPr lang="en-US" altLang="ko-KR" sz="1100" dirty="0"/>
+              <a:t>)</a:t>
+            </a:r>
+            <a:r>
+              <a:rPr lang="ko-KR" altLang="en-US" sz="1100" dirty="0" err="1"/>
+              <a:t>를</a:t>
+            </a:r>
+            <a:r>
+              <a:rPr lang="ko-KR" altLang="en-US" sz="1100" dirty="0"/>
+              <a:t> 출력하게 해줄 부분 입니다</a:t>
+            </a:r>
+            <a:r>
+              <a:rPr lang="en-US" altLang="ko-KR" sz="1100" dirty="0"/>
+              <a:t>.</a:t>
+            </a:r>
+          </a:p>
+          <a:p>
+            <a:r>
+              <a:rPr lang="ko-KR" altLang="en-US" sz="1100" dirty="0"/>
+              <a:t>메뉴를 순서대로 출력하기 위해 변수 </a:t>
+            </a:r>
+            <a:r>
+              <a:rPr lang="en-US" altLang="ko-KR" sz="1100" dirty="0"/>
+              <a:t>option</a:t>
+            </a:r>
+            <a:r>
+              <a:rPr lang="ko-KR" altLang="en-US" sz="1100" dirty="0"/>
+              <a:t>에 </a:t>
+            </a:r>
+            <a:r>
+              <a:rPr lang="en-US" altLang="ko-KR" sz="1100" dirty="0"/>
+              <a:t>1</a:t>
+            </a:r>
+            <a:r>
+              <a:rPr lang="ko-KR" altLang="en-US" sz="1100" dirty="0"/>
+              <a:t>을 저장하게 한 후</a:t>
+            </a:r>
+            <a:endParaRPr lang="en-US" altLang="ko-KR" sz="1100" dirty="0"/>
+          </a:p>
+          <a:p>
+            <a:r>
+              <a:rPr lang="ko-KR" altLang="en-US" sz="1100" dirty="0"/>
+              <a:t>아이템 메뉴에 해당하는 </a:t>
+            </a:r>
+            <a:r>
+              <a:rPr lang="en-US" altLang="ko-KR" sz="1100" dirty="0"/>
+              <a:t>item </a:t>
+            </a:r>
+            <a:r>
+              <a:rPr lang="ko-KR" altLang="en-US" sz="1100" dirty="0"/>
+              <a:t>리스트를 </a:t>
+            </a:r>
+            <a:r>
+              <a:rPr lang="en-US" altLang="ko-KR" sz="1100" dirty="0"/>
+              <a:t>for</a:t>
+            </a:r>
+            <a:r>
+              <a:rPr lang="ko-KR" altLang="en-US" sz="1100" dirty="0"/>
+              <a:t>문을 이용하여 </a:t>
+            </a:r>
+            <a:r>
+              <a:rPr lang="en-US" altLang="ko-KR" sz="1100" dirty="0"/>
+              <a:t>option</a:t>
+            </a:r>
+            <a:r>
+              <a:rPr lang="ko-KR" altLang="en-US" sz="1100" dirty="0"/>
+              <a:t>과 함께 출력한 후</a:t>
+            </a:r>
+            <a:endParaRPr lang="en-US" altLang="ko-KR" sz="1100" dirty="0"/>
+          </a:p>
+          <a:p>
+            <a:r>
+              <a:rPr lang="ko-KR" altLang="en-US" sz="1100" dirty="0"/>
+              <a:t>다시 </a:t>
+            </a:r>
+            <a:r>
+              <a:rPr lang="en-US" altLang="ko-KR" sz="1100" dirty="0"/>
+              <a:t>option</a:t>
+            </a:r>
+            <a:r>
+              <a:rPr lang="ko-KR" altLang="en-US" sz="1100" dirty="0"/>
+              <a:t>에 </a:t>
+            </a:r>
+            <a:r>
+              <a:rPr lang="en-US" altLang="ko-KR" sz="1100" dirty="0"/>
+              <a:t>1</a:t>
+            </a:r>
+            <a:r>
+              <a:rPr lang="ko-KR" altLang="en-US" sz="1100" dirty="0"/>
+              <a:t>씩 더해서 다음 리스트 순서에 맞게 출력하게 합니다</a:t>
+            </a:r>
+            <a:r>
+              <a:rPr lang="en-US" altLang="ko-KR" sz="1100" dirty="0"/>
+              <a:t>.</a:t>
+            </a:r>
+          </a:p>
+          <a:p>
+            <a:r>
+              <a:rPr lang="ko-KR" altLang="en-US" sz="1100" dirty="0"/>
+              <a:t>마지막으로 </a:t>
+            </a:r>
+            <a:r>
+              <a:rPr lang="ko-KR" altLang="en-US" sz="1100" dirty="0" err="1"/>
+              <a:t>종료메뉴와</a:t>
+            </a:r>
+            <a:r>
+              <a:rPr lang="ko-KR" altLang="en-US" sz="1100" dirty="0"/>
+              <a:t> 옵션을 출력해 준 후 사용자에게</a:t>
+            </a:r>
+            <a:endParaRPr lang="en-US" altLang="ko-KR" sz="1100" dirty="0"/>
+          </a:p>
+          <a:p>
+            <a:r>
+              <a:rPr lang="ko-KR" altLang="en-US" sz="1100" dirty="0"/>
+              <a:t>원하는 </a:t>
+            </a:r>
+            <a:r>
+              <a:rPr lang="ko-KR" altLang="en-US" sz="1100" dirty="0" err="1"/>
+              <a:t>메뉴값을</a:t>
+            </a:r>
+            <a:r>
+              <a:rPr lang="ko-KR" altLang="en-US" sz="1100" dirty="0"/>
+              <a:t> </a:t>
+            </a:r>
+            <a:r>
+              <a:rPr lang="ko-KR" altLang="en-US" sz="1100" dirty="0" err="1"/>
+              <a:t>입력받아</a:t>
+            </a:r>
+            <a:r>
+              <a:rPr lang="ko-KR" altLang="en-US" sz="1100" dirty="0"/>
+              <a:t> </a:t>
+            </a:r>
+            <a:r>
+              <a:rPr lang="en-US" altLang="ko-KR" sz="1100" dirty="0"/>
+              <a:t>choice</a:t>
+            </a:r>
+            <a:r>
+              <a:rPr lang="ko-KR" altLang="en-US" sz="1100" dirty="0"/>
+              <a:t>변수에 저장하게 합니다</a:t>
+            </a:r>
+            <a:r>
+              <a:rPr lang="en-US" altLang="ko-KR" sz="1100" dirty="0"/>
+              <a:t>.</a:t>
+            </a:r>
+          </a:p>
+        </p:txBody>
+      </p:sp>
+      <p:sp>
+        <p:nvSpPr>
+          <p:cNvPr id="18" name="오른쪽 중괄호[R] 17">
+            <a:extLst>
+              <a:ext uri="{FF2B5EF4-FFF2-40B4-BE49-F238E27FC236}">
+                <a16:creationId xmlns:a16="http://schemas.microsoft.com/office/drawing/2014/main" id="{3470AF02-17A7-0446-8424-962C06462B9D}"/>
+              </a:ext>
+            </a:extLst>
+          </p:cNvPr>
+          <p:cNvSpPr/>
+          <p:nvPr/>
+        </p:nvSpPr>
+        <p:spPr>
+          <a:xfrm>
+            <a:off x="5112688" y="4334115"/>
+            <a:ext cx="306125" cy="1107996"/>
+          </a:xfrm>
+          <a:prstGeom prst="rightBrace">
+            <a:avLst/>
+          </a:prstGeom>
+          <a:ln w="12700">
+            <a:solidFill>
+              <a:srgbClr val="FF7876"/>
+            </a:solidFill>
+          </a:ln>
+        </p:spPr>
+        <p:style>
+          <a:lnRef idx="1">
+            <a:schemeClr val="accent1"/>
+          </a:lnRef>
+          <a:fillRef idx="0">
+            <a:schemeClr val="accent1"/>
+          </a:fillRef>
+          <a:effectRef idx="0">
+            <a:schemeClr val="accent1"/>
+          </a:effectRef>
+          <a:fontRef idx="minor">
+            <a:schemeClr val="tx1"/>
+          </a:fontRef>
+        </p:style>
+        <p:txBody>
+          <a:bodyPr rtlCol="0" anchor="ctr"/>
+          <a:lstStyle/>
+          <a:p>
+            <a:pPr algn="ctr"/>
+            <a:endParaRPr kumimoji="1" lang="ko-Kore-KR" altLang="en-US"/>
+          </a:p>
+        </p:txBody>
+      </p:sp>
+      <p:cxnSp>
+        <p:nvCxnSpPr>
+          <p:cNvPr id="19" name="직선 화살표 연결선 18">
+            <a:extLst>
+              <a:ext uri="{FF2B5EF4-FFF2-40B4-BE49-F238E27FC236}">
+                <a16:creationId xmlns:a16="http://schemas.microsoft.com/office/drawing/2014/main" id="{7B03E9C2-78CA-E54C-95D9-349F5F113BA0}"/>
+              </a:ext>
+            </a:extLst>
+          </p:cNvPr>
+          <p:cNvCxnSpPr>
+            <a:cxnSpLocks/>
+          </p:cNvCxnSpPr>
+          <p:nvPr/>
+        </p:nvCxnSpPr>
+        <p:spPr>
+          <a:xfrm flipV="1">
+            <a:off x="5348423" y="4888112"/>
+            <a:ext cx="306125" cy="1"/>
+          </a:xfrm>
+          <a:prstGeom prst="straightConnector1">
+            <a:avLst/>
+          </a:prstGeom>
+          <a:ln w="12700">
+            <a:solidFill>
+              <a:srgbClr val="FF7876"/>
+            </a:solidFill>
+            <a:tailEnd type="triangle"/>
+          </a:ln>
+        </p:spPr>
+        <p:style>
+          <a:lnRef idx="1">
+            <a:schemeClr val="accent1"/>
+          </a:lnRef>
+          <a:fillRef idx="0">
+            <a:schemeClr val="accent1"/>
+          </a:fillRef>
+          <a:effectRef idx="0">
+            <a:schemeClr val="accent1"/>
+          </a:effectRef>
+          <a:fontRef idx="minor">
+            <a:schemeClr val="tx1"/>
+          </a:fontRef>
+        </p:style>
+      </p:cxnSp>
+      <p:sp>
+        <p:nvSpPr>
+          <p:cNvPr id="21" name="TextBox 20">
+            <a:extLst>
+              <a:ext uri="{FF2B5EF4-FFF2-40B4-BE49-F238E27FC236}">
+                <a16:creationId xmlns:a16="http://schemas.microsoft.com/office/drawing/2014/main" id="{60C62ACE-2E18-EB42-8B61-05820910695E}"/>
+              </a:ext>
+            </a:extLst>
+          </p:cNvPr>
+          <p:cNvSpPr txBox="1"/>
+          <p:nvPr/>
+        </p:nvSpPr>
+        <p:spPr>
+          <a:xfrm>
+            <a:off x="5717026" y="4459082"/>
+            <a:ext cx="6125027" cy="1446550"/>
+          </a:xfrm>
+          <a:prstGeom prst="rect">
+            <a:avLst/>
+          </a:prstGeom>
+          <a:noFill/>
+          <a:ln w="12700">
+            <a:noFill/>
+          </a:ln>
+        </p:spPr>
+        <p:txBody>
+          <a:bodyPr wrap="square" rtlCol="0">
+            <a:spAutoFit/>
+          </a:bodyPr>
+          <a:lstStyle/>
+          <a:p>
+            <a:r>
+              <a:rPr lang="en-US" altLang="ko-KR" sz="1100" dirty="0"/>
+              <a:t>if</a:t>
+            </a:r>
+            <a:r>
+              <a:rPr lang="ko-KR" altLang="en-US" sz="1100" dirty="0"/>
+              <a:t>분기를 통해 </a:t>
+            </a:r>
+            <a:r>
+              <a:rPr lang="ko-KR" altLang="en-US" sz="1100" dirty="0" err="1"/>
+              <a:t>종료메뉴의</a:t>
+            </a:r>
+            <a:r>
+              <a:rPr lang="ko-KR" altLang="en-US" sz="1100" dirty="0"/>
+              <a:t> 경우를 추리게 합니다</a:t>
+            </a:r>
+            <a:r>
+              <a:rPr lang="en-US" altLang="ko-KR" sz="1100" dirty="0"/>
+              <a:t>.</a:t>
+            </a:r>
+          </a:p>
+          <a:p>
+            <a:r>
+              <a:rPr lang="ko-KR" altLang="en-US" sz="1100" dirty="0"/>
+              <a:t>사용자가 선택한 </a:t>
+            </a:r>
+            <a:r>
+              <a:rPr lang="ko-KR" altLang="en-US" sz="1100" dirty="0" err="1"/>
+              <a:t>종료메뉴에</a:t>
+            </a:r>
+            <a:r>
+              <a:rPr lang="ko-KR" altLang="en-US" sz="1100" dirty="0"/>
+              <a:t> 해당하는 숫자가 마지막 </a:t>
+            </a:r>
+            <a:r>
+              <a:rPr lang="en-US" altLang="ko-KR" sz="1100" dirty="0"/>
+              <a:t>choice</a:t>
+            </a:r>
+            <a:r>
+              <a:rPr lang="ko-KR" altLang="en-US" sz="1100" dirty="0"/>
+              <a:t>변수와 일치한다면</a:t>
+            </a:r>
+            <a:endParaRPr lang="en-US" altLang="ko-KR" sz="1100" dirty="0"/>
+          </a:p>
+          <a:p>
+            <a:r>
+              <a:rPr lang="ko-KR" altLang="en-US" sz="1100" dirty="0"/>
+              <a:t>해당 </a:t>
+            </a:r>
+            <a:r>
+              <a:rPr lang="ko-KR" altLang="en-US" sz="1100" dirty="0" err="1"/>
+              <a:t>선택메뉴는</a:t>
+            </a:r>
+            <a:r>
+              <a:rPr lang="ko-KR" altLang="en-US" sz="1100" dirty="0"/>
+              <a:t> </a:t>
+            </a:r>
+            <a:r>
+              <a:rPr lang="ko-KR" altLang="en-US" sz="1100" dirty="0" err="1"/>
+              <a:t>종료메뉴가</a:t>
+            </a:r>
+            <a:r>
+              <a:rPr lang="ko-KR" altLang="en-US" sz="1100" dirty="0"/>
+              <a:t> 맞으므로 </a:t>
+            </a:r>
+            <a:r>
+              <a:rPr lang="en-US" altLang="ko-KR" sz="1100" dirty="0"/>
+              <a:t>running</a:t>
+            </a:r>
+            <a:r>
+              <a:rPr lang="ko-KR" altLang="en-US" sz="1100" dirty="0"/>
+              <a:t>을 </a:t>
+            </a:r>
+            <a:r>
+              <a:rPr lang="en-US" altLang="ko-KR" sz="1100" dirty="0"/>
+              <a:t>False</a:t>
+            </a:r>
+            <a:r>
+              <a:rPr lang="ko-KR" altLang="en-US" sz="1100" dirty="0"/>
+              <a:t>로 변경하여</a:t>
+            </a:r>
+            <a:endParaRPr lang="en-US" altLang="ko-KR" sz="1100" dirty="0"/>
+          </a:p>
+          <a:p>
+            <a:r>
+              <a:rPr lang="en-US" altLang="ko-KR" sz="1100" dirty="0"/>
+              <a:t>while</a:t>
+            </a:r>
+            <a:r>
+              <a:rPr lang="ko-KR" altLang="en-US" sz="1100" dirty="0"/>
+              <a:t>문을 벗어나도록 하게 합니다</a:t>
+            </a:r>
+            <a:r>
+              <a:rPr lang="en-US" altLang="ko-KR" sz="1100" dirty="0"/>
+              <a:t>.</a:t>
+            </a:r>
+          </a:p>
+          <a:p>
+            <a:r>
+              <a:rPr lang="ko-KR" altLang="en-US" sz="1100" dirty="0"/>
+              <a:t>이외의 경우 모두 </a:t>
+            </a:r>
+            <a:r>
+              <a:rPr lang="ko-KR" altLang="en-US" sz="1100" dirty="0" err="1"/>
+              <a:t>종료메뉴를</a:t>
+            </a:r>
+            <a:r>
+              <a:rPr lang="ko-KR" altLang="en-US" sz="1100" dirty="0"/>
+              <a:t> 제외한 메뉴를 </a:t>
+            </a:r>
+            <a:r>
+              <a:rPr lang="ko-KR" altLang="en-US" sz="1100" dirty="0" err="1"/>
+              <a:t>선택한것이</a:t>
+            </a:r>
+            <a:r>
+              <a:rPr lang="ko-KR" altLang="en-US" sz="1100" dirty="0"/>
+              <a:t> 됩니다</a:t>
+            </a:r>
+            <a:r>
+              <a:rPr lang="en-US" altLang="ko-KR" sz="1100" dirty="0"/>
+              <a:t>.</a:t>
+            </a:r>
+          </a:p>
+          <a:p>
+            <a:r>
+              <a:rPr lang="en-US" altLang="ko-KR" sz="1100" dirty="0"/>
+              <a:t>else</a:t>
+            </a:r>
+            <a:r>
+              <a:rPr lang="ko-KR" altLang="en-US" sz="1100" dirty="0"/>
+              <a:t>문에서 </a:t>
+            </a:r>
+            <a:r>
+              <a:rPr lang="en-US" altLang="ko-KR" sz="1100" dirty="0"/>
+              <a:t>card</a:t>
+            </a:r>
+            <a:r>
+              <a:rPr lang="ko-KR" altLang="en-US" sz="1100" dirty="0"/>
+              <a:t>변수에 카드번호를 </a:t>
+            </a:r>
+            <a:r>
+              <a:rPr lang="ko-KR" altLang="en-US" sz="1100" dirty="0" err="1"/>
+              <a:t>입력받게</a:t>
+            </a:r>
+            <a:r>
+              <a:rPr lang="ko-KR" altLang="en-US" sz="1100" dirty="0"/>
+              <a:t> 한 후</a:t>
+            </a:r>
+            <a:endParaRPr lang="en-US" altLang="ko-KR" sz="1100" dirty="0"/>
+          </a:p>
+          <a:p>
+            <a:r>
+              <a:rPr lang="en-US" altLang="ko-KR" sz="1100" dirty="0"/>
+              <a:t>trans</a:t>
+            </a:r>
+            <a:r>
+              <a:rPr lang="ko-KR" altLang="en-US" sz="1100" dirty="0"/>
+              <a:t>라는 </a:t>
+            </a:r>
+            <a:r>
+              <a:rPr lang="en-US" altLang="ko-KR" sz="1100" dirty="0"/>
+              <a:t>Transactions</a:t>
+            </a:r>
+            <a:r>
+              <a:rPr lang="ko-KR" altLang="en-US" sz="1100" dirty="0"/>
+              <a:t> 인스턴스를 생성하고</a:t>
+            </a:r>
+            <a:endParaRPr lang="en-US" altLang="ko-KR" sz="1100" dirty="0"/>
+          </a:p>
+          <a:p>
+            <a:r>
+              <a:rPr lang="ko-KR" altLang="en-US" sz="1100" dirty="0"/>
+              <a:t>앞서 선택했던 정보들을 </a:t>
+            </a:r>
+            <a:r>
+              <a:rPr lang="en-US" altLang="ko-KR" sz="1100" dirty="0"/>
+              <a:t>trans</a:t>
+            </a:r>
+            <a:r>
+              <a:rPr lang="ko-KR" altLang="en-US" sz="1100" dirty="0"/>
+              <a:t>의 </a:t>
+            </a:r>
+            <a:r>
+              <a:rPr lang="en-US" altLang="ko-KR" sz="1100" dirty="0"/>
+              <a:t>save</a:t>
+            </a:r>
+            <a:r>
+              <a:rPr lang="ko-KR" altLang="en-US" sz="1100" dirty="0"/>
+              <a:t> 메서드함수를 이용하여 파일에 저장하게 합니다</a:t>
+            </a:r>
+            <a:r>
+              <a:rPr lang="en-US" altLang="ko-KR" sz="1100" dirty="0"/>
+              <a:t>.</a:t>
+            </a:r>
+          </a:p>
+        </p:txBody>
+      </p:sp>
+      <p:cxnSp>
+        <p:nvCxnSpPr>
+          <p:cNvPr id="20" name="직선 화살표 연결선 19">
+            <a:extLst>
+              <a:ext uri="{FF2B5EF4-FFF2-40B4-BE49-F238E27FC236}">
+                <a16:creationId xmlns:a16="http://schemas.microsoft.com/office/drawing/2014/main" id="{F91FCF35-6A6F-A344-BCF1-1CD846CA4D31}"/>
+              </a:ext>
+            </a:extLst>
+          </p:cNvPr>
+          <p:cNvCxnSpPr>
+            <a:cxnSpLocks/>
+          </p:cNvCxnSpPr>
+          <p:nvPr/>
+        </p:nvCxnSpPr>
+        <p:spPr>
+          <a:xfrm flipV="1">
+            <a:off x="1437583" y="2840251"/>
+            <a:ext cx="3981231" cy="1"/>
+          </a:xfrm>
+          <a:prstGeom prst="straightConnector1">
+            <a:avLst/>
+          </a:prstGeom>
+          <a:ln w="12700">
+            <a:solidFill>
+              <a:srgbClr val="FF7876"/>
+            </a:solidFill>
+            <a:tailEnd type="triangle"/>
+          </a:ln>
+        </p:spPr>
+        <p:style>
+          <a:lnRef idx="1">
+            <a:schemeClr val="accent1"/>
+          </a:lnRef>
+          <a:fillRef idx="0">
+            <a:schemeClr val="accent1"/>
+          </a:fillRef>
+          <a:effectRef idx="0">
+            <a:schemeClr val="accent1"/>
+          </a:effectRef>
+          <a:fontRef idx="minor">
+            <a:schemeClr val="tx1"/>
+          </a:fontRef>
+        </p:style>
+      </p:cxnSp>
+      <p:sp>
+        <p:nvSpPr>
+          <p:cNvPr id="23" name="TextBox 22">
+            <a:extLst>
+              <a:ext uri="{FF2B5EF4-FFF2-40B4-BE49-F238E27FC236}">
+                <a16:creationId xmlns:a16="http://schemas.microsoft.com/office/drawing/2014/main" id="{B8D73C91-F711-AA41-88E9-D7F6830F35BC}"/>
+              </a:ext>
+            </a:extLst>
+          </p:cNvPr>
+          <p:cNvSpPr txBox="1"/>
+          <p:nvPr/>
+        </p:nvSpPr>
+        <p:spPr>
+          <a:xfrm>
+            <a:off x="5410901" y="2714752"/>
+            <a:ext cx="6125027" cy="261610"/>
+          </a:xfrm>
+          <a:prstGeom prst="rect">
+            <a:avLst/>
+          </a:prstGeom>
+          <a:noFill/>
+          <a:ln w="12700">
+            <a:noFill/>
+          </a:ln>
+        </p:spPr>
+        <p:txBody>
+          <a:bodyPr wrap="square" rtlCol="0">
+            <a:spAutoFit/>
+          </a:bodyPr>
+          <a:lstStyle/>
+          <a:p>
+            <a:r>
+              <a:rPr lang="en-US" altLang="ko-KR" sz="1100" dirty="0"/>
+              <a:t>running</a:t>
+            </a:r>
+            <a:r>
+              <a:rPr lang="ko-KR" altLang="en-US" sz="1100" dirty="0"/>
+              <a:t>의 상태를 기준으로 루프를 실행하는 </a:t>
+            </a:r>
+            <a:r>
+              <a:rPr lang="en-US" altLang="ko-KR" sz="1100" dirty="0"/>
+              <a:t>while</a:t>
+            </a:r>
+            <a:r>
+              <a:rPr lang="ko-KR" altLang="en-US" sz="1100" dirty="0"/>
+              <a:t>문 입니다</a:t>
+            </a:r>
+            <a:r>
+              <a:rPr lang="en-US" altLang="ko-KR" sz="1100" dirty="0"/>
+              <a:t>.</a:t>
+            </a:r>
+          </a:p>
+        </p:txBody>
+      </p:sp>
+    </p:spTree>
+    <p:extLst>
+      <p:ext uri="{BB962C8B-B14F-4D97-AF65-F5344CB8AC3E}">
+        <p14:creationId xmlns:p14="http://schemas.microsoft.com/office/powerpoint/2010/main" val="1529008566"/>
       </p:ext>
     </p:extLst>
   </p:cSld>

--- a/1장/20164091-송희령-7주차 과제1.pptx
+++ b/1장/20164091-송희령-7주차 과제1.pptx
@@ -14,7 +14,11 @@
     <p:sldId id="355" r:id="rId8"/>
     <p:sldId id="357" r:id="rId9"/>
     <p:sldId id="358" r:id="rId10"/>
-    <p:sldId id="258" r:id="rId11"/>
+    <p:sldId id="359" r:id="rId11"/>
+    <p:sldId id="360" r:id="rId12"/>
+    <p:sldId id="362" r:id="rId13"/>
+    <p:sldId id="361" r:id="rId14"/>
+    <p:sldId id="258" r:id="rId15"/>
   </p:sldIdLst>
   <p:sldSz cx="12192000" cy="6858000"/>
   <p:notesSz cx="6858000" cy="9144000"/>
@@ -275,7 +279,7 @@
                 </a:solidFill>
               </a:rPr>
               <a:pPr/>
-              <a:t>2021. 9. 4.</a:t>
+              <a:t>2021. 9. 6.</a:t>
             </a:fld>
             <a:endParaRPr lang="ko-KR" altLang="en-US">
               <a:solidFill>
@@ -505,7 +509,7 @@
                 </a:solidFill>
               </a:rPr>
               <a:pPr/>
-              <a:t>2021. 9. 4.</a:t>
+              <a:t>2021. 9. 6.</a:t>
             </a:fld>
             <a:endParaRPr lang="ko-KR" altLang="en-US">
               <a:solidFill>
@@ -745,7 +749,7 @@
                 </a:solidFill>
               </a:rPr>
               <a:pPr/>
-              <a:t>2021. 9. 4.</a:t>
+              <a:t>2021. 9. 6.</a:t>
             </a:fld>
             <a:endParaRPr lang="ko-KR" altLang="en-US">
               <a:solidFill>
@@ -975,7 +979,7 @@
                 </a:solidFill>
               </a:rPr>
               <a:pPr/>
-              <a:t>2021. 9. 4.</a:t>
+              <a:t>2021. 9. 6.</a:t>
             </a:fld>
             <a:endParaRPr lang="ko-KR" altLang="en-US">
               <a:solidFill>
@@ -1282,7 +1286,7 @@
                 </a:solidFill>
               </a:rPr>
               <a:pPr/>
-              <a:t>2021. 9. 4.</a:t>
+              <a:t>2021. 9. 6.</a:t>
             </a:fld>
             <a:endParaRPr lang="ko-KR" altLang="en-US">
               <a:solidFill>
@@ -1579,7 +1583,7 @@
                 </a:solidFill>
               </a:rPr>
               <a:pPr/>
-              <a:t>2021. 9. 4.</a:t>
+              <a:t>2021. 9. 6.</a:t>
             </a:fld>
             <a:endParaRPr lang="ko-KR" altLang="en-US">
               <a:solidFill>
@@ -2023,7 +2027,7 @@
                 </a:solidFill>
               </a:rPr>
               <a:pPr/>
-              <a:t>2021. 9. 4.</a:t>
+              <a:t>2021. 9. 6.</a:t>
             </a:fld>
             <a:endParaRPr lang="ko-KR" altLang="en-US">
               <a:solidFill>
@@ -2196,7 +2200,7 @@
                 </a:solidFill>
               </a:rPr>
               <a:pPr/>
-              <a:t>2021. 9. 4.</a:t>
+              <a:t>2021. 9. 6.</a:t>
             </a:fld>
             <a:endParaRPr lang="ko-KR" altLang="en-US">
               <a:solidFill>
@@ -2341,7 +2345,7 @@
                 </a:solidFill>
               </a:rPr>
               <a:pPr/>
-              <a:t>2021. 9. 4.</a:t>
+              <a:t>2021. 9. 6.</a:t>
             </a:fld>
             <a:endParaRPr lang="ko-KR" altLang="en-US">
               <a:solidFill>
@@ -2684,7 +2688,7 @@
                 </a:solidFill>
               </a:rPr>
               <a:pPr/>
-              <a:t>2021. 9. 4.</a:t>
+              <a:t>2021. 9. 6.</a:t>
             </a:fld>
             <a:endParaRPr lang="ko-KR" altLang="en-US">
               <a:solidFill>
@@ -3004,7 +3008,7 @@
                 </a:solidFill>
               </a:rPr>
               <a:pPr/>
-              <a:t>2021. 9. 4.</a:t>
+              <a:t>2021. 9. 6.</a:t>
             </a:fld>
             <a:endParaRPr lang="ko-KR" altLang="en-US">
               <a:solidFill>
@@ -3277,7 +3281,7 @@
                 </a:solidFill>
               </a:rPr>
               <a:pPr/>
-              <a:t>2021. 9. 4.</a:t>
+              <a:t>2021. 9. 6.</a:t>
             </a:fld>
             <a:endParaRPr lang="ko-KR" altLang="en-US">
               <a:solidFill>
@@ -4144,6 +4148,2331 @@
           <a:chExt cx="0" cy="0"/>
         </a:xfrm>
       </p:grpSpPr>
+      <p:pic>
+        <p:nvPicPr>
+          <p:cNvPr id="3" name="그림 2">
+            <a:extLst>
+              <a:ext uri="{FF2B5EF4-FFF2-40B4-BE49-F238E27FC236}">
+                <a16:creationId xmlns:a16="http://schemas.microsoft.com/office/drawing/2014/main" id="{F914483F-636C-AF43-ABF5-E0FAABB962D4}"/>
+              </a:ext>
+            </a:extLst>
+          </p:cNvPr>
+          <p:cNvPicPr>
+            <a:picLocks noChangeAspect="1"/>
+          </p:cNvPicPr>
+          <p:nvPr/>
+        </p:nvPicPr>
+        <p:blipFill>
+          <a:blip r:embed="rId2"/>
+          <a:stretch>
+            <a:fillRect/>
+          </a:stretch>
+        </p:blipFill>
+        <p:spPr>
+          <a:xfrm>
+            <a:off x="5009323" y="1862654"/>
+            <a:ext cx="4597400" cy="1079500"/>
+          </a:xfrm>
+          <a:prstGeom prst="rect">
+            <a:avLst/>
+          </a:prstGeom>
+        </p:spPr>
+      </p:pic>
+      <p:pic>
+        <p:nvPicPr>
+          <p:cNvPr id="2" name="그림 1">
+            <a:extLst>
+              <a:ext uri="{FF2B5EF4-FFF2-40B4-BE49-F238E27FC236}">
+                <a16:creationId xmlns:a16="http://schemas.microsoft.com/office/drawing/2014/main" id="{E2F3D5AE-4F25-5F47-A2B8-FEA0E5ABD40A}"/>
+              </a:ext>
+            </a:extLst>
+          </p:cNvPr>
+          <p:cNvPicPr>
+            <a:picLocks noChangeAspect="1"/>
+          </p:cNvPicPr>
+          <p:nvPr/>
+        </p:nvPicPr>
+        <p:blipFill>
+          <a:blip r:embed="rId3"/>
+          <a:stretch>
+            <a:fillRect/>
+          </a:stretch>
+        </p:blipFill>
+        <p:spPr>
+          <a:xfrm>
+            <a:off x="1082906" y="1855660"/>
+            <a:ext cx="2911431" cy="3395089"/>
+          </a:xfrm>
+          <a:prstGeom prst="rect">
+            <a:avLst/>
+          </a:prstGeom>
+        </p:spPr>
+      </p:pic>
+      <p:sp>
+        <p:nvSpPr>
+          <p:cNvPr id="37" name="직사각형 36">
+            <a:extLst>
+              <a:ext uri="{FF2B5EF4-FFF2-40B4-BE49-F238E27FC236}">
+                <a16:creationId xmlns:a16="http://schemas.microsoft.com/office/drawing/2014/main" id="{3F15C60C-17FE-422D-AFCF-73C75A021362}"/>
+              </a:ext>
+            </a:extLst>
+          </p:cNvPr>
+          <p:cNvSpPr/>
+          <p:nvPr/>
+        </p:nvSpPr>
+        <p:spPr>
+          <a:xfrm>
+            <a:off x="3697172" y="332194"/>
+            <a:ext cx="4713765" cy="735842"/>
+          </a:xfrm>
+          <a:prstGeom prst="rect">
+            <a:avLst/>
+          </a:prstGeom>
+        </p:spPr>
+        <p:txBody>
+          <a:bodyPr wrap="square">
+            <a:spAutoFit/>
+          </a:bodyPr>
+          <a:lstStyle/>
+          <a:p>
+            <a:pPr algn="ctr" latinLnBrk="0">
+              <a:lnSpc>
+                <a:spcPct val="150000"/>
+              </a:lnSpc>
+              <a:defRPr/>
+            </a:pPr>
+            <a:r>
+              <a:rPr lang="en-US" altLang="ko-KR" sz="3200" b="1" i="1" kern="0" dirty="0">
+                <a:solidFill>
+                  <a:srgbClr val="FF7876"/>
+                </a:solidFill>
+              </a:rPr>
+              <a:t>ex3</a:t>
+            </a:r>
+          </a:p>
+        </p:txBody>
+      </p:sp>
+      <p:cxnSp>
+        <p:nvCxnSpPr>
+          <p:cNvPr id="38" name="직선 연결선 37">
+            <a:extLst>
+              <a:ext uri="{FF2B5EF4-FFF2-40B4-BE49-F238E27FC236}">
+                <a16:creationId xmlns:a16="http://schemas.microsoft.com/office/drawing/2014/main" id="{940134F4-F272-426A-B50B-8075427DF501}"/>
+              </a:ext>
+            </a:extLst>
+          </p:cNvPr>
+          <p:cNvCxnSpPr>
+            <a:cxnSpLocks/>
+          </p:cNvCxnSpPr>
+          <p:nvPr/>
+        </p:nvCxnSpPr>
+        <p:spPr>
+          <a:xfrm flipV="1">
+            <a:off x="843148" y="847712"/>
+            <a:ext cx="4769087" cy="1"/>
+          </a:xfrm>
+          <a:prstGeom prst="line">
+            <a:avLst/>
+          </a:prstGeom>
+          <a:ln w="6350">
+            <a:solidFill>
+              <a:srgbClr val="FF7876"/>
+            </a:solidFill>
+            <a:prstDash val="sysDash"/>
+            <a:tailEnd type="oval"/>
+          </a:ln>
+        </p:spPr>
+        <p:style>
+          <a:lnRef idx="1">
+            <a:schemeClr val="accent1"/>
+          </a:lnRef>
+          <a:fillRef idx="0">
+            <a:schemeClr val="accent1"/>
+          </a:fillRef>
+          <a:effectRef idx="0">
+            <a:schemeClr val="accent1"/>
+          </a:effectRef>
+          <a:fontRef idx="minor">
+            <a:schemeClr val="tx1"/>
+          </a:fontRef>
+        </p:style>
+      </p:cxnSp>
+      <p:cxnSp>
+        <p:nvCxnSpPr>
+          <p:cNvPr id="39" name="직선 연결선 38">
+            <a:extLst>
+              <a:ext uri="{FF2B5EF4-FFF2-40B4-BE49-F238E27FC236}">
+                <a16:creationId xmlns:a16="http://schemas.microsoft.com/office/drawing/2014/main" id="{55EBD739-0979-4546-8E6B-9CA8052FC540}"/>
+              </a:ext>
+            </a:extLst>
+          </p:cNvPr>
+          <p:cNvCxnSpPr>
+            <a:cxnSpLocks/>
+          </p:cNvCxnSpPr>
+          <p:nvPr/>
+        </p:nvCxnSpPr>
+        <p:spPr>
+          <a:xfrm flipH="1">
+            <a:off x="6579767" y="847712"/>
+            <a:ext cx="4692810" cy="0"/>
+          </a:xfrm>
+          <a:prstGeom prst="line">
+            <a:avLst/>
+          </a:prstGeom>
+          <a:ln w="6350">
+            <a:solidFill>
+              <a:srgbClr val="FF7876"/>
+            </a:solidFill>
+            <a:prstDash val="sysDash"/>
+            <a:tailEnd type="oval"/>
+          </a:ln>
+        </p:spPr>
+        <p:style>
+          <a:lnRef idx="1">
+            <a:schemeClr val="accent1"/>
+          </a:lnRef>
+          <a:fillRef idx="0">
+            <a:schemeClr val="accent1"/>
+          </a:fillRef>
+          <a:effectRef idx="0">
+            <a:schemeClr val="accent1"/>
+          </a:effectRef>
+          <a:fontRef idx="minor">
+            <a:schemeClr val="tx1"/>
+          </a:fontRef>
+        </p:style>
+      </p:cxnSp>
+      <p:sp>
+        <p:nvSpPr>
+          <p:cNvPr id="8" name="TextBox 7">
+            <a:extLst>
+              <a:ext uri="{FF2B5EF4-FFF2-40B4-BE49-F238E27FC236}">
+                <a16:creationId xmlns:a16="http://schemas.microsoft.com/office/drawing/2014/main" id="{C18154B9-4F65-4277-8C17-63D9702FC25F}"/>
+              </a:ext>
+            </a:extLst>
+          </p:cNvPr>
+          <p:cNvSpPr txBox="1"/>
+          <p:nvPr/>
+        </p:nvSpPr>
+        <p:spPr>
+          <a:xfrm>
+            <a:off x="765146" y="963122"/>
+            <a:ext cx="10507430" cy="261610"/>
+          </a:xfrm>
+          <a:prstGeom prst="rect">
+            <a:avLst/>
+          </a:prstGeom>
+          <a:noFill/>
+        </p:spPr>
+        <p:txBody>
+          <a:bodyPr wrap="square" rtlCol="0">
+            <a:spAutoFit/>
+          </a:bodyPr>
+          <a:lstStyle/>
+          <a:p>
+            <a:pPr algn="ctr"/>
+            <a:r>
+              <a:rPr lang="ko-KR" altLang="en-US" sz="1100" i="1" dirty="0">
+                <a:solidFill>
+                  <a:srgbClr val="FF7876"/>
+                </a:solidFill>
+              </a:rPr>
+              <a:t>예제 </a:t>
+            </a:r>
+            <a:r>
+              <a:rPr lang="en-US" altLang="ko-KR" sz="1100" i="1" dirty="0">
+                <a:solidFill>
+                  <a:srgbClr val="FF7876"/>
+                </a:solidFill>
+              </a:rPr>
+              <a:t>3</a:t>
+            </a:r>
+            <a:r>
+              <a:rPr lang="ko-KR" altLang="en-US" sz="1100" i="1" dirty="0">
+                <a:solidFill>
+                  <a:srgbClr val="FF7876"/>
+                </a:solidFill>
+              </a:rPr>
+              <a:t> 분석</a:t>
+            </a:r>
+            <a:endParaRPr lang="en-US" altLang="ko-KR" sz="1100" i="1" dirty="0">
+              <a:solidFill>
+                <a:srgbClr val="FF7876"/>
+              </a:solidFill>
+            </a:endParaRPr>
+          </a:p>
+        </p:txBody>
+      </p:sp>
+      <p:sp>
+        <p:nvSpPr>
+          <p:cNvPr id="18" name="오른쪽 중괄호[R] 17">
+            <a:extLst>
+              <a:ext uri="{FF2B5EF4-FFF2-40B4-BE49-F238E27FC236}">
+                <a16:creationId xmlns:a16="http://schemas.microsoft.com/office/drawing/2014/main" id="{3470AF02-17A7-0446-8424-962C06462B9D}"/>
+              </a:ext>
+            </a:extLst>
+          </p:cNvPr>
+          <p:cNvSpPr/>
+          <p:nvPr/>
+        </p:nvSpPr>
+        <p:spPr>
+          <a:xfrm>
+            <a:off x="3840480" y="2052090"/>
+            <a:ext cx="241918" cy="1079500"/>
+          </a:xfrm>
+          <a:prstGeom prst="rightBrace">
+            <a:avLst/>
+          </a:prstGeom>
+          <a:ln w="12700">
+            <a:solidFill>
+              <a:srgbClr val="FF7876"/>
+            </a:solidFill>
+          </a:ln>
+        </p:spPr>
+        <p:style>
+          <a:lnRef idx="1">
+            <a:schemeClr val="accent1"/>
+          </a:lnRef>
+          <a:fillRef idx="0">
+            <a:schemeClr val="accent1"/>
+          </a:fillRef>
+          <a:effectRef idx="0">
+            <a:schemeClr val="accent1"/>
+          </a:effectRef>
+          <a:fontRef idx="minor">
+            <a:schemeClr val="tx1"/>
+          </a:fontRef>
+        </p:style>
+        <p:txBody>
+          <a:bodyPr rtlCol="0" anchor="ctr"/>
+          <a:lstStyle/>
+          <a:p>
+            <a:pPr algn="ctr"/>
+            <a:endParaRPr kumimoji="1" lang="ko-Kore-KR" altLang="en-US"/>
+          </a:p>
+        </p:txBody>
+      </p:sp>
+      <p:cxnSp>
+        <p:nvCxnSpPr>
+          <p:cNvPr id="19" name="직선 화살표 연결선 18">
+            <a:extLst>
+              <a:ext uri="{FF2B5EF4-FFF2-40B4-BE49-F238E27FC236}">
+                <a16:creationId xmlns:a16="http://schemas.microsoft.com/office/drawing/2014/main" id="{7B03E9C2-78CA-E54C-95D9-349F5F113BA0}"/>
+              </a:ext>
+            </a:extLst>
+          </p:cNvPr>
+          <p:cNvCxnSpPr>
+            <a:cxnSpLocks/>
+            <a:stCxn id="18" idx="1"/>
+          </p:cNvCxnSpPr>
+          <p:nvPr/>
+        </p:nvCxnSpPr>
+        <p:spPr>
+          <a:xfrm flipV="1">
+            <a:off x="4082398" y="2313832"/>
+            <a:ext cx="1183352" cy="278008"/>
+          </a:xfrm>
+          <a:prstGeom prst="straightConnector1">
+            <a:avLst/>
+          </a:prstGeom>
+          <a:ln w="12700">
+            <a:solidFill>
+              <a:srgbClr val="FF7876"/>
+            </a:solidFill>
+            <a:tailEnd type="triangle"/>
+          </a:ln>
+        </p:spPr>
+        <p:style>
+          <a:lnRef idx="1">
+            <a:schemeClr val="accent1"/>
+          </a:lnRef>
+          <a:fillRef idx="0">
+            <a:schemeClr val="accent1"/>
+          </a:fillRef>
+          <a:effectRef idx="0">
+            <a:schemeClr val="accent1"/>
+          </a:effectRef>
+          <a:fontRef idx="minor">
+            <a:schemeClr val="tx1"/>
+          </a:fontRef>
+        </p:style>
+      </p:cxnSp>
+      <p:sp>
+        <p:nvSpPr>
+          <p:cNvPr id="24" name="오른쪽 중괄호[R] 23">
+            <a:extLst>
+              <a:ext uri="{FF2B5EF4-FFF2-40B4-BE49-F238E27FC236}">
+                <a16:creationId xmlns:a16="http://schemas.microsoft.com/office/drawing/2014/main" id="{A274B913-7FD4-AA46-BE64-FD26E468ABEF}"/>
+              </a:ext>
+            </a:extLst>
+          </p:cNvPr>
+          <p:cNvSpPr/>
+          <p:nvPr/>
+        </p:nvSpPr>
+        <p:spPr>
+          <a:xfrm>
+            <a:off x="3840480" y="3186661"/>
+            <a:ext cx="241918" cy="1079500"/>
+          </a:xfrm>
+          <a:prstGeom prst="rightBrace">
+            <a:avLst/>
+          </a:prstGeom>
+          <a:ln w="12700">
+            <a:solidFill>
+              <a:srgbClr val="FF7876"/>
+            </a:solidFill>
+          </a:ln>
+        </p:spPr>
+        <p:style>
+          <a:lnRef idx="1">
+            <a:schemeClr val="accent1"/>
+          </a:lnRef>
+          <a:fillRef idx="0">
+            <a:schemeClr val="accent1"/>
+          </a:fillRef>
+          <a:effectRef idx="0">
+            <a:schemeClr val="accent1"/>
+          </a:effectRef>
+          <a:fontRef idx="minor">
+            <a:schemeClr val="tx1"/>
+          </a:fontRef>
+        </p:style>
+        <p:txBody>
+          <a:bodyPr rtlCol="0" anchor="ctr"/>
+          <a:lstStyle/>
+          <a:p>
+            <a:pPr algn="ctr"/>
+            <a:endParaRPr kumimoji="1" lang="ko-Kore-KR" altLang="en-US"/>
+          </a:p>
+        </p:txBody>
+      </p:sp>
+      <p:cxnSp>
+        <p:nvCxnSpPr>
+          <p:cNvPr id="25" name="직선 화살표 연결선 24">
+            <a:extLst>
+              <a:ext uri="{FF2B5EF4-FFF2-40B4-BE49-F238E27FC236}">
+                <a16:creationId xmlns:a16="http://schemas.microsoft.com/office/drawing/2014/main" id="{542E348F-8251-CF4B-9A55-1609F2419635}"/>
+              </a:ext>
+            </a:extLst>
+          </p:cNvPr>
+          <p:cNvCxnSpPr>
+            <a:cxnSpLocks/>
+          </p:cNvCxnSpPr>
+          <p:nvPr/>
+        </p:nvCxnSpPr>
+        <p:spPr>
+          <a:xfrm flipV="1">
+            <a:off x="4082398" y="2646911"/>
+            <a:ext cx="1183352" cy="1079500"/>
+          </a:xfrm>
+          <a:prstGeom prst="straightConnector1">
+            <a:avLst/>
+          </a:prstGeom>
+          <a:ln w="12700">
+            <a:solidFill>
+              <a:srgbClr val="FF7876"/>
+            </a:solidFill>
+            <a:tailEnd type="triangle"/>
+          </a:ln>
+        </p:spPr>
+        <p:style>
+          <a:lnRef idx="1">
+            <a:schemeClr val="accent1"/>
+          </a:lnRef>
+          <a:fillRef idx="0">
+            <a:schemeClr val="accent1"/>
+          </a:fillRef>
+          <a:effectRef idx="0">
+            <a:schemeClr val="accent1"/>
+          </a:effectRef>
+          <a:fontRef idx="minor">
+            <a:schemeClr val="tx1"/>
+          </a:fontRef>
+        </p:style>
+      </p:cxnSp>
+      <p:sp>
+        <p:nvSpPr>
+          <p:cNvPr id="29" name="TextBox 28">
+            <a:extLst>
+              <a:ext uri="{FF2B5EF4-FFF2-40B4-BE49-F238E27FC236}">
+                <a16:creationId xmlns:a16="http://schemas.microsoft.com/office/drawing/2014/main" id="{E3EE4462-0DA3-3E4F-824A-75CB5562CE34}"/>
+              </a:ext>
+            </a:extLst>
+          </p:cNvPr>
+          <p:cNvSpPr txBox="1"/>
+          <p:nvPr/>
+        </p:nvSpPr>
+        <p:spPr>
+          <a:xfrm>
+            <a:off x="4377256" y="3915847"/>
+            <a:ext cx="6125027" cy="769441"/>
+          </a:xfrm>
+          <a:prstGeom prst="rect">
+            <a:avLst/>
+          </a:prstGeom>
+          <a:noFill/>
+          <a:ln w="12700">
+            <a:solidFill>
+              <a:srgbClr val="FF7876"/>
+            </a:solidFill>
+          </a:ln>
+        </p:spPr>
+        <p:txBody>
+          <a:bodyPr wrap="square" rtlCol="0">
+            <a:spAutoFit/>
+          </a:bodyPr>
+          <a:lstStyle/>
+          <a:p>
+            <a:pPr algn="ctr"/>
+            <a:r>
+              <a:rPr lang="ko-KR" altLang="en-US" sz="1100" dirty="0"/>
+              <a:t>사용자가 선택했던 방향으로</a:t>
+            </a:r>
+            <a:endParaRPr lang="en-US" altLang="ko-KR" sz="1100" dirty="0"/>
+          </a:p>
+          <a:p>
+            <a:pPr algn="ctr"/>
+            <a:r>
+              <a:rPr lang="en-US" altLang="ko-KR" sz="1100" dirty="0" err="1"/>
+              <a:t>transaction.txt</a:t>
+            </a:r>
+            <a:r>
+              <a:rPr lang="ko-KR" altLang="en-US" sz="1100" dirty="0"/>
+              <a:t>에 </a:t>
+            </a:r>
+            <a:r>
+              <a:rPr lang="ko-KR" altLang="en-US" sz="1100" dirty="0" err="1"/>
+              <a:t>저장되는것을</a:t>
+            </a:r>
+            <a:r>
+              <a:rPr lang="ko-KR" altLang="en-US" sz="1100" dirty="0"/>
+              <a:t> 볼 수 있습니다</a:t>
+            </a:r>
+            <a:r>
+              <a:rPr lang="en-US" altLang="ko-KR" sz="1100" dirty="0"/>
+              <a:t>.</a:t>
+            </a:r>
+          </a:p>
+          <a:p>
+            <a:pPr algn="ctr"/>
+            <a:r>
+              <a:rPr lang="ko-KR" altLang="en-US" sz="1100" dirty="0"/>
+              <a:t>앞에서부터 </a:t>
+            </a:r>
+            <a:r>
+              <a:rPr lang="en-US" altLang="ko-KR" sz="1100" dirty="0"/>
+              <a:t>7</a:t>
+            </a:r>
+            <a:r>
+              <a:rPr lang="ko-KR" altLang="en-US" sz="1100" dirty="0"/>
+              <a:t>자의 가격정보</a:t>
+            </a:r>
+            <a:r>
+              <a:rPr lang="en-US" altLang="ko-KR" sz="1100" dirty="0"/>
+              <a:t>,</a:t>
+            </a:r>
+            <a:r>
+              <a:rPr lang="ko-KR" altLang="en-US" sz="1100" dirty="0"/>
+              <a:t> </a:t>
+            </a:r>
+            <a:r>
+              <a:rPr lang="en-US" altLang="ko-KR" sz="1100" dirty="0"/>
+              <a:t>16</a:t>
+            </a:r>
+            <a:r>
+              <a:rPr lang="ko-KR" altLang="en-US" sz="1100" dirty="0"/>
+              <a:t>자의 </a:t>
+            </a:r>
+            <a:r>
+              <a:rPr lang="ko-KR" altLang="en-US" sz="1100" dirty="0" err="1"/>
+              <a:t>카드정보</a:t>
+            </a:r>
+            <a:r>
+              <a:rPr lang="en-US" altLang="ko-KR" sz="1100" dirty="0"/>
+              <a:t>,</a:t>
+            </a:r>
+            <a:r>
+              <a:rPr lang="ko-KR" altLang="en-US" sz="1100" dirty="0"/>
+              <a:t> </a:t>
+            </a:r>
+            <a:r>
+              <a:rPr lang="en-US" altLang="ko-KR" sz="1100" dirty="0"/>
+              <a:t>16</a:t>
+            </a:r>
+            <a:r>
+              <a:rPr lang="ko-KR" altLang="en-US" sz="1100" dirty="0"/>
+              <a:t>자의 </a:t>
+            </a:r>
+            <a:r>
+              <a:rPr lang="ko-KR" altLang="en-US" sz="1100" dirty="0" err="1"/>
+              <a:t>메뉴정보가</a:t>
+            </a:r>
+            <a:r>
+              <a:rPr lang="ko-KR" altLang="en-US" sz="1100" dirty="0"/>
+              <a:t> </a:t>
+            </a:r>
+            <a:r>
+              <a:rPr lang="ko-KR" altLang="en-US" sz="1100" dirty="0" err="1"/>
+              <a:t>입력된것을</a:t>
+            </a:r>
+            <a:endParaRPr lang="en-US" altLang="ko-KR" sz="1100" dirty="0"/>
+          </a:p>
+          <a:p>
+            <a:pPr algn="ctr"/>
+            <a:r>
+              <a:rPr lang="ko-KR" altLang="en-US" sz="1100" dirty="0"/>
+              <a:t>볼 수 있습니다</a:t>
+            </a:r>
+            <a:r>
+              <a:rPr lang="en-US" altLang="ko-KR" sz="1100" dirty="0"/>
+              <a:t>.</a:t>
+            </a:r>
+          </a:p>
+        </p:txBody>
+      </p:sp>
+    </p:spTree>
+    <p:extLst>
+      <p:ext uri="{BB962C8B-B14F-4D97-AF65-F5344CB8AC3E}">
+        <p14:creationId xmlns:p14="http://schemas.microsoft.com/office/powerpoint/2010/main" val="3496705370"/>
+      </p:ext>
+    </p:extLst>
+  </p:cSld>
+  <p:clrMapOvr>
+    <a:masterClrMapping/>
+  </p:clrMapOvr>
+</p:sld>
+</file>
+
+<file path=ppt/slides/slide11.xml><?xml version="1.0" encoding="utf-8"?>
+<p:sld xmlns:a="http://schemas.openxmlformats.org/drawingml/2006/main" xmlns:r="http://schemas.openxmlformats.org/officeDocument/2006/relationships" xmlns:p="http://schemas.openxmlformats.org/presentationml/2006/main">
+  <p:cSld>
+    <p:spTree>
+      <p:nvGrpSpPr>
+        <p:cNvPr id="1" name=""/>
+        <p:cNvGrpSpPr/>
+        <p:nvPr/>
+      </p:nvGrpSpPr>
+      <p:grpSpPr>
+        <a:xfrm>
+          <a:off x="0" y="0"/>
+          <a:ext cx="0" cy="0"/>
+          <a:chOff x="0" y="0"/>
+          <a:chExt cx="0" cy="0"/>
+        </a:xfrm>
+      </p:grpSpPr>
+      <p:pic>
+        <p:nvPicPr>
+          <p:cNvPr id="4" name="그림 3">
+            <a:extLst>
+              <a:ext uri="{FF2B5EF4-FFF2-40B4-BE49-F238E27FC236}">
+                <a16:creationId xmlns:a16="http://schemas.microsoft.com/office/drawing/2014/main" id="{D6457D38-B089-904B-8F74-7EF185A8433B}"/>
+              </a:ext>
+            </a:extLst>
+          </p:cNvPr>
+          <p:cNvPicPr>
+            <a:picLocks noChangeAspect="1"/>
+          </p:cNvPicPr>
+          <p:nvPr/>
+        </p:nvPicPr>
+        <p:blipFill>
+          <a:blip r:embed="rId2"/>
+          <a:stretch>
+            <a:fillRect/>
+          </a:stretch>
+        </p:blipFill>
+        <p:spPr>
+          <a:xfrm>
+            <a:off x="192011" y="1522006"/>
+            <a:ext cx="4508500" cy="5003800"/>
+          </a:xfrm>
+          <a:prstGeom prst="rect">
+            <a:avLst/>
+          </a:prstGeom>
+        </p:spPr>
+      </p:pic>
+      <p:sp>
+        <p:nvSpPr>
+          <p:cNvPr id="37" name="직사각형 36">
+            <a:extLst>
+              <a:ext uri="{FF2B5EF4-FFF2-40B4-BE49-F238E27FC236}">
+                <a16:creationId xmlns:a16="http://schemas.microsoft.com/office/drawing/2014/main" id="{3F15C60C-17FE-422D-AFCF-73C75A021362}"/>
+              </a:ext>
+            </a:extLst>
+          </p:cNvPr>
+          <p:cNvSpPr/>
+          <p:nvPr/>
+        </p:nvSpPr>
+        <p:spPr>
+          <a:xfrm>
+            <a:off x="3697172" y="332194"/>
+            <a:ext cx="4713765" cy="735842"/>
+          </a:xfrm>
+          <a:prstGeom prst="rect">
+            <a:avLst/>
+          </a:prstGeom>
+        </p:spPr>
+        <p:txBody>
+          <a:bodyPr wrap="square">
+            <a:spAutoFit/>
+          </a:bodyPr>
+          <a:lstStyle/>
+          <a:p>
+            <a:pPr algn="ctr" latinLnBrk="0">
+              <a:lnSpc>
+                <a:spcPct val="150000"/>
+              </a:lnSpc>
+              <a:defRPr/>
+            </a:pPr>
+            <a:r>
+              <a:rPr lang="en-US" altLang="ko-KR" sz="3200" b="1" i="1" kern="0" dirty="0">
+                <a:solidFill>
+                  <a:srgbClr val="FF7876"/>
+                </a:solidFill>
+              </a:rPr>
+              <a:t>ex4</a:t>
+            </a:r>
+          </a:p>
+        </p:txBody>
+      </p:sp>
+      <p:cxnSp>
+        <p:nvCxnSpPr>
+          <p:cNvPr id="38" name="직선 연결선 37">
+            <a:extLst>
+              <a:ext uri="{FF2B5EF4-FFF2-40B4-BE49-F238E27FC236}">
+                <a16:creationId xmlns:a16="http://schemas.microsoft.com/office/drawing/2014/main" id="{940134F4-F272-426A-B50B-8075427DF501}"/>
+              </a:ext>
+            </a:extLst>
+          </p:cNvPr>
+          <p:cNvCxnSpPr>
+            <a:cxnSpLocks/>
+          </p:cNvCxnSpPr>
+          <p:nvPr/>
+        </p:nvCxnSpPr>
+        <p:spPr>
+          <a:xfrm flipV="1">
+            <a:off x="843148" y="847712"/>
+            <a:ext cx="4769087" cy="1"/>
+          </a:xfrm>
+          <a:prstGeom prst="line">
+            <a:avLst/>
+          </a:prstGeom>
+          <a:ln w="6350">
+            <a:solidFill>
+              <a:srgbClr val="FF7876"/>
+            </a:solidFill>
+            <a:prstDash val="sysDash"/>
+            <a:tailEnd type="oval"/>
+          </a:ln>
+        </p:spPr>
+        <p:style>
+          <a:lnRef idx="1">
+            <a:schemeClr val="accent1"/>
+          </a:lnRef>
+          <a:fillRef idx="0">
+            <a:schemeClr val="accent1"/>
+          </a:fillRef>
+          <a:effectRef idx="0">
+            <a:schemeClr val="accent1"/>
+          </a:effectRef>
+          <a:fontRef idx="minor">
+            <a:schemeClr val="tx1"/>
+          </a:fontRef>
+        </p:style>
+      </p:cxnSp>
+      <p:cxnSp>
+        <p:nvCxnSpPr>
+          <p:cNvPr id="39" name="직선 연결선 38">
+            <a:extLst>
+              <a:ext uri="{FF2B5EF4-FFF2-40B4-BE49-F238E27FC236}">
+                <a16:creationId xmlns:a16="http://schemas.microsoft.com/office/drawing/2014/main" id="{55EBD739-0979-4546-8E6B-9CA8052FC540}"/>
+              </a:ext>
+            </a:extLst>
+          </p:cNvPr>
+          <p:cNvCxnSpPr>
+            <a:cxnSpLocks/>
+          </p:cNvCxnSpPr>
+          <p:nvPr/>
+        </p:nvCxnSpPr>
+        <p:spPr>
+          <a:xfrm flipH="1">
+            <a:off x="6579767" y="847712"/>
+            <a:ext cx="4692810" cy="0"/>
+          </a:xfrm>
+          <a:prstGeom prst="line">
+            <a:avLst/>
+          </a:prstGeom>
+          <a:ln w="6350">
+            <a:solidFill>
+              <a:srgbClr val="FF7876"/>
+            </a:solidFill>
+            <a:prstDash val="sysDash"/>
+            <a:tailEnd type="oval"/>
+          </a:ln>
+        </p:spPr>
+        <p:style>
+          <a:lnRef idx="1">
+            <a:schemeClr val="accent1"/>
+          </a:lnRef>
+          <a:fillRef idx="0">
+            <a:schemeClr val="accent1"/>
+          </a:fillRef>
+          <a:effectRef idx="0">
+            <a:schemeClr val="accent1"/>
+          </a:effectRef>
+          <a:fontRef idx="minor">
+            <a:schemeClr val="tx1"/>
+          </a:fontRef>
+        </p:style>
+      </p:cxnSp>
+      <p:sp>
+        <p:nvSpPr>
+          <p:cNvPr id="8" name="TextBox 7">
+            <a:extLst>
+              <a:ext uri="{FF2B5EF4-FFF2-40B4-BE49-F238E27FC236}">
+                <a16:creationId xmlns:a16="http://schemas.microsoft.com/office/drawing/2014/main" id="{C18154B9-4F65-4277-8C17-63D9702FC25F}"/>
+              </a:ext>
+            </a:extLst>
+          </p:cNvPr>
+          <p:cNvSpPr txBox="1"/>
+          <p:nvPr/>
+        </p:nvSpPr>
+        <p:spPr>
+          <a:xfrm>
+            <a:off x="765146" y="963122"/>
+            <a:ext cx="10507430" cy="261610"/>
+          </a:xfrm>
+          <a:prstGeom prst="rect">
+            <a:avLst/>
+          </a:prstGeom>
+          <a:noFill/>
+        </p:spPr>
+        <p:txBody>
+          <a:bodyPr wrap="square" rtlCol="0">
+            <a:spAutoFit/>
+          </a:bodyPr>
+          <a:lstStyle/>
+          <a:p>
+            <a:pPr algn="ctr"/>
+            <a:r>
+              <a:rPr lang="ko-KR" altLang="en-US" sz="1100" i="1" dirty="0">
+                <a:solidFill>
+                  <a:srgbClr val="FF7876"/>
+                </a:solidFill>
+              </a:rPr>
+              <a:t>예제 </a:t>
+            </a:r>
+            <a:r>
+              <a:rPr lang="en-US" altLang="ko-KR" sz="1100" i="1" dirty="0">
+                <a:solidFill>
+                  <a:srgbClr val="FF7876"/>
+                </a:solidFill>
+              </a:rPr>
+              <a:t>4</a:t>
+            </a:r>
+            <a:r>
+              <a:rPr lang="ko-KR" altLang="en-US" sz="1100" i="1" dirty="0">
+                <a:solidFill>
+                  <a:srgbClr val="FF7876"/>
+                </a:solidFill>
+              </a:rPr>
+              <a:t> 분석</a:t>
+            </a:r>
+            <a:endParaRPr lang="en-US" altLang="ko-KR" sz="1100" i="1" dirty="0">
+              <a:solidFill>
+                <a:srgbClr val="FF7876"/>
+              </a:solidFill>
+            </a:endParaRPr>
+          </a:p>
+        </p:txBody>
+      </p:sp>
+      <p:sp>
+        <p:nvSpPr>
+          <p:cNvPr id="18" name="오른쪽 중괄호[R] 17">
+            <a:extLst>
+              <a:ext uri="{FF2B5EF4-FFF2-40B4-BE49-F238E27FC236}">
+                <a16:creationId xmlns:a16="http://schemas.microsoft.com/office/drawing/2014/main" id="{3470AF02-17A7-0446-8424-962C06462B9D}"/>
+              </a:ext>
+            </a:extLst>
+          </p:cNvPr>
+          <p:cNvSpPr/>
+          <p:nvPr/>
+        </p:nvSpPr>
+        <p:spPr>
+          <a:xfrm>
+            <a:off x="3598562" y="1596581"/>
+            <a:ext cx="241918" cy="1079500"/>
+          </a:xfrm>
+          <a:prstGeom prst="rightBrace">
+            <a:avLst/>
+          </a:prstGeom>
+          <a:ln w="12700">
+            <a:solidFill>
+              <a:srgbClr val="FF7876"/>
+            </a:solidFill>
+          </a:ln>
+        </p:spPr>
+        <p:style>
+          <a:lnRef idx="1">
+            <a:schemeClr val="accent1"/>
+          </a:lnRef>
+          <a:fillRef idx="0">
+            <a:schemeClr val="accent1"/>
+          </a:fillRef>
+          <a:effectRef idx="0">
+            <a:schemeClr val="accent1"/>
+          </a:effectRef>
+          <a:fontRef idx="minor">
+            <a:schemeClr val="tx1"/>
+          </a:fontRef>
+        </p:style>
+        <p:txBody>
+          <a:bodyPr rtlCol="0" anchor="ctr"/>
+          <a:lstStyle/>
+          <a:p>
+            <a:pPr algn="ctr"/>
+            <a:endParaRPr kumimoji="1" lang="ko-Kore-KR" altLang="en-US"/>
+          </a:p>
+        </p:txBody>
+      </p:sp>
+      <p:cxnSp>
+        <p:nvCxnSpPr>
+          <p:cNvPr id="19" name="직선 화살표 연결선 18">
+            <a:extLst>
+              <a:ext uri="{FF2B5EF4-FFF2-40B4-BE49-F238E27FC236}">
+                <a16:creationId xmlns:a16="http://schemas.microsoft.com/office/drawing/2014/main" id="{7B03E9C2-78CA-E54C-95D9-349F5F113BA0}"/>
+              </a:ext>
+            </a:extLst>
+          </p:cNvPr>
+          <p:cNvCxnSpPr>
+            <a:cxnSpLocks/>
+            <a:stCxn id="18" idx="1"/>
+          </p:cNvCxnSpPr>
+          <p:nvPr/>
+        </p:nvCxnSpPr>
+        <p:spPr>
+          <a:xfrm flipV="1">
+            <a:off x="3840480" y="1858323"/>
+            <a:ext cx="1183352" cy="278008"/>
+          </a:xfrm>
+          <a:prstGeom prst="straightConnector1">
+            <a:avLst/>
+          </a:prstGeom>
+          <a:ln w="12700">
+            <a:solidFill>
+              <a:srgbClr val="FF7876"/>
+            </a:solidFill>
+            <a:tailEnd type="triangle"/>
+          </a:ln>
+        </p:spPr>
+        <p:style>
+          <a:lnRef idx="1">
+            <a:schemeClr val="accent1"/>
+          </a:lnRef>
+          <a:fillRef idx="0">
+            <a:schemeClr val="accent1"/>
+          </a:fillRef>
+          <a:effectRef idx="0">
+            <a:schemeClr val="accent1"/>
+          </a:effectRef>
+          <a:fontRef idx="minor">
+            <a:schemeClr val="tx1"/>
+          </a:fontRef>
+        </p:style>
+      </p:cxnSp>
+      <p:sp>
+        <p:nvSpPr>
+          <p:cNvPr id="24" name="오른쪽 중괄호[R] 23">
+            <a:extLst>
+              <a:ext uri="{FF2B5EF4-FFF2-40B4-BE49-F238E27FC236}">
+                <a16:creationId xmlns:a16="http://schemas.microsoft.com/office/drawing/2014/main" id="{A274B913-7FD4-AA46-BE64-FD26E468ABEF}"/>
+              </a:ext>
+            </a:extLst>
+          </p:cNvPr>
+          <p:cNvSpPr/>
+          <p:nvPr/>
+        </p:nvSpPr>
+        <p:spPr>
+          <a:xfrm>
+            <a:off x="4518575" y="2940084"/>
+            <a:ext cx="241918" cy="1079500"/>
+          </a:xfrm>
+          <a:prstGeom prst="rightBrace">
+            <a:avLst/>
+          </a:prstGeom>
+          <a:ln w="12700">
+            <a:solidFill>
+              <a:srgbClr val="FF7876"/>
+            </a:solidFill>
+          </a:ln>
+        </p:spPr>
+        <p:style>
+          <a:lnRef idx="1">
+            <a:schemeClr val="accent1"/>
+          </a:lnRef>
+          <a:fillRef idx="0">
+            <a:schemeClr val="accent1"/>
+          </a:fillRef>
+          <a:effectRef idx="0">
+            <a:schemeClr val="accent1"/>
+          </a:effectRef>
+          <a:fontRef idx="minor">
+            <a:schemeClr val="tx1"/>
+          </a:fontRef>
+        </p:style>
+        <p:txBody>
+          <a:bodyPr rtlCol="0" anchor="ctr"/>
+          <a:lstStyle/>
+          <a:p>
+            <a:pPr algn="ctr"/>
+            <a:endParaRPr kumimoji="1" lang="ko-Kore-KR" altLang="en-US" dirty="0"/>
+          </a:p>
+        </p:txBody>
+      </p:sp>
+      <p:cxnSp>
+        <p:nvCxnSpPr>
+          <p:cNvPr id="25" name="직선 화살표 연결선 24">
+            <a:extLst>
+              <a:ext uri="{FF2B5EF4-FFF2-40B4-BE49-F238E27FC236}">
+                <a16:creationId xmlns:a16="http://schemas.microsoft.com/office/drawing/2014/main" id="{542E348F-8251-CF4B-9A55-1609F2419635}"/>
+              </a:ext>
+            </a:extLst>
+          </p:cNvPr>
+          <p:cNvCxnSpPr>
+            <a:cxnSpLocks/>
+          </p:cNvCxnSpPr>
+          <p:nvPr/>
+        </p:nvCxnSpPr>
+        <p:spPr>
+          <a:xfrm flipV="1">
+            <a:off x="4703010" y="3456717"/>
+            <a:ext cx="613122" cy="19962"/>
+          </a:xfrm>
+          <a:prstGeom prst="straightConnector1">
+            <a:avLst/>
+          </a:prstGeom>
+          <a:ln w="12700">
+            <a:solidFill>
+              <a:srgbClr val="FF7876"/>
+            </a:solidFill>
+            <a:tailEnd type="triangle"/>
+          </a:ln>
+        </p:spPr>
+        <p:style>
+          <a:lnRef idx="1">
+            <a:schemeClr val="accent1"/>
+          </a:lnRef>
+          <a:fillRef idx="0">
+            <a:schemeClr val="accent1"/>
+          </a:fillRef>
+          <a:effectRef idx="0">
+            <a:schemeClr val="accent1"/>
+          </a:effectRef>
+          <a:fontRef idx="minor">
+            <a:schemeClr val="tx1"/>
+          </a:fontRef>
+        </p:style>
+      </p:cxnSp>
+      <p:sp>
+        <p:nvSpPr>
+          <p:cNvPr id="14" name="TextBox 13">
+            <a:extLst>
+              <a:ext uri="{FF2B5EF4-FFF2-40B4-BE49-F238E27FC236}">
+                <a16:creationId xmlns:a16="http://schemas.microsoft.com/office/drawing/2014/main" id="{1560C7C5-8F52-1D4E-804A-C3FD4BF91C28}"/>
+              </a:ext>
+            </a:extLst>
+          </p:cNvPr>
+          <p:cNvSpPr txBox="1"/>
+          <p:nvPr/>
+        </p:nvSpPr>
+        <p:spPr>
+          <a:xfrm>
+            <a:off x="5009571" y="1640216"/>
+            <a:ext cx="5791533" cy="430887"/>
+          </a:xfrm>
+          <a:prstGeom prst="rect">
+            <a:avLst/>
+          </a:prstGeom>
+          <a:noFill/>
+          <a:ln w="12700">
+            <a:noFill/>
+          </a:ln>
+        </p:spPr>
+        <p:txBody>
+          <a:bodyPr wrap="square" rtlCol="0">
+            <a:spAutoFit/>
+          </a:bodyPr>
+          <a:lstStyle/>
+          <a:p>
+            <a:r>
+              <a:rPr lang="en-US" altLang="ko-KR" sz="1100" dirty="0"/>
+              <a:t>Person</a:t>
+            </a:r>
+            <a:r>
+              <a:rPr lang="ko-KR" altLang="en-US" sz="1100" dirty="0"/>
+              <a:t> 클래스 객체를 생성합니다</a:t>
+            </a:r>
+            <a:r>
+              <a:rPr lang="en-US" altLang="ko-KR" sz="1100" dirty="0"/>
+              <a:t>.</a:t>
+            </a:r>
+          </a:p>
+          <a:p>
+            <a:r>
+              <a:rPr lang="en-US" altLang="ko-KR" sz="1100" dirty="0"/>
+              <a:t>def __</a:t>
+            </a:r>
+            <a:r>
+              <a:rPr lang="en-US" altLang="ko-KR" sz="1100" dirty="0" err="1"/>
+              <a:t>init</a:t>
+            </a:r>
+            <a:r>
+              <a:rPr lang="en-US" altLang="ko-KR" sz="1100" dirty="0"/>
+              <a:t>__</a:t>
+            </a:r>
+            <a:r>
+              <a:rPr lang="ko-KR" altLang="en-US" sz="1100" dirty="0"/>
+              <a:t> 로 생성시 호출되는 </a:t>
+            </a:r>
+            <a:r>
+              <a:rPr lang="ko-KR" altLang="en-US" sz="1100" dirty="0" err="1"/>
+              <a:t>생성자를</a:t>
+            </a:r>
+            <a:r>
+              <a:rPr lang="ko-KR" altLang="en-US" sz="1100" dirty="0"/>
+              <a:t> 선언해줍니다</a:t>
+            </a:r>
+            <a:r>
+              <a:rPr lang="en-US" altLang="ko-KR" sz="1100" dirty="0"/>
+              <a:t>.</a:t>
+            </a:r>
+          </a:p>
+        </p:txBody>
+      </p:sp>
+      <p:sp>
+        <p:nvSpPr>
+          <p:cNvPr id="16" name="TextBox 15">
+            <a:extLst>
+              <a:ext uri="{FF2B5EF4-FFF2-40B4-BE49-F238E27FC236}">
+                <a16:creationId xmlns:a16="http://schemas.microsoft.com/office/drawing/2014/main" id="{677E1C64-E9DB-6C42-B1A9-A71DA6664E29}"/>
+              </a:ext>
+            </a:extLst>
+          </p:cNvPr>
+          <p:cNvSpPr txBox="1"/>
+          <p:nvPr/>
+        </p:nvSpPr>
+        <p:spPr>
+          <a:xfrm>
+            <a:off x="5316132" y="3241273"/>
+            <a:ext cx="5791533" cy="430887"/>
+          </a:xfrm>
+          <a:prstGeom prst="rect">
+            <a:avLst/>
+          </a:prstGeom>
+          <a:noFill/>
+          <a:ln w="12700">
+            <a:noFill/>
+          </a:ln>
+        </p:spPr>
+        <p:txBody>
+          <a:bodyPr wrap="square" rtlCol="0">
+            <a:spAutoFit/>
+          </a:bodyPr>
+          <a:lstStyle/>
+          <a:p>
+            <a:r>
+              <a:rPr lang="en-US" altLang="ko-KR" sz="1100" dirty="0"/>
+              <a:t>Person </a:t>
+            </a:r>
+            <a:r>
+              <a:rPr lang="ko-KR" altLang="en-US" sz="1100" dirty="0"/>
+              <a:t>클래스를 상속받는 </a:t>
+            </a:r>
+            <a:r>
+              <a:rPr lang="en-US" altLang="ko-KR" sz="1100" dirty="0"/>
+              <a:t>Employee</a:t>
+            </a:r>
+            <a:r>
+              <a:rPr lang="ko-KR" altLang="en-US" sz="1100" dirty="0"/>
+              <a:t>와 </a:t>
+            </a:r>
+            <a:r>
+              <a:rPr lang="en-US" altLang="ko-KR" sz="1100" dirty="0"/>
+              <a:t>Customer</a:t>
+            </a:r>
+            <a:r>
+              <a:rPr lang="ko-KR" altLang="en-US" sz="1100" dirty="0"/>
+              <a:t> 클래스객체를 생성합니다</a:t>
+            </a:r>
+            <a:r>
+              <a:rPr lang="en-US" altLang="ko-KR" sz="1100" dirty="0"/>
+              <a:t>.</a:t>
+            </a:r>
+          </a:p>
+          <a:p>
+            <a:r>
+              <a:rPr lang="ko-KR" altLang="en-US" sz="1100" dirty="0"/>
+              <a:t>이 역시 </a:t>
+            </a:r>
+            <a:r>
+              <a:rPr lang="ko-KR" altLang="en-US" sz="1100" dirty="0" err="1"/>
+              <a:t>생성자를</a:t>
+            </a:r>
+            <a:r>
+              <a:rPr lang="ko-KR" altLang="en-US" sz="1100" dirty="0"/>
+              <a:t> 선언해줍니다</a:t>
+            </a:r>
+            <a:r>
+              <a:rPr lang="en-US" altLang="ko-KR" sz="1100" dirty="0"/>
+              <a:t>.</a:t>
+            </a:r>
+          </a:p>
+        </p:txBody>
+      </p:sp>
+      <p:sp>
+        <p:nvSpPr>
+          <p:cNvPr id="17" name="오른쪽 중괄호[R] 16">
+            <a:extLst>
+              <a:ext uri="{FF2B5EF4-FFF2-40B4-BE49-F238E27FC236}">
+                <a16:creationId xmlns:a16="http://schemas.microsoft.com/office/drawing/2014/main" id="{631A669D-0CD9-0443-AB39-9F786D50A050}"/>
+              </a:ext>
+            </a:extLst>
+          </p:cNvPr>
+          <p:cNvSpPr/>
+          <p:nvPr/>
+        </p:nvSpPr>
+        <p:spPr>
+          <a:xfrm>
+            <a:off x="4488584" y="4235028"/>
+            <a:ext cx="241918" cy="1079500"/>
+          </a:xfrm>
+          <a:prstGeom prst="rightBrace">
+            <a:avLst/>
+          </a:prstGeom>
+          <a:ln w="12700">
+            <a:solidFill>
+              <a:srgbClr val="FF7876"/>
+            </a:solidFill>
+          </a:ln>
+        </p:spPr>
+        <p:style>
+          <a:lnRef idx="1">
+            <a:schemeClr val="accent1"/>
+          </a:lnRef>
+          <a:fillRef idx="0">
+            <a:schemeClr val="accent1"/>
+          </a:fillRef>
+          <a:effectRef idx="0">
+            <a:schemeClr val="accent1"/>
+          </a:effectRef>
+          <a:fontRef idx="minor">
+            <a:schemeClr val="tx1"/>
+          </a:fontRef>
+        </p:style>
+        <p:txBody>
+          <a:bodyPr rtlCol="0" anchor="ctr"/>
+          <a:lstStyle/>
+          <a:p>
+            <a:pPr algn="ctr"/>
+            <a:endParaRPr kumimoji="1" lang="ko-Kore-KR" altLang="en-US" dirty="0"/>
+          </a:p>
+        </p:txBody>
+      </p:sp>
+      <p:cxnSp>
+        <p:nvCxnSpPr>
+          <p:cNvPr id="20" name="직선 화살표 연결선 19">
+            <a:extLst>
+              <a:ext uri="{FF2B5EF4-FFF2-40B4-BE49-F238E27FC236}">
+                <a16:creationId xmlns:a16="http://schemas.microsoft.com/office/drawing/2014/main" id="{F68BEB89-18F9-D843-A019-A154D086B028}"/>
+              </a:ext>
+            </a:extLst>
+          </p:cNvPr>
+          <p:cNvCxnSpPr>
+            <a:cxnSpLocks/>
+          </p:cNvCxnSpPr>
+          <p:nvPr/>
+        </p:nvCxnSpPr>
+        <p:spPr>
+          <a:xfrm flipV="1">
+            <a:off x="4730502" y="3692123"/>
+            <a:ext cx="673705" cy="1082656"/>
+          </a:xfrm>
+          <a:prstGeom prst="straightConnector1">
+            <a:avLst/>
+          </a:prstGeom>
+          <a:ln w="12700">
+            <a:solidFill>
+              <a:srgbClr val="FF7876"/>
+            </a:solidFill>
+            <a:tailEnd type="triangle"/>
+          </a:ln>
+        </p:spPr>
+        <p:style>
+          <a:lnRef idx="1">
+            <a:schemeClr val="accent1"/>
+          </a:lnRef>
+          <a:fillRef idx="0">
+            <a:schemeClr val="accent1"/>
+          </a:fillRef>
+          <a:effectRef idx="0">
+            <a:schemeClr val="accent1"/>
+          </a:effectRef>
+          <a:fontRef idx="minor">
+            <a:schemeClr val="tx1"/>
+          </a:fontRef>
+        </p:style>
+      </p:cxnSp>
+      <p:sp>
+        <p:nvSpPr>
+          <p:cNvPr id="21" name="오른쪽 중괄호[R] 20">
+            <a:extLst>
+              <a:ext uri="{FF2B5EF4-FFF2-40B4-BE49-F238E27FC236}">
+                <a16:creationId xmlns:a16="http://schemas.microsoft.com/office/drawing/2014/main" id="{64F78B41-976F-8541-AAF4-342AA2B39D53}"/>
+              </a:ext>
+            </a:extLst>
+          </p:cNvPr>
+          <p:cNvSpPr/>
+          <p:nvPr/>
+        </p:nvSpPr>
+        <p:spPr>
+          <a:xfrm>
+            <a:off x="3005384" y="5609653"/>
+            <a:ext cx="272071" cy="876229"/>
+          </a:xfrm>
+          <a:prstGeom prst="rightBrace">
+            <a:avLst/>
+          </a:prstGeom>
+          <a:ln w="12700">
+            <a:solidFill>
+              <a:srgbClr val="FF7876"/>
+            </a:solidFill>
+          </a:ln>
+        </p:spPr>
+        <p:style>
+          <a:lnRef idx="1">
+            <a:schemeClr val="accent1"/>
+          </a:lnRef>
+          <a:fillRef idx="0">
+            <a:schemeClr val="accent1"/>
+          </a:fillRef>
+          <a:effectRef idx="0">
+            <a:schemeClr val="accent1"/>
+          </a:effectRef>
+          <a:fontRef idx="minor">
+            <a:schemeClr val="tx1"/>
+          </a:fontRef>
+        </p:style>
+        <p:txBody>
+          <a:bodyPr rtlCol="0" anchor="ctr"/>
+          <a:lstStyle/>
+          <a:p>
+            <a:pPr algn="ctr"/>
+            <a:endParaRPr kumimoji="1" lang="ko-Kore-KR" altLang="en-US" dirty="0"/>
+          </a:p>
+        </p:txBody>
+      </p:sp>
+      <p:cxnSp>
+        <p:nvCxnSpPr>
+          <p:cNvPr id="22" name="직선 화살표 연결선 21">
+            <a:extLst>
+              <a:ext uri="{FF2B5EF4-FFF2-40B4-BE49-F238E27FC236}">
+                <a16:creationId xmlns:a16="http://schemas.microsoft.com/office/drawing/2014/main" id="{13492DD3-2A28-5247-91B3-87C6F0257261}"/>
+              </a:ext>
+            </a:extLst>
+          </p:cNvPr>
+          <p:cNvCxnSpPr>
+            <a:cxnSpLocks/>
+          </p:cNvCxnSpPr>
+          <p:nvPr/>
+        </p:nvCxnSpPr>
+        <p:spPr>
+          <a:xfrm flipV="1">
+            <a:off x="3227358" y="6047767"/>
+            <a:ext cx="1839996" cy="9688"/>
+          </a:xfrm>
+          <a:prstGeom prst="straightConnector1">
+            <a:avLst/>
+          </a:prstGeom>
+          <a:ln w="12700">
+            <a:solidFill>
+              <a:srgbClr val="FF7876"/>
+            </a:solidFill>
+            <a:tailEnd type="triangle"/>
+          </a:ln>
+        </p:spPr>
+        <p:style>
+          <a:lnRef idx="1">
+            <a:schemeClr val="accent1"/>
+          </a:lnRef>
+          <a:fillRef idx="0">
+            <a:schemeClr val="accent1"/>
+          </a:fillRef>
+          <a:effectRef idx="0">
+            <a:schemeClr val="accent1"/>
+          </a:effectRef>
+          <a:fontRef idx="minor">
+            <a:schemeClr val="tx1"/>
+          </a:fontRef>
+        </p:style>
+      </p:cxnSp>
+      <p:sp>
+        <p:nvSpPr>
+          <p:cNvPr id="26" name="TextBox 25">
+            <a:extLst>
+              <a:ext uri="{FF2B5EF4-FFF2-40B4-BE49-F238E27FC236}">
+                <a16:creationId xmlns:a16="http://schemas.microsoft.com/office/drawing/2014/main" id="{D1A3E0F1-F585-8A4E-AA53-3124B84FF7FB}"/>
+              </a:ext>
+            </a:extLst>
+          </p:cNvPr>
+          <p:cNvSpPr txBox="1"/>
+          <p:nvPr/>
+        </p:nvSpPr>
+        <p:spPr>
+          <a:xfrm>
+            <a:off x="5023832" y="5894878"/>
+            <a:ext cx="5791533" cy="261610"/>
+          </a:xfrm>
+          <a:prstGeom prst="rect">
+            <a:avLst/>
+          </a:prstGeom>
+          <a:noFill/>
+          <a:ln w="12700">
+            <a:noFill/>
+          </a:ln>
+        </p:spPr>
+        <p:txBody>
+          <a:bodyPr wrap="square" rtlCol="0">
+            <a:spAutoFit/>
+          </a:bodyPr>
+          <a:lstStyle/>
+          <a:p>
+            <a:r>
+              <a:rPr lang="ko-KR" altLang="en-US" sz="1100" dirty="0"/>
+              <a:t>생성했던 클래스 객체들을 모두 한번씩 생성해줍니다</a:t>
+            </a:r>
+            <a:r>
+              <a:rPr lang="en-US" altLang="ko-KR" sz="1100" dirty="0"/>
+              <a:t>.</a:t>
+            </a:r>
+          </a:p>
+        </p:txBody>
+      </p:sp>
+    </p:spTree>
+    <p:extLst>
+      <p:ext uri="{BB962C8B-B14F-4D97-AF65-F5344CB8AC3E}">
+        <p14:creationId xmlns:p14="http://schemas.microsoft.com/office/powerpoint/2010/main" val="2302800964"/>
+      </p:ext>
+    </p:extLst>
+  </p:cSld>
+  <p:clrMapOvr>
+    <a:masterClrMapping/>
+  </p:clrMapOvr>
+</p:sld>
+</file>
+
+<file path=ppt/slides/slide12.xml><?xml version="1.0" encoding="utf-8"?>
+<p:sld xmlns:a="http://schemas.openxmlformats.org/drawingml/2006/main" xmlns:r="http://schemas.openxmlformats.org/officeDocument/2006/relationships" xmlns:p="http://schemas.openxmlformats.org/presentationml/2006/main">
+  <p:cSld>
+    <p:spTree>
+      <p:nvGrpSpPr>
+        <p:cNvPr id="1" name=""/>
+        <p:cNvGrpSpPr/>
+        <p:nvPr/>
+      </p:nvGrpSpPr>
+      <p:grpSpPr>
+        <a:xfrm>
+          <a:off x="0" y="0"/>
+          <a:ext cx="0" cy="0"/>
+          <a:chOff x="0" y="0"/>
+          <a:chExt cx="0" cy="0"/>
+        </a:xfrm>
+      </p:grpSpPr>
+      <p:pic>
+        <p:nvPicPr>
+          <p:cNvPr id="2" name="그림 1">
+            <a:extLst>
+              <a:ext uri="{FF2B5EF4-FFF2-40B4-BE49-F238E27FC236}">
+                <a16:creationId xmlns:a16="http://schemas.microsoft.com/office/drawing/2014/main" id="{24BC1AB5-09F8-8E42-9B6C-FACF74801FE6}"/>
+              </a:ext>
+            </a:extLst>
+          </p:cNvPr>
+          <p:cNvPicPr>
+            <a:picLocks noChangeAspect="1"/>
+          </p:cNvPicPr>
+          <p:nvPr/>
+        </p:nvPicPr>
+        <p:blipFill>
+          <a:blip r:embed="rId2"/>
+          <a:stretch>
+            <a:fillRect/>
+          </a:stretch>
+        </p:blipFill>
+        <p:spPr>
+          <a:xfrm>
+            <a:off x="365718" y="969861"/>
+            <a:ext cx="4521200" cy="5499100"/>
+          </a:xfrm>
+          <a:prstGeom prst="rect">
+            <a:avLst/>
+          </a:prstGeom>
+        </p:spPr>
+      </p:pic>
+      <p:sp>
+        <p:nvSpPr>
+          <p:cNvPr id="37" name="직사각형 36">
+            <a:extLst>
+              <a:ext uri="{FF2B5EF4-FFF2-40B4-BE49-F238E27FC236}">
+                <a16:creationId xmlns:a16="http://schemas.microsoft.com/office/drawing/2014/main" id="{3F15C60C-17FE-422D-AFCF-73C75A021362}"/>
+              </a:ext>
+            </a:extLst>
+          </p:cNvPr>
+          <p:cNvSpPr/>
+          <p:nvPr/>
+        </p:nvSpPr>
+        <p:spPr>
+          <a:xfrm>
+            <a:off x="3697172" y="332194"/>
+            <a:ext cx="4713765" cy="735842"/>
+          </a:xfrm>
+          <a:prstGeom prst="rect">
+            <a:avLst/>
+          </a:prstGeom>
+        </p:spPr>
+        <p:txBody>
+          <a:bodyPr wrap="square">
+            <a:spAutoFit/>
+          </a:bodyPr>
+          <a:lstStyle/>
+          <a:p>
+            <a:pPr algn="ctr" latinLnBrk="0">
+              <a:lnSpc>
+                <a:spcPct val="150000"/>
+              </a:lnSpc>
+              <a:defRPr/>
+            </a:pPr>
+            <a:r>
+              <a:rPr lang="en-US" altLang="ko-KR" sz="3200" b="1" i="1" kern="0" dirty="0">
+                <a:solidFill>
+                  <a:srgbClr val="FF7876"/>
+                </a:solidFill>
+              </a:rPr>
+              <a:t>ex4</a:t>
+            </a:r>
+          </a:p>
+        </p:txBody>
+      </p:sp>
+      <p:cxnSp>
+        <p:nvCxnSpPr>
+          <p:cNvPr id="38" name="직선 연결선 37">
+            <a:extLst>
+              <a:ext uri="{FF2B5EF4-FFF2-40B4-BE49-F238E27FC236}">
+                <a16:creationId xmlns:a16="http://schemas.microsoft.com/office/drawing/2014/main" id="{940134F4-F272-426A-B50B-8075427DF501}"/>
+              </a:ext>
+            </a:extLst>
+          </p:cNvPr>
+          <p:cNvCxnSpPr>
+            <a:cxnSpLocks/>
+          </p:cNvCxnSpPr>
+          <p:nvPr/>
+        </p:nvCxnSpPr>
+        <p:spPr>
+          <a:xfrm flipV="1">
+            <a:off x="843148" y="847712"/>
+            <a:ext cx="4769087" cy="1"/>
+          </a:xfrm>
+          <a:prstGeom prst="line">
+            <a:avLst/>
+          </a:prstGeom>
+          <a:ln w="6350">
+            <a:solidFill>
+              <a:srgbClr val="FF7876"/>
+            </a:solidFill>
+            <a:prstDash val="sysDash"/>
+            <a:tailEnd type="oval"/>
+          </a:ln>
+        </p:spPr>
+        <p:style>
+          <a:lnRef idx="1">
+            <a:schemeClr val="accent1"/>
+          </a:lnRef>
+          <a:fillRef idx="0">
+            <a:schemeClr val="accent1"/>
+          </a:fillRef>
+          <a:effectRef idx="0">
+            <a:schemeClr val="accent1"/>
+          </a:effectRef>
+          <a:fontRef idx="minor">
+            <a:schemeClr val="tx1"/>
+          </a:fontRef>
+        </p:style>
+      </p:cxnSp>
+      <p:cxnSp>
+        <p:nvCxnSpPr>
+          <p:cNvPr id="39" name="직선 연결선 38">
+            <a:extLst>
+              <a:ext uri="{FF2B5EF4-FFF2-40B4-BE49-F238E27FC236}">
+                <a16:creationId xmlns:a16="http://schemas.microsoft.com/office/drawing/2014/main" id="{55EBD739-0979-4546-8E6B-9CA8052FC540}"/>
+              </a:ext>
+            </a:extLst>
+          </p:cNvPr>
+          <p:cNvCxnSpPr>
+            <a:cxnSpLocks/>
+          </p:cNvCxnSpPr>
+          <p:nvPr/>
+        </p:nvCxnSpPr>
+        <p:spPr>
+          <a:xfrm flipH="1">
+            <a:off x="6579767" y="847712"/>
+            <a:ext cx="4692810" cy="0"/>
+          </a:xfrm>
+          <a:prstGeom prst="line">
+            <a:avLst/>
+          </a:prstGeom>
+          <a:ln w="6350">
+            <a:solidFill>
+              <a:srgbClr val="FF7876"/>
+            </a:solidFill>
+            <a:prstDash val="sysDash"/>
+            <a:tailEnd type="oval"/>
+          </a:ln>
+        </p:spPr>
+        <p:style>
+          <a:lnRef idx="1">
+            <a:schemeClr val="accent1"/>
+          </a:lnRef>
+          <a:fillRef idx="0">
+            <a:schemeClr val="accent1"/>
+          </a:fillRef>
+          <a:effectRef idx="0">
+            <a:schemeClr val="accent1"/>
+          </a:effectRef>
+          <a:fontRef idx="minor">
+            <a:schemeClr val="tx1"/>
+          </a:fontRef>
+        </p:style>
+      </p:cxnSp>
+      <p:sp>
+        <p:nvSpPr>
+          <p:cNvPr id="8" name="TextBox 7">
+            <a:extLst>
+              <a:ext uri="{FF2B5EF4-FFF2-40B4-BE49-F238E27FC236}">
+                <a16:creationId xmlns:a16="http://schemas.microsoft.com/office/drawing/2014/main" id="{C18154B9-4F65-4277-8C17-63D9702FC25F}"/>
+              </a:ext>
+            </a:extLst>
+          </p:cNvPr>
+          <p:cNvSpPr txBox="1"/>
+          <p:nvPr/>
+        </p:nvSpPr>
+        <p:spPr>
+          <a:xfrm>
+            <a:off x="765146" y="963122"/>
+            <a:ext cx="10507430" cy="261610"/>
+          </a:xfrm>
+          <a:prstGeom prst="rect">
+            <a:avLst/>
+          </a:prstGeom>
+          <a:noFill/>
+        </p:spPr>
+        <p:txBody>
+          <a:bodyPr wrap="square" rtlCol="0">
+            <a:spAutoFit/>
+          </a:bodyPr>
+          <a:lstStyle/>
+          <a:p>
+            <a:pPr algn="ctr"/>
+            <a:r>
+              <a:rPr lang="ko-KR" altLang="en-US" sz="1100" i="1" dirty="0">
+                <a:solidFill>
+                  <a:srgbClr val="FF7876"/>
+                </a:solidFill>
+              </a:rPr>
+              <a:t>예제 </a:t>
+            </a:r>
+            <a:r>
+              <a:rPr lang="en-US" altLang="ko-KR" sz="1100" i="1" dirty="0">
+                <a:solidFill>
+                  <a:srgbClr val="FF7876"/>
+                </a:solidFill>
+              </a:rPr>
+              <a:t>4</a:t>
+            </a:r>
+            <a:r>
+              <a:rPr lang="ko-KR" altLang="en-US" sz="1100" i="1" dirty="0">
+                <a:solidFill>
+                  <a:srgbClr val="FF7876"/>
+                </a:solidFill>
+              </a:rPr>
+              <a:t> 분석</a:t>
+            </a:r>
+            <a:endParaRPr lang="en-US" altLang="ko-KR" sz="1100" i="1" dirty="0">
+              <a:solidFill>
+                <a:srgbClr val="FF7876"/>
+              </a:solidFill>
+            </a:endParaRPr>
+          </a:p>
+        </p:txBody>
+      </p:sp>
+      <p:cxnSp>
+        <p:nvCxnSpPr>
+          <p:cNvPr id="25" name="직선 화살표 연결선 24">
+            <a:extLst>
+              <a:ext uri="{FF2B5EF4-FFF2-40B4-BE49-F238E27FC236}">
+                <a16:creationId xmlns:a16="http://schemas.microsoft.com/office/drawing/2014/main" id="{542E348F-8251-CF4B-9A55-1609F2419635}"/>
+              </a:ext>
+            </a:extLst>
+          </p:cNvPr>
+          <p:cNvCxnSpPr>
+            <a:cxnSpLocks/>
+          </p:cNvCxnSpPr>
+          <p:nvPr/>
+        </p:nvCxnSpPr>
+        <p:spPr>
+          <a:xfrm>
+            <a:off x="3840795" y="3269211"/>
+            <a:ext cx="1475337" cy="0"/>
+          </a:xfrm>
+          <a:prstGeom prst="straightConnector1">
+            <a:avLst/>
+          </a:prstGeom>
+          <a:ln w="12700">
+            <a:solidFill>
+              <a:srgbClr val="FF7876"/>
+            </a:solidFill>
+            <a:tailEnd type="triangle"/>
+          </a:ln>
+        </p:spPr>
+        <p:style>
+          <a:lnRef idx="1">
+            <a:schemeClr val="accent1"/>
+          </a:lnRef>
+          <a:fillRef idx="0">
+            <a:schemeClr val="accent1"/>
+          </a:fillRef>
+          <a:effectRef idx="0">
+            <a:schemeClr val="accent1"/>
+          </a:effectRef>
+          <a:fontRef idx="minor">
+            <a:schemeClr val="tx1"/>
+          </a:fontRef>
+        </p:style>
+      </p:cxnSp>
+      <p:sp>
+        <p:nvSpPr>
+          <p:cNvPr id="16" name="TextBox 15">
+            <a:extLst>
+              <a:ext uri="{FF2B5EF4-FFF2-40B4-BE49-F238E27FC236}">
+                <a16:creationId xmlns:a16="http://schemas.microsoft.com/office/drawing/2014/main" id="{677E1C64-E9DB-6C42-B1A9-A71DA6664E29}"/>
+              </a:ext>
+            </a:extLst>
+          </p:cNvPr>
+          <p:cNvSpPr txBox="1"/>
+          <p:nvPr/>
+        </p:nvSpPr>
+        <p:spPr>
+          <a:xfrm>
+            <a:off x="5466228" y="3048666"/>
+            <a:ext cx="5791533" cy="430887"/>
+          </a:xfrm>
+          <a:prstGeom prst="rect">
+            <a:avLst/>
+          </a:prstGeom>
+          <a:noFill/>
+          <a:ln w="12700">
+            <a:noFill/>
+          </a:ln>
+        </p:spPr>
+        <p:txBody>
+          <a:bodyPr wrap="square" rtlCol="0">
+            <a:spAutoFit/>
+          </a:bodyPr>
+          <a:lstStyle/>
+          <a:p>
+            <a:r>
+              <a:rPr lang="ko-KR" altLang="en-US" sz="1100" dirty="0"/>
+              <a:t>두번째 실행에선 자식 클래스가 </a:t>
+            </a:r>
+            <a:r>
+              <a:rPr lang="ko-KR" altLang="en-US" sz="1100" dirty="0" err="1"/>
+              <a:t>생성자</a:t>
+            </a:r>
+            <a:r>
+              <a:rPr lang="ko-KR" altLang="en-US" sz="1100" dirty="0"/>
+              <a:t> </a:t>
+            </a:r>
+            <a:r>
+              <a:rPr lang="ko-KR" altLang="en-US" sz="1100" dirty="0" err="1"/>
+              <a:t>호출시</a:t>
+            </a:r>
+            <a:endParaRPr lang="en-US" altLang="ko-KR" sz="1100" dirty="0"/>
+          </a:p>
+          <a:p>
+            <a:r>
+              <a:rPr lang="ko-KR" altLang="en-US" sz="1100" dirty="0"/>
+              <a:t>부모의 </a:t>
+            </a:r>
+            <a:r>
+              <a:rPr lang="ko-KR" altLang="en-US" sz="1100" dirty="0" err="1"/>
+              <a:t>생성자역시</a:t>
+            </a:r>
+            <a:r>
+              <a:rPr lang="ko-KR" altLang="en-US" sz="1100" dirty="0"/>
+              <a:t> 호출하도록 구문을 추가하였습니다</a:t>
+            </a:r>
+            <a:r>
+              <a:rPr lang="en-US" altLang="ko-KR" sz="1100" dirty="0"/>
+              <a:t>.</a:t>
+            </a:r>
+          </a:p>
+        </p:txBody>
+      </p:sp>
+      <p:cxnSp>
+        <p:nvCxnSpPr>
+          <p:cNvPr id="20" name="직선 화살표 연결선 19">
+            <a:extLst>
+              <a:ext uri="{FF2B5EF4-FFF2-40B4-BE49-F238E27FC236}">
+                <a16:creationId xmlns:a16="http://schemas.microsoft.com/office/drawing/2014/main" id="{F68BEB89-18F9-D843-A019-A154D086B028}"/>
+              </a:ext>
+            </a:extLst>
+          </p:cNvPr>
+          <p:cNvCxnSpPr>
+            <a:cxnSpLocks/>
+          </p:cNvCxnSpPr>
+          <p:nvPr/>
+        </p:nvCxnSpPr>
+        <p:spPr>
+          <a:xfrm flipV="1">
+            <a:off x="3840795" y="3473379"/>
+            <a:ext cx="1475337" cy="1468492"/>
+          </a:xfrm>
+          <a:prstGeom prst="straightConnector1">
+            <a:avLst/>
+          </a:prstGeom>
+          <a:ln w="12700">
+            <a:solidFill>
+              <a:srgbClr val="FF7876"/>
+            </a:solidFill>
+            <a:tailEnd type="triangle"/>
+          </a:ln>
+        </p:spPr>
+        <p:style>
+          <a:lnRef idx="1">
+            <a:schemeClr val="accent1"/>
+          </a:lnRef>
+          <a:fillRef idx="0">
+            <a:schemeClr val="accent1"/>
+          </a:fillRef>
+          <a:effectRef idx="0">
+            <a:schemeClr val="accent1"/>
+          </a:effectRef>
+          <a:fontRef idx="minor">
+            <a:schemeClr val="tx1"/>
+          </a:fontRef>
+        </p:style>
+      </p:cxnSp>
+    </p:spTree>
+    <p:extLst>
+      <p:ext uri="{BB962C8B-B14F-4D97-AF65-F5344CB8AC3E}">
+        <p14:creationId xmlns:p14="http://schemas.microsoft.com/office/powerpoint/2010/main" val="3296527155"/>
+      </p:ext>
+    </p:extLst>
+  </p:cSld>
+  <p:clrMapOvr>
+    <a:masterClrMapping/>
+  </p:clrMapOvr>
+</p:sld>
+</file>
+
+<file path=ppt/slides/slide13.xml><?xml version="1.0" encoding="utf-8"?>
+<p:sld xmlns:a="http://schemas.openxmlformats.org/drawingml/2006/main" xmlns:r="http://schemas.openxmlformats.org/officeDocument/2006/relationships" xmlns:p="http://schemas.openxmlformats.org/presentationml/2006/main">
+  <p:cSld>
+    <p:spTree>
+      <p:nvGrpSpPr>
+        <p:cNvPr id="1" name=""/>
+        <p:cNvGrpSpPr/>
+        <p:nvPr/>
+      </p:nvGrpSpPr>
+      <p:grpSpPr>
+        <a:xfrm>
+          <a:off x="0" y="0"/>
+          <a:ext cx="0" cy="0"/>
+          <a:chOff x="0" y="0"/>
+          <a:chExt cx="0" cy="0"/>
+        </a:xfrm>
+      </p:grpSpPr>
+      <p:pic>
+        <p:nvPicPr>
+          <p:cNvPr id="5" name="그림 4">
+            <a:extLst>
+              <a:ext uri="{FF2B5EF4-FFF2-40B4-BE49-F238E27FC236}">
+                <a16:creationId xmlns:a16="http://schemas.microsoft.com/office/drawing/2014/main" id="{D85E044F-F4CF-AE4F-8DFC-6BBE2F952833}"/>
+              </a:ext>
+            </a:extLst>
+          </p:cNvPr>
+          <p:cNvPicPr>
+            <a:picLocks noChangeAspect="1"/>
+          </p:cNvPicPr>
+          <p:nvPr/>
+        </p:nvPicPr>
+        <p:blipFill>
+          <a:blip r:embed="rId2"/>
+          <a:stretch>
+            <a:fillRect/>
+          </a:stretch>
+        </p:blipFill>
+        <p:spPr>
+          <a:xfrm>
+            <a:off x="3321049" y="4090203"/>
+            <a:ext cx="5549900" cy="1308100"/>
+          </a:xfrm>
+          <a:prstGeom prst="rect">
+            <a:avLst/>
+          </a:prstGeom>
+        </p:spPr>
+      </p:pic>
+      <p:pic>
+        <p:nvPicPr>
+          <p:cNvPr id="4" name="그림 3">
+            <a:extLst>
+              <a:ext uri="{FF2B5EF4-FFF2-40B4-BE49-F238E27FC236}">
+                <a16:creationId xmlns:a16="http://schemas.microsoft.com/office/drawing/2014/main" id="{9E5B97D4-BC5A-4740-88D2-9A4E49E922D1}"/>
+              </a:ext>
+            </a:extLst>
+          </p:cNvPr>
+          <p:cNvPicPr>
+            <a:picLocks noChangeAspect="1"/>
+          </p:cNvPicPr>
+          <p:nvPr/>
+        </p:nvPicPr>
+        <p:blipFill>
+          <a:blip r:embed="rId3"/>
+          <a:stretch>
+            <a:fillRect/>
+          </a:stretch>
+        </p:blipFill>
+        <p:spPr>
+          <a:xfrm>
+            <a:off x="3266404" y="1446471"/>
+            <a:ext cx="5575300" cy="1130300"/>
+          </a:xfrm>
+          <a:prstGeom prst="rect">
+            <a:avLst/>
+          </a:prstGeom>
+        </p:spPr>
+      </p:pic>
+      <p:sp>
+        <p:nvSpPr>
+          <p:cNvPr id="37" name="직사각형 36">
+            <a:extLst>
+              <a:ext uri="{FF2B5EF4-FFF2-40B4-BE49-F238E27FC236}">
+                <a16:creationId xmlns:a16="http://schemas.microsoft.com/office/drawing/2014/main" id="{3F15C60C-17FE-422D-AFCF-73C75A021362}"/>
+              </a:ext>
+            </a:extLst>
+          </p:cNvPr>
+          <p:cNvSpPr/>
+          <p:nvPr/>
+        </p:nvSpPr>
+        <p:spPr>
+          <a:xfrm>
+            <a:off x="3697172" y="332194"/>
+            <a:ext cx="4713765" cy="735842"/>
+          </a:xfrm>
+          <a:prstGeom prst="rect">
+            <a:avLst/>
+          </a:prstGeom>
+        </p:spPr>
+        <p:txBody>
+          <a:bodyPr wrap="square">
+            <a:spAutoFit/>
+          </a:bodyPr>
+          <a:lstStyle/>
+          <a:p>
+            <a:pPr algn="ctr" latinLnBrk="0">
+              <a:lnSpc>
+                <a:spcPct val="150000"/>
+              </a:lnSpc>
+              <a:defRPr/>
+            </a:pPr>
+            <a:r>
+              <a:rPr lang="en-US" altLang="ko-KR" sz="3200" b="1" i="1" kern="0" dirty="0">
+                <a:solidFill>
+                  <a:srgbClr val="FF7876"/>
+                </a:solidFill>
+              </a:rPr>
+              <a:t>ex4</a:t>
+            </a:r>
+          </a:p>
+        </p:txBody>
+      </p:sp>
+      <p:cxnSp>
+        <p:nvCxnSpPr>
+          <p:cNvPr id="38" name="직선 연결선 37">
+            <a:extLst>
+              <a:ext uri="{FF2B5EF4-FFF2-40B4-BE49-F238E27FC236}">
+                <a16:creationId xmlns:a16="http://schemas.microsoft.com/office/drawing/2014/main" id="{940134F4-F272-426A-B50B-8075427DF501}"/>
+              </a:ext>
+            </a:extLst>
+          </p:cNvPr>
+          <p:cNvCxnSpPr>
+            <a:cxnSpLocks/>
+          </p:cNvCxnSpPr>
+          <p:nvPr/>
+        </p:nvCxnSpPr>
+        <p:spPr>
+          <a:xfrm flipV="1">
+            <a:off x="843148" y="847712"/>
+            <a:ext cx="4769087" cy="1"/>
+          </a:xfrm>
+          <a:prstGeom prst="line">
+            <a:avLst/>
+          </a:prstGeom>
+          <a:ln w="6350">
+            <a:solidFill>
+              <a:srgbClr val="FF7876"/>
+            </a:solidFill>
+            <a:prstDash val="sysDash"/>
+            <a:tailEnd type="oval"/>
+          </a:ln>
+        </p:spPr>
+        <p:style>
+          <a:lnRef idx="1">
+            <a:schemeClr val="accent1"/>
+          </a:lnRef>
+          <a:fillRef idx="0">
+            <a:schemeClr val="accent1"/>
+          </a:fillRef>
+          <a:effectRef idx="0">
+            <a:schemeClr val="accent1"/>
+          </a:effectRef>
+          <a:fontRef idx="minor">
+            <a:schemeClr val="tx1"/>
+          </a:fontRef>
+        </p:style>
+      </p:cxnSp>
+      <p:cxnSp>
+        <p:nvCxnSpPr>
+          <p:cNvPr id="39" name="직선 연결선 38">
+            <a:extLst>
+              <a:ext uri="{FF2B5EF4-FFF2-40B4-BE49-F238E27FC236}">
+                <a16:creationId xmlns:a16="http://schemas.microsoft.com/office/drawing/2014/main" id="{55EBD739-0979-4546-8E6B-9CA8052FC540}"/>
+              </a:ext>
+            </a:extLst>
+          </p:cNvPr>
+          <p:cNvCxnSpPr>
+            <a:cxnSpLocks/>
+          </p:cNvCxnSpPr>
+          <p:nvPr/>
+        </p:nvCxnSpPr>
+        <p:spPr>
+          <a:xfrm flipH="1">
+            <a:off x="6579767" y="847712"/>
+            <a:ext cx="4692810" cy="0"/>
+          </a:xfrm>
+          <a:prstGeom prst="line">
+            <a:avLst/>
+          </a:prstGeom>
+          <a:ln w="6350">
+            <a:solidFill>
+              <a:srgbClr val="FF7876"/>
+            </a:solidFill>
+            <a:prstDash val="sysDash"/>
+            <a:tailEnd type="oval"/>
+          </a:ln>
+        </p:spPr>
+        <p:style>
+          <a:lnRef idx="1">
+            <a:schemeClr val="accent1"/>
+          </a:lnRef>
+          <a:fillRef idx="0">
+            <a:schemeClr val="accent1"/>
+          </a:fillRef>
+          <a:effectRef idx="0">
+            <a:schemeClr val="accent1"/>
+          </a:effectRef>
+          <a:fontRef idx="minor">
+            <a:schemeClr val="tx1"/>
+          </a:fontRef>
+        </p:style>
+      </p:cxnSp>
+      <p:sp>
+        <p:nvSpPr>
+          <p:cNvPr id="8" name="TextBox 7">
+            <a:extLst>
+              <a:ext uri="{FF2B5EF4-FFF2-40B4-BE49-F238E27FC236}">
+                <a16:creationId xmlns:a16="http://schemas.microsoft.com/office/drawing/2014/main" id="{C18154B9-4F65-4277-8C17-63D9702FC25F}"/>
+              </a:ext>
+            </a:extLst>
+          </p:cNvPr>
+          <p:cNvSpPr txBox="1"/>
+          <p:nvPr/>
+        </p:nvSpPr>
+        <p:spPr>
+          <a:xfrm>
+            <a:off x="765146" y="963122"/>
+            <a:ext cx="10507430" cy="261610"/>
+          </a:xfrm>
+          <a:prstGeom prst="rect">
+            <a:avLst/>
+          </a:prstGeom>
+          <a:noFill/>
+        </p:spPr>
+        <p:txBody>
+          <a:bodyPr wrap="square" rtlCol="0">
+            <a:spAutoFit/>
+          </a:bodyPr>
+          <a:lstStyle/>
+          <a:p>
+            <a:pPr algn="ctr"/>
+            <a:r>
+              <a:rPr lang="ko-KR" altLang="en-US" sz="1100" i="1" dirty="0">
+                <a:solidFill>
+                  <a:srgbClr val="FF7876"/>
+                </a:solidFill>
+              </a:rPr>
+              <a:t>예제 </a:t>
+            </a:r>
+            <a:r>
+              <a:rPr lang="en-US" altLang="ko-KR" sz="1100" i="1" dirty="0">
+                <a:solidFill>
+                  <a:srgbClr val="FF7876"/>
+                </a:solidFill>
+              </a:rPr>
+              <a:t>4</a:t>
+            </a:r>
+            <a:r>
+              <a:rPr lang="ko-KR" altLang="en-US" sz="1100" i="1" dirty="0">
+                <a:solidFill>
+                  <a:srgbClr val="FF7876"/>
+                </a:solidFill>
+              </a:rPr>
+              <a:t> 분석</a:t>
+            </a:r>
+            <a:endParaRPr lang="en-US" altLang="ko-KR" sz="1100" i="1" dirty="0">
+              <a:solidFill>
+                <a:srgbClr val="FF7876"/>
+              </a:solidFill>
+            </a:endParaRPr>
+          </a:p>
+        </p:txBody>
+      </p:sp>
+      <p:sp>
+        <p:nvSpPr>
+          <p:cNvPr id="29" name="TextBox 28">
+            <a:extLst>
+              <a:ext uri="{FF2B5EF4-FFF2-40B4-BE49-F238E27FC236}">
+                <a16:creationId xmlns:a16="http://schemas.microsoft.com/office/drawing/2014/main" id="{E3EE4462-0DA3-3E4F-824A-75CB5562CE34}"/>
+              </a:ext>
+            </a:extLst>
+          </p:cNvPr>
+          <p:cNvSpPr txBox="1"/>
+          <p:nvPr/>
+        </p:nvSpPr>
+        <p:spPr>
+          <a:xfrm>
+            <a:off x="3033486" y="2798510"/>
+            <a:ext cx="6125027" cy="769441"/>
+          </a:xfrm>
+          <a:prstGeom prst="rect">
+            <a:avLst/>
+          </a:prstGeom>
+          <a:noFill/>
+          <a:ln w="12700">
+            <a:solidFill>
+              <a:srgbClr val="FF7876"/>
+            </a:solidFill>
+          </a:ln>
+        </p:spPr>
+        <p:txBody>
+          <a:bodyPr wrap="square" rtlCol="0">
+            <a:spAutoFit/>
+          </a:bodyPr>
+          <a:lstStyle/>
+          <a:p>
+            <a:pPr algn="ctr"/>
+            <a:r>
+              <a:rPr lang="ko-KR" altLang="en-US" sz="1100" dirty="0"/>
+              <a:t>첫 실행코드에선</a:t>
+            </a:r>
+            <a:endParaRPr lang="en-US" altLang="ko-KR" sz="1100" dirty="0"/>
+          </a:p>
+          <a:p>
+            <a:pPr algn="ctr"/>
+            <a:r>
+              <a:rPr lang="ko-KR" altLang="en-US" sz="1100" dirty="0"/>
+              <a:t>인스턴스 생성시 자식클래스의 생성자가 </a:t>
+            </a:r>
+            <a:r>
+              <a:rPr lang="ko-KR" altLang="en-US" sz="1100" dirty="0" err="1"/>
+              <a:t>오버라이드되어</a:t>
+            </a:r>
+            <a:endParaRPr lang="en-US" altLang="ko-KR" sz="1100" dirty="0"/>
+          </a:p>
+          <a:p>
+            <a:pPr algn="ctr"/>
+            <a:r>
+              <a:rPr lang="ko-KR" altLang="en-US" sz="1100" dirty="0"/>
+              <a:t>부모클래스의 </a:t>
+            </a:r>
+            <a:r>
+              <a:rPr lang="ko-KR" altLang="en-US" sz="1100" dirty="0" err="1"/>
+              <a:t>생성자대신</a:t>
+            </a:r>
+            <a:r>
+              <a:rPr lang="ko-KR" altLang="en-US" sz="1100" dirty="0"/>
+              <a:t> 자식클래스의 생성자가 </a:t>
+            </a:r>
+            <a:r>
+              <a:rPr lang="ko-KR" altLang="en-US" sz="1100" dirty="0" err="1"/>
+              <a:t>실행된것을</a:t>
+            </a:r>
+            <a:endParaRPr lang="en-US" altLang="ko-KR" sz="1100" dirty="0"/>
+          </a:p>
+          <a:p>
+            <a:pPr algn="ctr"/>
+            <a:r>
+              <a:rPr lang="ko-KR" altLang="en-US" sz="1100" dirty="0"/>
+              <a:t>볼 수 있습니다</a:t>
+            </a:r>
+            <a:r>
+              <a:rPr lang="en-US" altLang="ko-KR" sz="1100" dirty="0"/>
+              <a:t>.</a:t>
+            </a:r>
+          </a:p>
+        </p:txBody>
+      </p:sp>
+      <p:sp>
+        <p:nvSpPr>
+          <p:cNvPr id="15" name="TextBox 14">
+            <a:extLst>
+              <a:ext uri="{FF2B5EF4-FFF2-40B4-BE49-F238E27FC236}">
+                <a16:creationId xmlns:a16="http://schemas.microsoft.com/office/drawing/2014/main" id="{A602B663-DE56-634B-B0EF-07944FBDF9C8}"/>
+              </a:ext>
+            </a:extLst>
+          </p:cNvPr>
+          <p:cNvSpPr txBox="1"/>
+          <p:nvPr/>
+        </p:nvSpPr>
+        <p:spPr>
+          <a:xfrm>
+            <a:off x="3033486" y="5625567"/>
+            <a:ext cx="6125027" cy="769441"/>
+          </a:xfrm>
+          <a:prstGeom prst="rect">
+            <a:avLst/>
+          </a:prstGeom>
+          <a:noFill/>
+          <a:ln w="12700">
+            <a:solidFill>
+              <a:srgbClr val="FF7876"/>
+            </a:solidFill>
+          </a:ln>
+        </p:spPr>
+        <p:txBody>
+          <a:bodyPr wrap="square" rtlCol="0">
+            <a:spAutoFit/>
+          </a:bodyPr>
+          <a:lstStyle/>
+          <a:p>
+            <a:pPr algn="ctr"/>
+            <a:r>
+              <a:rPr lang="ko-KR" altLang="en-US" sz="1100" dirty="0"/>
+              <a:t>두번째 실행코드에선</a:t>
+            </a:r>
+            <a:endParaRPr lang="en-US" altLang="ko-KR" sz="1100" dirty="0"/>
+          </a:p>
+          <a:p>
+            <a:pPr algn="ctr"/>
+            <a:r>
+              <a:rPr lang="ko-KR" altLang="en-US" sz="1100" dirty="0" err="1"/>
+              <a:t>자식클래스</a:t>
+            </a:r>
+            <a:r>
+              <a:rPr lang="ko-KR" altLang="en-US" sz="1100" dirty="0"/>
+              <a:t> </a:t>
+            </a:r>
+            <a:r>
+              <a:rPr lang="ko-KR" altLang="en-US" sz="1100" dirty="0" err="1"/>
+              <a:t>생성자에</a:t>
+            </a:r>
+            <a:r>
+              <a:rPr lang="ko-KR" altLang="en-US" sz="1100" dirty="0"/>
+              <a:t> </a:t>
+            </a:r>
+            <a:r>
+              <a:rPr lang="ko-KR" altLang="en-US" sz="1100" dirty="0" err="1"/>
+              <a:t>부모클래스</a:t>
+            </a:r>
+            <a:r>
+              <a:rPr lang="ko-KR" altLang="en-US" sz="1100" dirty="0"/>
+              <a:t> </a:t>
+            </a:r>
+            <a:r>
+              <a:rPr lang="ko-KR" altLang="en-US" sz="1100" dirty="0" err="1"/>
+              <a:t>생성자를</a:t>
+            </a:r>
+            <a:r>
+              <a:rPr lang="ko-KR" altLang="en-US" sz="1100" dirty="0"/>
+              <a:t> 넣어주었기에</a:t>
+            </a:r>
+            <a:endParaRPr lang="en-US" altLang="ko-KR" sz="1100" dirty="0"/>
+          </a:p>
+          <a:p>
+            <a:pPr algn="ctr"/>
+            <a:r>
+              <a:rPr lang="ko-KR" altLang="en-US" sz="1100" dirty="0" err="1"/>
+              <a:t>자식클래스</a:t>
+            </a:r>
+            <a:r>
+              <a:rPr lang="ko-KR" altLang="en-US" sz="1100" dirty="0"/>
+              <a:t> 생성시 부모클래스의 생성자가 함께 호출되어 </a:t>
+            </a:r>
+            <a:r>
+              <a:rPr lang="ko-KR" altLang="en-US" sz="1100" dirty="0" err="1"/>
+              <a:t>실행된것을</a:t>
+            </a:r>
+            <a:endParaRPr lang="en-US" altLang="ko-KR" sz="1100" dirty="0"/>
+          </a:p>
+          <a:p>
+            <a:pPr algn="ctr"/>
+            <a:r>
+              <a:rPr lang="ko-KR" altLang="en-US" sz="1100" dirty="0"/>
+              <a:t>볼 수 있습니다</a:t>
+            </a:r>
+            <a:r>
+              <a:rPr lang="en-US" altLang="ko-KR" sz="1100" dirty="0"/>
+              <a:t>.</a:t>
+            </a:r>
+          </a:p>
+        </p:txBody>
+      </p:sp>
+    </p:spTree>
+    <p:extLst>
+      <p:ext uri="{BB962C8B-B14F-4D97-AF65-F5344CB8AC3E}">
+        <p14:creationId xmlns:p14="http://schemas.microsoft.com/office/powerpoint/2010/main" val="1494596595"/>
+      </p:ext>
+    </p:extLst>
+  </p:cSld>
+  <p:clrMapOvr>
+    <a:masterClrMapping/>
+  </p:clrMapOvr>
+</p:sld>
+</file>
+
+<file path=ppt/slides/slide14.xml><?xml version="1.0" encoding="utf-8"?>
+<p:sld xmlns:a="http://schemas.openxmlformats.org/drawingml/2006/main" xmlns:r="http://schemas.openxmlformats.org/officeDocument/2006/relationships" xmlns:p="http://schemas.openxmlformats.org/presentationml/2006/main">
+  <p:cSld>
+    <p:spTree>
+      <p:nvGrpSpPr>
+        <p:cNvPr id="1" name=""/>
+        <p:cNvGrpSpPr/>
+        <p:nvPr/>
+      </p:nvGrpSpPr>
+      <p:grpSpPr>
+        <a:xfrm>
+          <a:off x="0" y="0"/>
+          <a:ext cx="0" cy="0"/>
+          <a:chOff x="0" y="0"/>
+          <a:chExt cx="0" cy="0"/>
+        </a:xfrm>
+      </p:grpSpPr>
       <p:sp>
         <p:nvSpPr>
           <p:cNvPr id="105" name="직사각형 104">

--- a/1장/20164091-송희령-7주차 과제1.pptx
+++ b/1장/20164091-송희령-7주차 과제1.pptx
@@ -18,7 +18,10 @@
     <p:sldId id="360" r:id="rId12"/>
     <p:sldId id="362" r:id="rId13"/>
     <p:sldId id="361" r:id="rId14"/>
-    <p:sldId id="258" r:id="rId15"/>
+    <p:sldId id="363" r:id="rId15"/>
+    <p:sldId id="365" r:id="rId16"/>
+    <p:sldId id="364" r:id="rId17"/>
+    <p:sldId id="258" r:id="rId18"/>
   </p:sldIdLst>
   <p:sldSz cx="12192000" cy="6858000"/>
   <p:notesSz cx="6858000" cy="9144000"/>
@@ -6473,6 +6476,1838 @@
           <a:chExt cx="0" cy="0"/>
         </a:xfrm>
       </p:grpSpPr>
+      <p:grpSp>
+        <p:nvGrpSpPr>
+          <p:cNvPr id="5" name="그룹 4">
+            <a:extLst>
+              <a:ext uri="{FF2B5EF4-FFF2-40B4-BE49-F238E27FC236}">
+                <a16:creationId xmlns:a16="http://schemas.microsoft.com/office/drawing/2014/main" id="{1EB14DF2-5070-B041-9906-18DC2A6201E9}"/>
+              </a:ext>
+            </a:extLst>
+          </p:cNvPr>
+          <p:cNvGrpSpPr/>
+          <p:nvPr/>
+        </p:nvGrpSpPr>
+        <p:grpSpPr>
+          <a:xfrm>
+            <a:off x="915066" y="1775550"/>
+            <a:ext cx="3786154" cy="4006414"/>
+            <a:chOff x="843148" y="1405682"/>
+            <a:chExt cx="3786154" cy="4006414"/>
+          </a:xfrm>
+        </p:grpSpPr>
+        <p:pic>
+          <p:nvPicPr>
+            <p:cNvPr id="4" name="그림 3">
+              <a:extLst>
+                <a:ext uri="{FF2B5EF4-FFF2-40B4-BE49-F238E27FC236}">
+                  <a16:creationId xmlns:a16="http://schemas.microsoft.com/office/drawing/2014/main" id="{D0E1D95F-2263-C945-B21A-F6E1264E0999}"/>
+                </a:ext>
+              </a:extLst>
+            </p:cNvPr>
+            <p:cNvPicPr>
+              <a:picLocks noChangeAspect="1"/>
+            </p:cNvPicPr>
+            <p:nvPr/>
+          </p:nvPicPr>
+          <p:blipFill>
+            <a:blip r:embed="rId2"/>
+            <a:stretch>
+              <a:fillRect/>
+            </a:stretch>
+          </p:blipFill>
+          <p:spPr>
+            <a:xfrm>
+              <a:off x="843148" y="3848823"/>
+              <a:ext cx="3786154" cy="1563273"/>
+            </a:xfrm>
+            <a:prstGeom prst="rect">
+              <a:avLst/>
+            </a:prstGeom>
+          </p:spPr>
+        </p:pic>
+        <p:pic>
+          <p:nvPicPr>
+            <p:cNvPr id="3" name="그림 2">
+              <a:extLst>
+                <a:ext uri="{FF2B5EF4-FFF2-40B4-BE49-F238E27FC236}">
+                  <a16:creationId xmlns:a16="http://schemas.microsoft.com/office/drawing/2014/main" id="{BAA1723F-3CFB-8B4A-A750-84C0B163B0F0}"/>
+                </a:ext>
+              </a:extLst>
+            </p:cNvPr>
+            <p:cNvPicPr>
+              <a:picLocks noChangeAspect="1"/>
+            </p:cNvPicPr>
+            <p:nvPr/>
+          </p:nvPicPr>
+          <p:blipFill>
+            <a:blip r:embed="rId3"/>
+            <a:stretch>
+              <a:fillRect/>
+            </a:stretch>
+          </p:blipFill>
+          <p:spPr>
+            <a:xfrm>
+              <a:off x="843148" y="1405682"/>
+              <a:ext cx="3786154" cy="2443141"/>
+            </a:xfrm>
+            <a:prstGeom prst="rect">
+              <a:avLst/>
+            </a:prstGeom>
+          </p:spPr>
+        </p:pic>
+      </p:grpSp>
+      <p:sp>
+        <p:nvSpPr>
+          <p:cNvPr id="37" name="직사각형 36">
+            <a:extLst>
+              <a:ext uri="{FF2B5EF4-FFF2-40B4-BE49-F238E27FC236}">
+                <a16:creationId xmlns:a16="http://schemas.microsoft.com/office/drawing/2014/main" id="{3F15C60C-17FE-422D-AFCF-73C75A021362}"/>
+              </a:ext>
+            </a:extLst>
+          </p:cNvPr>
+          <p:cNvSpPr/>
+          <p:nvPr/>
+        </p:nvSpPr>
+        <p:spPr>
+          <a:xfrm>
+            <a:off x="3697172" y="332194"/>
+            <a:ext cx="4713765" cy="735842"/>
+          </a:xfrm>
+          <a:prstGeom prst="rect">
+            <a:avLst/>
+          </a:prstGeom>
+        </p:spPr>
+        <p:txBody>
+          <a:bodyPr wrap="square">
+            <a:spAutoFit/>
+          </a:bodyPr>
+          <a:lstStyle/>
+          <a:p>
+            <a:pPr algn="ctr" latinLnBrk="0">
+              <a:lnSpc>
+                <a:spcPct val="150000"/>
+              </a:lnSpc>
+              <a:defRPr/>
+            </a:pPr>
+            <a:r>
+              <a:rPr lang="en-US" altLang="ko-KR" sz="3200" b="1" i="1" kern="0" dirty="0">
+                <a:solidFill>
+                  <a:srgbClr val="FF7876"/>
+                </a:solidFill>
+              </a:rPr>
+              <a:t>ex5</a:t>
+            </a:r>
+          </a:p>
+        </p:txBody>
+      </p:sp>
+      <p:cxnSp>
+        <p:nvCxnSpPr>
+          <p:cNvPr id="38" name="직선 연결선 37">
+            <a:extLst>
+              <a:ext uri="{FF2B5EF4-FFF2-40B4-BE49-F238E27FC236}">
+                <a16:creationId xmlns:a16="http://schemas.microsoft.com/office/drawing/2014/main" id="{940134F4-F272-426A-B50B-8075427DF501}"/>
+              </a:ext>
+            </a:extLst>
+          </p:cNvPr>
+          <p:cNvCxnSpPr>
+            <a:cxnSpLocks/>
+          </p:cNvCxnSpPr>
+          <p:nvPr/>
+        </p:nvCxnSpPr>
+        <p:spPr>
+          <a:xfrm flipV="1">
+            <a:off x="843148" y="847712"/>
+            <a:ext cx="4769087" cy="1"/>
+          </a:xfrm>
+          <a:prstGeom prst="line">
+            <a:avLst/>
+          </a:prstGeom>
+          <a:ln w="6350">
+            <a:solidFill>
+              <a:srgbClr val="FF7876"/>
+            </a:solidFill>
+            <a:prstDash val="sysDash"/>
+            <a:tailEnd type="oval"/>
+          </a:ln>
+        </p:spPr>
+        <p:style>
+          <a:lnRef idx="1">
+            <a:schemeClr val="accent1"/>
+          </a:lnRef>
+          <a:fillRef idx="0">
+            <a:schemeClr val="accent1"/>
+          </a:fillRef>
+          <a:effectRef idx="0">
+            <a:schemeClr val="accent1"/>
+          </a:effectRef>
+          <a:fontRef idx="minor">
+            <a:schemeClr val="tx1"/>
+          </a:fontRef>
+        </p:style>
+      </p:cxnSp>
+      <p:cxnSp>
+        <p:nvCxnSpPr>
+          <p:cNvPr id="39" name="직선 연결선 38">
+            <a:extLst>
+              <a:ext uri="{FF2B5EF4-FFF2-40B4-BE49-F238E27FC236}">
+                <a16:creationId xmlns:a16="http://schemas.microsoft.com/office/drawing/2014/main" id="{55EBD739-0979-4546-8E6B-9CA8052FC540}"/>
+              </a:ext>
+            </a:extLst>
+          </p:cNvPr>
+          <p:cNvCxnSpPr>
+            <a:cxnSpLocks/>
+          </p:cNvCxnSpPr>
+          <p:nvPr/>
+        </p:nvCxnSpPr>
+        <p:spPr>
+          <a:xfrm flipH="1">
+            <a:off x="6579767" y="847712"/>
+            <a:ext cx="4692810" cy="0"/>
+          </a:xfrm>
+          <a:prstGeom prst="line">
+            <a:avLst/>
+          </a:prstGeom>
+          <a:ln w="6350">
+            <a:solidFill>
+              <a:srgbClr val="FF7876"/>
+            </a:solidFill>
+            <a:prstDash val="sysDash"/>
+            <a:tailEnd type="oval"/>
+          </a:ln>
+        </p:spPr>
+        <p:style>
+          <a:lnRef idx="1">
+            <a:schemeClr val="accent1"/>
+          </a:lnRef>
+          <a:fillRef idx="0">
+            <a:schemeClr val="accent1"/>
+          </a:fillRef>
+          <a:effectRef idx="0">
+            <a:schemeClr val="accent1"/>
+          </a:effectRef>
+          <a:fontRef idx="minor">
+            <a:schemeClr val="tx1"/>
+          </a:fontRef>
+        </p:style>
+      </p:cxnSp>
+      <p:sp>
+        <p:nvSpPr>
+          <p:cNvPr id="8" name="TextBox 7">
+            <a:extLst>
+              <a:ext uri="{FF2B5EF4-FFF2-40B4-BE49-F238E27FC236}">
+                <a16:creationId xmlns:a16="http://schemas.microsoft.com/office/drawing/2014/main" id="{C18154B9-4F65-4277-8C17-63D9702FC25F}"/>
+              </a:ext>
+            </a:extLst>
+          </p:cNvPr>
+          <p:cNvSpPr txBox="1"/>
+          <p:nvPr/>
+        </p:nvSpPr>
+        <p:spPr>
+          <a:xfrm>
+            <a:off x="765146" y="963122"/>
+            <a:ext cx="10507430" cy="261610"/>
+          </a:xfrm>
+          <a:prstGeom prst="rect">
+            <a:avLst/>
+          </a:prstGeom>
+          <a:noFill/>
+        </p:spPr>
+        <p:txBody>
+          <a:bodyPr wrap="square" rtlCol="0">
+            <a:spAutoFit/>
+          </a:bodyPr>
+          <a:lstStyle/>
+          <a:p>
+            <a:pPr algn="ctr"/>
+            <a:r>
+              <a:rPr lang="ko-KR" altLang="en-US" sz="1100" i="1" dirty="0">
+                <a:solidFill>
+                  <a:srgbClr val="FF7876"/>
+                </a:solidFill>
+              </a:rPr>
+              <a:t>예제 </a:t>
+            </a:r>
+            <a:r>
+              <a:rPr lang="en-US" altLang="ko-KR" sz="1100" i="1" dirty="0">
+                <a:solidFill>
+                  <a:srgbClr val="FF7876"/>
+                </a:solidFill>
+              </a:rPr>
+              <a:t>5</a:t>
+            </a:r>
+            <a:r>
+              <a:rPr lang="ko-KR" altLang="en-US" sz="1100" i="1" dirty="0">
+                <a:solidFill>
+                  <a:srgbClr val="FF7876"/>
+                </a:solidFill>
+              </a:rPr>
+              <a:t> 분석</a:t>
+            </a:r>
+            <a:endParaRPr lang="en-US" altLang="ko-KR" sz="1100" i="1" dirty="0">
+              <a:solidFill>
+                <a:srgbClr val="FF7876"/>
+              </a:solidFill>
+            </a:endParaRPr>
+          </a:p>
+        </p:txBody>
+      </p:sp>
+      <p:sp>
+        <p:nvSpPr>
+          <p:cNvPr id="16" name="TextBox 15">
+            <a:extLst>
+              <a:ext uri="{FF2B5EF4-FFF2-40B4-BE49-F238E27FC236}">
+                <a16:creationId xmlns:a16="http://schemas.microsoft.com/office/drawing/2014/main" id="{677E1C64-E9DB-6C42-B1A9-A71DA6664E29}"/>
+              </a:ext>
+            </a:extLst>
+          </p:cNvPr>
+          <p:cNvSpPr txBox="1"/>
+          <p:nvPr/>
+        </p:nvSpPr>
+        <p:spPr>
+          <a:xfrm>
+            <a:off x="4921319" y="2490281"/>
+            <a:ext cx="5791533" cy="938719"/>
+          </a:xfrm>
+          <a:prstGeom prst="rect">
+            <a:avLst/>
+          </a:prstGeom>
+          <a:noFill/>
+          <a:ln w="12700">
+            <a:noFill/>
+          </a:ln>
+        </p:spPr>
+        <p:txBody>
+          <a:bodyPr wrap="square" rtlCol="0">
+            <a:spAutoFit/>
+          </a:bodyPr>
+          <a:lstStyle/>
+          <a:p>
+            <a:r>
+              <a:rPr lang="ko-KR" altLang="en-US" sz="1100" dirty="0"/>
+              <a:t>부모클래스인 </a:t>
+            </a:r>
+            <a:r>
+              <a:rPr lang="en-US" altLang="ko-KR" sz="1100" dirty="0"/>
+              <a:t>Transactions</a:t>
+            </a:r>
+            <a:r>
+              <a:rPr lang="ko-KR" altLang="en-US" sz="1100" dirty="0"/>
+              <a:t>입니다</a:t>
+            </a:r>
+            <a:r>
+              <a:rPr lang="en-US" altLang="ko-KR" sz="1100" dirty="0"/>
+              <a:t>.</a:t>
+            </a:r>
+          </a:p>
+          <a:p>
+            <a:r>
+              <a:rPr lang="ko-KR" altLang="en-US" sz="1100" dirty="0"/>
+              <a:t>기존 예제 </a:t>
+            </a:r>
+            <a:r>
+              <a:rPr lang="en-US" altLang="ko-KR" sz="1100" dirty="0"/>
+              <a:t>3</a:t>
+            </a:r>
+            <a:r>
+              <a:rPr lang="ko-KR" altLang="en-US" sz="1100" dirty="0"/>
+              <a:t>번과 같지만 </a:t>
+            </a:r>
+            <a:r>
+              <a:rPr lang="ko-KR" altLang="en-US" sz="1100" dirty="0" err="1"/>
+              <a:t>생성자를</a:t>
+            </a:r>
+            <a:r>
+              <a:rPr lang="ko-KR" altLang="en-US" sz="1100" dirty="0"/>
+              <a:t> 추가해준 모습을 볼 수 있습니다</a:t>
+            </a:r>
+            <a:r>
+              <a:rPr lang="en-US" altLang="ko-KR" sz="1100" dirty="0"/>
+              <a:t>.</a:t>
+            </a:r>
+          </a:p>
+          <a:p>
+            <a:r>
+              <a:rPr lang="ko-KR" altLang="en-US" sz="1100" dirty="0" err="1"/>
+              <a:t>생성자로</a:t>
+            </a:r>
+            <a:r>
+              <a:rPr lang="ko-KR" altLang="en-US" sz="1100" dirty="0"/>
+              <a:t> 인스턴스 생성시 인자를 함께 받아와 </a:t>
+            </a:r>
+            <a:r>
+              <a:rPr lang="en-US" altLang="ko-KR" sz="1100" dirty="0"/>
+              <a:t>price, </a:t>
+            </a:r>
+            <a:r>
+              <a:rPr lang="en-US" altLang="ko-KR" sz="1100" dirty="0" err="1"/>
+              <a:t>credit_card</a:t>
+            </a:r>
+            <a:r>
+              <a:rPr lang="en-US" altLang="ko-KR" sz="1100" dirty="0"/>
+              <a:t>, item</a:t>
+            </a:r>
+            <a:r>
+              <a:rPr lang="ko-KR" altLang="en-US" sz="1100" dirty="0"/>
+              <a:t> 요소에 저장할</a:t>
+            </a:r>
+            <a:endParaRPr lang="en-US" altLang="ko-KR" sz="1100" dirty="0"/>
+          </a:p>
+          <a:p>
+            <a:r>
+              <a:rPr lang="ko-KR" altLang="en-US" sz="1100" dirty="0"/>
+              <a:t>수 있도록 합니다</a:t>
+            </a:r>
+            <a:r>
+              <a:rPr lang="en-US" altLang="ko-KR" sz="1100" dirty="0"/>
+              <a:t>.</a:t>
+            </a:r>
+          </a:p>
+          <a:p>
+            <a:r>
+              <a:rPr lang="en-US" altLang="ko-KR" sz="1100" dirty="0"/>
+              <a:t>save</a:t>
+            </a:r>
+            <a:r>
+              <a:rPr lang="ko-KR" altLang="en-US" sz="1100" dirty="0"/>
+              <a:t>메서드 함수 역시 생성해주어 </a:t>
+            </a:r>
+            <a:r>
+              <a:rPr lang="ko-KR" altLang="en-US" sz="1100" dirty="0" err="1"/>
+              <a:t>결제정보를</a:t>
+            </a:r>
+            <a:r>
+              <a:rPr lang="ko-KR" altLang="en-US" sz="1100" dirty="0"/>
+              <a:t> </a:t>
+            </a:r>
+            <a:r>
+              <a:rPr lang="en-US" altLang="ko-KR" sz="1100" dirty="0"/>
+              <a:t>txt</a:t>
+            </a:r>
+            <a:r>
+              <a:rPr lang="ko-KR" altLang="en-US" sz="1100" dirty="0"/>
+              <a:t>파일에 저장할 수 있도록 합니다</a:t>
+            </a:r>
+            <a:r>
+              <a:rPr lang="en-US" altLang="ko-KR" sz="1100" dirty="0"/>
+              <a:t>.</a:t>
+            </a:r>
+          </a:p>
+        </p:txBody>
+      </p:sp>
+      <p:sp>
+        <p:nvSpPr>
+          <p:cNvPr id="12" name="오른쪽 중괄호[R] 11">
+            <a:extLst>
+              <a:ext uri="{FF2B5EF4-FFF2-40B4-BE49-F238E27FC236}">
+                <a16:creationId xmlns:a16="http://schemas.microsoft.com/office/drawing/2014/main" id="{32AF4CFA-3FF8-094B-BB36-EF3984B9A741}"/>
+              </a:ext>
+            </a:extLst>
+          </p:cNvPr>
+          <p:cNvSpPr/>
+          <p:nvPr/>
+        </p:nvSpPr>
+        <p:spPr>
+          <a:xfrm>
+            <a:off x="4595153" y="1832886"/>
+            <a:ext cx="326166" cy="2272790"/>
+          </a:xfrm>
+          <a:prstGeom prst="rightBrace">
+            <a:avLst/>
+          </a:prstGeom>
+          <a:ln w="12700">
+            <a:solidFill>
+              <a:srgbClr val="FF7876"/>
+            </a:solidFill>
+          </a:ln>
+        </p:spPr>
+        <p:style>
+          <a:lnRef idx="1">
+            <a:schemeClr val="accent1"/>
+          </a:lnRef>
+          <a:fillRef idx="0">
+            <a:schemeClr val="accent1"/>
+          </a:fillRef>
+          <a:effectRef idx="0">
+            <a:schemeClr val="accent1"/>
+          </a:effectRef>
+          <a:fontRef idx="minor">
+            <a:schemeClr val="tx1"/>
+          </a:fontRef>
+        </p:style>
+        <p:txBody>
+          <a:bodyPr rtlCol="0" anchor="ctr"/>
+          <a:lstStyle/>
+          <a:p>
+            <a:pPr algn="ctr"/>
+            <a:endParaRPr kumimoji="1" lang="ko-Kore-KR" altLang="en-US"/>
+          </a:p>
+        </p:txBody>
+      </p:sp>
+      <p:sp>
+        <p:nvSpPr>
+          <p:cNvPr id="14" name="오른쪽 중괄호[R] 13">
+            <a:extLst>
+              <a:ext uri="{FF2B5EF4-FFF2-40B4-BE49-F238E27FC236}">
+                <a16:creationId xmlns:a16="http://schemas.microsoft.com/office/drawing/2014/main" id="{4DEB8EA8-A1A1-A440-B2E5-83CCDC5383D0}"/>
+              </a:ext>
+            </a:extLst>
+          </p:cNvPr>
+          <p:cNvSpPr/>
+          <p:nvPr/>
+        </p:nvSpPr>
+        <p:spPr>
+          <a:xfrm>
+            <a:off x="4595153" y="4343962"/>
+            <a:ext cx="326166" cy="1420888"/>
+          </a:xfrm>
+          <a:prstGeom prst="rightBrace">
+            <a:avLst/>
+          </a:prstGeom>
+          <a:ln w="12700">
+            <a:solidFill>
+              <a:srgbClr val="FF7876"/>
+            </a:solidFill>
+          </a:ln>
+        </p:spPr>
+        <p:style>
+          <a:lnRef idx="1">
+            <a:schemeClr val="accent1"/>
+          </a:lnRef>
+          <a:fillRef idx="0">
+            <a:schemeClr val="accent1"/>
+          </a:fillRef>
+          <a:effectRef idx="0">
+            <a:schemeClr val="accent1"/>
+          </a:effectRef>
+          <a:fontRef idx="minor">
+            <a:schemeClr val="tx1"/>
+          </a:fontRef>
+        </p:style>
+        <p:txBody>
+          <a:bodyPr rtlCol="0" anchor="ctr"/>
+          <a:lstStyle/>
+          <a:p>
+            <a:pPr algn="ctr"/>
+            <a:endParaRPr kumimoji="1" lang="ko-Kore-KR" altLang="en-US"/>
+          </a:p>
+        </p:txBody>
+      </p:sp>
+      <p:sp>
+        <p:nvSpPr>
+          <p:cNvPr id="15" name="TextBox 14">
+            <a:extLst>
+              <a:ext uri="{FF2B5EF4-FFF2-40B4-BE49-F238E27FC236}">
+                <a16:creationId xmlns:a16="http://schemas.microsoft.com/office/drawing/2014/main" id="{36F3005D-4DEB-DA4E-8D7C-6B4459C9BB69}"/>
+              </a:ext>
+            </a:extLst>
+          </p:cNvPr>
+          <p:cNvSpPr txBox="1"/>
+          <p:nvPr/>
+        </p:nvSpPr>
+        <p:spPr>
+          <a:xfrm>
+            <a:off x="4921319" y="4585046"/>
+            <a:ext cx="5791533" cy="1107996"/>
+          </a:xfrm>
+          <a:prstGeom prst="rect">
+            <a:avLst/>
+          </a:prstGeom>
+          <a:noFill/>
+          <a:ln w="12700">
+            <a:noFill/>
+          </a:ln>
+        </p:spPr>
+        <p:txBody>
+          <a:bodyPr wrap="square" rtlCol="0">
+            <a:spAutoFit/>
+          </a:bodyPr>
+          <a:lstStyle/>
+          <a:p>
+            <a:r>
+              <a:rPr lang="ko-KR" altLang="en-US" sz="1100" dirty="0"/>
+              <a:t>자식클래스인 </a:t>
+            </a:r>
+            <a:r>
+              <a:rPr lang="en-US" altLang="ko-KR" sz="1100" dirty="0" err="1"/>
+              <a:t>Discount_trans</a:t>
+            </a:r>
+            <a:r>
+              <a:rPr lang="en-US" altLang="ko-KR" sz="1100" dirty="0"/>
+              <a:t> </a:t>
+            </a:r>
+            <a:r>
+              <a:rPr lang="ko-KR" altLang="en-US" sz="1100" dirty="0"/>
+              <a:t>입니다</a:t>
+            </a:r>
+            <a:r>
+              <a:rPr lang="en-US" altLang="ko-KR" sz="1100" dirty="0"/>
+              <a:t>.</a:t>
+            </a:r>
+          </a:p>
+          <a:p>
+            <a:r>
+              <a:rPr lang="en-US" altLang="ko-KR" sz="1100" dirty="0"/>
+              <a:t>Transactions</a:t>
+            </a:r>
+            <a:r>
+              <a:rPr lang="ko-KR" altLang="en-US" sz="1100" dirty="0"/>
+              <a:t>클래스로부터 상속 받아오며</a:t>
+            </a:r>
+            <a:endParaRPr lang="en-US" altLang="ko-KR" sz="1100" dirty="0"/>
+          </a:p>
+          <a:p>
+            <a:r>
+              <a:rPr lang="ko-KR" altLang="en-US" sz="1100" dirty="0" err="1"/>
+              <a:t>초기화시</a:t>
+            </a:r>
+            <a:r>
+              <a:rPr lang="ko-KR" altLang="en-US" sz="1100" dirty="0"/>
+              <a:t> 부모의 생성자함수를 </a:t>
+            </a:r>
+            <a:r>
+              <a:rPr lang="ko-KR" altLang="en-US" sz="1100" dirty="0" err="1"/>
+              <a:t>이용하게합니다</a:t>
+            </a:r>
+            <a:r>
+              <a:rPr lang="en-US" altLang="ko-KR" sz="1100" dirty="0"/>
+              <a:t>.(</a:t>
+            </a:r>
+            <a:r>
+              <a:rPr lang="ko-KR" altLang="en-US" sz="1100" dirty="0"/>
+              <a:t>실질적 내용은 같습니다</a:t>
+            </a:r>
+            <a:r>
+              <a:rPr lang="en-US" altLang="ko-KR" sz="1100" dirty="0"/>
+              <a:t>.</a:t>
+            </a:r>
+            <a:r>
+              <a:rPr lang="ko-KR" altLang="en-US" sz="1100" dirty="0"/>
+              <a:t> </a:t>
+            </a:r>
+            <a:r>
+              <a:rPr lang="en-US" altLang="ko-KR" sz="1100" dirty="0"/>
+              <a:t>–</a:t>
+            </a:r>
+            <a:r>
+              <a:rPr lang="ko-KR" altLang="en-US" sz="1100" dirty="0"/>
+              <a:t> 명시적 호출</a:t>
+            </a:r>
+            <a:r>
+              <a:rPr lang="en-US" altLang="ko-KR" sz="1100" dirty="0"/>
+              <a:t>)</a:t>
+            </a:r>
+          </a:p>
+          <a:p>
+            <a:r>
+              <a:rPr lang="en-US" altLang="ko-KR" sz="1100" dirty="0"/>
+              <a:t>save</a:t>
+            </a:r>
+            <a:r>
+              <a:rPr lang="ko-KR" altLang="en-US" sz="1100" dirty="0"/>
+              <a:t>함수에선 파일에 </a:t>
+            </a:r>
+            <a:r>
+              <a:rPr lang="en-US" altLang="ko-KR" sz="1100" dirty="0"/>
+              <a:t>price</a:t>
+            </a:r>
+            <a:r>
+              <a:rPr lang="ko-KR" altLang="en-US" sz="1100" dirty="0"/>
+              <a:t>값을 </a:t>
+            </a:r>
+            <a:r>
+              <a:rPr lang="ko-KR" altLang="en-US" sz="1100" dirty="0" err="1"/>
+              <a:t>저장시</a:t>
+            </a:r>
+            <a:r>
+              <a:rPr lang="ko-KR" altLang="en-US" sz="1100" dirty="0"/>
+              <a:t> </a:t>
+            </a:r>
+            <a:r>
+              <a:rPr lang="en-US" altLang="ko-KR" sz="1100" dirty="0"/>
+              <a:t>10%</a:t>
+            </a:r>
+            <a:r>
+              <a:rPr lang="ko-KR" altLang="en-US" sz="1100" dirty="0"/>
+              <a:t> 할인된 정보를 저장하게끔 하는</a:t>
+            </a:r>
+            <a:endParaRPr lang="en-US" altLang="ko-KR" sz="1100" dirty="0"/>
+          </a:p>
+          <a:p>
+            <a:r>
+              <a:rPr lang="ko-KR" altLang="en-US" sz="1100" dirty="0"/>
+              <a:t>차이점을 보입니다</a:t>
+            </a:r>
+            <a:r>
+              <a:rPr lang="en-US" altLang="ko-KR" sz="1100" dirty="0"/>
+              <a:t>.</a:t>
+            </a:r>
+          </a:p>
+          <a:p>
+            <a:r>
+              <a:rPr lang="ko-KR" altLang="en-US" sz="1100" dirty="0"/>
+              <a:t>이미 같은 함수를 부모에서도 가지고 있기에 </a:t>
+            </a:r>
+            <a:r>
+              <a:rPr lang="ko-KR" altLang="en-US" sz="1100" dirty="0" err="1"/>
+              <a:t>오버라이드</a:t>
+            </a:r>
+            <a:r>
+              <a:rPr lang="ko-KR" altLang="en-US" sz="1100" dirty="0"/>
+              <a:t> 되었다고 볼 수 있습니다</a:t>
+            </a:r>
+            <a:r>
+              <a:rPr lang="en-US" altLang="ko-KR" sz="1100" dirty="0"/>
+              <a:t>.s</a:t>
+            </a:r>
+          </a:p>
+        </p:txBody>
+      </p:sp>
+    </p:spTree>
+    <p:extLst>
+      <p:ext uri="{BB962C8B-B14F-4D97-AF65-F5344CB8AC3E}">
+        <p14:creationId xmlns:p14="http://schemas.microsoft.com/office/powerpoint/2010/main" val="2551132312"/>
+      </p:ext>
+    </p:extLst>
+  </p:cSld>
+  <p:clrMapOvr>
+    <a:masterClrMapping/>
+  </p:clrMapOvr>
+</p:sld>
+</file>
+
+<file path=ppt/slides/slide15.xml><?xml version="1.0" encoding="utf-8"?>
+<p:sld xmlns:a="http://schemas.openxmlformats.org/drawingml/2006/main" xmlns:r="http://schemas.openxmlformats.org/officeDocument/2006/relationships" xmlns:p="http://schemas.openxmlformats.org/presentationml/2006/main">
+  <p:cSld>
+    <p:spTree>
+      <p:nvGrpSpPr>
+        <p:cNvPr id="1" name=""/>
+        <p:cNvGrpSpPr/>
+        <p:nvPr/>
+      </p:nvGrpSpPr>
+      <p:grpSpPr>
+        <a:xfrm>
+          <a:off x="0" y="0"/>
+          <a:ext cx="0" cy="0"/>
+          <a:chOff x="0" y="0"/>
+          <a:chExt cx="0" cy="0"/>
+        </a:xfrm>
+      </p:grpSpPr>
+      <p:pic>
+        <p:nvPicPr>
+          <p:cNvPr id="6" name="그림 5">
+            <a:extLst>
+              <a:ext uri="{FF2B5EF4-FFF2-40B4-BE49-F238E27FC236}">
+                <a16:creationId xmlns:a16="http://schemas.microsoft.com/office/drawing/2014/main" id="{3A170DE0-2A1D-EA48-94C3-8DF37AA9C2B4}"/>
+              </a:ext>
+            </a:extLst>
+          </p:cNvPr>
+          <p:cNvPicPr>
+            <a:picLocks noChangeAspect="1"/>
+          </p:cNvPicPr>
+          <p:nvPr/>
+        </p:nvPicPr>
+        <p:blipFill>
+          <a:blip r:embed="rId2"/>
+          <a:stretch>
+            <a:fillRect/>
+          </a:stretch>
+        </p:blipFill>
+        <p:spPr>
+          <a:xfrm>
+            <a:off x="274334" y="1698964"/>
+            <a:ext cx="5160594" cy="4508613"/>
+          </a:xfrm>
+          <a:prstGeom prst="rect">
+            <a:avLst/>
+          </a:prstGeom>
+        </p:spPr>
+      </p:pic>
+      <p:sp>
+        <p:nvSpPr>
+          <p:cNvPr id="37" name="직사각형 36">
+            <a:extLst>
+              <a:ext uri="{FF2B5EF4-FFF2-40B4-BE49-F238E27FC236}">
+                <a16:creationId xmlns:a16="http://schemas.microsoft.com/office/drawing/2014/main" id="{3F15C60C-17FE-422D-AFCF-73C75A021362}"/>
+              </a:ext>
+            </a:extLst>
+          </p:cNvPr>
+          <p:cNvSpPr/>
+          <p:nvPr/>
+        </p:nvSpPr>
+        <p:spPr>
+          <a:xfrm>
+            <a:off x="3697172" y="332194"/>
+            <a:ext cx="4713765" cy="735842"/>
+          </a:xfrm>
+          <a:prstGeom prst="rect">
+            <a:avLst/>
+          </a:prstGeom>
+        </p:spPr>
+        <p:txBody>
+          <a:bodyPr wrap="square">
+            <a:spAutoFit/>
+          </a:bodyPr>
+          <a:lstStyle/>
+          <a:p>
+            <a:pPr algn="ctr" latinLnBrk="0">
+              <a:lnSpc>
+                <a:spcPct val="150000"/>
+              </a:lnSpc>
+              <a:defRPr/>
+            </a:pPr>
+            <a:r>
+              <a:rPr lang="en-US" altLang="ko-KR" sz="3200" b="1" i="1" kern="0" dirty="0">
+                <a:solidFill>
+                  <a:srgbClr val="FF7876"/>
+                </a:solidFill>
+              </a:rPr>
+              <a:t>ex5</a:t>
+            </a:r>
+          </a:p>
+        </p:txBody>
+      </p:sp>
+      <p:cxnSp>
+        <p:nvCxnSpPr>
+          <p:cNvPr id="38" name="직선 연결선 37">
+            <a:extLst>
+              <a:ext uri="{FF2B5EF4-FFF2-40B4-BE49-F238E27FC236}">
+                <a16:creationId xmlns:a16="http://schemas.microsoft.com/office/drawing/2014/main" id="{940134F4-F272-426A-B50B-8075427DF501}"/>
+              </a:ext>
+            </a:extLst>
+          </p:cNvPr>
+          <p:cNvCxnSpPr>
+            <a:cxnSpLocks/>
+          </p:cNvCxnSpPr>
+          <p:nvPr/>
+        </p:nvCxnSpPr>
+        <p:spPr>
+          <a:xfrm flipV="1">
+            <a:off x="843148" y="847712"/>
+            <a:ext cx="4769087" cy="1"/>
+          </a:xfrm>
+          <a:prstGeom prst="line">
+            <a:avLst/>
+          </a:prstGeom>
+          <a:ln w="6350">
+            <a:solidFill>
+              <a:srgbClr val="FF7876"/>
+            </a:solidFill>
+            <a:prstDash val="sysDash"/>
+            <a:tailEnd type="oval"/>
+          </a:ln>
+        </p:spPr>
+        <p:style>
+          <a:lnRef idx="1">
+            <a:schemeClr val="accent1"/>
+          </a:lnRef>
+          <a:fillRef idx="0">
+            <a:schemeClr val="accent1"/>
+          </a:fillRef>
+          <a:effectRef idx="0">
+            <a:schemeClr val="accent1"/>
+          </a:effectRef>
+          <a:fontRef idx="minor">
+            <a:schemeClr val="tx1"/>
+          </a:fontRef>
+        </p:style>
+      </p:cxnSp>
+      <p:cxnSp>
+        <p:nvCxnSpPr>
+          <p:cNvPr id="39" name="직선 연결선 38">
+            <a:extLst>
+              <a:ext uri="{FF2B5EF4-FFF2-40B4-BE49-F238E27FC236}">
+                <a16:creationId xmlns:a16="http://schemas.microsoft.com/office/drawing/2014/main" id="{55EBD739-0979-4546-8E6B-9CA8052FC540}"/>
+              </a:ext>
+            </a:extLst>
+          </p:cNvPr>
+          <p:cNvCxnSpPr>
+            <a:cxnSpLocks/>
+          </p:cNvCxnSpPr>
+          <p:nvPr/>
+        </p:nvCxnSpPr>
+        <p:spPr>
+          <a:xfrm flipH="1">
+            <a:off x="6579767" y="847712"/>
+            <a:ext cx="4692810" cy="0"/>
+          </a:xfrm>
+          <a:prstGeom prst="line">
+            <a:avLst/>
+          </a:prstGeom>
+          <a:ln w="6350">
+            <a:solidFill>
+              <a:srgbClr val="FF7876"/>
+            </a:solidFill>
+            <a:prstDash val="sysDash"/>
+            <a:tailEnd type="oval"/>
+          </a:ln>
+        </p:spPr>
+        <p:style>
+          <a:lnRef idx="1">
+            <a:schemeClr val="accent1"/>
+          </a:lnRef>
+          <a:fillRef idx="0">
+            <a:schemeClr val="accent1"/>
+          </a:fillRef>
+          <a:effectRef idx="0">
+            <a:schemeClr val="accent1"/>
+          </a:effectRef>
+          <a:fontRef idx="minor">
+            <a:schemeClr val="tx1"/>
+          </a:fontRef>
+        </p:style>
+      </p:cxnSp>
+      <p:sp>
+        <p:nvSpPr>
+          <p:cNvPr id="8" name="TextBox 7">
+            <a:extLst>
+              <a:ext uri="{FF2B5EF4-FFF2-40B4-BE49-F238E27FC236}">
+                <a16:creationId xmlns:a16="http://schemas.microsoft.com/office/drawing/2014/main" id="{C18154B9-4F65-4277-8C17-63D9702FC25F}"/>
+              </a:ext>
+            </a:extLst>
+          </p:cNvPr>
+          <p:cNvSpPr txBox="1"/>
+          <p:nvPr/>
+        </p:nvSpPr>
+        <p:spPr>
+          <a:xfrm>
+            <a:off x="765146" y="963122"/>
+            <a:ext cx="10507430" cy="261610"/>
+          </a:xfrm>
+          <a:prstGeom prst="rect">
+            <a:avLst/>
+          </a:prstGeom>
+          <a:noFill/>
+        </p:spPr>
+        <p:txBody>
+          <a:bodyPr wrap="square" rtlCol="0">
+            <a:spAutoFit/>
+          </a:bodyPr>
+          <a:lstStyle/>
+          <a:p>
+            <a:pPr algn="ctr"/>
+            <a:r>
+              <a:rPr lang="ko-KR" altLang="en-US" sz="1100" i="1" dirty="0">
+                <a:solidFill>
+                  <a:srgbClr val="FF7876"/>
+                </a:solidFill>
+              </a:rPr>
+              <a:t>예제 </a:t>
+            </a:r>
+            <a:r>
+              <a:rPr lang="en-US" altLang="ko-KR" sz="1100" i="1" dirty="0">
+                <a:solidFill>
+                  <a:srgbClr val="FF7876"/>
+                </a:solidFill>
+              </a:rPr>
+              <a:t>5</a:t>
+            </a:r>
+            <a:r>
+              <a:rPr lang="ko-KR" altLang="en-US" sz="1100" i="1" dirty="0">
+                <a:solidFill>
+                  <a:srgbClr val="FF7876"/>
+                </a:solidFill>
+              </a:rPr>
+              <a:t> 분석</a:t>
+            </a:r>
+            <a:endParaRPr lang="en-US" altLang="ko-KR" sz="1100" i="1" dirty="0">
+              <a:solidFill>
+                <a:srgbClr val="FF7876"/>
+              </a:solidFill>
+            </a:endParaRPr>
+          </a:p>
+        </p:txBody>
+      </p:sp>
+      <p:sp>
+        <p:nvSpPr>
+          <p:cNvPr id="12" name="오른쪽 중괄호[R] 11">
+            <a:extLst>
+              <a:ext uri="{FF2B5EF4-FFF2-40B4-BE49-F238E27FC236}">
+                <a16:creationId xmlns:a16="http://schemas.microsoft.com/office/drawing/2014/main" id="{32AF4CFA-3FF8-094B-BB36-EF3984B9A741}"/>
+              </a:ext>
+            </a:extLst>
+          </p:cNvPr>
+          <p:cNvSpPr/>
+          <p:nvPr/>
+        </p:nvSpPr>
+        <p:spPr>
+          <a:xfrm>
+            <a:off x="4595153" y="1854604"/>
+            <a:ext cx="326166" cy="1878978"/>
+          </a:xfrm>
+          <a:prstGeom prst="rightBrace">
+            <a:avLst/>
+          </a:prstGeom>
+          <a:ln w="12700">
+            <a:solidFill>
+              <a:srgbClr val="FF7876"/>
+            </a:solidFill>
+          </a:ln>
+        </p:spPr>
+        <p:style>
+          <a:lnRef idx="1">
+            <a:schemeClr val="accent1"/>
+          </a:lnRef>
+          <a:fillRef idx="0">
+            <a:schemeClr val="accent1"/>
+          </a:fillRef>
+          <a:effectRef idx="0">
+            <a:schemeClr val="accent1"/>
+          </a:effectRef>
+          <a:fontRef idx="minor">
+            <a:schemeClr val="tx1"/>
+          </a:fontRef>
+        </p:style>
+        <p:txBody>
+          <a:bodyPr rtlCol="0" anchor="ctr"/>
+          <a:lstStyle/>
+          <a:p>
+            <a:pPr algn="ctr"/>
+            <a:endParaRPr kumimoji="1" lang="ko-Kore-KR" altLang="en-US"/>
+          </a:p>
+        </p:txBody>
+      </p:sp>
+      <p:sp>
+        <p:nvSpPr>
+          <p:cNvPr id="14" name="오른쪽 중괄호[R] 13">
+            <a:extLst>
+              <a:ext uri="{FF2B5EF4-FFF2-40B4-BE49-F238E27FC236}">
+                <a16:creationId xmlns:a16="http://schemas.microsoft.com/office/drawing/2014/main" id="{4DEB8EA8-A1A1-A440-B2E5-83CCDC5383D0}"/>
+              </a:ext>
+            </a:extLst>
+          </p:cNvPr>
+          <p:cNvSpPr/>
+          <p:nvPr/>
+        </p:nvSpPr>
+        <p:spPr>
+          <a:xfrm>
+            <a:off x="5108762" y="4020459"/>
+            <a:ext cx="326166" cy="2082390"/>
+          </a:xfrm>
+          <a:prstGeom prst="rightBrace">
+            <a:avLst/>
+          </a:prstGeom>
+          <a:ln w="12700">
+            <a:solidFill>
+              <a:srgbClr val="FF7876"/>
+            </a:solidFill>
+          </a:ln>
+        </p:spPr>
+        <p:style>
+          <a:lnRef idx="1">
+            <a:schemeClr val="accent1"/>
+          </a:lnRef>
+          <a:fillRef idx="0">
+            <a:schemeClr val="accent1"/>
+          </a:fillRef>
+          <a:effectRef idx="0">
+            <a:schemeClr val="accent1"/>
+          </a:effectRef>
+          <a:fontRef idx="minor">
+            <a:schemeClr val="tx1"/>
+          </a:fontRef>
+        </p:style>
+        <p:txBody>
+          <a:bodyPr rtlCol="0" anchor="ctr"/>
+          <a:lstStyle/>
+          <a:p>
+            <a:pPr algn="ctr"/>
+            <a:endParaRPr kumimoji="1" lang="ko-Kore-KR" altLang="en-US"/>
+          </a:p>
+        </p:txBody>
+      </p:sp>
+      <p:cxnSp>
+        <p:nvCxnSpPr>
+          <p:cNvPr id="17" name="직선 화살표 연결선 16">
+            <a:extLst>
+              <a:ext uri="{FF2B5EF4-FFF2-40B4-BE49-F238E27FC236}">
+                <a16:creationId xmlns:a16="http://schemas.microsoft.com/office/drawing/2014/main" id="{655E83BA-F7FF-7342-BBE3-6CA40588A988}"/>
+              </a:ext>
+            </a:extLst>
+          </p:cNvPr>
+          <p:cNvCxnSpPr>
+            <a:cxnSpLocks/>
+            <a:endCxn id="18" idx="1"/>
+          </p:cNvCxnSpPr>
+          <p:nvPr/>
+        </p:nvCxnSpPr>
+        <p:spPr>
+          <a:xfrm flipV="1">
+            <a:off x="4871226" y="2705901"/>
+            <a:ext cx="741009" cy="84639"/>
+          </a:xfrm>
+          <a:prstGeom prst="straightConnector1">
+            <a:avLst/>
+          </a:prstGeom>
+          <a:ln w="12700">
+            <a:solidFill>
+              <a:srgbClr val="FF7876"/>
+            </a:solidFill>
+            <a:tailEnd type="triangle"/>
+          </a:ln>
+        </p:spPr>
+        <p:style>
+          <a:lnRef idx="1">
+            <a:schemeClr val="accent1"/>
+          </a:lnRef>
+          <a:fillRef idx="0">
+            <a:schemeClr val="accent1"/>
+          </a:fillRef>
+          <a:effectRef idx="0">
+            <a:schemeClr val="accent1"/>
+          </a:effectRef>
+          <a:fontRef idx="minor">
+            <a:schemeClr val="tx1"/>
+          </a:fontRef>
+        </p:style>
+      </p:cxnSp>
+      <p:sp>
+        <p:nvSpPr>
+          <p:cNvPr id="18" name="TextBox 17">
+            <a:extLst>
+              <a:ext uri="{FF2B5EF4-FFF2-40B4-BE49-F238E27FC236}">
+                <a16:creationId xmlns:a16="http://schemas.microsoft.com/office/drawing/2014/main" id="{05E94460-6483-614F-9712-6ABC7B44F20C}"/>
+              </a:ext>
+            </a:extLst>
+          </p:cNvPr>
+          <p:cNvSpPr txBox="1"/>
+          <p:nvPr/>
+        </p:nvSpPr>
+        <p:spPr>
+          <a:xfrm>
+            <a:off x="5612235" y="2575096"/>
+            <a:ext cx="5791533" cy="261610"/>
+          </a:xfrm>
+          <a:prstGeom prst="rect">
+            <a:avLst/>
+          </a:prstGeom>
+          <a:noFill/>
+          <a:ln w="12700">
+            <a:noFill/>
+          </a:ln>
+        </p:spPr>
+        <p:txBody>
+          <a:bodyPr wrap="square" rtlCol="0">
+            <a:spAutoFit/>
+          </a:bodyPr>
+          <a:lstStyle/>
+          <a:p>
+            <a:r>
+              <a:rPr lang="ko-KR" altLang="en-US" sz="1100" dirty="0"/>
+              <a:t>예제 </a:t>
+            </a:r>
+            <a:r>
+              <a:rPr lang="en-US" altLang="ko-KR" sz="1100" dirty="0"/>
+              <a:t>3</a:t>
+            </a:r>
+            <a:r>
+              <a:rPr lang="ko-KR" altLang="en-US" sz="1100" dirty="0"/>
+              <a:t>과 같이 제품 출력과 함께 </a:t>
+            </a:r>
+            <a:r>
+              <a:rPr lang="ko-KR" altLang="en-US" sz="1100" dirty="0" err="1"/>
+              <a:t>옵션번호를</a:t>
+            </a:r>
+            <a:r>
+              <a:rPr lang="ko-KR" altLang="en-US" sz="1100" dirty="0"/>
+              <a:t> </a:t>
+            </a:r>
+            <a:r>
+              <a:rPr lang="ko-KR" altLang="en-US" sz="1100" dirty="0" err="1"/>
+              <a:t>입력받도록하는</a:t>
+            </a:r>
+            <a:r>
+              <a:rPr lang="ko-KR" altLang="en-US" sz="1100" dirty="0"/>
+              <a:t> 코드입니다</a:t>
+            </a:r>
+            <a:r>
+              <a:rPr lang="en-US" altLang="ko-KR" sz="1100" dirty="0"/>
+              <a:t>.</a:t>
+            </a:r>
+          </a:p>
+        </p:txBody>
+      </p:sp>
+      <p:cxnSp>
+        <p:nvCxnSpPr>
+          <p:cNvPr id="22" name="직선 화살표 연결선 21">
+            <a:extLst>
+              <a:ext uri="{FF2B5EF4-FFF2-40B4-BE49-F238E27FC236}">
+                <a16:creationId xmlns:a16="http://schemas.microsoft.com/office/drawing/2014/main" id="{4B5900C4-3ED6-744F-8288-9A5AB931C791}"/>
+              </a:ext>
+            </a:extLst>
+          </p:cNvPr>
+          <p:cNvCxnSpPr>
+            <a:cxnSpLocks/>
+          </p:cNvCxnSpPr>
+          <p:nvPr/>
+        </p:nvCxnSpPr>
+        <p:spPr>
+          <a:xfrm flipV="1">
+            <a:off x="5388359" y="5061654"/>
+            <a:ext cx="707641" cy="1"/>
+          </a:xfrm>
+          <a:prstGeom prst="straightConnector1">
+            <a:avLst/>
+          </a:prstGeom>
+          <a:ln w="12700">
+            <a:solidFill>
+              <a:srgbClr val="FF7876"/>
+            </a:solidFill>
+            <a:tailEnd type="triangle"/>
+          </a:ln>
+        </p:spPr>
+        <p:style>
+          <a:lnRef idx="1">
+            <a:schemeClr val="accent1"/>
+          </a:lnRef>
+          <a:fillRef idx="0">
+            <a:schemeClr val="accent1"/>
+          </a:fillRef>
+          <a:effectRef idx="0">
+            <a:schemeClr val="accent1"/>
+          </a:effectRef>
+          <a:fontRef idx="minor">
+            <a:schemeClr val="tx1"/>
+          </a:fontRef>
+        </p:style>
+      </p:cxnSp>
+      <p:sp>
+        <p:nvSpPr>
+          <p:cNvPr id="24" name="TextBox 23">
+            <a:extLst>
+              <a:ext uri="{FF2B5EF4-FFF2-40B4-BE49-F238E27FC236}">
+                <a16:creationId xmlns:a16="http://schemas.microsoft.com/office/drawing/2014/main" id="{E3F9A29E-0EE3-8047-85FB-52BF77F86BFE}"/>
+              </a:ext>
+            </a:extLst>
+          </p:cNvPr>
+          <p:cNvSpPr txBox="1"/>
+          <p:nvPr/>
+        </p:nvSpPr>
+        <p:spPr>
+          <a:xfrm>
+            <a:off x="6096000" y="4761572"/>
+            <a:ext cx="5791533" cy="938719"/>
+          </a:xfrm>
+          <a:prstGeom prst="rect">
+            <a:avLst/>
+          </a:prstGeom>
+          <a:noFill/>
+          <a:ln w="12700">
+            <a:noFill/>
+          </a:ln>
+        </p:spPr>
+        <p:txBody>
+          <a:bodyPr wrap="square" rtlCol="0">
+            <a:spAutoFit/>
+          </a:bodyPr>
+          <a:lstStyle/>
+          <a:p>
+            <a:r>
+              <a:rPr lang="ko-KR" altLang="en-US" sz="1100" dirty="0"/>
+              <a:t>예제</a:t>
+            </a:r>
+            <a:r>
+              <a:rPr lang="en-US" altLang="ko-KR" sz="1100" dirty="0"/>
+              <a:t>3</a:t>
+            </a:r>
+            <a:r>
+              <a:rPr lang="ko-KR" altLang="en-US" sz="1100" dirty="0"/>
+              <a:t>과 차이점으로 저장방식에서 </a:t>
+            </a:r>
+            <a:r>
+              <a:rPr lang="en-US" altLang="ko-KR" sz="1100" dirty="0" err="1"/>
+              <a:t>Starbuzz</a:t>
+            </a:r>
+            <a:r>
+              <a:rPr lang="ko-KR" altLang="en-US" sz="1100" dirty="0"/>
+              <a:t>카드의 여부를 묻는 분기를 실행합니다</a:t>
+            </a:r>
+            <a:r>
+              <a:rPr lang="en-US" altLang="ko-KR" sz="1100" dirty="0"/>
+              <a:t>.</a:t>
+            </a:r>
+          </a:p>
+          <a:p>
+            <a:r>
+              <a:rPr lang="ko-KR" altLang="en-US" sz="1100" dirty="0" err="1"/>
+              <a:t>있을시엔</a:t>
+            </a:r>
+            <a:r>
+              <a:rPr lang="ko-KR" altLang="en-US" sz="1100" dirty="0"/>
+              <a:t> 자식클래스인 </a:t>
+            </a:r>
+            <a:r>
+              <a:rPr lang="en-US" altLang="ko-KR" sz="1100" dirty="0" err="1"/>
+              <a:t>Discount_trans</a:t>
+            </a:r>
+            <a:r>
+              <a:rPr lang="ko-KR" altLang="en-US" sz="1100" dirty="0"/>
+              <a:t>인스턴스를 </a:t>
+            </a:r>
+            <a:r>
+              <a:rPr lang="ko-KR" altLang="en-US" sz="1100" dirty="0" err="1"/>
+              <a:t>생성후</a:t>
+            </a:r>
+            <a:r>
+              <a:rPr lang="ko-KR" altLang="en-US" sz="1100" dirty="0"/>
+              <a:t> 저장하게 하고</a:t>
+            </a:r>
+            <a:endParaRPr lang="en-US" altLang="ko-KR" sz="1100" dirty="0"/>
+          </a:p>
+          <a:p>
+            <a:r>
+              <a:rPr lang="ko-KR" altLang="en-US" sz="1100" dirty="0" err="1"/>
+              <a:t>없을시엔</a:t>
+            </a:r>
+            <a:r>
+              <a:rPr lang="ko-KR" altLang="en-US" sz="1100" dirty="0"/>
+              <a:t> 부모클래스인 </a:t>
+            </a:r>
+            <a:r>
+              <a:rPr lang="en-US" altLang="ko-KR" sz="1100" dirty="0"/>
+              <a:t>Transactions</a:t>
+            </a:r>
+            <a:r>
+              <a:rPr lang="ko-KR" altLang="en-US" sz="1100" dirty="0"/>
+              <a:t>인스턴스 </a:t>
+            </a:r>
+            <a:r>
+              <a:rPr lang="ko-KR" altLang="en-US" sz="1100" dirty="0" err="1"/>
+              <a:t>생성후</a:t>
+            </a:r>
+            <a:r>
+              <a:rPr lang="ko-KR" altLang="en-US" sz="1100" dirty="0"/>
+              <a:t> 저장하게 합니다</a:t>
+            </a:r>
+            <a:r>
+              <a:rPr lang="en-US" altLang="ko-KR" sz="1100" dirty="0"/>
+              <a:t>.</a:t>
+            </a:r>
+          </a:p>
+          <a:p>
+            <a:r>
+              <a:rPr lang="ko-KR" altLang="en-US" sz="1100" dirty="0"/>
+              <a:t>클래스 </a:t>
+            </a:r>
+            <a:r>
+              <a:rPr lang="ko-KR" altLang="en-US" sz="1100" dirty="0" err="1"/>
+              <a:t>생성자</a:t>
+            </a:r>
+            <a:r>
+              <a:rPr lang="ko-KR" altLang="en-US" sz="1100" dirty="0"/>
+              <a:t> 조건에 맞게 가격</a:t>
+            </a:r>
+            <a:r>
+              <a:rPr lang="en-US" altLang="ko-KR" sz="1100" dirty="0"/>
+              <a:t>,</a:t>
+            </a:r>
+            <a:r>
+              <a:rPr lang="ko-KR" altLang="en-US" sz="1100" dirty="0"/>
+              <a:t> 카드번호</a:t>
+            </a:r>
+            <a:r>
+              <a:rPr lang="en-US" altLang="ko-KR" sz="1100" dirty="0"/>
+              <a:t>,</a:t>
+            </a:r>
+            <a:r>
+              <a:rPr lang="ko-KR" altLang="en-US" sz="1100" dirty="0"/>
+              <a:t> 품목을 인자로 </a:t>
+            </a:r>
+            <a:r>
+              <a:rPr lang="ko-KR" altLang="en-US" sz="1100" dirty="0" err="1"/>
+              <a:t>입력해주는것을</a:t>
+            </a:r>
+            <a:endParaRPr lang="en-US" altLang="ko-KR" sz="1100" dirty="0"/>
+          </a:p>
+          <a:p>
+            <a:r>
+              <a:rPr lang="ko-KR" altLang="en-US" sz="1100" dirty="0"/>
+              <a:t>볼 수 있습니다</a:t>
+            </a:r>
+            <a:r>
+              <a:rPr lang="en-US" altLang="ko-KR" sz="1100" dirty="0"/>
+              <a:t>.</a:t>
+            </a:r>
+          </a:p>
+        </p:txBody>
+      </p:sp>
+    </p:spTree>
+    <p:extLst>
+      <p:ext uri="{BB962C8B-B14F-4D97-AF65-F5344CB8AC3E}">
+        <p14:creationId xmlns:p14="http://schemas.microsoft.com/office/powerpoint/2010/main" val="1943588910"/>
+      </p:ext>
+    </p:extLst>
+  </p:cSld>
+  <p:clrMapOvr>
+    <a:masterClrMapping/>
+  </p:clrMapOvr>
+</p:sld>
+</file>
+
+<file path=ppt/slides/slide16.xml><?xml version="1.0" encoding="utf-8"?>
+<p:sld xmlns:a="http://schemas.openxmlformats.org/drawingml/2006/main" xmlns:r="http://schemas.openxmlformats.org/officeDocument/2006/relationships" xmlns:p="http://schemas.openxmlformats.org/presentationml/2006/main">
+  <p:cSld>
+    <p:spTree>
+      <p:nvGrpSpPr>
+        <p:cNvPr id="1" name=""/>
+        <p:cNvGrpSpPr/>
+        <p:nvPr/>
+      </p:nvGrpSpPr>
+      <p:grpSpPr>
+        <a:xfrm>
+          <a:off x="0" y="0"/>
+          <a:ext cx="0" cy="0"/>
+          <a:chOff x="0" y="0"/>
+          <a:chExt cx="0" cy="0"/>
+        </a:xfrm>
+      </p:grpSpPr>
+      <p:pic>
+        <p:nvPicPr>
+          <p:cNvPr id="3" name="그림 2">
+            <a:extLst>
+              <a:ext uri="{FF2B5EF4-FFF2-40B4-BE49-F238E27FC236}">
+                <a16:creationId xmlns:a16="http://schemas.microsoft.com/office/drawing/2014/main" id="{CA25125D-B1BA-E74D-A54E-E337E569E10B}"/>
+              </a:ext>
+            </a:extLst>
+          </p:cNvPr>
+          <p:cNvPicPr>
+            <a:picLocks noChangeAspect="1"/>
+          </p:cNvPicPr>
+          <p:nvPr/>
+        </p:nvPicPr>
+        <p:blipFill>
+          <a:blip r:embed="rId2"/>
+          <a:stretch>
+            <a:fillRect/>
+          </a:stretch>
+        </p:blipFill>
+        <p:spPr>
+          <a:xfrm>
+            <a:off x="5155057" y="1340141"/>
+            <a:ext cx="5334000" cy="1778000"/>
+          </a:xfrm>
+          <a:prstGeom prst="rect">
+            <a:avLst/>
+          </a:prstGeom>
+        </p:spPr>
+      </p:pic>
+      <p:sp>
+        <p:nvSpPr>
+          <p:cNvPr id="37" name="직사각형 36">
+            <a:extLst>
+              <a:ext uri="{FF2B5EF4-FFF2-40B4-BE49-F238E27FC236}">
+                <a16:creationId xmlns:a16="http://schemas.microsoft.com/office/drawing/2014/main" id="{3F15C60C-17FE-422D-AFCF-73C75A021362}"/>
+              </a:ext>
+            </a:extLst>
+          </p:cNvPr>
+          <p:cNvSpPr/>
+          <p:nvPr/>
+        </p:nvSpPr>
+        <p:spPr>
+          <a:xfrm>
+            <a:off x="3697172" y="332194"/>
+            <a:ext cx="4713765" cy="735842"/>
+          </a:xfrm>
+          <a:prstGeom prst="rect">
+            <a:avLst/>
+          </a:prstGeom>
+        </p:spPr>
+        <p:txBody>
+          <a:bodyPr wrap="square">
+            <a:spAutoFit/>
+          </a:bodyPr>
+          <a:lstStyle/>
+          <a:p>
+            <a:pPr algn="ctr" latinLnBrk="0">
+              <a:lnSpc>
+                <a:spcPct val="150000"/>
+              </a:lnSpc>
+              <a:defRPr/>
+            </a:pPr>
+            <a:r>
+              <a:rPr lang="en-US" altLang="ko-KR" sz="3200" b="1" i="1" kern="0" dirty="0">
+                <a:solidFill>
+                  <a:srgbClr val="FF7876"/>
+                </a:solidFill>
+              </a:rPr>
+              <a:t>ex5</a:t>
+            </a:r>
+          </a:p>
+        </p:txBody>
+      </p:sp>
+      <p:cxnSp>
+        <p:nvCxnSpPr>
+          <p:cNvPr id="38" name="직선 연결선 37">
+            <a:extLst>
+              <a:ext uri="{FF2B5EF4-FFF2-40B4-BE49-F238E27FC236}">
+                <a16:creationId xmlns:a16="http://schemas.microsoft.com/office/drawing/2014/main" id="{940134F4-F272-426A-B50B-8075427DF501}"/>
+              </a:ext>
+            </a:extLst>
+          </p:cNvPr>
+          <p:cNvCxnSpPr>
+            <a:cxnSpLocks/>
+          </p:cNvCxnSpPr>
+          <p:nvPr/>
+        </p:nvCxnSpPr>
+        <p:spPr>
+          <a:xfrm flipV="1">
+            <a:off x="843148" y="847712"/>
+            <a:ext cx="4769087" cy="1"/>
+          </a:xfrm>
+          <a:prstGeom prst="line">
+            <a:avLst/>
+          </a:prstGeom>
+          <a:ln w="6350">
+            <a:solidFill>
+              <a:srgbClr val="FF7876"/>
+            </a:solidFill>
+            <a:prstDash val="sysDash"/>
+            <a:tailEnd type="oval"/>
+          </a:ln>
+        </p:spPr>
+        <p:style>
+          <a:lnRef idx="1">
+            <a:schemeClr val="accent1"/>
+          </a:lnRef>
+          <a:fillRef idx="0">
+            <a:schemeClr val="accent1"/>
+          </a:fillRef>
+          <a:effectRef idx="0">
+            <a:schemeClr val="accent1"/>
+          </a:effectRef>
+          <a:fontRef idx="minor">
+            <a:schemeClr val="tx1"/>
+          </a:fontRef>
+        </p:style>
+      </p:cxnSp>
+      <p:cxnSp>
+        <p:nvCxnSpPr>
+          <p:cNvPr id="39" name="직선 연결선 38">
+            <a:extLst>
+              <a:ext uri="{FF2B5EF4-FFF2-40B4-BE49-F238E27FC236}">
+                <a16:creationId xmlns:a16="http://schemas.microsoft.com/office/drawing/2014/main" id="{55EBD739-0979-4546-8E6B-9CA8052FC540}"/>
+              </a:ext>
+            </a:extLst>
+          </p:cNvPr>
+          <p:cNvCxnSpPr>
+            <a:cxnSpLocks/>
+          </p:cNvCxnSpPr>
+          <p:nvPr/>
+        </p:nvCxnSpPr>
+        <p:spPr>
+          <a:xfrm flipH="1">
+            <a:off x="6579767" y="847712"/>
+            <a:ext cx="4692810" cy="0"/>
+          </a:xfrm>
+          <a:prstGeom prst="line">
+            <a:avLst/>
+          </a:prstGeom>
+          <a:ln w="6350">
+            <a:solidFill>
+              <a:srgbClr val="FF7876"/>
+            </a:solidFill>
+            <a:prstDash val="sysDash"/>
+            <a:tailEnd type="oval"/>
+          </a:ln>
+        </p:spPr>
+        <p:style>
+          <a:lnRef idx="1">
+            <a:schemeClr val="accent1"/>
+          </a:lnRef>
+          <a:fillRef idx="0">
+            <a:schemeClr val="accent1"/>
+          </a:fillRef>
+          <a:effectRef idx="0">
+            <a:schemeClr val="accent1"/>
+          </a:effectRef>
+          <a:fontRef idx="minor">
+            <a:schemeClr val="tx1"/>
+          </a:fontRef>
+        </p:style>
+      </p:cxnSp>
+      <p:sp>
+        <p:nvSpPr>
+          <p:cNvPr id="8" name="TextBox 7">
+            <a:extLst>
+              <a:ext uri="{FF2B5EF4-FFF2-40B4-BE49-F238E27FC236}">
+                <a16:creationId xmlns:a16="http://schemas.microsoft.com/office/drawing/2014/main" id="{C18154B9-4F65-4277-8C17-63D9702FC25F}"/>
+              </a:ext>
+            </a:extLst>
+          </p:cNvPr>
+          <p:cNvSpPr txBox="1"/>
+          <p:nvPr/>
+        </p:nvSpPr>
+        <p:spPr>
+          <a:xfrm>
+            <a:off x="765146" y="963122"/>
+            <a:ext cx="10507430" cy="261610"/>
+          </a:xfrm>
+          <a:prstGeom prst="rect">
+            <a:avLst/>
+          </a:prstGeom>
+          <a:noFill/>
+        </p:spPr>
+        <p:txBody>
+          <a:bodyPr wrap="square" rtlCol="0">
+            <a:spAutoFit/>
+          </a:bodyPr>
+          <a:lstStyle/>
+          <a:p>
+            <a:pPr algn="ctr"/>
+            <a:r>
+              <a:rPr lang="ko-KR" altLang="en-US" sz="1100" i="1" dirty="0">
+                <a:solidFill>
+                  <a:srgbClr val="FF7876"/>
+                </a:solidFill>
+              </a:rPr>
+              <a:t>예제 </a:t>
+            </a:r>
+            <a:r>
+              <a:rPr lang="en-US" altLang="ko-KR" sz="1100" i="1" dirty="0">
+                <a:solidFill>
+                  <a:srgbClr val="FF7876"/>
+                </a:solidFill>
+              </a:rPr>
+              <a:t>5</a:t>
+            </a:r>
+            <a:r>
+              <a:rPr lang="ko-KR" altLang="en-US" sz="1100" i="1" dirty="0">
+                <a:solidFill>
+                  <a:srgbClr val="FF7876"/>
+                </a:solidFill>
+              </a:rPr>
+              <a:t> 분석</a:t>
+            </a:r>
+            <a:endParaRPr lang="en-US" altLang="ko-KR" sz="1100" i="1" dirty="0">
+              <a:solidFill>
+                <a:srgbClr val="FF7876"/>
+              </a:solidFill>
+            </a:endParaRPr>
+          </a:p>
+        </p:txBody>
+      </p:sp>
+      <p:sp>
+        <p:nvSpPr>
+          <p:cNvPr id="29" name="TextBox 28">
+            <a:extLst>
+              <a:ext uri="{FF2B5EF4-FFF2-40B4-BE49-F238E27FC236}">
+                <a16:creationId xmlns:a16="http://schemas.microsoft.com/office/drawing/2014/main" id="{E3EE4462-0DA3-3E4F-824A-75CB5562CE34}"/>
+              </a:ext>
+            </a:extLst>
+          </p:cNvPr>
+          <p:cNvSpPr txBox="1"/>
+          <p:nvPr/>
+        </p:nvSpPr>
+        <p:spPr>
+          <a:xfrm>
+            <a:off x="4759544" y="3852431"/>
+            <a:ext cx="6125027" cy="1954381"/>
+          </a:xfrm>
+          <a:prstGeom prst="rect">
+            <a:avLst/>
+          </a:prstGeom>
+          <a:noFill/>
+          <a:ln w="12700">
+            <a:solidFill>
+              <a:srgbClr val="FF7876"/>
+            </a:solidFill>
+          </a:ln>
+        </p:spPr>
+        <p:txBody>
+          <a:bodyPr wrap="square" rtlCol="0">
+            <a:spAutoFit/>
+          </a:bodyPr>
+          <a:lstStyle/>
+          <a:p>
+            <a:pPr algn="ctr"/>
+            <a:r>
+              <a:rPr lang="ko-KR" altLang="en-US" sz="1100" dirty="0"/>
+              <a:t>두개의 케이스를 비교하기 위해 제품과 카드번호의 입력은 같지만</a:t>
+            </a:r>
+            <a:endParaRPr lang="en-US" altLang="ko-KR" sz="1100" dirty="0"/>
+          </a:p>
+          <a:p>
+            <a:pPr algn="ctr"/>
+            <a:r>
+              <a:rPr lang="ko-KR" altLang="en-US" sz="1100" dirty="0" err="1"/>
+              <a:t>스타버즈</a:t>
+            </a:r>
+            <a:r>
+              <a:rPr lang="ko-KR" altLang="en-US" sz="1100" dirty="0"/>
+              <a:t> 카드의 유무에서 다르게 입력하여 실행해보았습니다</a:t>
+            </a:r>
+            <a:r>
+              <a:rPr lang="en-US" altLang="ko-KR" sz="1100" dirty="0"/>
+              <a:t>.</a:t>
+            </a:r>
+          </a:p>
+          <a:p>
+            <a:pPr algn="ctr"/>
+            <a:endParaRPr lang="en-US" altLang="ko-KR" sz="1100" dirty="0"/>
+          </a:p>
+          <a:p>
+            <a:pPr algn="ctr"/>
+            <a:r>
+              <a:rPr lang="ko-KR" altLang="en-US" sz="1100" dirty="0"/>
+              <a:t>첫 루프에선 </a:t>
+            </a:r>
+            <a:r>
+              <a:rPr lang="ko-KR" altLang="en-US" sz="1100" dirty="0" err="1"/>
+              <a:t>스타버즈</a:t>
+            </a:r>
+            <a:r>
+              <a:rPr lang="ko-KR" altLang="en-US" sz="1100" dirty="0"/>
+              <a:t> 카드가 있다고 설정하였고</a:t>
+            </a:r>
+            <a:endParaRPr lang="en-US" altLang="ko-KR" sz="1100" dirty="0"/>
+          </a:p>
+          <a:p>
+            <a:pPr algn="ctr"/>
+            <a:r>
+              <a:rPr lang="ko-KR" altLang="en-US" sz="1100" dirty="0"/>
+              <a:t>두번째 루프에선 없다고 설정하였습니다</a:t>
+            </a:r>
+            <a:r>
+              <a:rPr lang="en-US" altLang="ko-KR" sz="1100" dirty="0"/>
+              <a:t>.</a:t>
+            </a:r>
+          </a:p>
+          <a:p>
+            <a:pPr algn="ctr"/>
+            <a:endParaRPr lang="en-US" altLang="ko-KR" sz="1100" dirty="0"/>
+          </a:p>
+          <a:p>
+            <a:pPr algn="ctr"/>
+            <a:r>
+              <a:rPr lang="ko-KR" altLang="en-US" sz="1100" dirty="0"/>
+              <a:t>실행 결과 </a:t>
+            </a:r>
+            <a:r>
+              <a:rPr lang="en-US" altLang="ko-KR" sz="1100" dirty="0"/>
+              <a:t>txt</a:t>
+            </a:r>
+            <a:r>
+              <a:rPr lang="ko-KR" altLang="en-US" sz="1100" dirty="0"/>
+              <a:t>파일에서 확인할 수 있듯이 첫 실행에선</a:t>
+            </a:r>
+            <a:endParaRPr lang="en-US" altLang="ko-KR" sz="1100" dirty="0"/>
+          </a:p>
+          <a:p>
+            <a:pPr algn="ctr"/>
+            <a:r>
+              <a:rPr lang="en-US" altLang="ko-KR" sz="1100" dirty="0"/>
+              <a:t>10%</a:t>
+            </a:r>
+            <a:r>
+              <a:rPr lang="ko-KR" altLang="en-US" sz="1100" dirty="0"/>
+              <a:t> 할인된 가격이 저장된 것을 볼 수 있고</a:t>
+            </a:r>
+            <a:endParaRPr lang="en-US" altLang="ko-KR" sz="1100" dirty="0"/>
+          </a:p>
+          <a:p>
+            <a:pPr algn="ctr"/>
+            <a:r>
+              <a:rPr lang="ko-KR" altLang="en-US" sz="1100" dirty="0"/>
+              <a:t>두번째 실행에선 할인 없이 저장된 것을 볼 수 있습니다</a:t>
+            </a:r>
+            <a:r>
+              <a:rPr lang="en-US" altLang="ko-KR" sz="1100" dirty="0"/>
+              <a:t>.</a:t>
+            </a:r>
+          </a:p>
+          <a:p>
+            <a:pPr algn="ctr"/>
+            <a:endParaRPr lang="en-US" altLang="ko-KR" sz="1100" dirty="0"/>
+          </a:p>
+          <a:p>
+            <a:pPr algn="ctr"/>
+            <a:r>
+              <a:rPr lang="ko-KR" altLang="en-US" sz="1100" dirty="0"/>
+              <a:t>클래스의 상속과 </a:t>
+            </a:r>
+            <a:r>
+              <a:rPr lang="ko-KR" altLang="en-US" sz="1100" dirty="0" err="1"/>
+              <a:t>오버라이드</a:t>
+            </a:r>
+            <a:r>
+              <a:rPr lang="ko-KR" altLang="en-US" sz="1100" dirty="0"/>
+              <a:t> 모두 정상적으로 </a:t>
+            </a:r>
+            <a:r>
+              <a:rPr lang="ko-KR" altLang="en-US" sz="1100" dirty="0" err="1"/>
+              <a:t>실행된것을</a:t>
+            </a:r>
+            <a:r>
+              <a:rPr lang="ko-KR" altLang="en-US" sz="1100" dirty="0"/>
+              <a:t> 볼 수 있습니다</a:t>
+            </a:r>
+            <a:r>
+              <a:rPr lang="en-US" altLang="ko-KR" sz="1100" dirty="0"/>
+              <a:t>.</a:t>
+            </a:r>
+          </a:p>
+        </p:txBody>
+      </p:sp>
+      <p:pic>
+        <p:nvPicPr>
+          <p:cNvPr id="2" name="그림 1">
+            <a:extLst>
+              <a:ext uri="{FF2B5EF4-FFF2-40B4-BE49-F238E27FC236}">
+                <a16:creationId xmlns:a16="http://schemas.microsoft.com/office/drawing/2014/main" id="{96CA4F03-F1E8-984F-AA70-AA010604E02E}"/>
+              </a:ext>
+            </a:extLst>
+          </p:cNvPr>
+          <p:cNvPicPr>
+            <a:picLocks noChangeAspect="1"/>
+          </p:cNvPicPr>
+          <p:nvPr/>
+        </p:nvPicPr>
+        <p:blipFill>
+          <a:blip r:embed="rId3"/>
+          <a:stretch>
+            <a:fillRect/>
+          </a:stretch>
+        </p:blipFill>
+        <p:spPr>
+          <a:xfrm>
+            <a:off x="1307429" y="1363231"/>
+            <a:ext cx="3276600" cy="4978400"/>
+          </a:xfrm>
+          <a:prstGeom prst="rect">
+            <a:avLst/>
+          </a:prstGeom>
+        </p:spPr>
+      </p:pic>
+    </p:spTree>
+    <p:extLst>
+      <p:ext uri="{BB962C8B-B14F-4D97-AF65-F5344CB8AC3E}">
+        <p14:creationId xmlns:p14="http://schemas.microsoft.com/office/powerpoint/2010/main" val="880343118"/>
+      </p:ext>
+    </p:extLst>
+  </p:cSld>
+  <p:clrMapOvr>
+    <a:masterClrMapping/>
+  </p:clrMapOvr>
+</p:sld>
+</file>
+
+<file path=ppt/slides/slide17.xml><?xml version="1.0" encoding="utf-8"?>
+<p:sld xmlns:a="http://schemas.openxmlformats.org/drawingml/2006/main" xmlns:r="http://schemas.openxmlformats.org/officeDocument/2006/relationships" xmlns:p="http://schemas.openxmlformats.org/presentationml/2006/main">
+  <p:cSld>
+    <p:spTree>
+      <p:nvGrpSpPr>
+        <p:cNvPr id="1" name=""/>
+        <p:cNvGrpSpPr/>
+        <p:nvPr/>
+      </p:nvGrpSpPr>
+      <p:grpSpPr>
+        <a:xfrm>
+          <a:off x="0" y="0"/>
+          <a:ext cx="0" cy="0"/>
+          <a:chOff x="0" y="0"/>
+          <a:chExt cx="0" cy="0"/>
+        </a:xfrm>
+      </p:grpSpPr>
       <p:sp>
         <p:nvSpPr>
           <p:cNvPr id="105" name="직사각형 104">

--- a/1장/20164091-송희령-7주차 과제1.pptx
+++ b/1장/20164091-송희령-7주차 과제1.pptx
@@ -21,7 +21,11 @@
     <p:sldId id="363" r:id="rId15"/>
     <p:sldId id="365" r:id="rId16"/>
     <p:sldId id="364" r:id="rId17"/>
-    <p:sldId id="258" r:id="rId18"/>
+    <p:sldId id="366" r:id="rId18"/>
+    <p:sldId id="367" r:id="rId19"/>
+    <p:sldId id="368" r:id="rId20"/>
+    <p:sldId id="369" r:id="rId21"/>
+    <p:sldId id="258" r:id="rId22"/>
   </p:sldIdLst>
   <p:sldSz cx="12192000" cy="6858000"/>
   <p:notesSz cx="6858000" cy="9144000"/>
@@ -282,7 +286,7 @@
                 </a:solidFill>
               </a:rPr>
               <a:pPr/>
-              <a:t>2021. 9. 6.</a:t>
+              <a:t>2021. 9. 7.</a:t>
             </a:fld>
             <a:endParaRPr lang="ko-KR" altLang="en-US">
               <a:solidFill>
@@ -512,7 +516,7 @@
                 </a:solidFill>
               </a:rPr>
               <a:pPr/>
-              <a:t>2021. 9. 6.</a:t>
+              <a:t>2021. 9. 7.</a:t>
             </a:fld>
             <a:endParaRPr lang="ko-KR" altLang="en-US">
               <a:solidFill>
@@ -752,7 +756,7 @@
                 </a:solidFill>
               </a:rPr>
               <a:pPr/>
-              <a:t>2021. 9. 6.</a:t>
+              <a:t>2021. 9. 7.</a:t>
             </a:fld>
             <a:endParaRPr lang="ko-KR" altLang="en-US">
               <a:solidFill>
@@ -982,7 +986,7 @@
                 </a:solidFill>
               </a:rPr>
               <a:pPr/>
-              <a:t>2021. 9. 6.</a:t>
+              <a:t>2021. 9. 7.</a:t>
             </a:fld>
             <a:endParaRPr lang="ko-KR" altLang="en-US">
               <a:solidFill>
@@ -1289,7 +1293,7 @@
                 </a:solidFill>
               </a:rPr>
               <a:pPr/>
-              <a:t>2021. 9. 6.</a:t>
+              <a:t>2021. 9. 7.</a:t>
             </a:fld>
             <a:endParaRPr lang="ko-KR" altLang="en-US">
               <a:solidFill>
@@ -1586,7 +1590,7 @@
                 </a:solidFill>
               </a:rPr>
               <a:pPr/>
-              <a:t>2021. 9. 6.</a:t>
+              <a:t>2021. 9. 7.</a:t>
             </a:fld>
             <a:endParaRPr lang="ko-KR" altLang="en-US">
               <a:solidFill>
@@ -2030,7 +2034,7 @@
                 </a:solidFill>
               </a:rPr>
               <a:pPr/>
-              <a:t>2021. 9. 6.</a:t>
+              <a:t>2021. 9. 7.</a:t>
             </a:fld>
             <a:endParaRPr lang="ko-KR" altLang="en-US">
               <a:solidFill>
@@ -2203,7 +2207,7 @@
                 </a:solidFill>
               </a:rPr>
               <a:pPr/>
-              <a:t>2021. 9. 6.</a:t>
+              <a:t>2021. 9. 7.</a:t>
             </a:fld>
             <a:endParaRPr lang="ko-KR" altLang="en-US">
               <a:solidFill>
@@ -2348,7 +2352,7 @@
                 </a:solidFill>
               </a:rPr>
               <a:pPr/>
-              <a:t>2021. 9. 6.</a:t>
+              <a:t>2021. 9. 7.</a:t>
             </a:fld>
             <a:endParaRPr lang="ko-KR" altLang="en-US">
               <a:solidFill>
@@ -2691,7 +2695,7 @@
                 </a:solidFill>
               </a:rPr>
               <a:pPr/>
-              <a:t>2021. 9. 6.</a:t>
+              <a:t>2021. 9. 7.</a:t>
             </a:fld>
             <a:endParaRPr lang="ko-KR" altLang="en-US">
               <a:solidFill>
@@ -3011,7 +3015,7 @@
                 </a:solidFill>
               </a:rPr>
               <a:pPr/>
-              <a:t>2021. 9. 6.</a:t>
+              <a:t>2021. 9. 7.</a:t>
             </a:fld>
             <a:endParaRPr lang="ko-KR" altLang="en-US">
               <a:solidFill>
@@ -3284,7 +3288,7 @@
                 </a:solidFill>
               </a:rPr>
               <a:pPr/>
-              <a:t>2021. 9. 6.</a:t>
+              <a:t>2021. 9. 7.</a:t>
             </a:fld>
             <a:endParaRPr lang="ko-KR" altLang="en-US">
               <a:solidFill>
@@ -8310,10 +8314,10 @@
       </p:grpSpPr>
       <p:sp>
         <p:nvSpPr>
-          <p:cNvPr id="105" name="직사각형 104">
-            <a:extLst>
-              <a:ext uri="{FF2B5EF4-FFF2-40B4-BE49-F238E27FC236}">
-                <a16:creationId xmlns:a16="http://schemas.microsoft.com/office/drawing/2014/main" id="{92F4E01E-679C-4D6B-8449-8DB2AF7B7D34}"/>
+          <p:cNvPr id="37" name="직사각형 36">
+            <a:extLst>
+              <a:ext uri="{FF2B5EF4-FFF2-40B4-BE49-F238E27FC236}">
+                <a16:creationId xmlns:a16="http://schemas.microsoft.com/office/drawing/2014/main" id="{3F15C60C-17FE-422D-AFCF-73C75A021362}"/>
               </a:ext>
             </a:extLst>
           </p:cNvPr>
@@ -8322,8 +8326,8 @@
         </p:nvSpPr>
         <p:spPr>
           <a:xfrm>
-            <a:off x="3739117" y="3003678"/>
-            <a:ext cx="4713765" cy="1032077"/>
+            <a:off x="3697172" y="332194"/>
+            <a:ext cx="4713765" cy="735842"/>
           </a:xfrm>
           <a:prstGeom prst="rect">
             <a:avLst/>
@@ -8342,79 +8346,22 @@
               <a:defRPr/>
             </a:pPr>
             <a:r>
-              <a:rPr lang="ko-KR" altLang="en-US" sz="3200" b="1" i="1" kern="0">
+              <a:rPr lang="en-US" altLang="ko-KR" sz="3200" b="1" i="1" kern="0" dirty="0">
                 <a:solidFill>
                   <a:srgbClr val="FF7876"/>
                 </a:solidFill>
               </a:rPr>
-              <a:t>감사합니다</a:t>
-            </a:r>
-            <a:r>
-              <a:rPr lang="en-US" altLang="ko-KR" sz="3200" b="1" i="1" kern="0">
-                <a:solidFill>
-                  <a:prstClr val="black">
-                    <a:lumMod val="75000"/>
-                    <a:lumOff val="25000"/>
-                  </a:prstClr>
-                </a:solidFill>
-              </a:rPr>
-              <a:t> </a:t>
-            </a:r>
-            <a:endParaRPr lang="en-US" altLang="ko-KR" sz="3200" b="1" i="1" kern="0" dirty="0">
-              <a:solidFill>
-                <a:prstClr val="black">
-                  <a:lumMod val="75000"/>
-                  <a:lumOff val="25000"/>
-                </a:prstClr>
-              </a:solidFill>
-            </a:endParaRPr>
-          </a:p>
-          <a:p>
-            <a:pPr algn="ctr" latinLnBrk="0">
-              <a:lnSpc>
-                <a:spcPct val="150000"/>
-              </a:lnSpc>
-              <a:defRPr/>
-            </a:pPr>
-            <a:r>
-              <a:rPr lang="en-US" altLang="ko-KR" sz="900" kern="0">
-                <a:solidFill>
-                  <a:prstClr val="black">
-                    <a:lumMod val="75000"/>
-                    <a:lumOff val="25000"/>
-                  </a:prstClr>
-                </a:solidFill>
-              </a:rPr>
-              <a:t>20164091 </a:t>
-            </a:r>
-            <a:r>
-              <a:rPr lang="ko-KR" altLang="en-US" sz="900" kern="0">
-                <a:solidFill>
-                  <a:prstClr val="black">
-                    <a:lumMod val="75000"/>
-                    <a:lumOff val="25000"/>
-                  </a:prstClr>
-                </a:solidFill>
-              </a:rPr>
-              <a:t>송희령</a:t>
-            </a:r>
-            <a:endParaRPr lang="en-US" altLang="ko-KR" sz="900" kern="0" dirty="0">
-              <a:solidFill>
-                <a:prstClr val="black">
-                  <a:lumMod val="75000"/>
-                  <a:lumOff val="25000"/>
-                </a:prstClr>
-              </a:solidFill>
-            </a:endParaRPr>
+              <a:t>ex6</a:t>
+            </a:r>
           </a:p>
         </p:txBody>
       </p:sp>
       <p:cxnSp>
         <p:nvCxnSpPr>
-          <p:cNvPr id="25" name="직선 연결선 24">
-            <a:extLst>
-              <a:ext uri="{FF2B5EF4-FFF2-40B4-BE49-F238E27FC236}">
-                <a16:creationId xmlns:a16="http://schemas.microsoft.com/office/drawing/2014/main" id="{5C950320-1D5A-4C58-BB46-CEBCD7EA92EE}"/>
+          <p:cNvPr id="38" name="직선 연결선 37">
+            <a:extLst>
+              <a:ext uri="{FF2B5EF4-FFF2-40B4-BE49-F238E27FC236}">
+                <a16:creationId xmlns:a16="http://schemas.microsoft.com/office/drawing/2014/main" id="{940134F4-F272-426A-B50B-8075427DF501}"/>
               </a:ext>
             </a:extLst>
           </p:cNvPr>
@@ -8425,8 +8372,8 @@
         </p:nvCxnSpPr>
         <p:spPr>
           <a:xfrm flipV="1">
-            <a:off x="859926" y="3518678"/>
-            <a:ext cx="3747936" cy="519"/>
+            <a:off x="843148" y="847712"/>
+            <a:ext cx="4769087" cy="1"/>
           </a:xfrm>
           <a:prstGeom prst="line">
             <a:avLst/>
@@ -8456,10 +8403,10 @@
       </p:cxnSp>
       <p:cxnSp>
         <p:nvCxnSpPr>
-          <p:cNvPr id="26" name="직선 연결선 25">
-            <a:extLst>
-              <a:ext uri="{FF2B5EF4-FFF2-40B4-BE49-F238E27FC236}">
-                <a16:creationId xmlns:a16="http://schemas.microsoft.com/office/drawing/2014/main" id="{4BADCF3C-651C-44CD-8DEE-E875CC3C1444}"/>
+          <p:cNvPr id="39" name="직선 연결선 38">
+            <a:extLst>
+              <a:ext uri="{FF2B5EF4-FFF2-40B4-BE49-F238E27FC236}">
+                <a16:creationId xmlns:a16="http://schemas.microsoft.com/office/drawing/2014/main" id="{55EBD739-0979-4546-8E6B-9CA8052FC540}"/>
               </a:ext>
             </a:extLst>
           </p:cNvPr>
@@ -8470,8 +8417,8 @@
         </p:nvCxnSpPr>
         <p:spPr>
           <a:xfrm flipH="1">
-            <a:off x="7584140" y="3519196"/>
-            <a:ext cx="3688436" cy="0"/>
+            <a:off x="6579767" y="847712"/>
+            <a:ext cx="4692810" cy="0"/>
           </a:xfrm>
           <a:prstGeom prst="line">
             <a:avLst/>
@@ -8482,6 +8429,1313 @@
             </a:solidFill>
             <a:prstDash val="sysDash"/>
             <a:tailEnd type="oval"/>
+          </a:ln>
+        </p:spPr>
+        <p:style>
+          <a:lnRef idx="1">
+            <a:schemeClr val="accent1"/>
+          </a:lnRef>
+          <a:fillRef idx="0">
+            <a:schemeClr val="accent1"/>
+          </a:fillRef>
+          <a:effectRef idx="0">
+            <a:schemeClr val="accent1"/>
+          </a:effectRef>
+          <a:fontRef idx="minor">
+            <a:schemeClr val="tx1"/>
+          </a:fontRef>
+        </p:style>
+      </p:cxnSp>
+      <p:sp>
+        <p:nvSpPr>
+          <p:cNvPr id="8" name="TextBox 7">
+            <a:extLst>
+              <a:ext uri="{FF2B5EF4-FFF2-40B4-BE49-F238E27FC236}">
+                <a16:creationId xmlns:a16="http://schemas.microsoft.com/office/drawing/2014/main" id="{C18154B9-4F65-4277-8C17-63D9702FC25F}"/>
+              </a:ext>
+            </a:extLst>
+          </p:cNvPr>
+          <p:cNvSpPr txBox="1"/>
+          <p:nvPr/>
+        </p:nvSpPr>
+        <p:spPr>
+          <a:xfrm>
+            <a:off x="765146" y="963122"/>
+            <a:ext cx="10507430" cy="261610"/>
+          </a:xfrm>
+          <a:prstGeom prst="rect">
+            <a:avLst/>
+          </a:prstGeom>
+          <a:noFill/>
+        </p:spPr>
+        <p:txBody>
+          <a:bodyPr wrap="square" rtlCol="0">
+            <a:spAutoFit/>
+          </a:bodyPr>
+          <a:lstStyle/>
+          <a:p>
+            <a:pPr algn="ctr"/>
+            <a:r>
+              <a:rPr lang="ko-KR" altLang="en-US" sz="1100" i="1" dirty="0">
+                <a:solidFill>
+                  <a:srgbClr val="FF7876"/>
+                </a:solidFill>
+              </a:rPr>
+              <a:t>임의 프로그램 작성</a:t>
+            </a:r>
+            <a:endParaRPr lang="en-US" altLang="ko-KR" sz="1100" i="1" dirty="0">
+              <a:solidFill>
+                <a:srgbClr val="FF7876"/>
+              </a:solidFill>
+            </a:endParaRPr>
+          </a:p>
+        </p:txBody>
+      </p:sp>
+      <p:grpSp>
+        <p:nvGrpSpPr>
+          <p:cNvPr id="5" name="그룹 4">
+            <a:extLst>
+              <a:ext uri="{FF2B5EF4-FFF2-40B4-BE49-F238E27FC236}">
+                <a16:creationId xmlns:a16="http://schemas.microsoft.com/office/drawing/2014/main" id="{C745D894-A30E-5043-ACCD-DE296673CF84}"/>
+              </a:ext>
+            </a:extLst>
+          </p:cNvPr>
+          <p:cNvGrpSpPr/>
+          <p:nvPr/>
+        </p:nvGrpSpPr>
+        <p:grpSpPr>
+          <a:xfrm>
+            <a:off x="5195086" y="1447012"/>
+            <a:ext cx="1675994" cy="817296"/>
+            <a:chOff x="4903773" y="1666959"/>
+            <a:chExt cx="1675994" cy="817296"/>
+          </a:xfrm>
+        </p:grpSpPr>
+        <p:sp>
+          <p:nvSpPr>
+            <p:cNvPr id="2" name="직사각형 1">
+              <a:extLst>
+                <a:ext uri="{FF2B5EF4-FFF2-40B4-BE49-F238E27FC236}">
+                  <a16:creationId xmlns:a16="http://schemas.microsoft.com/office/drawing/2014/main" id="{FB13352D-23D5-584C-A389-A3B24CD40BCF}"/>
+                </a:ext>
+              </a:extLst>
+            </p:cNvPr>
+            <p:cNvSpPr/>
+            <p:nvPr/>
+          </p:nvSpPr>
+          <p:spPr>
+            <a:xfrm>
+              <a:off x="4911865" y="1666959"/>
+              <a:ext cx="1667902" cy="817296"/>
+            </a:xfrm>
+            <a:prstGeom prst="rect">
+              <a:avLst/>
+            </a:prstGeom>
+            <a:noFill/>
+            <a:ln>
+              <a:solidFill>
+                <a:srgbClr val="FF7876"/>
+              </a:solidFill>
+            </a:ln>
+          </p:spPr>
+          <p:style>
+            <a:lnRef idx="2">
+              <a:schemeClr val="accent1">
+                <a:shade val="50000"/>
+              </a:schemeClr>
+            </a:lnRef>
+            <a:fillRef idx="1">
+              <a:schemeClr val="accent1"/>
+            </a:fillRef>
+            <a:effectRef idx="0">
+              <a:schemeClr val="accent1"/>
+            </a:effectRef>
+            <a:fontRef idx="minor">
+              <a:schemeClr val="lt1"/>
+            </a:fontRef>
+          </p:style>
+          <p:txBody>
+            <a:bodyPr rtlCol="0" anchor="ctr"/>
+            <a:lstStyle/>
+            <a:p>
+              <a:pPr algn="ctr"/>
+              <a:endParaRPr kumimoji="1" lang="ko-Kore-KR" altLang="en-US"/>
+            </a:p>
+          </p:txBody>
+        </p:sp>
+        <p:cxnSp>
+          <p:nvCxnSpPr>
+            <p:cNvPr id="4" name="직선 연결선[R] 3">
+              <a:extLst>
+                <a:ext uri="{FF2B5EF4-FFF2-40B4-BE49-F238E27FC236}">
+                  <a16:creationId xmlns:a16="http://schemas.microsoft.com/office/drawing/2014/main" id="{B508D31A-B379-A64A-96E4-1A15FFB517B0}"/>
+                </a:ext>
+              </a:extLst>
+            </p:cNvPr>
+            <p:cNvCxnSpPr/>
+            <p:nvPr/>
+          </p:nvCxnSpPr>
+          <p:spPr>
+            <a:xfrm>
+              <a:off x="4903773" y="1901628"/>
+              <a:ext cx="1675994" cy="0"/>
+            </a:xfrm>
+            <a:prstGeom prst="line">
+              <a:avLst/>
+            </a:prstGeom>
+          </p:spPr>
+          <p:style>
+            <a:lnRef idx="1">
+              <a:schemeClr val="accent1"/>
+            </a:lnRef>
+            <a:fillRef idx="0">
+              <a:schemeClr val="accent1"/>
+            </a:fillRef>
+            <a:effectRef idx="0">
+              <a:schemeClr val="accent1"/>
+            </a:effectRef>
+            <a:fontRef idx="minor">
+              <a:schemeClr val="tx1"/>
+            </a:fontRef>
+          </p:style>
+        </p:cxnSp>
+      </p:grpSp>
+      <p:sp>
+        <p:nvSpPr>
+          <p:cNvPr id="7" name="TextBox 6">
+            <a:extLst>
+              <a:ext uri="{FF2B5EF4-FFF2-40B4-BE49-F238E27FC236}">
+                <a16:creationId xmlns:a16="http://schemas.microsoft.com/office/drawing/2014/main" id="{F9458D66-ABB2-3C42-AC71-EDA5DCC1053C}"/>
+              </a:ext>
+            </a:extLst>
+          </p:cNvPr>
+          <p:cNvSpPr txBox="1"/>
+          <p:nvPr/>
+        </p:nvSpPr>
+        <p:spPr>
+          <a:xfrm>
+            <a:off x="5550800" y="1450849"/>
+            <a:ext cx="964565" cy="230832"/>
+          </a:xfrm>
+          <a:prstGeom prst="rect">
+            <a:avLst/>
+          </a:prstGeom>
+          <a:noFill/>
+        </p:spPr>
+        <p:txBody>
+          <a:bodyPr wrap="square" rtlCol="0">
+            <a:spAutoFit/>
+          </a:bodyPr>
+          <a:lstStyle/>
+          <a:p>
+            <a:r>
+              <a:rPr kumimoji="1" lang="en-US" altLang="ko-Kore-KR" sz="900" dirty="0" err="1"/>
+              <a:t>Katsu_Element</a:t>
+            </a:r>
+            <a:endParaRPr kumimoji="1" lang="ko-Kore-KR" altLang="en-US" sz="900" dirty="0"/>
+          </a:p>
+        </p:txBody>
+      </p:sp>
+      <p:sp>
+        <p:nvSpPr>
+          <p:cNvPr id="19" name="TextBox 18">
+            <a:extLst>
+              <a:ext uri="{FF2B5EF4-FFF2-40B4-BE49-F238E27FC236}">
+                <a16:creationId xmlns:a16="http://schemas.microsoft.com/office/drawing/2014/main" id="{227B6AAF-DA18-ED4B-86D0-2A3C1E84B7F4}"/>
+              </a:ext>
+            </a:extLst>
+          </p:cNvPr>
+          <p:cNvSpPr txBox="1"/>
+          <p:nvPr/>
+        </p:nvSpPr>
+        <p:spPr>
+          <a:xfrm>
+            <a:off x="5203178" y="1732832"/>
+            <a:ext cx="1440718" cy="507831"/>
+          </a:xfrm>
+          <a:prstGeom prst="rect">
+            <a:avLst/>
+          </a:prstGeom>
+          <a:noFill/>
+        </p:spPr>
+        <p:txBody>
+          <a:bodyPr wrap="square" rtlCol="0">
+            <a:spAutoFit/>
+          </a:bodyPr>
+          <a:lstStyle/>
+          <a:p>
+            <a:r>
+              <a:rPr kumimoji="1" lang="en-US" altLang="ko-Kore-KR" sz="900" dirty="0"/>
+              <a:t>int Bread</a:t>
+            </a:r>
+          </a:p>
+          <a:p>
+            <a:r>
+              <a:rPr kumimoji="1" lang="en-US" altLang="ko-Kore-KR" sz="900" dirty="0"/>
+              <a:t>int Egg</a:t>
+            </a:r>
+          </a:p>
+          <a:p>
+            <a:r>
+              <a:rPr kumimoji="1" lang="en-US" altLang="ko-Kore-KR" sz="900" dirty="0"/>
+              <a:t>void </a:t>
+            </a:r>
+            <a:r>
+              <a:rPr kumimoji="1" lang="en-US" altLang="ko-Kore-KR" sz="900" dirty="0" err="1"/>
+              <a:t>Print_Element</a:t>
+            </a:r>
+            <a:r>
+              <a:rPr kumimoji="1" lang="en-US" altLang="ko-Kore-KR" sz="900" dirty="0"/>
+              <a:t>(self)</a:t>
+            </a:r>
+            <a:endParaRPr kumimoji="1" lang="ko-Kore-KR" altLang="en-US" sz="900" dirty="0"/>
+          </a:p>
+        </p:txBody>
+      </p:sp>
+      <p:grpSp>
+        <p:nvGrpSpPr>
+          <p:cNvPr id="20" name="그룹 19">
+            <a:extLst>
+              <a:ext uri="{FF2B5EF4-FFF2-40B4-BE49-F238E27FC236}">
+                <a16:creationId xmlns:a16="http://schemas.microsoft.com/office/drawing/2014/main" id="{FD1D40C3-F5C1-9543-9469-A13BC77A73B7}"/>
+              </a:ext>
+            </a:extLst>
+          </p:cNvPr>
+          <p:cNvGrpSpPr/>
+          <p:nvPr/>
+        </p:nvGrpSpPr>
+        <p:grpSpPr>
+          <a:xfrm>
+            <a:off x="2548990" y="2175856"/>
+            <a:ext cx="1675994" cy="817296"/>
+            <a:chOff x="4903773" y="1666959"/>
+            <a:chExt cx="1675994" cy="817296"/>
+          </a:xfrm>
+        </p:grpSpPr>
+        <p:sp>
+          <p:nvSpPr>
+            <p:cNvPr id="21" name="직사각형 20">
+              <a:extLst>
+                <a:ext uri="{FF2B5EF4-FFF2-40B4-BE49-F238E27FC236}">
+                  <a16:creationId xmlns:a16="http://schemas.microsoft.com/office/drawing/2014/main" id="{3381F08C-1028-9840-9910-64FAE720960C}"/>
+                </a:ext>
+              </a:extLst>
+            </p:cNvPr>
+            <p:cNvSpPr/>
+            <p:nvPr/>
+          </p:nvSpPr>
+          <p:spPr>
+            <a:xfrm>
+              <a:off x="4911865" y="1666959"/>
+              <a:ext cx="1667902" cy="817296"/>
+            </a:xfrm>
+            <a:prstGeom prst="rect">
+              <a:avLst/>
+            </a:prstGeom>
+            <a:noFill/>
+            <a:ln>
+              <a:solidFill>
+                <a:srgbClr val="FF7876"/>
+              </a:solidFill>
+            </a:ln>
+          </p:spPr>
+          <p:style>
+            <a:lnRef idx="2">
+              <a:schemeClr val="accent1">
+                <a:shade val="50000"/>
+              </a:schemeClr>
+            </a:lnRef>
+            <a:fillRef idx="1">
+              <a:schemeClr val="accent1"/>
+            </a:fillRef>
+            <a:effectRef idx="0">
+              <a:schemeClr val="accent1"/>
+            </a:effectRef>
+            <a:fontRef idx="minor">
+              <a:schemeClr val="lt1"/>
+            </a:fontRef>
+          </p:style>
+          <p:txBody>
+            <a:bodyPr rtlCol="0" anchor="ctr"/>
+            <a:lstStyle/>
+            <a:p>
+              <a:pPr algn="ctr"/>
+              <a:endParaRPr kumimoji="1" lang="ko-Kore-KR" altLang="en-US"/>
+            </a:p>
+          </p:txBody>
+        </p:sp>
+        <p:cxnSp>
+          <p:nvCxnSpPr>
+            <p:cNvPr id="23" name="직선 연결선[R] 22">
+              <a:extLst>
+                <a:ext uri="{FF2B5EF4-FFF2-40B4-BE49-F238E27FC236}">
+                  <a16:creationId xmlns:a16="http://schemas.microsoft.com/office/drawing/2014/main" id="{F747FECA-0CBC-CC44-B9A9-C43F990957B5}"/>
+                </a:ext>
+              </a:extLst>
+            </p:cNvPr>
+            <p:cNvCxnSpPr/>
+            <p:nvPr/>
+          </p:nvCxnSpPr>
+          <p:spPr>
+            <a:xfrm>
+              <a:off x="4903773" y="1901628"/>
+              <a:ext cx="1675994" cy="0"/>
+            </a:xfrm>
+            <a:prstGeom prst="line">
+              <a:avLst/>
+            </a:prstGeom>
+          </p:spPr>
+          <p:style>
+            <a:lnRef idx="1">
+              <a:schemeClr val="accent1"/>
+            </a:lnRef>
+            <a:fillRef idx="0">
+              <a:schemeClr val="accent1"/>
+            </a:fillRef>
+            <a:effectRef idx="0">
+              <a:schemeClr val="accent1"/>
+            </a:effectRef>
+            <a:fontRef idx="minor">
+              <a:schemeClr val="tx1"/>
+            </a:fontRef>
+          </p:style>
+        </p:cxnSp>
+      </p:grpSp>
+      <p:sp>
+        <p:nvSpPr>
+          <p:cNvPr id="25" name="TextBox 24">
+            <a:extLst>
+              <a:ext uri="{FF2B5EF4-FFF2-40B4-BE49-F238E27FC236}">
+                <a16:creationId xmlns:a16="http://schemas.microsoft.com/office/drawing/2014/main" id="{902AE794-E09D-1844-9CAB-69B5992EFB7D}"/>
+              </a:ext>
+            </a:extLst>
+          </p:cNvPr>
+          <p:cNvSpPr txBox="1"/>
+          <p:nvPr/>
+        </p:nvSpPr>
+        <p:spPr>
+          <a:xfrm>
+            <a:off x="3045835" y="2177919"/>
+            <a:ext cx="753838" cy="230832"/>
+          </a:xfrm>
+          <a:prstGeom prst="rect">
+            <a:avLst/>
+          </a:prstGeom>
+          <a:noFill/>
+        </p:spPr>
+        <p:txBody>
+          <a:bodyPr wrap="square" rtlCol="0">
+            <a:spAutoFit/>
+          </a:bodyPr>
+          <a:lstStyle/>
+          <a:p>
+            <a:r>
+              <a:rPr kumimoji="1" lang="en-US" altLang="ko-Kore-KR" sz="900" dirty="0" err="1"/>
+              <a:t>Don_Katsu</a:t>
+            </a:r>
+            <a:endParaRPr kumimoji="1" lang="ko-Kore-KR" altLang="en-US" sz="900" dirty="0"/>
+          </a:p>
+        </p:txBody>
+      </p:sp>
+      <p:sp>
+        <p:nvSpPr>
+          <p:cNvPr id="26" name="TextBox 25">
+            <a:extLst>
+              <a:ext uri="{FF2B5EF4-FFF2-40B4-BE49-F238E27FC236}">
+                <a16:creationId xmlns:a16="http://schemas.microsoft.com/office/drawing/2014/main" id="{D0E200A6-7E36-2840-8AB1-F6EBC31D7AC8}"/>
+              </a:ext>
+            </a:extLst>
+          </p:cNvPr>
+          <p:cNvSpPr txBox="1"/>
+          <p:nvPr/>
+        </p:nvSpPr>
+        <p:spPr>
+          <a:xfrm>
+            <a:off x="2557082" y="2461676"/>
+            <a:ext cx="1440718" cy="369332"/>
+          </a:xfrm>
+          <a:prstGeom prst="rect">
+            <a:avLst/>
+          </a:prstGeom>
+          <a:noFill/>
+        </p:spPr>
+        <p:txBody>
+          <a:bodyPr wrap="square" rtlCol="0">
+            <a:spAutoFit/>
+          </a:bodyPr>
+          <a:lstStyle/>
+          <a:p>
+            <a:r>
+              <a:rPr kumimoji="1" lang="en-US" altLang="ko-Kore-KR" sz="900" dirty="0"/>
+              <a:t>string Meat</a:t>
+            </a:r>
+          </a:p>
+          <a:p>
+            <a:r>
+              <a:rPr kumimoji="1" lang="en-US" altLang="ko-Kore-KR" sz="900" dirty="0"/>
+              <a:t>void __</a:t>
+            </a:r>
+            <a:r>
+              <a:rPr kumimoji="1" lang="en-US" altLang="ko-Kore-KR" sz="900" dirty="0" err="1"/>
+              <a:t>init</a:t>
+            </a:r>
+            <a:r>
+              <a:rPr kumimoji="1" lang="en-US" altLang="ko-Kore-KR" sz="900" dirty="0"/>
+              <a:t>__(self)</a:t>
+            </a:r>
+            <a:endParaRPr kumimoji="1" lang="ko-Kore-KR" altLang="en-US" sz="900" dirty="0"/>
+          </a:p>
+        </p:txBody>
+      </p:sp>
+      <p:grpSp>
+        <p:nvGrpSpPr>
+          <p:cNvPr id="27" name="그룹 26">
+            <a:extLst>
+              <a:ext uri="{FF2B5EF4-FFF2-40B4-BE49-F238E27FC236}">
+                <a16:creationId xmlns:a16="http://schemas.microsoft.com/office/drawing/2014/main" id="{462D8BF5-BA66-BB49-9C3E-BEF0EFBDC27B}"/>
+              </a:ext>
+            </a:extLst>
+          </p:cNvPr>
+          <p:cNvGrpSpPr/>
+          <p:nvPr/>
+        </p:nvGrpSpPr>
+        <p:grpSpPr>
+          <a:xfrm>
+            <a:off x="7849274" y="2175856"/>
+            <a:ext cx="1675994" cy="817296"/>
+            <a:chOff x="4903773" y="1666959"/>
+            <a:chExt cx="1675994" cy="817296"/>
+          </a:xfrm>
+        </p:grpSpPr>
+        <p:sp>
+          <p:nvSpPr>
+            <p:cNvPr id="28" name="직사각형 27">
+              <a:extLst>
+                <a:ext uri="{FF2B5EF4-FFF2-40B4-BE49-F238E27FC236}">
+                  <a16:creationId xmlns:a16="http://schemas.microsoft.com/office/drawing/2014/main" id="{F3D85D8E-DF0C-5147-A3D5-BCBCCC4AC46D}"/>
+                </a:ext>
+              </a:extLst>
+            </p:cNvPr>
+            <p:cNvSpPr/>
+            <p:nvPr/>
+          </p:nvSpPr>
+          <p:spPr>
+            <a:xfrm>
+              <a:off x="4911865" y="1666959"/>
+              <a:ext cx="1667902" cy="817296"/>
+            </a:xfrm>
+            <a:prstGeom prst="rect">
+              <a:avLst/>
+            </a:prstGeom>
+            <a:noFill/>
+            <a:ln>
+              <a:solidFill>
+                <a:srgbClr val="FF7876"/>
+              </a:solidFill>
+            </a:ln>
+          </p:spPr>
+          <p:style>
+            <a:lnRef idx="2">
+              <a:schemeClr val="accent1">
+                <a:shade val="50000"/>
+              </a:schemeClr>
+            </a:lnRef>
+            <a:fillRef idx="1">
+              <a:schemeClr val="accent1"/>
+            </a:fillRef>
+            <a:effectRef idx="0">
+              <a:schemeClr val="accent1"/>
+            </a:effectRef>
+            <a:fontRef idx="minor">
+              <a:schemeClr val="lt1"/>
+            </a:fontRef>
+          </p:style>
+          <p:txBody>
+            <a:bodyPr rtlCol="0" anchor="ctr"/>
+            <a:lstStyle/>
+            <a:p>
+              <a:pPr algn="ctr"/>
+              <a:endParaRPr kumimoji="1" lang="ko-Kore-KR" altLang="en-US"/>
+            </a:p>
+          </p:txBody>
+        </p:sp>
+        <p:cxnSp>
+          <p:nvCxnSpPr>
+            <p:cNvPr id="29" name="직선 연결선[R] 28">
+              <a:extLst>
+                <a:ext uri="{FF2B5EF4-FFF2-40B4-BE49-F238E27FC236}">
+                  <a16:creationId xmlns:a16="http://schemas.microsoft.com/office/drawing/2014/main" id="{F4EA8074-2C9B-984E-AA54-2A56C80923C9}"/>
+                </a:ext>
+              </a:extLst>
+            </p:cNvPr>
+            <p:cNvCxnSpPr/>
+            <p:nvPr/>
+          </p:nvCxnSpPr>
+          <p:spPr>
+            <a:xfrm>
+              <a:off x="4903773" y="1901628"/>
+              <a:ext cx="1675994" cy="0"/>
+            </a:xfrm>
+            <a:prstGeom prst="line">
+              <a:avLst/>
+            </a:prstGeom>
+          </p:spPr>
+          <p:style>
+            <a:lnRef idx="1">
+              <a:schemeClr val="accent1"/>
+            </a:lnRef>
+            <a:fillRef idx="0">
+              <a:schemeClr val="accent1"/>
+            </a:fillRef>
+            <a:effectRef idx="0">
+              <a:schemeClr val="accent1"/>
+            </a:effectRef>
+            <a:fontRef idx="minor">
+              <a:schemeClr val="tx1"/>
+            </a:fontRef>
+          </p:style>
+        </p:cxnSp>
+      </p:grpSp>
+      <p:sp>
+        <p:nvSpPr>
+          <p:cNvPr id="30" name="TextBox 29">
+            <a:extLst>
+              <a:ext uri="{FF2B5EF4-FFF2-40B4-BE49-F238E27FC236}">
+                <a16:creationId xmlns:a16="http://schemas.microsoft.com/office/drawing/2014/main" id="{1555F552-783E-214E-90CB-82D0FF512892}"/>
+              </a:ext>
+            </a:extLst>
+          </p:cNvPr>
+          <p:cNvSpPr txBox="1"/>
+          <p:nvPr/>
+        </p:nvSpPr>
+        <p:spPr>
+          <a:xfrm>
+            <a:off x="8217126" y="2178461"/>
+            <a:ext cx="964565" cy="230832"/>
+          </a:xfrm>
+          <a:prstGeom prst="rect">
+            <a:avLst/>
+          </a:prstGeom>
+          <a:noFill/>
+        </p:spPr>
+        <p:txBody>
+          <a:bodyPr wrap="square" rtlCol="0">
+            <a:spAutoFit/>
+          </a:bodyPr>
+          <a:lstStyle/>
+          <a:p>
+            <a:r>
+              <a:rPr kumimoji="1" lang="en-US" altLang="ko-Kore-KR" sz="900" dirty="0" err="1"/>
+              <a:t>Chicken_Katsu</a:t>
+            </a:r>
+            <a:endParaRPr kumimoji="1" lang="ko-Kore-KR" altLang="en-US" sz="900" dirty="0"/>
+          </a:p>
+        </p:txBody>
+      </p:sp>
+      <p:sp>
+        <p:nvSpPr>
+          <p:cNvPr id="31" name="TextBox 30">
+            <a:extLst>
+              <a:ext uri="{FF2B5EF4-FFF2-40B4-BE49-F238E27FC236}">
+                <a16:creationId xmlns:a16="http://schemas.microsoft.com/office/drawing/2014/main" id="{87752E04-78EC-964F-8D18-31C1833DBC6E}"/>
+              </a:ext>
+            </a:extLst>
+          </p:cNvPr>
+          <p:cNvSpPr txBox="1"/>
+          <p:nvPr/>
+        </p:nvSpPr>
+        <p:spPr>
+          <a:xfrm>
+            <a:off x="7857366" y="2461676"/>
+            <a:ext cx="1440718" cy="369332"/>
+          </a:xfrm>
+          <a:prstGeom prst="rect">
+            <a:avLst/>
+          </a:prstGeom>
+          <a:noFill/>
+        </p:spPr>
+        <p:txBody>
+          <a:bodyPr wrap="square" rtlCol="0">
+            <a:spAutoFit/>
+          </a:bodyPr>
+          <a:lstStyle/>
+          <a:p>
+            <a:r>
+              <a:rPr kumimoji="1" lang="en-US" altLang="ko-Kore-KR" sz="900" dirty="0"/>
+              <a:t>string Meat</a:t>
+            </a:r>
+          </a:p>
+          <a:p>
+            <a:r>
+              <a:rPr kumimoji="1" lang="en-US" altLang="ko-Kore-KR" sz="900" dirty="0"/>
+              <a:t>void __</a:t>
+            </a:r>
+            <a:r>
+              <a:rPr kumimoji="1" lang="en-US" altLang="ko-Kore-KR" sz="900" dirty="0" err="1"/>
+              <a:t>init</a:t>
+            </a:r>
+            <a:r>
+              <a:rPr kumimoji="1" lang="en-US" altLang="ko-Kore-KR" sz="900" dirty="0"/>
+              <a:t>__(self)</a:t>
+            </a:r>
+            <a:endParaRPr kumimoji="1" lang="ko-Kore-KR" altLang="en-US" sz="900" dirty="0"/>
+          </a:p>
+        </p:txBody>
+      </p:sp>
+      <p:grpSp>
+        <p:nvGrpSpPr>
+          <p:cNvPr id="32" name="그룹 31">
+            <a:extLst>
+              <a:ext uri="{FF2B5EF4-FFF2-40B4-BE49-F238E27FC236}">
+                <a16:creationId xmlns:a16="http://schemas.microsoft.com/office/drawing/2014/main" id="{6FF8B8CF-C0CC-9D44-B00D-AAC09180D716}"/>
+              </a:ext>
+            </a:extLst>
+          </p:cNvPr>
+          <p:cNvGrpSpPr/>
+          <p:nvPr/>
+        </p:nvGrpSpPr>
+        <p:grpSpPr>
+          <a:xfrm>
+            <a:off x="1228710" y="3573816"/>
+            <a:ext cx="1675994" cy="817296"/>
+            <a:chOff x="4903773" y="1666959"/>
+            <a:chExt cx="1675994" cy="817296"/>
+          </a:xfrm>
+        </p:grpSpPr>
+        <p:sp>
+          <p:nvSpPr>
+            <p:cNvPr id="33" name="직사각형 32">
+              <a:extLst>
+                <a:ext uri="{FF2B5EF4-FFF2-40B4-BE49-F238E27FC236}">
+                  <a16:creationId xmlns:a16="http://schemas.microsoft.com/office/drawing/2014/main" id="{B983F025-CC10-8948-BF2D-1572C68A686B}"/>
+                </a:ext>
+              </a:extLst>
+            </p:cNvPr>
+            <p:cNvSpPr/>
+            <p:nvPr/>
+          </p:nvSpPr>
+          <p:spPr>
+            <a:xfrm>
+              <a:off x="4911865" y="1666959"/>
+              <a:ext cx="1667902" cy="817296"/>
+            </a:xfrm>
+            <a:prstGeom prst="rect">
+              <a:avLst/>
+            </a:prstGeom>
+            <a:noFill/>
+            <a:ln>
+              <a:solidFill>
+                <a:srgbClr val="FF7876"/>
+              </a:solidFill>
+            </a:ln>
+          </p:spPr>
+          <p:style>
+            <a:lnRef idx="2">
+              <a:schemeClr val="accent1">
+                <a:shade val="50000"/>
+              </a:schemeClr>
+            </a:lnRef>
+            <a:fillRef idx="1">
+              <a:schemeClr val="accent1"/>
+            </a:fillRef>
+            <a:effectRef idx="0">
+              <a:schemeClr val="accent1"/>
+            </a:effectRef>
+            <a:fontRef idx="minor">
+              <a:schemeClr val="lt1"/>
+            </a:fontRef>
+          </p:style>
+          <p:txBody>
+            <a:bodyPr rtlCol="0" anchor="ctr"/>
+            <a:lstStyle/>
+            <a:p>
+              <a:pPr algn="ctr"/>
+              <a:endParaRPr kumimoji="1" lang="ko-Kore-KR" altLang="en-US"/>
+            </a:p>
+          </p:txBody>
+        </p:sp>
+        <p:cxnSp>
+          <p:nvCxnSpPr>
+            <p:cNvPr id="34" name="직선 연결선[R] 33">
+              <a:extLst>
+                <a:ext uri="{FF2B5EF4-FFF2-40B4-BE49-F238E27FC236}">
+                  <a16:creationId xmlns:a16="http://schemas.microsoft.com/office/drawing/2014/main" id="{46828BBD-C736-7246-BDC1-88F6C4C4F780}"/>
+                </a:ext>
+              </a:extLst>
+            </p:cNvPr>
+            <p:cNvCxnSpPr/>
+            <p:nvPr/>
+          </p:nvCxnSpPr>
+          <p:spPr>
+            <a:xfrm>
+              <a:off x="4903773" y="1901628"/>
+              <a:ext cx="1675994" cy="0"/>
+            </a:xfrm>
+            <a:prstGeom prst="line">
+              <a:avLst/>
+            </a:prstGeom>
+          </p:spPr>
+          <p:style>
+            <a:lnRef idx="1">
+              <a:schemeClr val="accent1"/>
+            </a:lnRef>
+            <a:fillRef idx="0">
+              <a:schemeClr val="accent1"/>
+            </a:fillRef>
+            <a:effectRef idx="0">
+              <a:schemeClr val="accent1"/>
+            </a:effectRef>
+            <a:fontRef idx="minor">
+              <a:schemeClr val="tx1"/>
+            </a:fontRef>
+          </p:style>
+        </p:cxnSp>
+      </p:grpSp>
+      <p:sp>
+        <p:nvSpPr>
+          <p:cNvPr id="35" name="TextBox 34">
+            <a:extLst>
+              <a:ext uri="{FF2B5EF4-FFF2-40B4-BE49-F238E27FC236}">
+                <a16:creationId xmlns:a16="http://schemas.microsoft.com/office/drawing/2014/main" id="{41E385DC-CE42-8947-8F25-37D5435020EA}"/>
+              </a:ext>
+            </a:extLst>
+          </p:cNvPr>
+          <p:cNvSpPr txBox="1"/>
+          <p:nvPr/>
+        </p:nvSpPr>
+        <p:spPr>
+          <a:xfrm>
+            <a:off x="1727083" y="3582054"/>
+            <a:ext cx="964565" cy="230832"/>
+          </a:xfrm>
+          <a:prstGeom prst="rect">
+            <a:avLst/>
+          </a:prstGeom>
+          <a:noFill/>
+        </p:spPr>
+        <p:txBody>
+          <a:bodyPr wrap="square" rtlCol="0">
+            <a:spAutoFit/>
+          </a:bodyPr>
+          <a:lstStyle/>
+          <a:p>
+            <a:r>
+              <a:rPr kumimoji="1" lang="en-US" altLang="ko-Kore-KR" sz="900" dirty="0" err="1"/>
+              <a:t>Hire_Katsu</a:t>
+            </a:r>
+            <a:endParaRPr kumimoji="1" lang="ko-Kore-KR" altLang="en-US" sz="900" dirty="0"/>
+          </a:p>
+        </p:txBody>
+      </p:sp>
+      <p:sp>
+        <p:nvSpPr>
+          <p:cNvPr id="36" name="TextBox 35">
+            <a:extLst>
+              <a:ext uri="{FF2B5EF4-FFF2-40B4-BE49-F238E27FC236}">
+                <a16:creationId xmlns:a16="http://schemas.microsoft.com/office/drawing/2014/main" id="{26F05CAE-16FC-AD47-AF7F-DDDE143B0C83}"/>
+              </a:ext>
+            </a:extLst>
+          </p:cNvPr>
+          <p:cNvSpPr txBox="1"/>
+          <p:nvPr/>
+        </p:nvSpPr>
+        <p:spPr>
+          <a:xfrm>
+            <a:off x="1236802" y="3859636"/>
+            <a:ext cx="1440718" cy="507831"/>
+          </a:xfrm>
+          <a:prstGeom prst="rect">
+            <a:avLst/>
+          </a:prstGeom>
+          <a:noFill/>
+        </p:spPr>
+        <p:txBody>
+          <a:bodyPr wrap="square" rtlCol="0">
+            <a:spAutoFit/>
+          </a:bodyPr>
+          <a:lstStyle/>
+          <a:p>
+            <a:r>
+              <a:rPr kumimoji="1" lang="en-US" altLang="ko-Kore-KR" sz="900" dirty="0"/>
+              <a:t>string Part</a:t>
+            </a:r>
+          </a:p>
+          <a:p>
+            <a:r>
+              <a:rPr kumimoji="1" lang="en-US" altLang="ko-Kore-KR" sz="900" dirty="0"/>
+              <a:t>@override</a:t>
+            </a:r>
+          </a:p>
+          <a:p>
+            <a:r>
+              <a:rPr kumimoji="1" lang="en-US" altLang="ko-Kore-KR" sz="900" dirty="0"/>
+              <a:t>void __</a:t>
+            </a:r>
+            <a:r>
+              <a:rPr kumimoji="1" lang="en-US" altLang="ko-Kore-KR" sz="900" dirty="0" err="1"/>
+              <a:t>init</a:t>
+            </a:r>
+            <a:r>
+              <a:rPr kumimoji="1" lang="en-US" altLang="ko-Kore-KR" sz="900" dirty="0"/>
+              <a:t>__(self)</a:t>
+            </a:r>
+            <a:endParaRPr kumimoji="1" lang="ko-Kore-KR" altLang="en-US" sz="900" dirty="0"/>
+          </a:p>
+        </p:txBody>
+      </p:sp>
+      <p:grpSp>
+        <p:nvGrpSpPr>
+          <p:cNvPr id="40" name="그룹 39">
+            <a:extLst>
+              <a:ext uri="{FF2B5EF4-FFF2-40B4-BE49-F238E27FC236}">
+                <a16:creationId xmlns:a16="http://schemas.microsoft.com/office/drawing/2014/main" id="{621DC838-5C4B-0348-8026-1E45E0BF6AA5}"/>
+              </a:ext>
+            </a:extLst>
+          </p:cNvPr>
+          <p:cNvGrpSpPr/>
+          <p:nvPr/>
+        </p:nvGrpSpPr>
+        <p:grpSpPr>
+          <a:xfrm>
+            <a:off x="3936241" y="3575590"/>
+            <a:ext cx="1675994" cy="817296"/>
+            <a:chOff x="4903773" y="1666959"/>
+            <a:chExt cx="1675994" cy="817296"/>
+          </a:xfrm>
+        </p:grpSpPr>
+        <p:sp>
+          <p:nvSpPr>
+            <p:cNvPr id="41" name="직사각형 40">
+              <a:extLst>
+                <a:ext uri="{FF2B5EF4-FFF2-40B4-BE49-F238E27FC236}">
+                  <a16:creationId xmlns:a16="http://schemas.microsoft.com/office/drawing/2014/main" id="{4C7DA165-2FC9-534E-B43A-0FACC69294F4}"/>
+                </a:ext>
+              </a:extLst>
+            </p:cNvPr>
+            <p:cNvSpPr/>
+            <p:nvPr/>
+          </p:nvSpPr>
+          <p:spPr>
+            <a:xfrm>
+              <a:off x="4911865" y="1666959"/>
+              <a:ext cx="1667902" cy="817296"/>
+            </a:xfrm>
+            <a:prstGeom prst="rect">
+              <a:avLst/>
+            </a:prstGeom>
+            <a:noFill/>
+            <a:ln>
+              <a:solidFill>
+                <a:srgbClr val="FF7876"/>
+              </a:solidFill>
+            </a:ln>
+          </p:spPr>
+          <p:style>
+            <a:lnRef idx="2">
+              <a:schemeClr val="accent1">
+                <a:shade val="50000"/>
+              </a:schemeClr>
+            </a:lnRef>
+            <a:fillRef idx="1">
+              <a:schemeClr val="accent1"/>
+            </a:fillRef>
+            <a:effectRef idx="0">
+              <a:schemeClr val="accent1"/>
+            </a:effectRef>
+            <a:fontRef idx="minor">
+              <a:schemeClr val="lt1"/>
+            </a:fontRef>
+          </p:style>
+          <p:txBody>
+            <a:bodyPr rtlCol="0" anchor="ctr"/>
+            <a:lstStyle/>
+            <a:p>
+              <a:pPr algn="ctr"/>
+              <a:endParaRPr kumimoji="1" lang="ko-Kore-KR" altLang="en-US"/>
+            </a:p>
+          </p:txBody>
+        </p:sp>
+        <p:cxnSp>
+          <p:nvCxnSpPr>
+            <p:cNvPr id="42" name="직선 연결선[R] 41">
+              <a:extLst>
+                <a:ext uri="{FF2B5EF4-FFF2-40B4-BE49-F238E27FC236}">
+                  <a16:creationId xmlns:a16="http://schemas.microsoft.com/office/drawing/2014/main" id="{B3D7B9DE-E16B-6747-8996-66E0801AB0A0}"/>
+                </a:ext>
+              </a:extLst>
+            </p:cNvPr>
+            <p:cNvCxnSpPr/>
+            <p:nvPr/>
+          </p:nvCxnSpPr>
+          <p:spPr>
+            <a:xfrm>
+              <a:off x="4903773" y="1901628"/>
+              <a:ext cx="1675994" cy="0"/>
+            </a:xfrm>
+            <a:prstGeom prst="line">
+              <a:avLst/>
+            </a:prstGeom>
+          </p:spPr>
+          <p:style>
+            <a:lnRef idx="1">
+              <a:schemeClr val="accent1"/>
+            </a:lnRef>
+            <a:fillRef idx="0">
+              <a:schemeClr val="accent1"/>
+            </a:fillRef>
+            <a:effectRef idx="0">
+              <a:schemeClr val="accent1"/>
+            </a:effectRef>
+            <a:fontRef idx="minor">
+              <a:schemeClr val="tx1"/>
+            </a:fontRef>
+          </p:style>
+        </p:cxnSp>
+      </p:grpSp>
+      <p:sp>
+        <p:nvSpPr>
+          <p:cNvPr id="43" name="TextBox 42">
+            <a:extLst>
+              <a:ext uri="{FF2B5EF4-FFF2-40B4-BE49-F238E27FC236}">
+                <a16:creationId xmlns:a16="http://schemas.microsoft.com/office/drawing/2014/main" id="{451ABA07-3326-DC41-90E9-AD833AF0DE60}"/>
+              </a:ext>
+            </a:extLst>
+          </p:cNvPr>
+          <p:cNvSpPr txBox="1"/>
+          <p:nvPr/>
+        </p:nvSpPr>
+        <p:spPr>
+          <a:xfrm>
+            <a:off x="4420486" y="3578375"/>
+            <a:ext cx="964565" cy="230832"/>
+          </a:xfrm>
+          <a:prstGeom prst="rect">
+            <a:avLst/>
+          </a:prstGeom>
+          <a:noFill/>
+        </p:spPr>
+        <p:txBody>
+          <a:bodyPr wrap="square" rtlCol="0">
+            <a:spAutoFit/>
+          </a:bodyPr>
+          <a:lstStyle/>
+          <a:p>
+            <a:r>
+              <a:rPr kumimoji="1" lang="en-US" altLang="ko-Kore-KR" sz="900" dirty="0" err="1"/>
+              <a:t>Ross_Katsu</a:t>
+            </a:r>
+            <a:endParaRPr kumimoji="1" lang="ko-Kore-KR" altLang="en-US" sz="900" dirty="0"/>
+          </a:p>
+        </p:txBody>
+      </p:sp>
+      <p:sp>
+        <p:nvSpPr>
+          <p:cNvPr id="44" name="TextBox 43">
+            <a:extLst>
+              <a:ext uri="{FF2B5EF4-FFF2-40B4-BE49-F238E27FC236}">
+                <a16:creationId xmlns:a16="http://schemas.microsoft.com/office/drawing/2014/main" id="{333E1DBB-0FBF-5D42-A8EB-F45F723AF294}"/>
+              </a:ext>
+            </a:extLst>
+          </p:cNvPr>
+          <p:cNvSpPr txBox="1"/>
+          <p:nvPr/>
+        </p:nvSpPr>
+        <p:spPr>
+          <a:xfrm>
+            <a:off x="3944333" y="3861410"/>
+            <a:ext cx="1440718" cy="507831"/>
+          </a:xfrm>
+          <a:prstGeom prst="rect">
+            <a:avLst/>
+          </a:prstGeom>
+          <a:noFill/>
+        </p:spPr>
+        <p:txBody>
+          <a:bodyPr wrap="square" rtlCol="0">
+            <a:spAutoFit/>
+          </a:bodyPr>
+          <a:lstStyle/>
+          <a:p>
+            <a:r>
+              <a:rPr kumimoji="1" lang="en-US" altLang="ko-Kore-KR" sz="900" dirty="0"/>
+              <a:t>string Part</a:t>
+            </a:r>
+          </a:p>
+          <a:p>
+            <a:r>
+              <a:rPr kumimoji="1" lang="en-US" altLang="ko-Kore-KR" sz="900" dirty="0"/>
+              <a:t>@override</a:t>
+            </a:r>
+          </a:p>
+          <a:p>
+            <a:r>
+              <a:rPr kumimoji="1" lang="en-US" altLang="ko-Kore-KR" sz="900" dirty="0"/>
+              <a:t>void __</a:t>
+            </a:r>
+            <a:r>
+              <a:rPr kumimoji="1" lang="en-US" altLang="ko-Kore-KR" sz="900" dirty="0" err="1"/>
+              <a:t>init</a:t>
+            </a:r>
+            <a:r>
+              <a:rPr kumimoji="1" lang="en-US" altLang="ko-Kore-KR" sz="900" dirty="0"/>
+              <a:t>__(self)</a:t>
+            </a:r>
+            <a:endParaRPr kumimoji="1" lang="ko-Kore-KR" altLang="en-US" sz="900" dirty="0"/>
+          </a:p>
+        </p:txBody>
+      </p:sp>
+      <p:sp>
+        <p:nvSpPr>
+          <p:cNvPr id="45" name="TextBox 44">
+            <a:extLst>
+              <a:ext uri="{FF2B5EF4-FFF2-40B4-BE49-F238E27FC236}">
+                <a16:creationId xmlns:a16="http://schemas.microsoft.com/office/drawing/2014/main" id="{1721ADE4-C0E2-A341-94AD-E206D0A36332}"/>
+              </a:ext>
+            </a:extLst>
+          </p:cNvPr>
+          <p:cNvSpPr txBox="1"/>
+          <p:nvPr/>
+        </p:nvSpPr>
+        <p:spPr>
+          <a:xfrm>
+            <a:off x="3318228" y="5442558"/>
+            <a:ext cx="5851325" cy="769441"/>
+          </a:xfrm>
+          <a:prstGeom prst="rect">
+            <a:avLst/>
+          </a:prstGeom>
+          <a:noFill/>
+          <a:ln w="12700">
+            <a:solidFill>
+              <a:srgbClr val="FF7876"/>
+            </a:solidFill>
+          </a:ln>
+        </p:spPr>
+        <p:txBody>
+          <a:bodyPr wrap="square" rtlCol="0">
+            <a:spAutoFit/>
+          </a:bodyPr>
+          <a:lstStyle/>
+          <a:p>
+            <a:pPr algn="ctr"/>
+            <a:r>
+              <a:rPr lang="ko-KR" altLang="en-US" sz="1100" dirty="0"/>
+              <a:t>임의 프로그램으로 저는 </a:t>
+            </a:r>
+            <a:r>
+              <a:rPr lang="ko-KR" altLang="en-US" sz="1100" dirty="0" err="1"/>
+              <a:t>돈까스의</a:t>
+            </a:r>
+            <a:r>
+              <a:rPr lang="ko-KR" altLang="en-US" sz="1100" dirty="0"/>
+              <a:t> 구성에 대해</a:t>
+            </a:r>
+            <a:endParaRPr lang="en-US" altLang="ko-KR" sz="1100" dirty="0"/>
+          </a:p>
+          <a:p>
+            <a:pPr algn="ctr"/>
+            <a:r>
+              <a:rPr lang="ko-KR" altLang="en-US" sz="1100" dirty="0"/>
+              <a:t>부모와 자식 관계에 대입해서</a:t>
+            </a:r>
+            <a:endParaRPr lang="en-US" altLang="ko-KR" sz="1100" dirty="0"/>
+          </a:p>
+          <a:p>
+            <a:pPr algn="ctr"/>
+            <a:r>
+              <a:rPr lang="ko-KR" altLang="en-US" sz="1100" dirty="0" err="1"/>
+              <a:t>최상단</a:t>
+            </a:r>
+            <a:r>
+              <a:rPr lang="ko-KR" altLang="en-US" sz="1100" dirty="0"/>
+              <a:t> 클래스의 요소부터 </a:t>
+            </a:r>
+            <a:r>
+              <a:rPr lang="ko-KR" altLang="en-US" sz="1100" dirty="0" err="1"/>
+              <a:t>최하단</a:t>
+            </a:r>
+            <a:r>
+              <a:rPr lang="ko-KR" altLang="en-US" sz="1100" dirty="0"/>
+              <a:t> 클래스의 요소까지</a:t>
+            </a:r>
+            <a:endParaRPr lang="en-US" altLang="ko-KR" sz="1100" dirty="0"/>
+          </a:p>
+          <a:p>
+            <a:pPr algn="ctr"/>
+            <a:r>
+              <a:rPr lang="ko-KR" altLang="en-US" sz="1100" dirty="0"/>
+              <a:t>서로 잘 연관되어 작동하는지에 대해 실행해보았습니다</a:t>
+            </a:r>
+            <a:r>
+              <a:rPr lang="en-US" altLang="ko-KR" sz="1100" dirty="0"/>
+              <a:t>.</a:t>
+            </a:r>
+          </a:p>
+        </p:txBody>
+      </p:sp>
+      <p:cxnSp>
+        <p:nvCxnSpPr>
+          <p:cNvPr id="10" name="직선 연결선[R] 9">
+            <a:extLst>
+              <a:ext uri="{FF2B5EF4-FFF2-40B4-BE49-F238E27FC236}">
+                <a16:creationId xmlns:a16="http://schemas.microsoft.com/office/drawing/2014/main" id="{77033E72-E653-2C47-8586-DE59D140B402}"/>
+              </a:ext>
+            </a:extLst>
+          </p:cNvPr>
+          <p:cNvCxnSpPr>
+            <a:cxnSpLocks/>
+            <a:stCxn id="2" idx="1"/>
+            <a:endCxn id="21" idx="0"/>
+          </p:cNvCxnSpPr>
+          <p:nvPr/>
+        </p:nvCxnSpPr>
+        <p:spPr>
+          <a:xfrm flipH="1">
+            <a:off x="3391033" y="1855660"/>
+            <a:ext cx="1812145" cy="320196"/>
+          </a:xfrm>
+          <a:prstGeom prst="line">
+            <a:avLst/>
+          </a:prstGeom>
+          <a:ln w="12700">
+            <a:solidFill>
+              <a:srgbClr val="FF7876"/>
+            </a:solidFill>
+          </a:ln>
+        </p:spPr>
+        <p:style>
+          <a:lnRef idx="1">
+            <a:schemeClr val="accent1"/>
+          </a:lnRef>
+          <a:fillRef idx="0">
+            <a:schemeClr val="accent1"/>
+          </a:fillRef>
+          <a:effectRef idx="0">
+            <a:schemeClr val="accent1"/>
+          </a:effectRef>
+          <a:fontRef idx="minor">
+            <a:schemeClr val="tx1"/>
+          </a:fontRef>
+        </p:style>
+      </p:cxnSp>
+      <p:cxnSp>
+        <p:nvCxnSpPr>
+          <p:cNvPr id="46" name="직선 연결선[R] 45">
+            <a:extLst>
+              <a:ext uri="{FF2B5EF4-FFF2-40B4-BE49-F238E27FC236}">
+                <a16:creationId xmlns:a16="http://schemas.microsoft.com/office/drawing/2014/main" id="{EE7F0B3E-C763-3648-BC6A-2050D1C703AF}"/>
+              </a:ext>
+            </a:extLst>
+          </p:cNvPr>
+          <p:cNvCxnSpPr>
+            <a:cxnSpLocks/>
+            <a:stCxn id="2" idx="3"/>
+            <a:endCxn id="28" idx="0"/>
+          </p:cNvCxnSpPr>
+          <p:nvPr/>
+        </p:nvCxnSpPr>
+        <p:spPr>
+          <a:xfrm>
+            <a:off x="6871080" y="1855660"/>
+            <a:ext cx="1820237" cy="320196"/>
+          </a:xfrm>
+          <a:prstGeom prst="line">
+            <a:avLst/>
+          </a:prstGeom>
+          <a:ln w="12700">
+            <a:solidFill>
+              <a:srgbClr val="FF7876"/>
+            </a:solidFill>
+          </a:ln>
+        </p:spPr>
+        <p:style>
+          <a:lnRef idx="1">
+            <a:schemeClr val="accent1"/>
+          </a:lnRef>
+          <a:fillRef idx="0">
+            <a:schemeClr val="accent1"/>
+          </a:fillRef>
+          <a:effectRef idx="0">
+            <a:schemeClr val="accent1"/>
+          </a:effectRef>
+          <a:fontRef idx="minor">
+            <a:schemeClr val="tx1"/>
+          </a:fontRef>
+        </p:style>
+      </p:cxnSp>
+      <p:cxnSp>
+        <p:nvCxnSpPr>
+          <p:cNvPr id="48" name="직선 연결선[R] 47">
+            <a:extLst>
+              <a:ext uri="{FF2B5EF4-FFF2-40B4-BE49-F238E27FC236}">
+                <a16:creationId xmlns:a16="http://schemas.microsoft.com/office/drawing/2014/main" id="{B69CA160-09B9-C14E-A75A-FCF849958523}"/>
+              </a:ext>
+            </a:extLst>
+          </p:cNvPr>
+          <p:cNvCxnSpPr>
+            <a:cxnSpLocks/>
+            <a:stCxn id="21" idx="2"/>
+            <a:endCxn id="33" idx="0"/>
+          </p:cNvCxnSpPr>
+          <p:nvPr/>
+        </p:nvCxnSpPr>
+        <p:spPr>
+          <a:xfrm flipH="1">
+            <a:off x="2070753" y="2993152"/>
+            <a:ext cx="1320280" cy="580664"/>
+          </a:xfrm>
+          <a:prstGeom prst="line">
+            <a:avLst/>
+          </a:prstGeom>
+          <a:ln w="12700">
+            <a:solidFill>
+              <a:srgbClr val="FF7876"/>
+            </a:solidFill>
+          </a:ln>
+        </p:spPr>
+        <p:style>
+          <a:lnRef idx="1">
+            <a:schemeClr val="accent1"/>
+          </a:lnRef>
+          <a:fillRef idx="0">
+            <a:schemeClr val="accent1"/>
+          </a:fillRef>
+          <a:effectRef idx="0">
+            <a:schemeClr val="accent1"/>
+          </a:effectRef>
+          <a:fontRef idx="minor">
+            <a:schemeClr val="tx1"/>
+          </a:fontRef>
+        </p:style>
+      </p:cxnSp>
+      <p:cxnSp>
+        <p:nvCxnSpPr>
+          <p:cNvPr id="51" name="직선 연결선[R] 50">
+            <a:extLst>
+              <a:ext uri="{FF2B5EF4-FFF2-40B4-BE49-F238E27FC236}">
+                <a16:creationId xmlns:a16="http://schemas.microsoft.com/office/drawing/2014/main" id="{88B5DC0B-226A-0943-B867-4B38FF0F71FB}"/>
+              </a:ext>
+            </a:extLst>
+          </p:cNvPr>
+          <p:cNvCxnSpPr>
+            <a:cxnSpLocks/>
+            <a:stCxn id="21" idx="2"/>
+            <a:endCxn id="41" idx="0"/>
+          </p:cNvCxnSpPr>
+          <p:nvPr/>
+        </p:nvCxnSpPr>
+        <p:spPr>
+          <a:xfrm>
+            <a:off x="3391033" y="2993152"/>
+            <a:ext cx="1387251" cy="582438"/>
+          </a:xfrm>
+          <a:prstGeom prst="line">
+            <a:avLst/>
+          </a:prstGeom>
+          <a:ln w="12700">
+            <a:solidFill>
+              <a:srgbClr val="FF7876"/>
+            </a:solidFill>
           </a:ln>
         </p:spPr>
         <p:style>
@@ -8502,7 +9756,1425 @@
     </p:spTree>
     <p:extLst>
       <p:ext uri="{BB962C8B-B14F-4D97-AF65-F5344CB8AC3E}">
-        <p14:creationId xmlns:p14="http://schemas.microsoft.com/office/powerpoint/2010/main" val="1066393970"/>
+        <p14:creationId xmlns:p14="http://schemas.microsoft.com/office/powerpoint/2010/main" val="3098014676"/>
+      </p:ext>
+    </p:extLst>
+  </p:cSld>
+  <p:clrMapOvr>
+    <a:masterClrMapping/>
+  </p:clrMapOvr>
+</p:sld>
+</file>
+
+<file path=ppt/slides/slide18.xml><?xml version="1.0" encoding="utf-8"?>
+<p:sld xmlns:a="http://schemas.openxmlformats.org/drawingml/2006/main" xmlns:r="http://schemas.openxmlformats.org/officeDocument/2006/relationships" xmlns:p="http://schemas.openxmlformats.org/presentationml/2006/main">
+  <p:cSld>
+    <p:spTree>
+      <p:nvGrpSpPr>
+        <p:cNvPr id="1" name=""/>
+        <p:cNvGrpSpPr/>
+        <p:nvPr/>
+      </p:nvGrpSpPr>
+      <p:grpSpPr>
+        <a:xfrm>
+          <a:off x="0" y="0"/>
+          <a:ext cx="0" cy="0"/>
+          <a:chOff x="0" y="0"/>
+          <a:chExt cx="0" cy="0"/>
+        </a:xfrm>
+      </p:grpSpPr>
+      <p:pic>
+        <p:nvPicPr>
+          <p:cNvPr id="5" name="그림 4">
+            <a:extLst>
+              <a:ext uri="{FF2B5EF4-FFF2-40B4-BE49-F238E27FC236}">
+                <a16:creationId xmlns:a16="http://schemas.microsoft.com/office/drawing/2014/main" id="{027B3E7D-7113-C548-8FC6-C176B366510E}"/>
+              </a:ext>
+            </a:extLst>
+          </p:cNvPr>
+          <p:cNvPicPr>
+            <a:picLocks noChangeAspect="1"/>
+          </p:cNvPicPr>
+          <p:nvPr/>
+        </p:nvPicPr>
+        <p:blipFill>
+          <a:blip r:embed="rId2"/>
+          <a:stretch>
+            <a:fillRect/>
+          </a:stretch>
+        </p:blipFill>
+        <p:spPr>
+          <a:xfrm>
+            <a:off x="684137" y="4589773"/>
+            <a:ext cx="3564861" cy="1079500"/>
+          </a:xfrm>
+          <a:prstGeom prst="rect">
+            <a:avLst/>
+          </a:prstGeom>
+        </p:spPr>
+      </p:pic>
+      <p:pic>
+        <p:nvPicPr>
+          <p:cNvPr id="3" name="그림 2">
+            <a:extLst>
+              <a:ext uri="{FF2B5EF4-FFF2-40B4-BE49-F238E27FC236}">
+                <a16:creationId xmlns:a16="http://schemas.microsoft.com/office/drawing/2014/main" id="{56483CC2-6C9C-E44B-A125-D099F677DDB2}"/>
+              </a:ext>
+            </a:extLst>
+          </p:cNvPr>
+          <p:cNvPicPr>
+            <a:picLocks noChangeAspect="1"/>
+          </p:cNvPicPr>
+          <p:nvPr/>
+        </p:nvPicPr>
+        <p:blipFill>
+          <a:blip r:embed="rId3"/>
+          <a:stretch>
+            <a:fillRect/>
+          </a:stretch>
+        </p:blipFill>
+        <p:spPr>
+          <a:xfrm>
+            <a:off x="686297" y="3650951"/>
+            <a:ext cx="3610573" cy="937697"/>
+          </a:xfrm>
+          <a:prstGeom prst="rect">
+            <a:avLst/>
+          </a:prstGeom>
+        </p:spPr>
+      </p:pic>
+      <p:pic>
+        <p:nvPicPr>
+          <p:cNvPr id="2" name="그림 1">
+            <a:extLst>
+              <a:ext uri="{FF2B5EF4-FFF2-40B4-BE49-F238E27FC236}">
+                <a16:creationId xmlns:a16="http://schemas.microsoft.com/office/drawing/2014/main" id="{5FE160E7-A8CB-044B-A457-0F09C9363866}"/>
+              </a:ext>
+            </a:extLst>
+          </p:cNvPr>
+          <p:cNvPicPr>
+            <a:picLocks noChangeAspect="1"/>
+          </p:cNvPicPr>
+          <p:nvPr/>
+        </p:nvPicPr>
+        <p:blipFill>
+          <a:blip r:embed="rId4"/>
+          <a:stretch>
+            <a:fillRect/>
+          </a:stretch>
+        </p:blipFill>
+        <p:spPr>
+          <a:xfrm>
+            <a:off x="686298" y="1795632"/>
+            <a:ext cx="4638172" cy="844008"/>
+          </a:xfrm>
+          <a:prstGeom prst="rect">
+            <a:avLst/>
+          </a:prstGeom>
+        </p:spPr>
+      </p:pic>
+      <p:sp>
+        <p:nvSpPr>
+          <p:cNvPr id="37" name="직사각형 36">
+            <a:extLst>
+              <a:ext uri="{FF2B5EF4-FFF2-40B4-BE49-F238E27FC236}">
+                <a16:creationId xmlns:a16="http://schemas.microsoft.com/office/drawing/2014/main" id="{3F15C60C-17FE-422D-AFCF-73C75A021362}"/>
+              </a:ext>
+            </a:extLst>
+          </p:cNvPr>
+          <p:cNvSpPr/>
+          <p:nvPr/>
+        </p:nvSpPr>
+        <p:spPr>
+          <a:xfrm>
+            <a:off x="3697172" y="332194"/>
+            <a:ext cx="4713765" cy="735842"/>
+          </a:xfrm>
+          <a:prstGeom prst="rect">
+            <a:avLst/>
+          </a:prstGeom>
+        </p:spPr>
+        <p:txBody>
+          <a:bodyPr wrap="square">
+            <a:spAutoFit/>
+          </a:bodyPr>
+          <a:lstStyle/>
+          <a:p>
+            <a:pPr algn="ctr" latinLnBrk="0">
+              <a:lnSpc>
+                <a:spcPct val="150000"/>
+              </a:lnSpc>
+              <a:defRPr/>
+            </a:pPr>
+            <a:r>
+              <a:rPr lang="en-US" altLang="ko-KR" sz="3200" b="1" i="1" kern="0" dirty="0">
+                <a:solidFill>
+                  <a:srgbClr val="FF7876"/>
+                </a:solidFill>
+              </a:rPr>
+              <a:t>ex6</a:t>
+            </a:r>
+          </a:p>
+        </p:txBody>
+      </p:sp>
+      <p:cxnSp>
+        <p:nvCxnSpPr>
+          <p:cNvPr id="38" name="직선 연결선 37">
+            <a:extLst>
+              <a:ext uri="{FF2B5EF4-FFF2-40B4-BE49-F238E27FC236}">
+                <a16:creationId xmlns:a16="http://schemas.microsoft.com/office/drawing/2014/main" id="{940134F4-F272-426A-B50B-8075427DF501}"/>
+              </a:ext>
+            </a:extLst>
+          </p:cNvPr>
+          <p:cNvCxnSpPr>
+            <a:cxnSpLocks/>
+          </p:cNvCxnSpPr>
+          <p:nvPr/>
+        </p:nvCxnSpPr>
+        <p:spPr>
+          <a:xfrm flipV="1">
+            <a:off x="843148" y="847712"/>
+            <a:ext cx="4769087" cy="1"/>
+          </a:xfrm>
+          <a:prstGeom prst="line">
+            <a:avLst/>
+          </a:prstGeom>
+          <a:ln w="6350">
+            <a:solidFill>
+              <a:srgbClr val="FF7876"/>
+            </a:solidFill>
+            <a:prstDash val="sysDash"/>
+            <a:tailEnd type="oval"/>
+          </a:ln>
+        </p:spPr>
+        <p:style>
+          <a:lnRef idx="1">
+            <a:schemeClr val="accent1"/>
+          </a:lnRef>
+          <a:fillRef idx="0">
+            <a:schemeClr val="accent1"/>
+          </a:fillRef>
+          <a:effectRef idx="0">
+            <a:schemeClr val="accent1"/>
+          </a:effectRef>
+          <a:fontRef idx="minor">
+            <a:schemeClr val="tx1"/>
+          </a:fontRef>
+        </p:style>
+      </p:cxnSp>
+      <p:cxnSp>
+        <p:nvCxnSpPr>
+          <p:cNvPr id="39" name="직선 연결선 38">
+            <a:extLst>
+              <a:ext uri="{FF2B5EF4-FFF2-40B4-BE49-F238E27FC236}">
+                <a16:creationId xmlns:a16="http://schemas.microsoft.com/office/drawing/2014/main" id="{55EBD739-0979-4546-8E6B-9CA8052FC540}"/>
+              </a:ext>
+            </a:extLst>
+          </p:cNvPr>
+          <p:cNvCxnSpPr>
+            <a:cxnSpLocks/>
+          </p:cNvCxnSpPr>
+          <p:nvPr/>
+        </p:nvCxnSpPr>
+        <p:spPr>
+          <a:xfrm flipH="1">
+            <a:off x="6579767" y="847712"/>
+            <a:ext cx="4692810" cy="0"/>
+          </a:xfrm>
+          <a:prstGeom prst="line">
+            <a:avLst/>
+          </a:prstGeom>
+          <a:ln w="6350">
+            <a:solidFill>
+              <a:srgbClr val="FF7876"/>
+            </a:solidFill>
+            <a:prstDash val="sysDash"/>
+            <a:tailEnd type="oval"/>
+          </a:ln>
+        </p:spPr>
+        <p:style>
+          <a:lnRef idx="1">
+            <a:schemeClr val="accent1"/>
+          </a:lnRef>
+          <a:fillRef idx="0">
+            <a:schemeClr val="accent1"/>
+          </a:fillRef>
+          <a:effectRef idx="0">
+            <a:schemeClr val="accent1"/>
+          </a:effectRef>
+          <a:fontRef idx="minor">
+            <a:schemeClr val="tx1"/>
+          </a:fontRef>
+        </p:style>
+      </p:cxnSp>
+      <p:sp>
+        <p:nvSpPr>
+          <p:cNvPr id="8" name="TextBox 7">
+            <a:extLst>
+              <a:ext uri="{FF2B5EF4-FFF2-40B4-BE49-F238E27FC236}">
+                <a16:creationId xmlns:a16="http://schemas.microsoft.com/office/drawing/2014/main" id="{C18154B9-4F65-4277-8C17-63D9702FC25F}"/>
+              </a:ext>
+            </a:extLst>
+          </p:cNvPr>
+          <p:cNvSpPr txBox="1"/>
+          <p:nvPr/>
+        </p:nvSpPr>
+        <p:spPr>
+          <a:xfrm>
+            <a:off x="765146" y="963122"/>
+            <a:ext cx="10507430" cy="261610"/>
+          </a:xfrm>
+          <a:prstGeom prst="rect">
+            <a:avLst/>
+          </a:prstGeom>
+          <a:noFill/>
+        </p:spPr>
+        <p:txBody>
+          <a:bodyPr wrap="square" rtlCol="0">
+            <a:spAutoFit/>
+          </a:bodyPr>
+          <a:lstStyle/>
+          <a:p>
+            <a:pPr algn="ctr"/>
+            <a:r>
+              <a:rPr lang="ko-KR" altLang="en-US" sz="1100" i="1" dirty="0">
+                <a:solidFill>
+                  <a:srgbClr val="FF7876"/>
+                </a:solidFill>
+              </a:rPr>
+              <a:t>임의 프로그램 작성</a:t>
+            </a:r>
+            <a:endParaRPr lang="en-US" altLang="ko-KR" sz="1100" i="1" dirty="0">
+              <a:solidFill>
+                <a:srgbClr val="FF7876"/>
+              </a:solidFill>
+            </a:endParaRPr>
+          </a:p>
+        </p:txBody>
+      </p:sp>
+      <p:sp>
+        <p:nvSpPr>
+          <p:cNvPr id="18" name="오른쪽 중괄호[R] 17">
+            <a:extLst>
+              <a:ext uri="{FF2B5EF4-FFF2-40B4-BE49-F238E27FC236}">
+                <a16:creationId xmlns:a16="http://schemas.microsoft.com/office/drawing/2014/main" id="{3470AF02-17A7-0446-8424-962C06462B9D}"/>
+              </a:ext>
+            </a:extLst>
+          </p:cNvPr>
+          <p:cNvSpPr/>
+          <p:nvPr/>
+        </p:nvSpPr>
+        <p:spPr>
+          <a:xfrm>
+            <a:off x="5162289" y="1825741"/>
+            <a:ext cx="241918" cy="813899"/>
+          </a:xfrm>
+          <a:prstGeom prst="rightBrace">
+            <a:avLst>
+              <a:gd name="adj1" fmla="val 21713"/>
+              <a:gd name="adj2" fmla="val 50000"/>
+            </a:avLst>
+          </a:prstGeom>
+          <a:ln w="12700">
+            <a:solidFill>
+              <a:srgbClr val="FF7876"/>
+            </a:solidFill>
+          </a:ln>
+        </p:spPr>
+        <p:style>
+          <a:lnRef idx="1">
+            <a:schemeClr val="accent1"/>
+          </a:lnRef>
+          <a:fillRef idx="0">
+            <a:schemeClr val="accent1"/>
+          </a:fillRef>
+          <a:effectRef idx="0">
+            <a:schemeClr val="accent1"/>
+          </a:effectRef>
+          <a:fontRef idx="minor">
+            <a:schemeClr val="tx1"/>
+          </a:fontRef>
+        </p:style>
+        <p:txBody>
+          <a:bodyPr rtlCol="0" anchor="ctr"/>
+          <a:lstStyle/>
+          <a:p>
+            <a:pPr algn="ctr"/>
+            <a:endParaRPr kumimoji="1" lang="ko-Kore-KR" altLang="en-US"/>
+          </a:p>
+        </p:txBody>
+      </p:sp>
+      <p:cxnSp>
+        <p:nvCxnSpPr>
+          <p:cNvPr id="19" name="직선 화살표 연결선 18">
+            <a:extLst>
+              <a:ext uri="{FF2B5EF4-FFF2-40B4-BE49-F238E27FC236}">
+                <a16:creationId xmlns:a16="http://schemas.microsoft.com/office/drawing/2014/main" id="{7B03E9C2-78CA-E54C-95D9-349F5F113BA0}"/>
+              </a:ext>
+            </a:extLst>
+          </p:cNvPr>
+          <p:cNvCxnSpPr>
+            <a:cxnSpLocks/>
+          </p:cNvCxnSpPr>
+          <p:nvPr/>
+        </p:nvCxnSpPr>
+        <p:spPr>
+          <a:xfrm>
+            <a:off x="5324470" y="2233820"/>
+            <a:ext cx="771530" cy="0"/>
+          </a:xfrm>
+          <a:prstGeom prst="straightConnector1">
+            <a:avLst/>
+          </a:prstGeom>
+          <a:ln w="12700">
+            <a:solidFill>
+              <a:srgbClr val="FF7876"/>
+            </a:solidFill>
+            <a:tailEnd type="triangle"/>
+          </a:ln>
+        </p:spPr>
+        <p:style>
+          <a:lnRef idx="1">
+            <a:schemeClr val="accent1"/>
+          </a:lnRef>
+          <a:fillRef idx="0">
+            <a:schemeClr val="accent1"/>
+          </a:fillRef>
+          <a:effectRef idx="0">
+            <a:schemeClr val="accent1"/>
+          </a:effectRef>
+          <a:fontRef idx="minor">
+            <a:schemeClr val="tx1"/>
+          </a:fontRef>
+        </p:style>
+      </p:cxnSp>
+      <p:sp>
+        <p:nvSpPr>
+          <p:cNvPr id="14" name="TextBox 13">
+            <a:extLst>
+              <a:ext uri="{FF2B5EF4-FFF2-40B4-BE49-F238E27FC236}">
+                <a16:creationId xmlns:a16="http://schemas.microsoft.com/office/drawing/2014/main" id="{1560C7C5-8F52-1D4E-804A-C3FD4BF91C28}"/>
+              </a:ext>
+            </a:extLst>
+          </p:cNvPr>
+          <p:cNvSpPr txBox="1"/>
+          <p:nvPr/>
+        </p:nvSpPr>
+        <p:spPr>
+          <a:xfrm>
+            <a:off x="6096000" y="1918183"/>
+            <a:ext cx="5791533" cy="600164"/>
+          </a:xfrm>
+          <a:prstGeom prst="rect">
+            <a:avLst/>
+          </a:prstGeom>
+          <a:noFill/>
+          <a:ln w="12700">
+            <a:noFill/>
+          </a:ln>
+        </p:spPr>
+        <p:txBody>
+          <a:bodyPr wrap="square" rtlCol="0">
+            <a:spAutoFit/>
+          </a:bodyPr>
+          <a:lstStyle/>
+          <a:p>
+            <a:r>
+              <a:rPr lang="ko-KR" altLang="en-US" sz="1100" dirty="0" err="1"/>
+              <a:t>최상단</a:t>
+            </a:r>
+            <a:r>
+              <a:rPr lang="ko-KR" altLang="en-US" sz="1100" dirty="0"/>
+              <a:t> 클래스인 </a:t>
+            </a:r>
+            <a:r>
+              <a:rPr lang="en-US" altLang="ko-KR" sz="1100" dirty="0" err="1"/>
+              <a:t>Katsu_Element</a:t>
+            </a:r>
+            <a:r>
+              <a:rPr lang="ko-KR" altLang="en-US" sz="1100" dirty="0"/>
+              <a:t> 입니다</a:t>
+            </a:r>
+            <a:r>
+              <a:rPr lang="en-US" altLang="ko-KR" sz="1100" dirty="0"/>
+              <a:t>.</a:t>
+            </a:r>
+          </a:p>
+          <a:p>
+            <a:r>
+              <a:rPr lang="ko-KR" altLang="en-US" sz="1100" dirty="0" err="1"/>
+              <a:t>돈까스의</a:t>
+            </a:r>
+            <a:r>
+              <a:rPr lang="ko-KR" altLang="en-US" sz="1100" dirty="0"/>
+              <a:t> 가장 기본적인 재료를 나열하고</a:t>
+            </a:r>
+            <a:endParaRPr lang="en-US" altLang="ko-KR" sz="1100" dirty="0"/>
+          </a:p>
+          <a:p>
+            <a:r>
+              <a:rPr lang="en-US" altLang="ko-KR" sz="1100" dirty="0" err="1"/>
+              <a:t>Print_Element</a:t>
+            </a:r>
+            <a:r>
+              <a:rPr lang="ko-KR" altLang="en-US" sz="1100" dirty="0"/>
+              <a:t>함수로 해당 요소들의 </a:t>
+            </a:r>
+            <a:r>
+              <a:rPr lang="ko-KR" altLang="en-US" sz="1100" dirty="0" err="1"/>
+              <a:t>배합비를</a:t>
+            </a:r>
+            <a:r>
+              <a:rPr lang="ko-KR" altLang="en-US" sz="1100" dirty="0"/>
+              <a:t> 출력하도록 합니다</a:t>
+            </a:r>
+            <a:r>
+              <a:rPr lang="en-US" altLang="ko-KR" sz="1100" dirty="0"/>
+              <a:t>.</a:t>
+            </a:r>
+          </a:p>
+        </p:txBody>
+      </p:sp>
+      <p:sp>
+        <p:nvSpPr>
+          <p:cNvPr id="16" name="TextBox 15">
+            <a:extLst>
+              <a:ext uri="{FF2B5EF4-FFF2-40B4-BE49-F238E27FC236}">
+                <a16:creationId xmlns:a16="http://schemas.microsoft.com/office/drawing/2014/main" id="{677E1C64-E9DB-6C42-B1A9-A71DA6664E29}"/>
+              </a:ext>
+            </a:extLst>
+          </p:cNvPr>
+          <p:cNvSpPr txBox="1"/>
+          <p:nvPr/>
+        </p:nvSpPr>
+        <p:spPr>
+          <a:xfrm>
+            <a:off x="5259850" y="4265082"/>
+            <a:ext cx="5791533" cy="938719"/>
+          </a:xfrm>
+          <a:prstGeom prst="rect">
+            <a:avLst/>
+          </a:prstGeom>
+          <a:noFill/>
+          <a:ln w="12700">
+            <a:noFill/>
+          </a:ln>
+        </p:spPr>
+        <p:txBody>
+          <a:bodyPr wrap="square" rtlCol="0">
+            <a:spAutoFit/>
+          </a:bodyPr>
+          <a:lstStyle/>
+          <a:p>
+            <a:r>
+              <a:rPr lang="en-US" altLang="ko-KR" sz="1100" dirty="0" err="1"/>
+              <a:t>Katsu_Element</a:t>
+            </a:r>
+            <a:r>
+              <a:rPr lang="ko-KR" altLang="en-US" sz="1100" dirty="0" err="1"/>
+              <a:t>를</a:t>
+            </a:r>
+            <a:r>
+              <a:rPr lang="ko-KR" altLang="en-US" sz="1100" dirty="0"/>
+              <a:t> 상속받는 </a:t>
+            </a:r>
+            <a:r>
+              <a:rPr lang="en-US" altLang="ko-KR" sz="1100" dirty="0" err="1"/>
+              <a:t>Don_Katsu</a:t>
+            </a:r>
+            <a:r>
+              <a:rPr lang="ko-KR" altLang="en-US" sz="1100" dirty="0"/>
+              <a:t>와 </a:t>
+            </a:r>
+            <a:r>
+              <a:rPr lang="en-US" altLang="ko-KR" sz="1100" dirty="0" err="1"/>
+              <a:t>Chicken_Katsu</a:t>
+            </a:r>
+            <a:r>
+              <a:rPr lang="ko-KR" altLang="en-US" sz="1100" dirty="0"/>
+              <a:t> 입니다</a:t>
+            </a:r>
+            <a:r>
+              <a:rPr lang="en-US" altLang="ko-KR" sz="1100" dirty="0"/>
+              <a:t>.</a:t>
+            </a:r>
+          </a:p>
+          <a:p>
+            <a:r>
+              <a:rPr lang="ko-KR" altLang="en-US" sz="1100" dirty="0"/>
+              <a:t>고기의 정보를 담을 </a:t>
+            </a:r>
+            <a:r>
+              <a:rPr lang="en-US" altLang="ko-KR" sz="1100" dirty="0"/>
+              <a:t>Meat</a:t>
+            </a:r>
+            <a:r>
+              <a:rPr lang="ko-KR" altLang="en-US" sz="1100" dirty="0"/>
+              <a:t>변수를 추가해주고 </a:t>
+            </a:r>
+            <a:r>
+              <a:rPr lang="ko-KR" altLang="en-US" sz="1100" dirty="0" err="1"/>
+              <a:t>생성자를</a:t>
+            </a:r>
+            <a:r>
+              <a:rPr lang="ko-KR" altLang="en-US" sz="1100" dirty="0"/>
+              <a:t> 추가하였습니다</a:t>
+            </a:r>
+            <a:r>
+              <a:rPr lang="en-US" altLang="ko-KR" sz="1100" dirty="0"/>
+              <a:t>.</a:t>
+            </a:r>
+          </a:p>
+          <a:p>
+            <a:r>
+              <a:rPr lang="ko-KR" altLang="en-US" sz="1100" dirty="0" err="1"/>
+              <a:t>생성자는</a:t>
+            </a:r>
+            <a:r>
+              <a:rPr lang="ko-KR" altLang="en-US" sz="1100" dirty="0"/>
+              <a:t> 부모의 </a:t>
+            </a:r>
+            <a:r>
+              <a:rPr lang="en-US" altLang="ko-KR" sz="1100" dirty="0" err="1"/>
+              <a:t>Print_Element</a:t>
+            </a:r>
+            <a:r>
+              <a:rPr lang="ko-KR" altLang="en-US" sz="1100" dirty="0"/>
+              <a:t>함수를 호출하여 </a:t>
+            </a:r>
+            <a:r>
+              <a:rPr lang="ko-KR" altLang="en-US" sz="1100" dirty="0" err="1"/>
+              <a:t>기본재료를</a:t>
+            </a:r>
+            <a:r>
+              <a:rPr lang="ko-KR" altLang="en-US" sz="1100" dirty="0"/>
+              <a:t> 출력하게 하고</a:t>
+            </a:r>
+            <a:endParaRPr lang="en-US" altLang="ko-KR" sz="1100" dirty="0"/>
+          </a:p>
+          <a:p>
+            <a:r>
+              <a:rPr lang="ko-KR" altLang="en-US" sz="1100" dirty="0"/>
+              <a:t>각각 어떤 </a:t>
+            </a:r>
+            <a:r>
+              <a:rPr lang="ko-KR" altLang="en-US" sz="1100" dirty="0" err="1"/>
+              <a:t>돈까스인지</a:t>
+            </a:r>
+            <a:r>
+              <a:rPr lang="ko-KR" altLang="en-US" sz="1100" dirty="0"/>
+              <a:t> 고기의 정보와 함께 출력하도록 하였습니다</a:t>
+            </a:r>
+            <a:r>
+              <a:rPr lang="en-US" altLang="ko-KR" sz="1100" dirty="0"/>
+              <a:t>.</a:t>
+            </a:r>
+          </a:p>
+          <a:p>
+            <a:r>
+              <a:rPr lang="ko-KR" altLang="en-US" sz="1100" dirty="0" err="1"/>
+              <a:t>치킨까스에서만</a:t>
+            </a:r>
+            <a:r>
+              <a:rPr lang="ko-KR" altLang="en-US" sz="1100" dirty="0"/>
+              <a:t> 계란의 비를 </a:t>
+            </a:r>
+            <a:r>
+              <a:rPr lang="en-US" altLang="ko-KR" sz="1100" dirty="0"/>
+              <a:t>2</a:t>
+            </a:r>
+            <a:r>
+              <a:rPr lang="ko-KR" altLang="en-US" sz="1100" dirty="0"/>
+              <a:t>로 수정하였습니다</a:t>
+            </a:r>
+            <a:r>
+              <a:rPr lang="en-US" altLang="ko-KR" sz="1100" dirty="0"/>
+              <a:t>.</a:t>
+            </a:r>
+          </a:p>
+        </p:txBody>
+      </p:sp>
+      <p:sp>
+        <p:nvSpPr>
+          <p:cNvPr id="27" name="오른쪽 중괄호[R] 26">
+            <a:extLst>
+              <a:ext uri="{FF2B5EF4-FFF2-40B4-BE49-F238E27FC236}">
+                <a16:creationId xmlns:a16="http://schemas.microsoft.com/office/drawing/2014/main" id="{C6A87250-C499-2645-81C7-4683EF69B107}"/>
+              </a:ext>
+            </a:extLst>
+          </p:cNvPr>
+          <p:cNvSpPr/>
+          <p:nvPr/>
+        </p:nvSpPr>
+        <p:spPr>
+          <a:xfrm>
+            <a:off x="4283345" y="3670794"/>
+            <a:ext cx="241918" cy="1958019"/>
+          </a:xfrm>
+          <a:prstGeom prst="rightBrace">
+            <a:avLst>
+              <a:gd name="adj1" fmla="val 21713"/>
+              <a:gd name="adj2" fmla="val 50000"/>
+            </a:avLst>
+          </a:prstGeom>
+          <a:ln w="12700">
+            <a:solidFill>
+              <a:srgbClr val="FF7876"/>
+            </a:solidFill>
+          </a:ln>
+        </p:spPr>
+        <p:style>
+          <a:lnRef idx="1">
+            <a:schemeClr val="accent1"/>
+          </a:lnRef>
+          <a:fillRef idx="0">
+            <a:schemeClr val="accent1"/>
+          </a:fillRef>
+          <a:effectRef idx="0">
+            <a:schemeClr val="accent1"/>
+          </a:effectRef>
+          <a:fontRef idx="minor">
+            <a:schemeClr val="tx1"/>
+          </a:fontRef>
+        </p:style>
+        <p:txBody>
+          <a:bodyPr rtlCol="0" anchor="ctr"/>
+          <a:lstStyle/>
+          <a:p>
+            <a:pPr algn="ctr"/>
+            <a:endParaRPr kumimoji="1" lang="ko-Kore-KR" altLang="en-US"/>
+          </a:p>
+        </p:txBody>
+      </p:sp>
+      <p:cxnSp>
+        <p:nvCxnSpPr>
+          <p:cNvPr id="28" name="직선 화살표 연결선 27">
+            <a:extLst>
+              <a:ext uri="{FF2B5EF4-FFF2-40B4-BE49-F238E27FC236}">
+                <a16:creationId xmlns:a16="http://schemas.microsoft.com/office/drawing/2014/main" id="{29770A33-3E4F-0B4A-AEC2-1073BD3C9D0F}"/>
+              </a:ext>
+            </a:extLst>
+          </p:cNvPr>
+          <p:cNvCxnSpPr>
+            <a:cxnSpLocks/>
+          </p:cNvCxnSpPr>
+          <p:nvPr/>
+        </p:nvCxnSpPr>
+        <p:spPr>
+          <a:xfrm>
+            <a:off x="4488320" y="4652454"/>
+            <a:ext cx="771530" cy="0"/>
+          </a:xfrm>
+          <a:prstGeom prst="straightConnector1">
+            <a:avLst/>
+          </a:prstGeom>
+          <a:ln w="12700">
+            <a:solidFill>
+              <a:srgbClr val="FF7876"/>
+            </a:solidFill>
+            <a:tailEnd type="triangle"/>
+          </a:ln>
+        </p:spPr>
+        <p:style>
+          <a:lnRef idx="1">
+            <a:schemeClr val="accent1"/>
+          </a:lnRef>
+          <a:fillRef idx="0">
+            <a:schemeClr val="accent1"/>
+          </a:fillRef>
+          <a:effectRef idx="0">
+            <a:schemeClr val="accent1"/>
+          </a:effectRef>
+          <a:fontRef idx="minor">
+            <a:schemeClr val="tx1"/>
+          </a:fontRef>
+        </p:style>
+      </p:cxnSp>
+    </p:spTree>
+    <p:extLst>
+      <p:ext uri="{BB962C8B-B14F-4D97-AF65-F5344CB8AC3E}">
+        <p14:creationId xmlns:p14="http://schemas.microsoft.com/office/powerpoint/2010/main" val="2462305099"/>
+      </p:ext>
+    </p:extLst>
+  </p:cSld>
+  <p:clrMapOvr>
+    <a:masterClrMapping/>
+  </p:clrMapOvr>
+</p:sld>
+</file>
+
+<file path=ppt/slides/slide19.xml><?xml version="1.0" encoding="utf-8"?>
+<p:sld xmlns:a="http://schemas.openxmlformats.org/drawingml/2006/main" xmlns:r="http://schemas.openxmlformats.org/officeDocument/2006/relationships" xmlns:p="http://schemas.openxmlformats.org/presentationml/2006/main">
+  <p:cSld>
+    <p:spTree>
+      <p:nvGrpSpPr>
+        <p:cNvPr id="1" name=""/>
+        <p:cNvGrpSpPr/>
+        <p:nvPr/>
+      </p:nvGrpSpPr>
+      <p:grpSpPr>
+        <a:xfrm>
+          <a:off x="0" y="0"/>
+          <a:ext cx="0" cy="0"/>
+          <a:chOff x="0" y="0"/>
+          <a:chExt cx="0" cy="0"/>
+        </a:xfrm>
+      </p:grpSpPr>
+      <p:pic>
+        <p:nvPicPr>
+          <p:cNvPr id="6" name="그림 5">
+            <a:extLst>
+              <a:ext uri="{FF2B5EF4-FFF2-40B4-BE49-F238E27FC236}">
+                <a16:creationId xmlns:a16="http://schemas.microsoft.com/office/drawing/2014/main" id="{4ACA0DD2-67E6-4F4E-A217-F26407B89256}"/>
+              </a:ext>
+            </a:extLst>
+          </p:cNvPr>
+          <p:cNvPicPr>
+            <a:picLocks noChangeAspect="1"/>
+          </p:cNvPicPr>
+          <p:nvPr/>
+        </p:nvPicPr>
+        <p:blipFill>
+          <a:blip r:embed="rId2"/>
+          <a:stretch>
+            <a:fillRect/>
+          </a:stretch>
+        </p:blipFill>
+        <p:spPr>
+          <a:xfrm>
+            <a:off x="765146" y="1694645"/>
+            <a:ext cx="4358756" cy="1647404"/>
+          </a:xfrm>
+          <a:prstGeom prst="rect">
+            <a:avLst/>
+          </a:prstGeom>
+        </p:spPr>
+      </p:pic>
+      <p:sp>
+        <p:nvSpPr>
+          <p:cNvPr id="37" name="직사각형 36">
+            <a:extLst>
+              <a:ext uri="{FF2B5EF4-FFF2-40B4-BE49-F238E27FC236}">
+                <a16:creationId xmlns:a16="http://schemas.microsoft.com/office/drawing/2014/main" id="{3F15C60C-17FE-422D-AFCF-73C75A021362}"/>
+              </a:ext>
+            </a:extLst>
+          </p:cNvPr>
+          <p:cNvSpPr/>
+          <p:nvPr/>
+        </p:nvSpPr>
+        <p:spPr>
+          <a:xfrm>
+            <a:off x="3697172" y="332194"/>
+            <a:ext cx="4713765" cy="735842"/>
+          </a:xfrm>
+          <a:prstGeom prst="rect">
+            <a:avLst/>
+          </a:prstGeom>
+        </p:spPr>
+        <p:txBody>
+          <a:bodyPr wrap="square">
+            <a:spAutoFit/>
+          </a:bodyPr>
+          <a:lstStyle/>
+          <a:p>
+            <a:pPr algn="ctr" latinLnBrk="0">
+              <a:lnSpc>
+                <a:spcPct val="150000"/>
+              </a:lnSpc>
+              <a:defRPr/>
+            </a:pPr>
+            <a:r>
+              <a:rPr lang="en-US" altLang="ko-KR" sz="3200" b="1" i="1" kern="0" dirty="0">
+                <a:solidFill>
+                  <a:srgbClr val="FF7876"/>
+                </a:solidFill>
+              </a:rPr>
+              <a:t>ex6</a:t>
+            </a:r>
+          </a:p>
+        </p:txBody>
+      </p:sp>
+      <p:cxnSp>
+        <p:nvCxnSpPr>
+          <p:cNvPr id="38" name="직선 연결선 37">
+            <a:extLst>
+              <a:ext uri="{FF2B5EF4-FFF2-40B4-BE49-F238E27FC236}">
+                <a16:creationId xmlns:a16="http://schemas.microsoft.com/office/drawing/2014/main" id="{940134F4-F272-426A-B50B-8075427DF501}"/>
+              </a:ext>
+            </a:extLst>
+          </p:cNvPr>
+          <p:cNvCxnSpPr>
+            <a:cxnSpLocks/>
+          </p:cNvCxnSpPr>
+          <p:nvPr/>
+        </p:nvCxnSpPr>
+        <p:spPr>
+          <a:xfrm flipV="1">
+            <a:off x="843148" y="847712"/>
+            <a:ext cx="4769087" cy="1"/>
+          </a:xfrm>
+          <a:prstGeom prst="line">
+            <a:avLst/>
+          </a:prstGeom>
+          <a:ln w="6350">
+            <a:solidFill>
+              <a:srgbClr val="FF7876"/>
+            </a:solidFill>
+            <a:prstDash val="sysDash"/>
+            <a:tailEnd type="oval"/>
+          </a:ln>
+        </p:spPr>
+        <p:style>
+          <a:lnRef idx="1">
+            <a:schemeClr val="accent1"/>
+          </a:lnRef>
+          <a:fillRef idx="0">
+            <a:schemeClr val="accent1"/>
+          </a:fillRef>
+          <a:effectRef idx="0">
+            <a:schemeClr val="accent1"/>
+          </a:effectRef>
+          <a:fontRef idx="minor">
+            <a:schemeClr val="tx1"/>
+          </a:fontRef>
+        </p:style>
+      </p:cxnSp>
+      <p:cxnSp>
+        <p:nvCxnSpPr>
+          <p:cNvPr id="39" name="직선 연결선 38">
+            <a:extLst>
+              <a:ext uri="{FF2B5EF4-FFF2-40B4-BE49-F238E27FC236}">
+                <a16:creationId xmlns:a16="http://schemas.microsoft.com/office/drawing/2014/main" id="{55EBD739-0979-4546-8E6B-9CA8052FC540}"/>
+              </a:ext>
+            </a:extLst>
+          </p:cNvPr>
+          <p:cNvCxnSpPr>
+            <a:cxnSpLocks/>
+          </p:cNvCxnSpPr>
+          <p:nvPr/>
+        </p:nvCxnSpPr>
+        <p:spPr>
+          <a:xfrm flipH="1">
+            <a:off x="6579767" y="847712"/>
+            <a:ext cx="4692810" cy="0"/>
+          </a:xfrm>
+          <a:prstGeom prst="line">
+            <a:avLst/>
+          </a:prstGeom>
+          <a:ln w="6350">
+            <a:solidFill>
+              <a:srgbClr val="FF7876"/>
+            </a:solidFill>
+            <a:prstDash val="sysDash"/>
+            <a:tailEnd type="oval"/>
+          </a:ln>
+        </p:spPr>
+        <p:style>
+          <a:lnRef idx="1">
+            <a:schemeClr val="accent1"/>
+          </a:lnRef>
+          <a:fillRef idx="0">
+            <a:schemeClr val="accent1"/>
+          </a:fillRef>
+          <a:effectRef idx="0">
+            <a:schemeClr val="accent1"/>
+          </a:effectRef>
+          <a:fontRef idx="minor">
+            <a:schemeClr val="tx1"/>
+          </a:fontRef>
+        </p:style>
+      </p:cxnSp>
+      <p:sp>
+        <p:nvSpPr>
+          <p:cNvPr id="8" name="TextBox 7">
+            <a:extLst>
+              <a:ext uri="{FF2B5EF4-FFF2-40B4-BE49-F238E27FC236}">
+                <a16:creationId xmlns:a16="http://schemas.microsoft.com/office/drawing/2014/main" id="{C18154B9-4F65-4277-8C17-63D9702FC25F}"/>
+              </a:ext>
+            </a:extLst>
+          </p:cNvPr>
+          <p:cNvSpPr txBox="1"/>
+          <p:nvPr/>
+        </p:nvSpPr>
+        <p:spPr>
+          <a:xfrm>
+            <a:off x="765146" y="963122"/>
+            <a:ext cx="10507430" cy="261610"/>
+          </a:xfrm>
+          <a:prstGeom prst="rect">
+            <a:avLst/>
+          </a:prstGeom>
+          <a:noFill/>
+        </p:spPr>
+        <p:txBody>
+          <a:bodyPr wrap="square" rtlCol="0">
+            <a:spAutoFit/>
+          </a:bodyPr>
+          <a:lstStyle/>
+          <a:p>
+            <a:pPr algn="ctr"/>
+            <a:r>
+              <a:rPr lang="ko-KR" altLang="en-US" sz="1100" i="1" dirty="0">
+                <a:solidFill>
+                  <a:srgbClr val="FF7876"/>
+                </a:solidFill>
+              </a:rPr>
+              <a:t>임의 프로그램 작성</a:t>
+            </a:r>
+            <a:endParaRPr lang="en-US" altLang="ko-KR" sz="1100" i="1" dirty="0">
+              <a:solidFill>
+                <a:srgbClr val="FF7876"/>
+              </a:solidFill>
+            </a:endParaRPr>
+          </a:p>
+        </p:txBody>
+      </p:sp>
+      <p:sp>
+        <p:nvSpPr>
+          <p:cNvPr id="14" name="TextBox 13">
+            <a:extLst>
+              <a:ext uri="{FF2B5EF4-FFF2-40B4-BE49-F238E27FC236}">
+                <a16:creationId xmlns:a16="http://schemas.microsoft.com/office/drawing/2014/main" id="{1560C7C5-8F52-1D4E-804A-C3FD4BF91C28}"/>
+              </a:ext>
+            </a:extLst>
+          </p:cNvPr>
+          <p:cNvSpPr txBox="1"/>
+          <p:nvPr/>
+        </p:nvSpPr>
+        <p:spPr>
+          <a:xfrm>
+            <a:off x="6096000" y="2082167"/>
+            <a:ext cx="5791533" cy="938719"/>
+          </a:xfrm>
+          <a:prstGeom prst="rect">
+            <a:avLst/>
+          </a:prstGeom>
+          <a:noFill/>
+          <a:ln w="12700">
+            <a:noFill/>
+          </a:ln>
+        </p:spPr>
+        <p:txBody>
+          <a:bodyPr wrap="square" rtlCol="0">
+            <a:spAutoFit/>
+          </a:bodyPr>
+          <a:lstStyle/>
+          <a:p>
+            <a:r>
+              <a:rPr lang="en-US" altLang="ko-KR" sz="1100" dirty="0" err="1"/>
+              <a:t>Don_Katsu</a:t>
+            </a:r>
+            <a:r>
+              <a:rPr lang="ko-KR" altLang="en-US" sz="1100" dirty="0" err="1"/>
+              <a:t>를</a:t>
+            </a:r>
+            <a:r>
+              <a:rPr lang="ko-KR" altLang="en-US" sz="1100" dirty="0"/>
+              <a:t> 부모로 하는 </a:t>
+            </a:r>
+            <a:r>
+              <a:rPr lang="en-US" altLang="ko-KR" sz="1100" dirty="0" err="1"/>
+              <a:t>Hire_Katsu</a:t>
+            </a:r>
+            <a:r>
+              <a:rPr lang="ko-KR" altLang="en-US" sz="1100" dirty="0"/>
+              <a:t>와 </a:t>
+            </a:r>
+            <a:r>
+              <a:rPr lang="en-US" altLang="ko-KR" sz="1100" dirty="0" err="1"/>
+              <a:t>Rosu_Katsu</a:t>
+            </a:r>
+            <a:r>
+              <a:rPr lang="ko-KR" altLang="en-US" sz="1100" dirty="0"/>
+              <a:t> 클래스 입니다</a:t>
+            </a:r>
+            <a:r>
+              <a:rPr lang="en-US" altLang="ko-KR" sz="1100" dirty="0"/>
+              <a:t>.</a:t>
+            </a:r>
+          </a:p>
+          <a:p>
+            <a:r>
+              <a:rPr lang="ko-KR" altLang="en-US" sz="1100" dirty="0"/>
+              <a:t>같은 돼지고기를 바탕으로 만들어지는 </a:t>
+            </a:r>
+            <a:r>
+              <a:rPr lang="ko-KR" altLang="en-US" sz="1100" dirty="0" err="1"/>
+              <a:t>돈까스의</a:t>
+            </a:r>
+            <a:r>
+              <a:rPr lang="ko-KR" altLang="en-US" sz="1100" dirty="0"/>
+              <a:t> 하위 자식 클래스로 설정하였습니다</a:t>
+            </a:r>
+            <a:r>
+              <a:rPr lang="en-US" altLang="ko-KR" sz="1100" dirty="0"/>
+              <a:t>.</a:t>
+            </a:r>
+          </a:p>
+          <a:p>
+            <a:r>
+              <a:rPr lang="ko-KR" altLang="en-US" sz="1100" dirty="0"/>
+              <a:t>서로 부위가 다르므로 </a:t>
+            </a:r>
+            <a:r>
+              <a:rPr lang="en-US" altLang="ko-KR" sz="1100" dirty="0"/>
+              <a:t>Part</a:t>
+            </a:r>
+            <a:r>
+              <a:rPr lang="ko-KR" altLang="en-US" sz="1100" dirty="0"/>
+              <a:t>라는 </a:t>
+            </a:r>
+            <a:r>
+              <a:rPr lang="ko-KR" altLang="en-US" sz="1100" dirty="0" err="1"/>
+              <a:t>부위정보를</a:t>
+            </a:r>
+            <a:r>
+              <a:rPr lang="ko-KR" altLang="en-US" sz="1100" dirty="0"/>
+              <a:t> 담을 변수를 하나 만들었습니다</a:t>
+            </a:r>
+            <a:r>
+              <a:rPr lang="en-US" altLang="ko-KR" sz="1100" dirty="0"/>
+              <a:t>.</a:t>
+            </a:r>
+          </a:p>
+          <a:p>
+            <a:r>
+              <a:rPr lang="ko-KR" altLang="en-US" sz="1100" dirty="0"/>
+              <a:t>이후 부모의 </a:t>
+            </a:r>
+            <a:r>
+              <a:rPr lang="ko-KR" altLang="en-US" sz="1100" dirty="0" err="1"/>
+              <a:t>생성자를</a:t>
+            </a:r>
+            <a:r>
+              <a:rPr lang="ko-KR" altLang="en-US" sz="1100" dirty="0"/>
+              <a:t> </a:t>
+            </a:r>
+            <a:r>
+              <a:rPr lang="ko-KR" altLang="en-US" sz="1100" dirty="0" err="1"/>
+              <a:t>오버라이드하여</a:t>
+            </a:r>
+            <a:r>
+              <a:rPr lang="ko-KR" altLang="en-US" sz="1100" dirty="0"/>
+              <a:t> 각각 </a:t>
+            </a:r>
+            <a:r>
+              <a:rPr lang="ko-KR" altLang="en-US" sz="1100" dirty="0" err="1"/>
+              <a:t>돈까스의</a:t>
+            </a:r>
+            <a:r>
+              <a:rPr lang="ko-KR" altLang="en-US" sz="1100" dirty="0"/>
+              <a:t> 생성메세지와 </a:t>
+            </a:r>
+            <a:r>
+              <a:rPr lang="ko-KR" altLang="en-US" sz="1100" dirty="0" err="1"/>
+              <a:t>생성정보를</a:t>
+            </a:r>
+            <a:endParaRPr lang="en-US" altLang="ko-KR" sz="1100" dirty="0"/>
+          </a:p>
+          <a:p>
+            <a:r>
+              <a:rPr lang="ko-KR" altLang="en-US" sz="1100" dirty="0"/>
+              <a:t>출력하도록 하였습니다</a:t>
+            </a:r>
+            <a:r>
+              <a:rPr lang="en-US" altLang="ko-KR" sz="1100" dirty="0"/>
+              <a:t>.</a:t>
+            </a:r>
+          </a:p>
+        </p:txBody>
+      </p:sp>
+      <p:sp>
+        <p:nvSpPr>
+          <p:cNvPr id="17" name="오른쪽 중괄호[R] 16">
+            <a:extLst>
+              <a:ext uri="{FF2B5EF4-FFF2-40B4-BE49-F238E27FC236}">
+                <a16:creationId xmlns:a16="http://schemas.microsoft.com/office/drawing/2014/main" id="{A34A7EE4-47F4-7042-B18D-9A2D6F49C9BE}"/>
+              </a:ext>
+            </a:extLst>
+          </p:cNvPr>
+          <p:cNvSpPr/>
+          <p:nvPr/>
+        </p:nvSpPr>
+        <p:spPr>
+          <a:xfrm>
+            <a:off x="5117454" y="1825741"/>
+            <a:ext cx="241918" cy="1516308"/>
+          </a:xfrm>
+          <a:prstGeom prst="rightBrace">
+            <a:avLst>
+              <a:gd name="adj1" fmla="val 21713"/>
+              <a:gd name="adj2" fmla="val 50000"/>
+            </a:avLst>
+          </a:prstGeom>
+          <a:ln w="12700">
+            <a:solidFill>
+              <a:srgbClr val="FF7876"/>
+            </a:solidFill>
+          </a:ln>
+        </p:spPr>
+        <p:style>
+          <a:lnRef idx="1">
+            <a:schemeClr val="accent1"/>
+          </a:lnRef>
+          <a:fillRef idx="0">
+            <a:schemeClr val="accent1"/>
+          </a:fillRef>
+          <a:effectRef idx="0">
+            <a:schemeClr val="accent1"/>
+          </a:effectRef>
+          <a:fontRef idx="minor">
+            <a:schemeClr val="tx1"/>
+          </a:fontRef>
+        </p:style>
+        <p:txBody>
+          <a:bodyPr rtlCol="0" anchor="ctr"/>
+          <a:lstStyle/>
+          <a:p>
+            <a:pPr algn="ctr"/>
+            <a:endParaRPr kumimoji="1" lang="ko-Kore-KR" altLang="en-US"/>
+          </a:p>
+        </p:txBody>
+      </p:sp>
+      <p:cxnSp>
+        <p:nvCxnSpPr>
+          <p:cNvPr id="20" name="직선 화살표 연결선 19">
+            <a:extLst>
+              <a:ext uri="{FF2B5EF4-FFF2-40B4-BE49-F238E27FC236}">
+                <a16:creationId xmlns:a16="http://schemas.microsoft.com/office/drawing/2014/main" id="{DF778094-2872-3D47-B3B6-0FEBF7C5C939}"/>
+              </a:ext>
+            </a:extLst>
+          </p:cNvPr>
+          <p:cNvCxnSpPr>
+            <a:cxnSpLocks/>
+          </p:cNvCxnSpPr>
+          <p:nvPr/>
+        </p:nvCxnSpPr>
+        <p:spPr>
+          <a:xfrm>
+            <a:off x="5324470" y="2581776"/>
+            <a:ext cx="771530" cy="0"/>
+          </a:xfrm>
+          <a:prstGeom prst="straightConnector1">
+            <a:avLst/>
+          </a:prstGeom>
+          <a:ln w="12700">
+            <a:solidFill>
+              <a:srgbClr val="FF7876"/>
+            </a:solidFill>
+            <a:tailEnd type="triangle"/>
+          </a:ln>
+        </p:spPr>
+        <p:style>
+          <a:lnRef idx="1">
+            <a:schemeClr val="accent1"/>
+          </a:lnRef>
+          <a:fillRef idx="0">
+            <a:schemeClr val="accent1"/>
+          </a:fillRef>
+          <a:effectRef idx="0">
+            <a:schemeClr val="accent1"/>
+          </a:effectRef>
+          <a:fontRef idx="minor">
+            <a:schemeClr val="tx1"/>
+          </a:fontRef>
+        </p:style>
+      </p:cxnSp>
+      <p:pic>
+        <p:nvPicPr>
+          <p:cNvPr id="7" name="그림 6">
+            <a:extLst>
+              <a:ext uri="{FF2B5EF4-FFF2-40B4-BE49-F238E27FC236}">
+                <a16:creationId xmlns:a16="http://schemas.microsoft.com/office/drawing/2014/main" id="{999B5D2B-53D7-814F-87FF-C8CEE4E6A7C1}"/>
+              </a:ext>
+            </a:extLst>
+          </p:cNvPr>
+          <p:cNvPicPr>
+            <a:picLocks noChangeAspect="1"/>
+          </p:cNvPicPr>
+          <p:nvPr/>
+        </p:nvPicPr>
+        <p:blipFill>
+          <a:blip r:embed="rId3"/>
+          <a:stretch>
+            <a:fillRect/>
+          </a:stretch>
+        </p:blipFill>
+        <p:spPr>
+          <a:xfrm>
+            <a:off x="1913241" y="4229662"/>
+            <a:ext cx="2059948" cy="875727"/>
+          </a:xfrm>
+          <a:prstGeom prst="rect">
+            <a:avLst/>
+          </a:prstGeom>
+        </p:spPr>
+      </p:pic>
+      <p:cxnSp>
+        <p:nvCxnSpPr>
+          <p:cNvPr id="21" name="직선 화살표 연결선 20">
+            <a:extLst>
+              <a:ext uri="{FF2B5EF4-FFF2-40B4-BE49-F238E27FC236}">
+                <a16:creationId xmlns:a16="http://schemas.microsoft.com/office/drawing/2014/main" id="{A522179B-A2ED-5948-AEA0-0A6C52879B07}"/>
+              </a:ext>
+            </a:extLst>
+          </p:cNvPr>
+          <p:cNvCxnSpPr>
+            <a:cxnSpLocks/>
+          </p:cNvCxnSpPr>
+          <p:nvPr/>
+        </p:nvCxnSpPr>
+        <p:spPr>
+          <a:xfrm>
+            <a:off x="4174052" y="4667525"/>
+            <a:ext cx="771530" cy="0"/>
+          </a:xfrm>
+          <a:prstGeom prst="straightConnector1">
+            <a:avLst/>
+          </a:prstGeom>
+          <a:ln w="12700">
+            <a:solidFill>
+              <a:srgbClr val="FF7876"/>
+            </a:solidFill>
+            <a:tailEnd type="triangle"/>
+          </a:ln>
+        </p:spPr>
+        <p:style>
+          <a:lnRef idx="1">
+            <a:schemeClr val="accent1"/>
+          </a:lnRef>
+          <a:fillRef idx="0">
+            <a:schemeClr val="accent1"/>
+          </a:fillRef>
+          <a:effectRef idx="0">
+            <a:schemeClr val="accent1"/>
+          </a:effectRef>
+          <a:fontRef idx="minor">
+            <a:schemeClr val="tx1"/>
+          </a:fontRef>
+        </p:style>
+      </p:cxnSp>
+      <p:sp>
+        <p:nvSpPr>
+          <p:cNvPr id="22" name="오른쪽 중괄호[R] 21">
+            <a:extLst>
+              <a:ext uri="{FF2B5EF4-FFF2-40B4-BE49-F238E27FC236}">
+                <a16:creationId xmlns:a16="http://schemas.microsoft.com/office/drawing/2014/main" id="{0FC3D394-3B56-E84C-B3D8-7C63D94D2E9C}"/>
+              </a:ext>
+            </a:extLst>
+          </p:cNvPr>
+          <p:cNvSpPr/>
+          <p:nvPr/>
+        </p:nvSpPr>
+        <p:spPr>
+          <a:xfrm>
+            <a:off x="3932134" y="4229662"/>
+            <a:ext cx="241918" cy="875727"/>
+          </a:xfrm>
+          <a:prstGeom prst="rightBrace">
+            <a:avLst>
+              <a:gd name="adj1" fmla="val 21713"/>
+              <a:gd name="adj2" fmla="val 50000"/>
+            </a:avLst>
+          </a:prstGeom>
+          <a:ln w="12700">
+            <a:solidFill>
+              <a:srgbClr val="FF7876"/>
+            </a:solidFill>
+          </a:ln>
+        </p:spPr>
+        <p:style>
+          <a:lnRef idx="1">
+            <a:schemeClr val="accent1"/>
+          </a:lnRef>
+          <a:fillRef idx="0">
+            <a:schemeClr val="accent1"/>
+          </a:fillRef>
+          <a:effectRef idx="0">
+            <a:schemeClr val="accent1"/>
+          </a:effectRef>
+          <a:fontRef idx="minor">
+            <a:schemeClr val="tx1"/>
+          </a:fontRef>
+        </p:style>
+        <p:txBody>
+          <a:bodyPr rtlCol="0" anchor="ctr"/>
+          <a:lstStyle/>
+          <a:p>
+            <a:pPr algn="ctr"/>
+            <a:endParaRPr kumimoji="1" lang="ko-Kore-KR" altLang="en-US"/>
+          </a:p>
+        </p:txBody>
+      </p:sp>
+      <p:sp>
+        <p:nvSpPr>
+          <p:cNvPr id="23" name="TextBox 22">
+            <a:extLst>
+              <a:ext uri="{FF2B5EF4-FFF2-40B4-BE49-F238E27FC236}">
+                <a16:creationId xmlns:a16="http://schemas.microsoft.com/office/drawing/2014/main" id="{C6C53182-465B-2E47-B434-1A834930BC04}"/>
+              </a:ext>
+            </a:extLst>
+          </p:cNvPr>
+          <p:cNvSpPr txBox="1"/>
+          <p:nvPr/>
+        </p:nvSpPr>
+        <p:spPr>
+          <a:xfrm>
+            <a:off x="4995076" y="4452081"/>
+            <a:ext cx="5791533" cy="430887"/>
+          </a:xfrm>
+          <a:prstGeom prst="rect">
+            <a:avLst/>
+          </a:prstGeom>
+          <a:noFill/>
+          <a:ln w="12700">
+            <a:noFill/>
+          </a:ln>
+        </p:spPr>
+        <p:txBody>
+          <a:bodyPr wrap="square" rtlCol="0">
+            <a:spAutoFit/>
+          </a:bodyPr>
+          <a:lstStyle/>
+          <a:p>
+            <a:r>
+              <a:rPr lang="ko-KR" altLang="en-US" sz="1100" dirty="0"/>
+              <a:t>실행은 간단하게 실행 후 </a:t>
+            </a:r>
+            <a:r>
+              <a:rPr lang="ko-KR" altLang="en-US" sz="1100" dirty="0" err="1"/>
+              <a:t>생성자에</a:t>
+            </a:r>
+            <a:r>
+              <a:rPr lang="ko-KR" altLang="en-US" sz="1100" dirty="0"/>
+              <a:t> 의한 </a:t>
+            </a:r>
+            <a:r>
+              <a:rPr lang="ko-KR" altLang="en-US" sz="1100" dirty="0" err="1"/>
+              <a:t>출력구문을</a:t>
+            </a:r>
+            <a:r>
+              <a:rPr lang="ko-KR" altLang="en-US" sz="1100" dirty="0"/>
+              <a:t> 분석하도록</a:t>
+            </a:r>
+            <a:endParaRPr lang="en-US" altLang="ko-KR" sz="1100" dirty="0"/>
+          </a:p>
+          <a:p>
+            <a:r>
+              <a:rPr lang="ko-KR" altLang="en-US" sz="1100" dirty="0"/>
+              <a:t>모든 클래스에 대해서 한번씩 생성하도록 하였습니다</a:t>
+            </a:r>
+            <a:r>
+              <a:rPr lang="en-US" altLang="ko-KR" sz="1100" dirty="0"/>
+              <a:t>.</a:t>
+            </a:r>
+          </a:p>
+        </p:txBody>
+      </p:sp>
+    </p:spTree>
+    <p:extLst>
+      <p:ext uri="{BB962C8B-B14F-4D97-AF65-F5344CB8AC3E}">
+        <p14:creationId xmlns:p14="http://schemas.microsoft.com/office/powerpoint/2010/main" val="2786482672"/>
       </p:ext>
     </p:extLst>
   </p:cSld>
@@ -8970,6 +11642,591 @@
     <p:extLst>
       <p:ext uri="{BB962C8B-B14F-4D97-AF65-F5344CB8AC3E}">
         <p14:creationId xmlns:p14="http://schemas.microsoft.com/office/powerpoint/2010/main" val="1654424795"/>
+      </p:ext>
+    </p:extLst>
+  </p:cSld>
+  <p:clrMapOvr>
+    <a:masterClrMapping/>
+  </p:clrMapOvr>
+</p:sld>
+</file>
+
+<file path=ppt/slides/slide20.xml><?xml version="1.0" encoding="utf-8"?>
+<p:sld xmlns:a="http://schemas.openxmlformats.org/drawingml/2006/main" xmlns:r="http://schemas.openxmlformats.org/officeDocument/2006/relationships" xmlns:p="http://schemas.openxmlformats.org/presentationml/2006/main">
+  <p:cSld>
+    <p:spTree>
+      <p:nvGrpSpPr>
+        <p:cNvPr id="1" name=""/>
+        <p:cNvGrpSpPr/>
+        <p:nvPr/>
+      </p:nvGrpSpPr>
+      <p:grpSpPr>
+        <a:xfrm>
+          <a:off x="0" y="0"/>
+          <a:ext cx="0" cy="0"/>
+          <a:chOff x="0" y="0"/>
+          <a:chExt cx="0" cy="0"/>
+        </a:xfrm>
+      </p:grpSpPr>
+      <p:sp>
+        <p:nvSpPr>
+          <p:cNvPr id="37" name="직사각형 36">
+            <a:extLst>
+              <a:ext uri="{FF2B5EF4-FFF2-40B4-BE49-F238E27FC236}">
+                <a16:creationId xmlns:a16="http://schemas.microsoft.com/office/drawing/2014/main" id="{3F15C60C-17FE-422D-AFCF-73C75A021362}"/>
+              </a:ext>
+            </a:extLst>
+          </p:cNvPr>
+          <p:cNvSpPr/>
+          <p:nvPr/>
+        </p:nvSpPr>
+        <p:spPr>
+          <a:xfrm>
+            <a:off x="3697172" y="332194"/>
+            <a:ext cx="4713765" cy="735842"/>
+          </a:xfrm>
+          <a:prstGeom prst="rect">
+            <a:avLst/>
+          </a:prstGeom>
+        </p:spPr>
+        <p:txBody>
+          <a:bodyPr wrap="square">
+            <a:spAutoFit/>
+          </a:bodyPr>
+          <a:lstStyle/>
+          <a:p>
+            <a:pPr algn="ctr" latinLnBrk="0">
+              <a:lnSpc>
+                <a:spcPct val="150000"/>
+              </a:lnSpc>
+              <a:defRPr/>
+            </a:pPr>
+            <a:r>
+              <a:rPr lang="en-US" altLang="ko-KR" sz="3200" b="1" i="1" kern="0" dirty="0">
+                <a:solidFill>
+                  <a:srgbClr val="FF7876"/>
+                </a:solidFill>
+              </a:rPr>
+              <a:t>ex6</a:t>
+            </a:r>
+          </a:p>
+        </p:txBody>
+      </p:sp>
+      <p:cxnSp>
+        <p:nvCxnSpPr>
+          <p:cNvPr id="38" name="직선 연결선 37">
+            <a:extLst>
+              <a:ext uri="{FF2B5EF4-FFF2-40B4-BE49-F238E27FC236}">
+                <a16:creationId xmlns:a16="http://schemas.microsoft.com/office/drawing/2014/main" id="{940134F4-F272-426A-B50B-8075427DF501}"/>
+              </a:ext>
+            </a:extLst>
+          </p:cNvPr>
+          <p:cNvCxnSpPr>
+            <a:cxnSpLocks/>
+          </p:cNvCxnSpPr>
+          <p:nvPr/>
+        </p:nvCxnSpPr>
+        <p:spPr>
+          <a:xfrm flipV="1">
+            <a:off x="843148" y="847712"/>
+            <a:ext cx="4769087" cy="1"/>
+          </a:xfrm>
+          <a:prstGeom prst="line">
+            <a:avLst/>
+          </a:prstGeom>
+          <a:ln w="6350">
+            <a:solidFill>
+              <a:srgbClr val="FF7876"/>
+            </a:solidFill>
+            <a:prstDash val="sysDash"/>
+            <a:tailEnd type="oval"/>
+          </a:ln>
+        </p:spPr>
+        <p:style>
+          <a:lnRef idx="1">
+            <a:schemeClr val="accent1"/>
+          </a:lnRef>
+          <a:fillRef idx="0">
+            <a:schemeClr val="accent1"/>
+          </a:fillRef>
+          <a:effectRef idx="0">
+            <a:schemeClr val="accent1"/>
+          </a:effectRef>
+          <a:fontRef idx="minor">
+            <a:schemeClr val="tx1"/>
+          </a:fontRef>
+        </p:style>
+      </p:cxnSp>
+      <p:cxnSp>
+        <p:nvCxnSpPr>
+          <p:cNvPr id="39" name="직선 연결선 38">
+            <a:extLst>
+              <a:ext uri="{FF2B5EF4-FFF2-40B4-BE49-F238E27FC236}">
+                <a16:creationId xmlns:a16="http://schemas.microsoft.com/office/drawing/2014/main" id="{55EBD739-0979-4546-8E6B-9CA8052FC540}"/>
+              </a:ext>
+            </a:extLst>
+          </p:cNvPr>
+          <p:cNvCxnSpPr>
+            <a:cxnSpLocks/>
+          </p:cNvCxnSpPr>
+          <p:nvPr/>
+        </p:nvCxnSpPr>
+        <p:spPr>
+          <a:xfrm flipH="1">
+            <a:off x="6579767" y="847712"/>
+            <a:ext cx="4692810" cy="0"/>
+          </a:xfrm>
+          <a:prstGeom prst="line">
+            <a:avLst/>
+          </a:prstGeom>
+          <a:ln w="6350">
+            <a:solidFill>
+              <a:srgbClr val="FF7876"/>
+            </a:solidFill>
+            <a:prstDash val="sysDash"/>
+            <a:tailEnd type="oval"/>
+          </a:ln>
+        </p:spPr>
+        <p:style>
+          <a:lnRef idx="1">
+            <a:schemeClr val="accent1"/>
+          </a:lnRef>
+          <a:fillRef idx="0">
+            <a:schemeClr val="accent1"/>
+          </a:fillRef>
+          <a:effectRef idx="0">
+            <a:schemeClr val="accent1"/>
+          </a:effectRef>
+          <a:fontRef idx="minor">
+            <a:schemeClr val="tx1"/>
+          </a:fontRef>
+        </p:style>
+      </p:cxnSp>
+      <p:sp>
+        <p:nvSpPr>
+          <p:cNvPr id="8" name="TextBox 7">
+            <a:extLst>
+              <a:ext uri="{FF2B5EF4-FFF2-40B4-BE49-F238E27FC236}">
+                <a16:creationId xmlns:a16="http://schemas.microsoft.com/office/drawing/2014/main" id="{C18154B9-4F65-4277-8C17-63D9702FC25F}"/>
+              </a:ext>
+            </a:extLst>
+          </p:cNvPr>
+          <p:cNvSpPr txBox="1"/>
+          <p:nvPr/>
+        </p:nvSpPr>
+        <p:spPr>
+          <a:xfrm>
+            <a:off x="765146" y="963122"/>
+            <a:ext cx="10507430" cy="261610"/>
+          </a:xfrm>
+          <a:prstGeom prst="rect">
+            <a:avLst/>
+          </a:prstGeom>
+          <a:noFill/>
+        </p:spPr>
+        <p:txBody>
+          <a:bodyPr wrap="square" rtlCol="0">
+            <a:spAutoFit/>
+          </a:bodyPr>
+          <a:lstStyle/>
+          <a:p>
+            <a:pPr algn="ctr"/>
+            <a:r>
+              <a:rPr lang="ko-KR" altLang="en-US" sz="1100" i="1" dirty="0">
+                <a:solidFill>
+                  <a:srgbClr val="FF7876"/>
+                </a:solidFill>
+              </a:rPr>
+              <a:t>임의 프로그램 분석</a:t>
+            </a:r>
+            <a:endParaRPr lang="en-US" altLang="ko-KR" sz="1100" i="1" dirty="0">
+              <a:solidFill>
+                <a:srgbClr val="FF7876"/>
+              </a:solidFill>
+            </a:endParaRPr>
+          </a:p>
+        </p:txBody>
+      </p:sp>
+      <p:sp>
+        <p:nvSpPr>
+          <p:cNvPr id="29" name="TextBox 28">
+            <a:extLst>
+              <a:ext uri="{FF2B5EF4-FFF2-40B4-BE49-F238E27FC236}">
+                <a16:creationId xmlns:a16="http://schemas.microsoft.com/office/drawing/2014/main" id="{E3EE4462-0DA3-3E4F-824A-75CB5562CE34}"/>
+              </a:ext>
+            </a:extLst>
+          </p:cNvPr>
+          <p:cNvSpPr txBox="1"/>
+          <p:nvPr/>
+        </p:nvSpPr>
+        <p:spPr>
+          <a:xfrm>
+            <a:off x="3033486" y="4728149"/>
+            <a:ext cx="6125027" cy="1446550"/>
+          </a:xfrm>
+          <a:prstGeom prst="rect">
+            <a:avLst/>
+          </a:prstGeom>
+          <a:noFill/>
+          <a:ln w="12700">
+            <a:solidFill>
+              <a:srgbClr val="FF7876"/>
+            </a:solidFill>
+          </a:ln>
+        </p:spPr>
+        <p:txBody>
+          <a:bodyPr wrap="square" rtlCol="0">
+            <a:spAutoFit/>
+          </a:bodyPr>
+          <a:lstStyle/>
+          <a:p>
+            <a:pPr algn="ctr"/>
+            <a:r>
+              <a:rPr lang="ko-KR" altLang="en-US" sz="1100" dirty="0"/>
+              <a:t>생성된 클래스들이 의도에 맞게</a:t>
+            </a:r>
+            <a:endParaRPr lang="en-US" altLang="ko-KR" sz="1100" dirty="0"/>
+          </a:p>
+          <a:p>
+            <a:pPr algn="ctr"/>
+            <a:r>
+              <a:rPr lang="ko-KR" altLang="en-US" sz="1100" dirty="0"/>
+              <a:t>정상적으로 </a:t>
+            </a:r>
+            <a:r>
+              <a:rPr lang="ko-KR" altLang="en-US" sz="1100" dirty="0" err="1"/>
+              <a:t>출력되는것을</a:t>
+            </a:r>
+            <a:r>
+              <a:rPr lang="ko-KR" altLang="en-US" sz="1100" dirty="0"/>
+              <a:t> 볼 수 있습니다</a:t>
+            </a:r>
+            <a:r>
+              <a:rPr lang="en-US" altLang="ko-KR" sz="1100" dirty="0"/>
+              <a:t>.</a:t>
+            </a:r>
+          </a:p>
+          <a:p>
+            <a:pPr algn="ctr"/>
+            <a:endParaRPr lang="en-US" altLang="ko-KR" sz="1100" dirty="0"/>
+          </a:p>
+          <a:p>
+            <a:pPr algn="ctr"/>
+            <a:r>
+              <a:rPr lang="ko-KR" altLang="en-US" sz="1100" dirty="0"/>
+              <a:t>초기 맨 상단의 클래스의 요소가 하단의 클래스의 요소에서 역시</a:t>
+            </a:r>
+            <a:endParaRPr lang="en-US" altLang="ko-KR" sz="1100" dirty="0"/>
+          </a:p>
+          <a:p>
+            <a:pPr algn="ctr"/>
+            <a:r>
+              <a:rPr lang="ko-KR" altLang="en-US" sz="1100" dirty="0"/>
+              <a:t>참조하여 </a:t>
+            </a:r>
+            <a:r>
+              <a:rPr lang="ko-KR" altLang="en-US" sz="1100" dirty="0" err="1"/>
+              <a:t>생성자에</a:t>
+            </a:r>
+            <a:r>
+              <a:rPr lang="ko-KR" altLang="en-US" sz="1100" dirty="0"/>
+              <a:t> 의해 </a:t>
+            </a:r>
+            <a:r>
+              <a:rPr lang="ko-KR" altLang="en-US" sz="1100" dirty="0" err="1"/>
+              <a:t>출력되는것을</a:t>
+            </a:r>
+            <a:r>
+              <a:rPr lang="ko-KR" altLang="en-US" sz="1100" dirty="0"/>
+              <a:t> 볼 수 있습니다</a:t>
+            </a:r>
+            <a:r>
+              <a:rPr lang="en-US" altLang="ko-KR" sz="1100" dirty="0"/>
+              <a:t>.</a:t>
+            </a:r>
+          </a:p>
+          <a:p>
+            <a:pPr algn="ctr"/>
+            <a:endParaRPr lang="en-US" altLang="ko-KR" sz="1100" dirty="0"/>
+          </a:p>
+          <a:p>
+            <a:pPr algn="ctr"/>
+            <a:r>
+              <a:rPr lang="ko-KR" altLang="en-US" sz="1100" dirty="0"/>
+              <a:t>코드는 </a:t>
+            </a:r>
+            <a:r>
+              <a:rPr lang="en" altLang="ko-KR" sz="1100" dirty="0">
+                <a:hlinkClick r:id="rId2"/>
+              </a:rPr>
+              <a:t>https://github.com/yooatom2200/Programing_Base_2/tree/main/1%EC%9E%A5</a:t>
+            </a:r>
+            <a:r>
+              <a:rPr lang="ko-KR" altLang="en-US" sz="1100" dirty="0"/>
+              <a:t> 에서 볼 수 있습니다</a:t>
+            </a:r>
+            <a:r>
+              <a:rPr lang="en-US" altLang="ko-KR" sz="1100" dirty="0"/>
+              <a:t>.</a:t>
+            </a:r>
+          </a:p>
+        </p:txBody>
+      </p:sp>
+      <p:pic>
+        <p:nvPicPr>
+          <p:cNvPr id="4" name="그림 3">
+            <a:extLst>
+              <a:ext uri="{FF2B5EF4-FFF2-40B4-BE49-F238E27FC236}">
+                <a16:creationId xmlns:a16="http://schemas.microsoft.com/office/drawing/2014/main" id="{1BB14A67-252A-0D43-BA42-1757F08A5274}"/>
+              </a:ext>
+            </a:extLst>
+          </p:cNvPr>
+          <p:cNvPicPr>
+            <a:picLocks noChangeAspect="1"/>
+          </p:cNvPicPr>
+          <p:nvPr/>
+        </p:nvPicPr>
+        <p:blipFill>
+          <a:blip r:embed="rId3"/>
+          <a:stretch>
+            <a:fillRect/>
+          </a:stretch>
+        </p:blipFill>
+        <p:spPr>
+          <a:xfrm>
+            <a:off x="3749004" y="2129851"/>
+            <a:ext cx="4610100" cy="1981200"/>
+          </a:xfrm>
+          <a:prstGeom prst="rect">
+            <a:avLst/>
+          </a:prstGeom>
+        </p:spPr>
+      </p:pic>
+    </p:spTree>
+    <p:extLst>
+      <p:ext uri="{BB962C8B-B14F-4D97-AF65-F5344CB8AC3E}">
+        <p14:creationId xmlns:p14="http://schemas.microsoft.com/office/powerpoint/2010/main" val="1085569150"/>
+      </p:ext>
+    </p:extLst>
+  </p:cSld>
+  <p:clrMapOvr>
+    <a:masterClrMapping/>
+  </p:clrMapOvr>
+</p:sld>
+</file>
+
+<file path=ppt/slides/slide21.xml><?xml version="1.0" encoding="utf-8"?>
+<p:sld xmlns:a="http://schemas.openxmlformats.org/drawingml/2006/main" xmlns:r="http://schemas.openxmlformats.org/officeDocument/2006/relationships" xmlns:p="http://schemas.openxmlformats.org/presentationml/2006/main">
+  <p:cSld>
+    <p:spTree>
+      <p:nvGrpSpPr>
+        <p:cNvPr id="1" name=""/>
+        <p:cNvGrpSpPr/>
+        <p:nvPr/>
+      </p:nvGrpSpPr>
+      <p:grpSpPr>
+        <a:xfrm>
+          <a:off x="0" y="0"/>
+          <a:ext cx="0" cy="0"/>
+          <a:chOff x="0" y="0"/>
+          <a:chExt cx="0" cy="0"/>
+        </a:xfrm>
+      </p:grpSpPr>
+      <p:sp>
+        <p:nvSpPr>
+          <p:cNvPr id="105" name="직사각형 104">
+            <a:extLst>
+              <a:ext uri="{FF2B5EF4-FFF2-40B4-BE49-F238E27FC236}">
+                <a16:creationId xmlns:a16="http://schemas.microsoft.com/office/drawing/2014/main" id="{92F4E01E-679C-4D6B-8449-8DB2AF7B7D34}"/>
+              </a:ext>
+            </a:extLst>
+          </p:cNvPr>
+          <p:cNvSpPr/>
+          <p:nvPr/>
+        </p:nvSpPr>
+        <p:spPr>
+          <a:xfrm>
+            <a:off x="3739117" y="3003678"/>
+            <a:ext cx="4713765" cy="1032077"/>
+          </a:xfrm>
+          <a:prstGeom prst="rect">
+            <a:avLst/>
+          </a:prstGeom>
+        </p:spPr>
+        <p:txBody>
+          <a:bodyPr wrap="square">
+            <a:spAutoFit/>
+          </a:bodyPr>
+          <a:lstStyle/>
+          <a:p>
+            <a:pPr algn="ctr" latinLnBrk="0">
+              <a:lnSpc>
+                <a:spcPct val="150000"/>
+              </a:lnSpc>
+              <a:defRPr/>
+            </a:pPr>
+            <a:r>
+              <a:rPr lang="ko-KR" altLang="en-US" sz="3200" b="1" i="1" kern="0">
+                <a:solidFill>
+                  <a:srgbClr val="FF7876"/>
+                </a:solidFill>
+              </a:rPr>
+              <a:t>감사합니다</a:t>
+            </a:r>
+            <a:r>
+              <a:rPr lang="en-US" altLang="ko-KR" sz="3200" b="1" i="1" kern="0">
+                <a:solidFill>
+                  <a:prstClr val="black">
+                    <a:lumMod val="75000"/>
+                    <a:lumOff val="25000"/>
+                  </a:prstClr>
+                </a:solidFill>
+              </a:rPr>
+              <a:t> </a:t>
+            </a:r>
+            <a:endParaRPr lang="en-US" altLang="ko-KR" sz="3200" b="1" i="1" kern="0" dirty="0">
+              <a:solidFill>
+                <a:prstClr val="black">
+                  <a:lumMod val="75000"/>
+                  <a:lumOff val="25000"/>
+                </a:prstClr>
+              </a:solidFill>
+            </a:endParaRPr>
+          </a:p>
+          <a:p>
+            <a:pPr algn="ctr" latinLnBrk="0">
+              <a:lnSpc>
+                <a:spcPct val="150000"/>
+              </a:lnSpc>
+              <a:defRPr/>
+            </a:pPr>
+            <a:r>
+              <a:rPr lang="en-US" altLang="ko-KR" sz="900" kern="0">
+                <a:solidFill>
+                  <a:prstClr val="black">
+                    <a:lumMod val="75000"/>
+                    <a:lumOff val="25000"/>
+                  </a:prstClr>
+                </a:solidFill>
+              </a:rPr>
+              <a:t>20164091 </a:t>
+            </a:r>
+            <a:r>
+              <a:rPr lang="ko-KR" altLang="en-US" sz="900" kern="0">
+                <a:solidFill>
+                  <a:prstClr val="black">
+                    <a:lumMod val="75000"/>
+                    <a:lumOff val="25000"/>
+                  </a:prstClr>
+                </a:solidFill>
+              </a:rPr>
+              <a:t>송희령</a:t>
+            </a:r>
+            <a:endParaRPr lang="en-US" altLang="ko-KR" sz="900" kern="0" dirty="0">
+              <a:solidFill>
+                <a:prstClr val="black">
+                  <a:lumMod val="75000"/>
+                  <a:lumOff val="25000"/>
+                </a:prstClr>
+              </a:solidFill>
+            </a:endParaRPr>
+          </a:p>
+        </p:txBody>
+      </p:sp>
+      <p:cxnSp>
+        <p:nvCxnSpPr>
+          <p:cNvPr id="25" name="직선 연결선 24">
+            <a:extLst>
+              <a:ext uri="{FF2B5EF4-FFF2-40B4-BE49-F238E27FC236}">
+                <a16:creationId xmlns:a16="http://schemas.microsoft.com/office/drawing/2014/main" id="{5C950320-1D5A-4C58-BB46-CEBCD7EA92EE}"/>
+              </a:ext>
+            </a:extLst>
+          </p:cNvPr>
+          <p:cNvCxnSpPr>
+            <a:cxnSpLocks/>
+          </p:cNvCxnSpPr>
+          <p:nvPr/>
+        </p:nvCxnSpPr>
+        <p:spPr>
+          <a:xfrm flipV="1">
+            <a:off x="859926" y="3518678"/>
+            <a:ext cx="3747936" cy="519"/>
+          </a:xfrm>
+          <a:prstGeom prst="line">
+            <a:avLst/>
+          </a:prstGeom>
+          <a:ln w="6350">
+            <a:solidFill>
+              <a:srgbClr val="FF7876"/>
+            </a:solidFill>
+            <a:prstDash val="sysDash"/>
+            <a:tailEnd type="oval"/>
+          </a:ln>
+        </p:spPr>
+        <p:style>
+          <a:lnRef idx="1">
+            <a:schemeClr val="accent1"/>
+          </a:lnRef>
+          <a:fillRef idx="0">
+            <a:schemeClr val="accent1"/>
+          </a:fillRef>
+          <a:effectRef idx="0">
+            <a:schemeClr val="accent1"/>
+          </a:effectRef>
+          <a:fontRef idx="minor">
+            <a:schemeClr val="tx1"/>
+          </a:fontRef>
+        </p:style>
+      </p:cxnSp>
+      <p:cxnSp>
+        <p:nvCxnSpPr>
+          <p:cNvPr id="26" name="직선 연결선 25">
+            <a:extLst>
+              <a:ext uri="{FF2B5EF4-FFF2-40B4-BE49-F238E27FC236}">
+                <a16:creationId xmlns:a16="http://schemas.microsoft.com/office/drawing/2014/main" id="{4BADCF3C-651C-44CD-8DEE-E875CC3C1444}"/>
+              </a:ext>
+            </a:extLst>
+          </p:cNvPr>
+          <p:cNvCxnSpPr>
+            <a:cxnSpLocks/>
+          </p:cNvCxnSpPr>
+          <p:nvPr/>
+        </p:nvCxnSpPr>
+        <p:spPr>
+          <a:xfrm flipH="1">
+            <a:off x="7584140" y="3519196"/>
+            <a:ext cx="3688436" cy="0"/>
+          </a:xfrm>
+          <a:prstGeom prst="line">
+            <a:avLst/>
+          </a:prstGeom>
+          <a:ln w="6350">
+            <a:solidFill>
+              <a:srgbClr val="FF7876"/>
+            </a:solidFill>
+            <a:prstDash val="sysDash"/>
+            <a:tailEnd type="oval"/>
+          </a:ln>
+        </p:spPr>
+        <p:style>
+          <a:lnRef idx="1">
+            <a:schemeClr val="accent1"/>
+          </a:lnRef>
+          <a:fillRef idx="0">
+            <a:schemeClr val="accent1"/>
+          </a:fillRef>
+          <a:effectRef idx="0">
+            <a:schemeClr val="accent1"/>
+          </a:effectRef>
+          <a:fontRef idx="minor">
+            <a:schemeClr val="tx1"/>
+          </a:fontRef>
+        </p:style>
+      </p:cxnSp>
+    </p:spTree>
+    <p:extLst>
+      <p:ext uri="{BB962C8B-B14F-4D97-AF65-F5344CB8AC3E}">
+        <p14:creationId xmlns:p14="http://schemas.microsoft.com/office/powerpoint/2010/main" val="1066393970"/>
       </p:ext>
     </p:extLst>
   </p:cSld>
